--- a/src/site/sphinx/memo/images.pptx
+++ b/src/site/sphinx/memo/images.pptx
@@ -9,11 +9,13 @@
     <p:sldId id="256" r:id="rId3"/>
     <p:sldId id="260" r:id="rId4"/>
     <p:sldId id="258" r:id="rId5"/>
-    <p:sldId id="259" r:id="rId6"/>
-    <p:sldId id="261" r:id="rId7"/>
-    <p:sldId id="262" r:id="rId8"/>
-    <p:sldId id="263" r:id="rId9"/>
-    <p:sldId id="264" r:id="rId10"/>
+    <p:sldId id="266" r:id="rId6"/>
+    <p:sldId id="259" r:id="rId7"/>
+    <p:sldId id="261" r:id="rId8"/>
+    <p:sldId id="262" r:id="rId9"/>
+    <p:sldId id="265" r:id="rId10"/>
+    <p:sldId id="263" r:id="rId11"/>
+    <p:sldId id="264" r:id="rId12"/>
   </p:sldIdLst>
   <p:sldSz cx="9144000" cy="6858000" type="screen4x3"/>
   <p:notesSz cx="6858000" cy="9144000"/>
@@ -296,7 +298,7 @@
           <a:p>
             <a:fld id="{E90ED720-0104-4369-84BC-D37694168613}" type="datetimeFigureOut">
               <a:rPr kumimoji="1" lang="ja-JP" altLang="en-US" smtClean="0"/>
-              <a:t>2016/2/27</a:t>
+              <a:t>2016/2/29</a:t>
             </a:fld>
             <a:endParaRPr kumimoji="1" lang="ja-JP" altLang="en-US"/>
           </a:p>
@@ -493,7 +495,7 @@
           <a:p>
             <a:fld id="{E90ED720-0104-4369-84BC-D37694168613}" type="datetimeFigureOut">
               <a:rPr kumimoji="1" lang="ja-JP" altLang="en-US" smtClean="0"/>
-              <a:t>2016/2/27</a:t>
+              <a:t>2016/2/29</a:t>
             </a:fld>
             <a:endParaRPr kumimoji="1" lang="ja-JP" altLang="en-US"/>
           </a:p>
@@ -700,7 +702,7 @@
           <a:p>
             <a:fld id="{E90ED720-0104-4369-84BC-D37694168613}" type="datetimeFigureOut">
               <a:rPr kumimoji="1" lang="ja-JP" altLang="en-US" smtClean="0"/>
-              <a:t>2016/2/27</a:t>
+              <a:t>2016/2/29</a:t>
             </a:fld>
             <a:endParaRPr kumimoji="1" lang="ja-JP" altLang="en-US"/>
           </a:p>
@@ -897,7 +899,7 @@
           <a:p>
             <a:fld id="{E90ED720-0104-4369-84BC-D37694168613}" type="datetimeFigureOut">
               <a:rPr kumimoji="1" lang="ja-JP" altLang="en-US" smtClean="0"/>
-              <a:t>2016/2/27</a:t>
+              <a:t>2016/2/29</a:t>
             </a:fld>
             <a:endParaRPr kumimoji="1" lang="ja-JP" altLang="en-US"/>
           </a:p>
@@ -1138,7 +1140,7 @@
           <a:p>
             <a:fld id="{E90ED720-0104-4369-84BC-D37694168613}" type="datetimeFigureOut">
               <a:rPr kumimoji="1" lang="ja-JP" altLang="en-US" smtClean="0"/>
-              <a:t>2016/2/27</a:t>
+              <a:t>2016/2/29</a:t>
             </a:fld>
             <a:endParaRPr kumimoji="1" lang="ja-JP" altLang="en-US"/>
           </a:p>
@@ -1485,7 +1487,7 @@
           <a:p>
             <a:fld id="{E90ED720-0104-4369-84BC-D37694168613}" type="datetimeFigureOut">
               <a:rPr kumimoji="1" lang="ja-JP" altLang="en-US" smtClean="0"/>
-              <a:t>2016/2/27</a:t>
+              <a:t>2016/2/29</a:t>
             </a:fld>
             <a:endParaRPr kumimoji="1" lang="ja-JP" altLang="en-US"/>
           </a:p>
@@ -1966,7 +1968,7 @@
           <a:p>
             <a:fld id="{E90ED720-0104-4369-84BC-D37694168613}" type="datetimeFigureOut">
               <a:rPr kumimoji="1" lang="ja-JP" altLang="en-US" smtClean="0"/>
-              <a:t>2016/2/27</a:t>
+              <a:t>2016/2/29</a:t>
             </a:fld>
             <a:endParaRPr kumimoji="1" lang="ja-JP" altLang="en-US"/>
           </a:p>
@@ -2079,7 +2081,7 @@
           <a:p>
             <a:fld id="{E90ED720-0104-4369-84BC-D37694168613}" type="datetimeFigureOut">
               <a:rPr kumimoji="1" lang="ja-JP" altLang="en-US" smtClean="0"/>
-              <a:t>2016/2/27</a:t>
+              <a:t>2016/2/29</a:t>
             </a:fld>
             <a:endParaRPr kumimoji="1" lang="ja-JP" altLang="en-US"/>
           </a:p>
@@ -2169,7 +2171,7 @@
           <a:p>
             <a:fld id="{E90ED720-0104-4369-84BC-D37694168613}" type="datetimeFigureOut">
               <a:rPr kumimoji="1" lang="ja-JP" altLang="en-US" smtClean="0"/>
-              <a:t>2016/2/27</a:t>
+              <a:t>2016/2/29</a:t>
             </a:fld>
             <a:endParaRPr kumimoji="1" lang="ja-JP" altLang="en-US"/>
           </a:p>
@@ -2473,7 +2475,7 @@
           <a:p>
             <a:fld id="{E90ED720-0104-4369-84BC-D37694168613}" type="datetimeFigureOut">
               <a:rPr kumimoji="1" lang="ja-JP" altLang="en-US" smtClean="0"/>
-              <a:t>2016/2/27</a:t>
+              <a:t>2016/2/29</a:t>
             </a:fld>
             <a:endParaRPr kumimoji="1" lang="ja-JP" altLang="en-US"/>
           </a:p>
@@ -2721,7 +2723,7 @@
           <a:p>
             <a:fld id="{E90ED720-0104-4369-84BC-D37694168613}" type="datetimeFigureOut">
               <a:rPr kumimoji="1" lang="ja-JP" altLang="en-US" smtClean="0"/>
-              <a:t>2016/2/27</a:t>
+              <a:t>2016/2/29</a:t>
             </a:fld>
             <a:endParaRPr kumimoji="1" lang="ja-JP" altLang="en-US"/>
           </a:p>
@@ -2961,7 +2963,7 @@
           <a:p>
             <a:fld id="{E90ED720-0104-4369-84BC-D37694168613}" type="datetimeFigureOut">
               <a:rPr kumimoji="1" lang="ja-JP" altLang="en-US" smtClean="0"/>
-              <a:t>2016/2/27</a:t>
+              <a:t>2016/2/29</a:t>
             </a:fld>
             <a:endParaRPr kumimoji="1" lang="ja-JP" altLang="en-US"/>
           </a:p>
@@ -3426,6 +3428,222 @@
 </p:sld>
 </file>
 
+<file path=ppt/slides/slide10.xml><?xml version="1.0" encoding="utf-8"?>
+<p:sld xmlns:a="http://schemas.openxmlformats.org/drawingml/2006/main" xmlns:r="http://schemas.openxmlformats.org/officeDocument/2006/relationships" xmlns:p="http://schemas.openxmlformats.org/presentationml/2006/main">
+  <p:cSld>
+    <p:spTree>
+      <p:nvGrpSpPr>
+        <p:cNvPr id="1" name=""/>
+        <p:cNvGrpSpPr/>
+        <p:nvPr/>
+      </p:nvGrpSpPr>
+      <p:grpSpPr>
+        <a:xfrm>
+          <a:off x="0" y="0"/>
+          <a:ext cx="0" cy="0"/>
+          <a:chOff x="0" y="0"/>
+          <a:chExt cx="0" cy="0"/>
+        </a:xfrm>
+      </p:grpSpPr>
+      <p:sp>
+        <p:nvSpPr>
+          <p:cNvPr id="2" name="タイトル 1"/>
+          <p:cNvSpPr>
+            <a:spLocks noGrp="1"/>
+          </p:cNvSpPr>
+          <p:nvPr>
+            <p:ph type="title"/>
+          </p:nvPr>
+        </p:nvSpPr>
+        <p:spPr/>
+        <p:txBody>
+          <a:bodyPr/>
+          <a:lstStyle/>
+          <a:p>
+            <a:r>
+              <a:rPr lang="en-US" altLang="ja-JP" dirty="0" err="1"/>
+              <a:t>I</a:t>
+            </a:r>
+            <a:r>
+              <a:rPr kumimoji="1" lang="en-US" altLang="ja-JP" dirty="0" err="1" smtClean="0"/>
+              <a:t>terateTables</a:t>
+            </a:r>
+            <a:endParaRPr kumimoji="1" lang="ja-JP" altLang="en-US" dirty="0"/>
+          </a:p>
+        </p:txBody>
+      </p:sp>
+      <p:pic>
+        <p:nvPicPr>
+          <p:cNvPr id="2054" name="Picture 6"/>
+          <p:cNvPicPr>
+            <a:picLocks noChangeAspect="1" noChangeArrowheads="1"/>
+          </p:cNvPicPr>
+          <p:nvPr/>
+        </p:nvPicPr>
+        <p:blipFill rotWithShape="1">
+          <a:blip r:embed="rId2" cstate="print">
+            <a:extLst>
+              <a:ext uri="{28A0092B-C50C-407E-A947-70E740481C1C}">
+                <a14:useLocalDpi xmlns:a14="http://schemas.microsoft.com/office/drawing/2010/main" val="0"/>
+              </a:ext>
+            </a:extLst>
+          </a:blip>
+          <a:srcRect/>
+          <a:stretch/>
+        </p:blipFill>
+        <p:spPr bwMode="auto">
+          <a:xfrm>
+            <a:off x="395536" y="1268760"/>
+            <a:ext cx="7086600" cy="2286001"/>
+          </a:xfrm>
+          <a:prstGeom prst="rect">
+            <a:avLst/>
+          </a:prstGeom>
+          <a:noFill/>
+          <a:ln>
+            <a:noFill/>
+          </a:ln>
+          <a:extLst>
+            <a:ext uri="{909E8E84-426E-40DD-AFC4-6F175D3DCCD1}">
+              <a14:hiddenFill xmlns:a14="http://schemas.microsoft.com/office/drawing/2010/main">
+                <a:solidFill>
+                  <a:schemeClr val="accent1"/>
+                </a:solidFill>
+              </a14:hiddenFill>
+            </a:ext>
+            <a:ext uri="{91240B29-F687-4F45-9708-019B960494DF}">
+              <a14:hiddenLine xmlns:a14="http://schemas.microsoft.com/office/drawing/2010/main" w="9525">
+                <a:solidFill>
+                  <a:schemeClr val="tx1"/>
+                </a:solidFill>
+                <a:miter lim="800000"/>
+                <a:headEnd/>
+                <a:tailEnd/>
+              </a14:hiddenLine>
+            </a:ext>
+          </a:extLst>
+        </p:spPr>
+      </p:pic>
+    </p:spTree>
+    <p:extLst>
+      <p:ext uri="{BB962C8B-B14F-4D97-AF65-F5344CB8AC3E}">
+        <p14:creationId xmlns:p14="http://schemas.microsoft.com/office/powerpoint/2010/main" val="2514548196"/>
+      </p:ext>
+    </p:extLst>
+  </p:cSld>
+  <p:clrMapOvr>
+    <a:masterClrMapping/>
+  </p:clrMapOvr>
+</p:sld>
+</file>
+
+<file path=ppt/slides/slide11.xml><?xml version="1.0" encoding="utf-8"?>
+<p:sld xmlns:a="http://schemas.openxmlformats.org/drawingml/2006/main" xmlns:r="http://schemas.openxmlformats.org/officeDocument/2006/relationships" xmlns:p="http://schemas.openxmlformats.org/presentationml/2006/main">
+  <p:cSld>
+    <p:spTree>
+      <p:nvGrpSpPr>
+        <p:cNvPr id="1" name=""/>
+        <p:cNvGrpSpPr/>
+        <p:nvPr/>
+      </p:nvGrpSpPr>
+      <p:grpSpPr>
+        <a:xfrm>
+          <a:off x="0" y="0"/>
+          <a:ext cx="0" cy="0"/>
+          <a:chOff x="0" y="0"/>
+          <a:chExt cx="0" cy="0"/>
+        </a:xfrm>
+      </p:grpSpPr>
+      <p:sp>
+        <p:nvSpPr>
+          <p:cNvPr id="2" name="タイトル 1"/>
+          <p:cNvSpPr>
+            <a:spLocks noGrp="1"/>
+          </p:cNvSpPr>
+          <p:nvPr>
+            <p:ph type="title"/>
+          </p:nvPr>
+        </p:nvSpPr>
+        <p:spPr/>
+        <p:txBody>
+          <a:bodyPr/>
+          <a:lstStyle/>
+          <a:p>
+            <a:r>
+              <a:rPr lang="en-US" altLang="ja-JP" dirty="0" smtClean="0"/>
+              <a:t>Converter</a:t>
+            </a:r>
+            <a:endParaRPr kumimoji="1" lang="ja-JP" altLang="en-US" dirty="0"/>
+          </a:p>
+        </p:txBody>
+      </p:sp>
+      <p:pic>
+        <p:nvPicPr>
+          <p:cNvPr id="1026" name="Picture 2"/>
+          <p:cNvPicPr>
+            <a:picLocks noChangeAspect="1" noChangeArrowheads="1"/>
+          </p:cNvPicPr>
+          <p:nvPr/>
+        </p:nvPicPr>
+        <p:blipFill>
+          <a:blip r:embed="rId2">
+            <a:extLst>
+              <a:ext uri="{28A0092B-C50C-407E-A947-70E740481C1C}">
+                <a14:useLocalDpi xmlns:a14="http://schemas.microsoft.com/office/drawing/2010/main" val="0"/>
+              </a:ext>
+            </a:extLst>
+          </a:blip>
+          <a:srcRect/>
+          <a:stretch>
+            <a:fillRect/>
+          </a:stretch>
+        </p:blipFill>
+        <p:spPr bwMode="auto">
+          <a:xfrm>
+            <a:off x="683568" y="1412776"/>
+            <a:ext cx="5172075" cy="4200525"/>
+          </a:xfrm>
+          <a:prstGeom prst="rect">
+            <a:avLst/>
+          </a:prstGeom>
+          <a:noFill/>
+          <a:ln>
+            <a:noFill/>
+          </a:ln>
+          <a:extLst>
+            <a:ext uri="{909E8E84-426E-40DD-AFC4-6F175D3DCCD1}">
+              <a14:hiddenFill xmlns:a14="http://schemas.microsoft.com/office/drawing/2010/main">
+                <a:solidFill>
+                  <a:schemeClr val="accent1"/>
+                </a:solidFill>
+              </a14:hiddenFill>
+            </a:ext>
+            <a:ext uri="{91240B29-F687-4F45-9708-019B960494DF}">
+              <a14:hiddenLine xmlns:a14="http://schemas.microsoft.com/office/drawing/2010/main" w="9525">
+                <a:solidFill>
+                  <a:schemeClr val="tx1"/>
+                </a:solidFill>
+                <a:miter lim="800000"/>
+                <a:headEnd/>
+                <a:tailEnd/>
+              </a14:hiddenLine>
+            </a:ext>
+          </a:extLst>
+        </p:spPr>
+      </p:pic>
+    </p:spTree>
+    <p:extLst>
+      <p:ext uri="{BB962C8B-B14F-4D97-AF65-F5344CB8AC3E}">
+        <p14:creationId xmlns:p14="http://schemas.microsoft.com/office/powerpoint/2010/main" val="1516922418"/>
+      </p:ext>
+    </p:extLst>
+  </p:cSld>
+  <p:clrMapOvr>
+    <a:masterClrMapping/>
+  </p:clrMapOvr>
+</p:sld>
+</file>
+
 <file path=ppt/slides/slide2.xml><?xml version="1.0" encoding="utf-8"?>
 <p:sld xmlns:a="http://schemas.openxmlformats.org/drawingml/2006/main" xmlns:r="http://schemas.openxmlformats.org/officeDocument/2006/relationships" xmlns:p="http://schemas.openxmlformats.org/presentationml/2006/main">
   <p:cSld>
@@ -4000,7 +4218,7 @@
         </p:blipFill>
         <p:spPr bwMode="auto">
           <a:xfrm>
-            <a:off x="466403" y="4725144"/>
+            <a:off x="338783" y="4082033"/>
             <a:ext cx="4752975" cy="1162051"/>
           </a:xfrm>
           <a:prstGeom prst="rect">
@@ -4127,6 +4345,111 @@
 </file>
 
 <file path=ppt/slides/slide5.xml><?xml version="1.0" encoding="utf-8"?>
+<p:sld xmlns:a="http://schemas.openxmlformats.org/drawingml/2006/main" xmlns:r="http://schemas.openxmlformats.org/officeDocument/2006/relationships" xmlns:p="http://schemas.openxmlformats.org/presentationml/2006/main">
+  <p:cSld>
+    <p:spTree>
+      <p:nvGrpSpPr>
+        <p:cNvPr id="1" name=""/>
+        <p:cNvGrpSpPr/>
+        <p:nvPr/>
+      </p:nvGrpSpPr>
+      <p:grpSpPr>
+        <a:xfrm>
+          <a:off x="0" y="0"/>
+          <a:ext cx="0" cy="0"/>
+          <a:chOff x="0" y="0"/>
+          <a:chExt cx="0" cy="0"/>
+        </a:xfrm>
+      </p:grpSpPr>
+      <p:sp>
+        <p:nvSpPr>
+          <p:cNvPr id="2" name="タイトル 1"/>
+          <p:cNvSpPr>
+            <a:spLocks noGrp="1"/>
+          </p:cNvSpPr>
+          <p:nvPr>
+            <p:ph type="title"/>
+          </p:nvPr>
+        </p:nvSpPr>
+        <p:spPr/>
+        <p:txBody>
+          <a:bodyPr/>
+          <a:lstStyle/>
+          <a:p>
+            <a:r>
+              <a:rPr kumimoji="1" lang="en-US" altLang="ja-JP" dirty="0" err="1" smtClean="0"/>
+              <a:t>HorizontalRecords</a:t>
+            </a:r>
+            <a:endParaRPr kumimoji="1" lang="ja-JP" altLang="en-US" dirty="0"/>
+          </a:p>
+        </p:txBody>
+      </p:sp>
+      <p:pic>
+        <p:nvPicPr>
+          <p:cNvPr id="4099" name="Picture 3"/>
+          <p:cNvPicPr>
+            <a:picLocks noChangeAspect="1" noChangeArrowheads="1"/>
+          </p:cNvPicPr>
+          <p:nvPr/>
+        </p:nvPicPr>
+        <p:blipFill rotWithShape="1">
+          <a:blip r:embed="rId2" cstate="print">
+            <a:extLst>
+              <a:ext uri="{28A0092B-C50C-407E-A947-70E740481C1C}">
+                <a14:useLocalDpi xmlns:a14="http://schemas.microsoft.com/office/drawing/2010/main" val="0"/>
+              </a:ext>
+            </a:extLst>
+          </a:blip>
+          <a:srcRect/>
+          <a:stretch/>
+        </p:blipFill>
+        <p:spPr bwMode="auto">
+          <a:xfrm>
+            <a:off x="251520" y="1196752"/>
+            <a:ext cx="3867150" cy="2847975"/>
+          </a:xfrm>
+          <a:prstGeom prst="rect">
+            <a:avLst/>
+          </a:prstGeom>
+          <a:noFill/>
+          <a:ln>
+            <a:noFill/>
+          </a:ln>
+          <a:extLst>
+            <a:ext uri="{909E8E84-426E-40DD-AFC4-6F175D3DCCD1}">
+              <a14:hiddenFill xmlns:a14="http://schemas.microsoft.com/office/drawing/2010/main">
+                <a:solidFill>
+                  <a:schemeClr val="accent1"/>
+                </a:solidFill>
+              </a14:hiddenFill>
+            </a:ext>
+            <a:ext uri="{91240B29-F687-4F45-9708-019B960494DF}">
+              <a14:hiddenLine xmlns:a14="http://schemas.microsoft.com/office/drawing/2010/main" w="9525">
+                <a:solidFill>
+                  <a:schemeClr val="tx1"/>
+                </a:solidFill>
+                <a:miter lim="800000"/>
+                <a:headEnd/>
+                <a:tailEnd/>
+              </a14:hiddenLine>
+            </a:ext>
+          </a:extLst>
+        </p:spPr>
+      </p:pic>
+    </p:spTree>
+    <p:extLst>
+      <p:ext uri="{BB962C8B-B14F-4D97-AF65-F5344CB8AC3E}">
+        <p14:creationId xmlns:p14="http://schemas.microsoft.com/office/powerpoint/2010/main" val="3159689483"/>
+      </p:ext>
+    </p:extLst>
+  </p:cSld>
+  <p:clrMapOvr>
+    <a:masterClrMapping/>
+  </p:clrMapOvr>
+</p:sld>
+</file>
+
+<file path=ppt/slides/slide6.xml><?xml version="1.0" encoding="utf-8"?>
 <p:sld xmlns:a="http://schemas.openxmlformats.org/drawingml/2006/main" xmlns:r="http://schemas.openxmlformats.org/officeDocument/2006/relationships" xmlns:p="http://schemas.openxmlformats.org/presentationml/2006/main">
   <p:cSld>
     <p:spTree>
@@ -4335,7 +4658,7 @@
 </p:sld>
 </file>
 
-<file path=ppt/slides/slide6.xml><?xml version="1.0" encoding="utf-8"?>
+<file path=ppt/slides/slide7.xml><?xml version="1.0" encoding="utf-8"?>
 <p:sld xmlns:a="http://schemas.openxmlformats.org/drawingml/2006/main" xmlns:r="http://schemas.openxmlformats.org/officeDocument/2006/relationships" xmlns:p="http://schemas.openxmlformats.org/presentationml/2006/main">
   <p:cSld>
     <p:spTree>
@@ -4492,7 +4815,7 @@
 </p:sld>
 </file>
 
-<file path=ppt/slides/slide7.xml><?xml version="1.0" encoding="utf-8"?>
+<file path=ppt/slides/slide8.xml><?xml version="1.0" encoding="utf-8"?>
 <p:sld xmlns:a="http://schemas.openxmlformats.org/drawingml/2006/main" xmlns:r="http://schemas.openxmlformats.org/officeDocument/2006/relationships" xmlns:p="http://schemas.openxmlformats.org/presentationml/2006/main">
   <p:cSld>
     <p:spTree>
@@ -4701,7 +5024,7 @@
 </p:sld>
 </file>
 
-<file path=ppt/slides/slide8.xml><?xml version="1.0" encoding="utf-8"?>
+<file path=ppt/slides/slide9.xml><?xml version="1.0" encoding="utf-8"?>
 <p:sld xmlns:a="http://schemas.openxmlformats.org/drawingml/2006/main" xmlns:r="http://schemas.openxmlformats.org/officeDocument/2006/relationships" xmlns:p="http://schemas.openxmlformats.org/presentationml/2006/main">
   <p:cSld>
     <p:spTree>
@@ -4734,12 +5057,8 @@
           <a:lstStyle/>
           <a:p>
             <a:r>
-              <a:rPr lang="en-US" altLang="ja-JP" dirty="0" err="1"/>
-              <a:t>I</a:t>
-            </a:r>
-            <a:r>
               <a:rPr kumimoji="1" lang="en-US" altLang="ja-JP" dirty="0" err="1" smtClean="0"/>
-              <a:t>terateTables</a:t>
+              <a:t>VerticalRecords</a:t>
             </a:r>
             <a:endParaRPr kumimoji="1" lang="ja-JP" altLang="en-US" dirty="0"/>
           </a:p>
@@ -4747,7 +5066,7 @@
       </p:sp>
       <p:pic>
         <p:nvPicPr>
-          <p:cNvPr id="2054" name="Picture 6"/>
+          <p:cNvPr id="3077" name="Picture 5"/>
           <p:cNvPicPr>
             <a:picLocks noChangeAspect="1" noChangeArrowheads="1"/>
           </p:cNvPicPr>
@@ -4766,8 +5085,8 @@
         </p:blipFill>
         <p:spPr bwMode="auto">
           <a:xfrm>
-            <a:off x="395536" y="1268760"/>
-            <a:ext cx="7086600" cy="2286001"/>
+            <a:off x="323528" y="1340768"/>
+            <a:ext cx="4438650" cy="2867025"/>
           </a:xfrm>
           <a:prstGeom prst="rect">
             <a:avLst/>
@@ -4800,114 +5119,7 @@
     </p:spTree>
     <p:extLst>
       <p:ext uri="{BB962C8B-B14F-4D97-AF65-F5344CB8AC3E}">
-        <p14:creationId xmlns:p14="http://schemas.microsoft.com/office/powerpoint/2010/main" val="2514548196"/>
-      </p:ext>
-    </p:extLst>
-  </p:cSld>
-  <p:clrMapOvr>
-    <a:masterClrMapping/>
-  </p:clrMapOvr>
-</p:sld>
-</file>
-
-<file path=ppt/slides/slide9.xml><?xml version="1.0" encoding="utf-8"?>
-<p:sld xmlns:a="http://schemas.openxmlformats.org/drawingml/2006/main" xmlns:r="http://schemas.openxmlformats.org/officeDocument/2006/relationships" xmlns:p="http://schemas.openxmlformats.org/presentationml/2006/main">
-  <p:cSld>
-    <p:spTree>
-      <p:nvGrpSpPr>
-        <p:cNvPr id="1" name=""/>
-        <p:cNvGrpSpPr/>
-        <p:nvPr/>
-      </p:nvGrpSpPr>
-      <p:grpSpPr>
-        <a:xfrm>
-          <a:off x="0" y="0"/>
-          <a:ext cx="0" cy="0"/>
-          <a:chOff x="0" y="0"/>
-          <a:chExt cx="0" cy="0"/>
-        </a:xfrm>
-      </p:grpSpPr>
-      <p:sp>
-        <p:nvSpPr>
-          <p:cNvPr id="2" name="タイトル 1"/>
-          <p:cNvSpPr>
-            <a:spLocks noGrp="1"/>
-          </p:cNvSpPr>
-          <p:nvPr>
-            <p:ph type="title"/>
-          </p:nvPr>
-        </p:nvSpPr>
-        <p:spPr/>
-        <p:txBody>
-          <a:bodyPr/>
-          <a:lstStyle/>
-          <a:p>
-            <a:r>
-              <a:rPr lang="en-US" altLang="ja-JP" dirty="0" smtClean="0"/>
-              <a:t>Converter</a:t>
-            </a:r>
-            <a:endParaRPr kumimoji="1" lang="ja-JP" altLang="en-US" dirty="0"/>
-          </a:p>
-        </p:txBody>
-      </p:sp>
-      <p:pic>
-        <p:nvPicPr>
-          <p:cNvPr id="1026" name="Picture 2"/>
-          <p:cNvPicPr>
-            <a:picLocks noChangeAspect="1" noChangeArrowheads="1"/>
-          </p:cNvPicPr>
-          <p:nvPr/>
-        </p:nvPicPr>
-        <p:blipFill>
-          <a:blip r:embed="rId2">
-            <a:extLst>
-              <a:ext uri="{28A0092B-C50C-407E-A947-70E740481C1C}">
-                <a14:useLocalDpi xmlns:a14="http://schemas.microsoft.com/office/drawing/2010/main" val="0"/>
-              </a:ext>
-            </a:extLst>
-          </a:blip>
-          <a:srcRect/>
-          <a:stretch>
-            <a:fillRect/>
-          </a:stretch>
-        </p:blipFill>
-        <p:spPr bwMode="auto">
-          <a:xfrm>
-            <a:off x="683568" y="1412776"/>
-            <a:ext cx="5172075" cy="4200525"/>
-          </a:xfrm>
-          <a:prstGeom prst="rect">
-            <a:avLst/>
-          </a:prstGeom>
-          <a:noFill/>
-          <a:ln>
-            <a:noFill/>
-          </a:ln>
-          <a:extLst>
-            <a:ext uri="{909E8E84-426E-40DD-AFC4-6F175D3DCCD1}">
-              <a14:hiddenFill xmlns:a14="http://schemas.microsoft.com/office/drawing/2010/main">
-                <a:solidFill>
-                  <a:schemeClr val="accent1"/>
-                </a:solidFill>
-              </a14:hiddenFill>
-            </a:ext>
-            <a:ext uri="{91240B29-F687-4F45-9708-019B960494DF}">
-              <a14:hiddenLine xmlns:a14="http://schemas.microsoft.com/office/drawing/2010/main" w="9525">
-                <a:solidFill>
-                  <a:schemeClr val="tx1"/>
-                </a:solidFill>
-                <a:miter lim="800000"/>
-                <a:headEnd/>
-                <a:tailEnd/>
-              </a14:hiddenLine>
-            </a:ext>
-          </a:extLst>
-        </p:spPr>
-      </p:pic>
-    </p:spTree>
-    <p:extLst>
-      <p:ext uri="{BB962C8B-B14F-4D97-AF65-F5344CB8AC3E}">
-        <p14:creationId xmlns:p14="http://schemas.microsoft.com/office/powerpoint/2010/main" val="1516922418"/>
+        <p14:creationId xmlns:p14="http://schemas.microsoft.com/office/powerpoint/2010/main" val="720279345"/>
       </p:ext>
     </p:extLst>
   </p:cSld>

--- a/src/site/sphinx/memo/images.pptx
+++ b/src/site/sphinx/memo/images.pptx
@@ -5,17 +5,18 @@
     <p:sldMasterId id="2147483648" r:id="rId1"/>
   </p:sldMasterIdLst>
   <p:sldIdLst>
-    <p:sldId id="257" r:id="rId2"/>
-    <p:sldId id="256" r:id="rId3"/>
-    <p:sldId id="260" r:id="rId4"/>
-    <p:sldId id="258" r:id="rId5"/>
-    <p:sldId id="266" r:id="rId6"/>
-    <p:sldId id="259" r:id="rId7"/>
-    <p:sldId id="261" r:id="rId8"/>
-    <p:sldId id="262" r:id="rId9"/>
-    <p:sldId id="265" r:id="rId10"/>
-    <p:sldId id="263" r:id="rId11"/>
-    <p:sldId id="264" r:id="rId12"/>
+    <p:sldId id="267" r:id="rId2"/>
+    <p:sldId id="257" r:id="rId3"/>
+    <p:sldId id="256" r:id="rId4"/>
+    <p:sldId id="260" r:id="rId5"/>
+    <p:sldId id="258" r:id="rId6"/>
+    <p:sldId id="266" r:id="rId7"/>
+    <p:sldId id="259" r:id="rId8"/>
+    <p:sldId id="261" r:id="rId9"/>
+    <p:sldId id="262" r:id="rId10"/>
+    <p:sldId id="265" r:id="rId11"/>
+    <p:sldId id="263" r:id="rId12"/>
+    <p:sldId id="264" r:id="rId13"/>
   </p:sldIdLst>
   <p:sldSz cx="9144000" cy="6858000" type="screen4x3"/>
   <p:notesSz cx="6858000" cy="9144000"/>
@@ -298,7 +299,7 @@
           <a:p>
             <a:fld id="{E90ED720-0104-4369-84BC-D37694168613}" type="datetimeFigureOut">
               <a:rPr kumimoji="1" lang="ja-JP" altLang="en-US" smtClean="0"/>
-              <a:t>2016/2/29</a:t>
+              <a:t>2016/3/6</a:t>
             </a:fld>
             <a:endParaRPr kumimoji="1" lang="ja-JP" altLang="en-US"/>
           </a:p>
@@ -495,7 +496,7 @@
           <a:p>
             <a:fld id="{E90ED720-0104-4369-84BC-D37694168613}" type="datetimeFigureOut">
               <a:rPr kumimoji="1" lang="ja-JP" altLang="en-US" smtClean="0"/>
-              <a:t>2016/2/29</a:t>
+              <a:t>2016/3/6</a:t>
             </a:fld>
             <a:endParaRPr kumimoji="1" lang="ja-JP" altLang="en-US"/>
           </a:p>
@@ -702,7 +703,7 @@
           <a:p>
             <a:fld id="{E90ED720-0104-4369-84BC-D37694168613}" type="datetimeFigureOut">
               <a:rPr kumimoji="1" lang="ja-JP" altLang="en-US" smtClean="0"/>
-              <a:t>2016/2/29</a:t>
+              <a:t>2016/3/6</a:t>
             </a:fld>
             <a:endParaRPr kumimoji="1" lang="ja-JP" altLang="en-US"/>
           </a:p>
@@ -899,7 +900,7 @@
           <a:p>
             <a:fld id="{E90ED720-0104-4369-84BC-D37694168613}" type="datetimeFigureOut">
               <a:rPr kumimoji="1" lang="ja-JP" altLang="en-US" smtClean="0"/>
-              <a:t>2016/2/29</a:t>
+              <a:t>2016/3/6</a:t>
             </a:fld>
             <a:endParaRPr kumimoji="1" lang="ja-JP" altLang="en-US"/>
           </a:p>
@@ -1140,7 +1141,7 @@
           <a:p>
             <a:fld id="{E90ED720-0104-4369-84BC-D37694168613}" type="datetimeFigureOut">
               <a:rPr kumimoji="1" lang="ja-JP" altLang="en-US" smtClean="0"/>
-              <a:t>2016/2/29</a:t>
+              <a:t>2016/3/6</a:t>
             </a:fld>
             <a:endParaRPr kumimoji="1" lang="ja-JP" altLang="en-US"/>
           </a:p>
@@ -1487,7 +1488,7 @@
           <a:p>
             <a:fld id="{E90ED720-0104-4369-84BC-D37694168613}" type="datetimeFigureOut">
               <a:rPr kumimoji="1" lang="ja-JP" altLang="en-US" smtClean="0"/>
-              <a:t>2016/2/29</a:t>
+              <a:t>2016/3/6</a:t>
             </a:fld>
             <a:endParaRPr kumimoji="1" lang="ja-JP" altLang="en-US"/>
           </a:p>
@@ -1968,7 +1969,7 @@
           <a:p>
             <a:fld id="{E90ED720-0104-4369-84BC-D37694168613}" type="datetimeFigureOut">
               <a:rPr kumimoji="1" lang="ja-JP" altLang="en-US" smtClean="0"/>
-              <a:t>2016/2/29</a:t>
+              <a:t>2016/3/6</a:t>
             </a:fld>
             <a:endParaRPr kumimoji="1" lang="ja-JP" altLang="en-US"/>
           </a:p>
@@ -2081,7 +2082,7 @@
           <a:p>
             <a:fld id="{E90ED720-0104-4369-84BC-D37694168613}" type="datetimeFigureOut">
               <a:rPr kumimoji="1" lang="ja-JP" altLang="en-US" smtClean="0"/>
-              <a:t>2016/2/29</a:t>
+              <a:t>2016/3/6</a:t>
             </a:fld>
             <a:endParaRPr kumimoji="1" lang="ja-JP" altLang="en-US"/>
           </a:p>
@@ -2171,7 +2172,7 @@
           <a:p>
             <a:fld id="{E90ED720-0104-4369-84BC-D37694168613}" type="datetimeFigureOut">
               <a:rPr kumimoji="1" lang="ja-JP" altLang="en-US" smtClean="0"/>
-              <a:t>2016/2/29</a:t>
+              <a:t>2016/3/6</a:t>
             </a:fld>
             <a:endParaRPr kumimoji="1" lang="ja-JP" altLang="en-US"/>
           </a:p>
@@ -2475,7 +2476,7 @@
           <a:p>
             <a:fld id="{E90ED720-0104-4369-84BC-D37694168613}" type="datetimeFigureOut">
               <a:rPr kumimoji="1" lang="ja-JP" altLang="en-US" smtClean="0"/>
-              <a:t>2016/2/29</a:t>
+              <a:t>2016/3/6</a:t>
             </a:fld>
             <a:endParaRPr kumimoji="1" lang="ja-JP" altLang="en-US"/>
           </a:p>
@@ -2723,7 +2724,7 @@
           <a:p>
             <a:fld id="{E90ED720-0104-4369-84BC-D37694168613}" type="datetimeFigureOut">
               <a:rPr kumimoji="1" lang="ja-JP" altLang="en-US" smtClean="0"/>
-              <a:t>2016/2/29</a:t>
+              <a:t>2016/3/6</a:t>
             </a:fld>
             <a:endParaRPr kumimoji="1" lang="ja-JP" altLang="en-US"/>
           </a:p>
@@ -2963,7 +2964,7 @@
           <a:p>
             <a:fld id="{E90ED720-0104-4369-84BC-D37694168613}" type="datetimeFigureOut">
               <a:rPr kumimoji="1" lang="ja-JP" altLang="en-US" smtClean="0"/>
-              <a:t>2016/2/29</a:t>
+              <a:t>2016/3/6</a:t>
             </a:fld>
             <a:endParaRPr kumimoji="1" lang="ja-JP" altLang="en-US"/>
           </a:p>
@@ -3333,9 +3334,82 @@
           <a:chExt cx="0" cy="0"/>
         </a:xfrm>
       </p:grpSpPr>
+      <p:sp>
+        <p:nvSpPr>
+          <p:cNvPr id="2" name="タイトル 1"/>
+          <p:cNvSpPr>
+            <a:spLocks noGrp="1"/>
+          </p:cNvSpPr>
+          <p:nvPr>
+            <p:ph type="title"/>
+          </p:nvPr>
+        </p:nvSpPr>
+        <p:spPr/>
+        <p:txBody>
+          <a:bodyPr/>
+          <a:lstStyle/>
+          <a:p>
+            <a:r>
+              <a:rPr lang="ja-JP" altLang="en-US" dirty="0"/>
+              <a:t>基本的</a:t>
+            </a:r>
+            <a:r>
+              <a:rPr lang="ja-JP" altLang="en-US" dirty="0" smtClean="0"/>
+              <a:t>なサンプル</a:t>
+            </a:r>
+            <a:endParaRPr kumimoji="1" lang="ja-JP" altLang="en-US" dirty="0"/>
+          </a:p>
+        </p:txBody>
+      </p:sp>
+      <p:sp>
+        <p:nvSpPr>
+          <p:cNvPr id="4" name="角丸四角形 3"/>
+          <p:cNvSpPr/>
+          <p:nvPr/>
+        </p:nvSpPr>
+        <p:spPr>
+          <a:xfrm>
+            <a:off x="2043733" y="3779862"/>
+            <a:ext cx="2354983" cy="133797"/>
+          </a:xfrm>
+          <a:prstGeom prst="roundRect">
+            <a:avLst/>
+          </a:prstGeom>
+          <a:solidFill>
+            <a:schemeClr val="bg1"/>
+          </a:solidFill>
+          <a:ln>
+            <a:noFill/>
+          </a:ln>
+        </p:spPr>
+        <p:style>
+          <a:lnRef idx="2">
+            <a:schemeClr val="accent1">
+              <a:shade val="50000"/>
+            </a:schemeClr>
+          </a:lnRef>
+          <a:fillRef idx="1">
+            <a:schemeClr val="accent1"/>
+          </a:fillRef>
+          <a:effectRef idx="0">
+            <a:schemeClr val="accent1"/>
+          </a:effectRef>
+          <a:fontRef idx="minor">
+            <a:schemeClr val="lt1"/>
+          </a:fontRef>
+        </p:style>
+        <p:txBody>
+          <a:bodyPr rtlCol="0" anchor="ctr"/>
+          <a:lstStyle/>
+          <a:p>
+            <a:pPr algn="ctr"/>
+            <a:endParaRPr kumimoji="1" lang="ja-JP" altLang="en-US"/>
+          </a:p>
+        </p:txBody>
+      </p:sp>
       <p:pic>
         <p:nvPicPr>
-          <p:cNvPr id="2050" name="Picture 2"/>
+          <p:cNvPr id="2063" name="Picture 15"/>
           <p:cNvPicPr>
             <a:picLocks noChangeAspect="1" noChangeArrowheads="1"/>
           </p:cNvPicPr>
@@ -3354,8 +3428,8 @@
         </p:blipFill>
         <p:spPr bwMode="auto">
           <a:xfrm>
-            <a:off x="251520" y="476672"/>
-            <a:ext cx="2472630" cy="914400"/>
+            <a:off x="395536" y="1292721"/>
+            <a:ext cx="3905250" cy="2487141"/>
           </a:xfrm>
           <a:prstGeom prst="rect">
             <a:avLst/>
@@ -3385,40 +3459,62 @@
           </a:extLst>
         </p:spPr>
       </p:pic>
-      <p:sp>
-        <p:nvSpPr>
-          <p:cNvPr id="15" name="テキスト ボックス 14"/>
-          <p:cNvSpPr txBox="1"/>
+      <p:pic>
+        <p:nvPicPr>
+          <p:cNvPr id="2064" name="Picture 16"/>
+          <p:cNvPicPr>
+            <a:picLocks noChangeAspect="1" noChangeArrowheads="1"/>
+          </p:cNvPicPr>
           <p:nvPr/>
-        </p:nvSpPr>
-        <p:spPr>
+        </p:nvPicPr>
+        <p:blipFill rotWithShape="1">
+          <a:blip r:embed="rId3" cstate="print">
+            <a:extLst>
+              <a:ext uri="{28A0092B-C50C-407E-A947-70E740481C1C}">
+                <a14:useLocalDpi xmlns:a14="http://schemas.microsoft.com/office/drawing/2010/main" val="0"/>
+              </a:ext>
+            </a:extLst>
+          </a:blip>
+          <a:srcRect/>
+          <a:stretch/>
+        </p:blipFill>
+        <p:spPr bwMode="auto">
           <a:xfrm>
-            <a:off x="3635896" y="107340"/>
-            <a:ext cx="792205" cy="369332"/>
+            <a:off x="683568" y="4295774"/>
+            <a:ext cx="3971926" cy="1449313"/>
           </a:xfrm>
           <a:prstGeom prst="rect">
             <a:avLst/>
           </a:prstGeom>
           <a:noFill/>
+          <a:ln>
+            <a:noFill/>
+          </a:ln>
+          <a:extLst>
+            <a:ext uri="{909E8E84-426E-40DD-AFC4-6F175D3DCCD1}">
+              <a14:hiddenFill xmlns:a14="http://schemas.microsoft.com/office/drawing/2010/main">
+                <a:solidFill>
+                  <a:schemeClr val="accent1"/>
+                </a:solidFill>
+              </a14:hiddenFill>
+            </a:ext>
+            <a:ext uri="{91240B29-F687-4F45-9708-019B960494DF}">
+              <a14:hiddenLine xmlns:a14="http://schemas.microsoft.com/office/drawing/2010/main" w="9525">
+                <a:solidFill>
+                  <a:schemeClr val="tx1"/>
+                </a:solidFill>
+                <a:miter lim="800000"/>
+                <a:headEnd/>
+                <a:tailEnd/>
+              </a14:hiddenLine>
+            </a:ext>
+          </a:extLst>
         </p:spPr>
-        <p:txBody>
-          <a:bodyPr wrap="none" rtlCol="0">
-            <a:spAutoFit/>
-          </a:bodyPr>
-          <a:lstStyle/>
-          <a:p>
-            <a:r>
-              <a:rPr kumimoji="1" lang="en-US" altLang="ja-JP" dirty="0" err="1" smtClean="0"/>
-              <a:t>XlsCell</a:t>
-            </a:r>
-            <a:endParaRPr kumimoji="1" lang="ja-JP" altLang="en-US" dirty="0"/>
-          </a:p>
-        </p:txBody>
-      </p:sp>
+      </p:pic>
     </p:spTree>
     <p:extLst>
       <p:ext uri="{BB962C8B-B14F-4D97-AF65-F5344CB8AC3E}">
-        <p14:creationId xmlns:p14="http://schemas.microsoft.com/office/powerpoint/2010/main" val="3210234620"/>
+        <p14:creationId xmlns:p14="http://schemas.microsoft.com/office/powerpoint/2010/main" val="2983334800"/>
       </p:ext>
     </p:extLst>
   </p:cSld>
@@ -3429,6 +3525,111 @@
 </file>
 
 <file path=ppt/slides/slide10.xml><?xml version="1.0" encoding="utf-8"?>
+<p:sld xmlns:a="http://schemas.openxmlformats.org/drawingml/2006/main" xmlns:r="http://schemas.openxmlformats.org/officeDocument/2006/relationships" xmlns:p="http://schemas.openxmlformats.org/presentationml/2006/main">
+  <p:cSld>
+    <p:spTree>
+      <p:nvGrpSpPr>
+        <p:cNvPr id="1" name=""/>
+        <p:cNvGrpSpPr/>
+        <p:nvPr/>
+      </p:nvGrpSpPr>
+      <p:grpSpPr>
+        <a:xfrm>
+          <a:off x="0" y="0"/>
+          <a:ext cx="0" cy="0"/>
+          <a:chOff x="0" y="0"/>
+          <a:chExt cx="0" cy="0"/>
+        </a:xfrm>
+      </p:grpSpPr>
+      <p:sp>
+        <p:nvSpPr>
+          <p:cNvPr id="2" name="タイトル 1"/>
+          <p:cNvSpPr>
+            <a:spLocks noGrp="1"/>
+          </p:cNvSpPr>
+          <p:nvPr>
+            <p:ph type="title"/>
+          </p:nvPr>
+        </p:nvSpPr>
+        <p:spPr/>
+        <p:txBody>
+          <a:bodyPr/>
+          <a:lstStyle/>
+          <a:p>
+            <a:r>
+              <a:rPr kumimoji="1" lang="en-US" altLang="ja-JP" dirty="0" err="1" smtClean="0"/>
+              <a:t>VerticalRecords</a:t>
+            </a:r>
+            <a:endParaRPr kumimoji="1" lang="ja-JP" altLang="en-US" dirty="0"/>
+          </a:p>
+        </p:txBody>
+      </p:sp>
+      <p:pic>
+        <p:nvPicPr>
+          <p:cNvPr id="3077" name="Picture 5"/>
+          <p:cNvPicPr>
+            <a:picLocks noChangeAspect="1" noChangeArrowheads="1"/>
+          </p:cNvPicPr>
+          <p:nvPr/>
+        </p:nvPicPr>
+        <p:blipFill rotWithShape="1">
+          <a:blip r:embed="rId2" cstate="print">
+            <a:extLst>
+              <a:ext uri="{28A0092B-C50C-407E-A947-70E740481C1C}">
+                <a14:useLocalDpi xmlns:a14="http://schemas.microsoft.com/office/drawing/2010/main" val="0"/>
+              </a:ext>
+            </a:extLst>
+          </a:blip>
+          <a:srcRect/>
+          <a:stretch/>
+        </p:blipFill>
+        <p:spPr bwMode="auto">
+          <a:xfrm>
+            <a:off x="323528" y="1340768"/>
+            <a:ext cx="4438650" cy="2867025"/>
+          </a:xfrm>
+          <a:prstGeom prst="rect">
+            <a:avLst/>
+          </a:prstGeom>
+          <a:noFill/>
+          <a:ln>
+            <a:noFill/>
+          </a:ln>
+          <a:extLst>
+            <a:ext uri="{909E8E84-426E-40DD-AFC4-6F175D3DCCD1}">
+              <a14:hiddenFill xmlns:a14="http://schemas.microsoft.com/office/drawing/2010/main">
+                <a:solidFill>
+                  <a:schemeClr val="accent1"/>
+                </a:solidFill>
+              </a14:hiddenFill>
+            </a:ext>
+            <a:ext uri="{91240B29-F687-4F45-9708-019B960494DF}">
+              <a14:hiddenLine xmlns:a14="http://schemas.microsoft.com/office/drawing/2010/main" w="9525">
+                <a:solidFill>
+                  <a:schemeClr val="tx1"/>
+                </a:solidFill>
+                <a:miter lim="800000"/>
+                <a:headEnd/>
+                <a:tailEnd/>
+              </a14:hiddenLine>
+            </a:ext>
+          </a:extLst>
+        </p:spPr>
+      </p:pic>
+    </p:spTree>
+    <p:extLst>
+      <p:ext uri="{BB962C8B-B14F-4D97-AF65-F5344CB8AC3E}">
+        <p14:creationId xmlns:p14="http://schemas.microsoft.com/office/powerpoint/2010/main" val="720279345"/>
+      </p:ext>
+    </p:extLst>
+  </p:cSld>
+  <p:clrMapOvr>
+    <a:masterClrMapping/>
+  </p:clrMapOvr>
+</p:sld>
+</file>
+
+<file path=ppt/slides/slide11.xml><?xml version="1.0" encoding="utf-8"?>
 <p:sld xmlns:a="http://schemas.openxmlformats.org/drawingml/2006/main" xmlns:r="http://schemas.openxmlformats.org/officeDocument/2006/relationships" xmlns:p="http://schemas.openxmlformats.org/presentationml/2006/main">
   <p:cSld>
     <p:spTree>
@@ -3537,7 +3738,7 @@
 </p:sld>
 </file>
 
-<file path=ppt/slides/slide11.xml><?xml version="1.0" encoding="utf-8"?>
+<file path=ppt/slides/slide12.xml><?xml version="1.0" encoding="utf-8"?>
 <p:sld xmlns:a="http://schemas.openxmlformats.org/drawingml/2006/main" xmlns:r="http://schemas.openxmlformats.org/officeDocument/2006/relationships" xmlns:p="http://schemas.openxmlformats.org/presentationml/2006/main">
   <p:cSld>
     <p:spTree>
@@ -3645,6 +3846,118 @@
 </file>
 
 <file path=ppt/slides/slide2.xml><?xml version="1.0" encoding="utf-8"?>
+<p:sld xmlns:a="http://schemas.openxmlformats.org/drawingml/2006/main" xmlns:r="http://schemas.openxmlformats.org/officeDocument/2006/relationships" xmlns:p="http://schemas.openxmlformats.org/presentationml/2006/main">
+  <p:cSld>
+    <p:spTree>
+      <p:nvGrpSpPr>
+        <p:cNvPr id="1" name=""/>
+        <p:cNvGrpSpPr/>
+        <p:nvPr/>
+      </p:nvGrpSpPr>
+      <p:grpSpPr>
+        <a:xfrm>
+          <a:off x="0" y="0"/>
+          <a:ext cx="0" cy="0"/>
+          <a:chOff x="0" y="0"/>
+          <a:chExt cx="0" cy="0"/>
+        </a:xfrm>
+      </p:grpSpPr>
+      <p:pic>
+        <p:nvPicPr>
+          <p:cNvPr id="2050" name="Picture 2"/>
+          <p:cNvPicPr>
+            <a:picLocks noChangeAspect="1" noChangeArrowheads="1"/>
+          </p:cNvPicPr>
+          <p:nvPr/>
+        </p:nvPicPr>
+        <p:blipFill rotWithShape="1">
+          <a:blip r:embed="rId2" cstate="print">
+            <a:extLst>
+              <a:ext uri="{28A0092B-C50C-407E-A947-70E740481C1C}">
+                <a14:useLocalDpi xmlns:a14="http://schemas.microsoft.com/office/drawing/2010/main" val="0"/>
+              </a:ext>
+            </a:extLst>
+          </a:blip>
+          <a:srcRect/>
+          <a:stretch/>
+        </p:blipFill>
+        <p:spPr bwMode="auto">
+          <a:xfrm>
+            <a:off x="251520" y="476672"/>
+            <a:ext cx="2472630" cy="914400"/>
+          </a:xfrm>
+          <a:prstGeom prst="rect">
+            <a:avLst/>
+          </a:prstGeom>
+          <a:noFill/>
+          <a:ln>
+            <a:noFill/>
+          </a:ln>
+          <a:extLst>
+            <a:ext uri="{909E8E84-426E-40DD-AFC4-6F175D3DCCD1}">
+              <a14:hiddenFill xmlns:a14="http://schemas.microsoft.com/office/drawing/2010/main">
+                <a:solidFill>
+                  <a:schemeClr val="accent1"/>
+                </a:solidFill>
+              </a14:hiddenFill>
+            </a:ext>
+            <a:ext uri="{91240B29-F687-4F45-9708-019B960494DF}">
+              <a14:hiddenLine xmlns:a14="http://schemas.microsoft.com/office/drawing/2010/main" w="9525">
+                <a:solidFill>
+                  <a:schemeClr val="tx1"/>
+                </a:solidFill>
+                <a:miter lim="800000"/>
+                <a:headEnd/>
+                <a:tailEnd/>
+              </a14:hiddenLine>
+            </a:ext>
+          </a:extLst>
+        </p:spPr>
+      </p:pic>
+      <p:sp>
+        <p:nvSpPr>
+          <p:cNvPr id="15" name="テキスト ボックス 14"/>
+          <p:cNvSpPr txBox="1"/>
+          <p:nvPr/>
+        </p:nvSpPr>
+        <p:spPr>
+          <a:xfrm>
+            <a:off x="3635896" y="107340"/>
+            <a:ext cx="792205" cy="369332"/>
+          </a:xfrm>
+          <a:prstGeom prst="rect">
+            <a:avLst/>
+          </a:prstGeom>
+          <a:noFill/>
+        </p:spPr>
+        <p:txBody>
+          <a:bodyPr wrap="none" rtlCol="0">
+            <a:spAutoFit/>
+          </a:bodyPr>
+          <a:lstStyle/>
+          <a:p>
+            <a:r>
+              <a:rPr kumimoji="1" lang="en-US" altLang="ja-JP" dirty="0" err="1" smtClean="0"/>
+              <a:t>XlsCell</a:t>
+            </a:r>
+            <a:endParaRPr kumimoji="1" lang="ja-JP" altLang="en-US" dirty="0"/>
+          </a:p>
+        </p:txBody>
+      </p:sp>
+    </p:spTree>
+    <p:extLst>
+      <p:ext uri="{BB962C8B-B14F-4D97-AF65-F5344CB8AC3E}">
+        <p14:creationId xmlns:p14="http://schemas.microsoft.com/office/powerpoint/2010/main" val="3210234620"/>
+      </p:ext>
+    </p:extLst>
+  </p:cSld>
+  <p:clrMapOvr>
+    <a:masterClrMapping/>
+  </p:clrMapOvr>
+</p:sld>
+</file>
+
+<file path=ppt/slides/slide3.xml><?xml version="1.0" encoding="utf-8"?>
 <p:sld xmlns:a="http://schemas.openxmlformats.org/drawingml/2006/main" xmlns:r="http://schemas.openxmlformats.org/officeDocument/2006/relationships" xmlns:p="http://schemas.openxmlformats.org/presentationml/2006/main">
   <p:cSld>
     <p:spTree>
@@ -3847,6 +4160,58 @@
           </a:p>
         </p:txBody>
       </p:sp>
+      <p:pic>
+        <p:nvPicPr>
+          <p:cNvPr id="4" name="Picture 9"/>
+          <p:cNvPicPr>
+            <a:picLocks noChangeAspect="1" noChangeArrowheads="1"/>
+          </p:cNvPicPr>
+          <p:nvPr/>
+        </p:nvPicPr>
+        <p:blipFill rotWithShape="1">
+          <a:blip r:embed="rId5" cstate="print">
+            <a:extLst>
+              <a:ext uri="{28A0092B-C50C-407E-A947-70E740481C1C}">
+                <a14:useLocalDpi xmlns:a14="http://schemas.microsoft.com/office/drawing/2010/main" val="0"/>
+              </a:ext>
+            </a:extLst>
+          </a:blip>
+          <a:srcRect/>
+          <a:stretch/>
+        </p:blipFill>
+        <p:spPr bwMode="auto">
+          <a:xfrm>
+            <a:off x="4139952" y="921469"/>
+            <a:ext cx="2628901" cy="1876425"/>
+          </a:xfrm>
+          <a:prstGeom prst="rect">
+            <a:avLst/>
+          </a:prstGeom>
+          <a:noFill/>
+          <a:ln>
+            <a:noFill/>
+          </a:ln>
+          <a:extLst>
+            <a:ext uri="{909E8E84-426E-40DD-AFC4-6F175D3DCCD1}">
+              <a14:hiddenFill xmlns:a14="http://schemas.microsoft.com/office/drawing/2010/main">
+                <a:solidFill>
+                  <a:schemeClr val="accent1"/>
+                </a:solidFill>
+              </a14:hiddenFill>
+            </a:ext>
+            <a:ext uri="{91240B29-F687-4F45-9708-019B960494DF}">
+              <a14:hiddenLine xmlns:a14="http://schemas.microsoft.com/office/drawing/2010/main" w="9525">
+                <a:solidFill>
+                  <a:schemeClr val="tx1"/>
+                </a:solidFill>
+                <a:miter lim="800000"/>
+                <a:headEnd/>
+                <a:tailEnd/>
+              </a14:hiddenLine>
+            </a:ext>
+          </a:extLst>
+        </p:spPr>
+      </p:pic>
     </p:spTree>
     <p:extLst>
       <p:ext uri="{BB962C8B-B14F-4D97-AF65-F5344CB8AC3E}">
@@ -3860,7 +4225,7 @@
 </p:sld>
 </file>
 
-<file path=ppt/slides/slide3.xml><?xml version="1.0" encoding="utf-8"?>
+<file path=ppt/slides/slide4.xml><?xml version="1.0" encoding="utf-8"?>
 <p:sld xmlns:a="http://schemas.openxmlformats.org/drawingml/2006/main" xmlns:r="http://schemas.openxmlformats.org/officeDocument/2006/relationships" xmlns:p="http://schemas.openxmlformats.org/presentationml/2006/main">
   <p:cSld>
     <p:spTree>
@@ -4128,7 +4493,7 @@
 </p:sld>
 </file>
 
-<file path=ppt/slides/slide4.xml><?xml version="1.0" encoding="utf-8"?>
+<file path=ppt/slides/slide5.xml><?xml version="1.0" encoding="utf-8"?>
 <p:sld xmlns:a="http://schemas.openxmlformats.org/drawingml/2006/main" xmlns:r="http://schemas.openxmlformats.org/officeDocument/2006/relationships" xmlns:p="http://schemas.openxmlformats.org/presentationml/2006/main">
   <p:cSld>
     <p:spTree>
@@ -4344,7 +4709,7 @@
 </p:sld>
 </file>
 
-<file path=ppt/slides/slide5.xml><?xml version="1.0" encoding="utf-8"?>
+<file path=ppt/slides/slide6.xml><?xml version="1.0" encoding="utf-8"?>
 <p:sld xmlns:a="http://schemas.openxmlformats.org/drawingml/2006/main" xmlns:r="http://schemas.openxmlformats.org/officeDocument/2006/relationships" xmlns:p="http://schemas.openxmlformats.org/presentationml/2006/main">
   <p:cSld>
     <p:spTree>
@@ -4449,7 +4814,7 @@
 </p:sld>
 </file>
 
-<file path=ppt/slides/slide6.xml><?xml version="1.0" encoding="utf-8"?>
+<file path=ppt/slides/slide7.xml><?xml version="1.0" encoding="utf-8"?>
 <p:sld xmlns:a="http://schemas.openxmlformats.org/drawingml/2006/main" xmlns:r="http://schemas.openxmlformats.org/officeDocument/2006/relationships" xmlns:p="http://schemas.openxmlformats.org/presentationml/2006/main">
   <p:cSld>
     <p:spTree>
@@ -4658,7 +5023,7 @@
 </p:sld>
 </file>
 
-<file path=ppt/slides/slide7.xml><?xml version="1.0" encoding="utf-8"?>
+<file path=ppt/slides/slide8.xml><?xml version="1.0" encoding="utf-8"?>
 <p:sld xmlns:a="http://schemas.openxmlformats.org/drawingml/2006/main" xmlns:r="http://schemas.openxmlformats.org/officeDocument/2006/relationships" xmlns:p="http://schemas.openxmlformats.org/presentationml/2006/main">
   <p:cSld>
     <p:spTree>
@@ -4815,7 +5180,7 @@
 </p:sld>
 </file>
 
-<file path=ppt/slides/slide8.xml><?xml version="1.0" encoding="utf-8"?>
+<file path=ppt/slides/slide9.xml><?xml version="1.0" encoding="utf-8"?>
 <p:sld xmlns:a="http://schemas.openxmlformats.org/drawingml/2006/main" xmlns:r="http://schemas.openxmlformats.org/officeDocument/2006/relationships" xmlns:p="http://schemas.openxmlformats.org/presentationml/2006/main">
   <p:cSld>
     <p:spTree>
@@ -5015,111 +5380,6 @@
     <p:extLst>
       <p:ext uri="{BB962C8B-B14F-4D97-AF65-F5344CB8AC3E}">
         <p14:creationId xmlns:p14="http://schemas.microsoft.com/office/powerpoint/2010/main" val="1102042093"/>
-      </p:ext>
-    </p:extLst>
-  </p:cSld>
-  <p:clrMapOvr>
-    <a:masterClrMapping/>
-  </p:clrMapOvr>
-</p:sld>
-</file>
-
-<file path=ppt/slides/slide9.xml><?xml version="1.0" encoding="utf-8"?>
-<p:sld xmlns:a="http://schemas.openxmlformats.org/drawingml/2006/main" xmlns:r="http://schemas.openxmlformats.org/officeDocument/2006/relationships" xmlns:p="http://schemas.openxmlformats.org/presentationml/2006/main">
-  <p:cSld>
-    <p:spTree>
-      <p:nvGrpSpPr>
-        <p:cNvPr id="1" name=""/>
-        <p:cNvGrpSpPr/>
-        <p:nvPr/>
-      </p:nvGrpSpPr>
-      <p:grpSpPr>
-        <a:xfrm>
-          <a:off x="0" y="0"/>
-          <a:ext cx="0" cy="0"/>
-          <a:chOff x="0" y="0"/>
-          <a:chExt cx="0" cy="0"/>
-        </a:xfrm>
-      </p:grpSpPr>
-      <p:sp>
-        <p:nvSpPr>
-          <p:cNvPr id="2" name="タイトル 1"/>
-          <p:cNvSpPr>
-            <a:spLocks noGrp="1"/>
-          </p:cNvSpPr>
-          <p:nvPr>
-            <p:ph type="title"/>
-          </p:nvPr>
-        </p:nvSpPr>
-        <p:spPr/>
-        <p:txBody>
-          <a:bodyPr/>
-          <a:lstStyle/>
-          <a:p>
-            <a:r>
-              <a:rPr kumimoji="1" lang="en-US" altLang="ja-JP" dirty="0" err="1" smtClean="0"/>
-              <a:t>VerticalRecords</a:t>
-            </a:r>
-            <a:endParaRPr kumimoji="1" lang="ja-JP" altLang="en-US" dirty="0"/>
-          </a:p>
-        </p:txBody>
-      </p:sp>
-      <p:pic>
-        <p:nvPicPr>
-          <p:cNvPr id="3077" name="Picture 5"/>
-          <p:cNvPicPr>
-            <a:picLocks noChangeAspect="1" noChangeArrowheads="1"/>
-          </p:cNvPicPr>
-          <p:nvPr/>
-        </p:nvPicPr>
-        <p:blipFill rotWithShape="1">
-          <a:blip r:embed="rId2" cstate="print">
-            <a:extLst>
-              <a:ext uri="{28A0092B-C50C-407E-A947-70E740481C1C}">
-                <a14:useLocalDpi xmlns:a14="http://schemas.microsoft.com/office/drawing/2010/main" val="0"/>
-              </a:ext>
-            </a:extLst>
-          </a:blip>
-          <a:srcRect/>
-          <a:stretch/>
-        </p:blipFill>
-        <p:spPr bwMode="auto">
-          <a:xfrm>
-            <a:off x="323528" y="1340768"/>
-            <a:ext cx="4438650" cy="2867025"/>
-          </a:xfrm>
-          <a:prstGeom prst="rect">
-            <a:avLst/>
-          </a:prstGeom>
-          <a:noFill/>
-          <a:ln>
-            <a:noFill/>
-          </a:ln>
-          <a:extLst>
-            <a:ext uri="{909E8E84-426E-40DD-AFC4-6F175D3DCCD1}">
-              <a14:hiddenFill xmlns:a14="http://schemas.microsoft.com/office/drawing/2010/main">
-                <a:solidFill>
-                  <a:schemeClr val="accent1"/>
-                </a:solidFill>
-              </a14:hiddenFill>
-            </a:ext>
-            <a:ext uri="{91240B29-F687-4F45-9708-019B960494DF}">
-              <a14:hiddenLine xmlns:a14="http://schemas.microsoft.com/office/drawing/2010/main" w="9525">
-                <a:solidFill>
-                  <a:schemeClr val="tx1"/>
-                </a:solidFill>
-                <a:miter lim="800000"/>
-                <a:headEnd/>
-                <a:tailEnd/>
-              </a14:hiddenLine>
-            </a:ext>
-          </a:extLst>
-        </p:spPr>
-      </p:pic>
-    </p:spTree>
-    <p:extLst>
-      <p:ext uri="{BB962C8B-B14F-4D97-AF65-F5344CB8AC3E}">
-        <p14:creationId xmlns:p14="http://schemas.microsoft.com/office/powerpoint/2010/main" val="720279345"/>
       </p:ext>
     </p:extLst>
   </p:cSld>

--- a/src/site/sphinx/memo/images.pptx
+++ b/src/site/sphinx/memo/images.pptx
@@ -299,7 +299,7 @@
           <a:p>
             <a:fld id="{E90ED720-0104-4369-84BC-D37694168613}" type="datetimeFigureOut">
               <a:rPr kumimoji="1" lang="ja-JP" altLang="en-US" smtClean="0"/>
-              <a:t>2016/3/6</a:t>
+              <a:t>2016/3/12</a:t>
             </a:fld>
             <a:endParaRPr kumimoji="1" lang="ja-JP" altLang="en-US"/>
           </a:p>
@@ -496,7 +496,7 @@
           <a:p>
             <a:fld id="{E90ED720-0104-4369-84BC-D37694168613}" type="datetimeFigureOut">
               <a:rPr kumimoji="1" lang="ja-JP" altLang="en-US" smtClean="0"/>
-              <a:t>2016/3/6</a:t>
+              <a:t>2016/3/12</a:t>
             </a:fld>
             <a:endParaRPr kumimoji="1" lang="ja-JP" altLang="en-US"/>
           </a:p>
@@ -703,7 +703,7 @@
           <a:p>
             <a:fld id="{E90ED720-0104-4369-84BC-D37694168613}" type="datetimeFigureOut">
               <a:rPr kumimoji="1" lang="ja-JP" altLang="en-US" smtClean="0"/>
-              <a:t>2016/3/6</a:t>
+              <a:t>2016/3/12</a:t>
             </a:fld>
             <a:endParaRPr kumimoji="1" lang="ja-JP" altLang="en-US"/>
           </a:p>
@@ -900,7 +900,7 @@
           <a:p>
             <a:fld id="{E90ED720-0104-4369-84BC-D37694168613}" type="datetimeFigureOut">
               <a:rPr kumimoji="1" lang="ja-JP" altLang="en-US" smtClean="0"/>
-              <a:t>2016/3/6</a:t>
+              <a:t>2016/3/12</a:t>
             </a:fld>
             <a:endParaRPr kumimoji="1" lang="ja-JP" altLang="en-US"/>
           </a:p>
@@ -1141,7 +1141,7 @@
           <a:p>
             <a:fld id="{E90ED720-0104-4369-84BC-D37694168613}" type="datetimeFigureOut">
               <a:rPr kumimoji="1" lang="ja-JP" altLang="en-US" smtClean="0"/>
-              <a:t>2016/3/6</a:t>
+              <a:t>2016/3/12</a:t>
             </a:fld>
             <a:endParaRPr kumimoji="1" lang="ja-JP" altLang="en-US"/>
           </a:p>
@@ -1488,7 +1488,7 @@
           <a:p>
             <a:fld id="{E90ED720-0104-4369-84BC-D37694168613}" type="datetimeFigureOut">
               <a:rPr kumimoji="1" lang="ja-JP" altLang="en-US" smtClean="0"/>
-              <a:t>2016/3/6</a:t>
+              <a:t>2016/3/12</a:t>
             </a:fld>
             <a:endParaRPr kumimoji="1" lang="ja-JP" altLang="en-US"/>
           </a:p>
@@ -1969,7 +1969,7 @@
           <a:p>
             <a:fld id="{E90ED720-0104-4369-84BC-D37694168613}" type="datetimeFigureOut">
               <a:rPr kumimoji="1" lang="ja-JP" altLang="en-US" smtClean="0"/>
-              <a:t>2016/3/6</a:t>
+              <a:t>2016/3/12</a:t>
             </a:fld>
             <a:endParaRPr kumimoji="1" lang="ja-JP" altLang="en-US"/>
           </a:p>
@@ -2082,7 +2082,7 @@
           <a:p>
             <a:fld id="{E90ED720-0104-4369-84BC-D37694168613}" type="datetimeFigureOut">
               <a:rPr kumimoji="1" lang="ja-JP" altLang="en-US" smtClean="0"/>
-              <a:t>2016/3/6</a:t>
+              <a:t>2016/3/12</a:t>
             </a:fld>
             <a:endParaRPr kumimoji="1" lang="ja-JP" altLang="en-US"/>
           </a:p>
@@ -2172,7 +2172,7 @@
           <a:p>
             <a:fld id="{E90ED720-0104-4369-84BC-D37694168613}" type="datetimeFigureOut">
               <a:rPr kumimoji="1" lang="ja-JP" altLang="en-US" smtClean="0"/>
-              <a:t>2016/3/6</a:t>
+              <a:t>2016/3/12</a:t>
             </a:fld>
             <a:endParaRPr kumimoji="1" lang="ja-JP" altLang="en-US"/>
           </a:p>
@@ -2476,7 +2476,7 @@
           <a:p>
             <a:fld id="{E90ED720-0104-4369-84BC-D37694168613}" type="datetimeFigureOut">
               <a:rPr kumimoji="1" lang="ja-JP" altLang="en-US" smtClean="0"/>
-              <a:t>2016/3/6</a:t>
+              <a:t>2016/3/12</a:t>
             </a:fld>
             <a:endParaRPr kumimoji="1" lang="ja-JP" altLang="en-US"/>
           </a:p>
@@ -2724,7 +2724,7 @@
           <a:p>
             <a:fld id="{E90ED720-0104-4369-84BC-D37694168613}" type="datetimeFigureOut">
               <a:rPr kumimoji="1" lang="ja-JP" altLang="en-US" smtClean="0"/>
-              <a:t>2016/3/6</a:t>
+              <a:t>2016/3/12</a:t>
             </a:fld>
             <a:endParaRPr kumimoji="1" lang="ja-JP" altLang="en-US"/>
           </a:p>
@@ -2964,7 +2964,7 @@
           <a:p>
             <a:fld id="{E90ED720-0104-4369-84BC-D37694168613}" type="datetimeFigureOut">
               <a:rPr kumimoji="1" lang="ja-JP" altLang="en-US" smtClean="0"/>
-              <a:t>2016/3/6</a:t>
+              <a:t>2016/3/12</a:t>
             </a:fld>
             <a:endParaRPr kumimoji="1" lang="ja-JP" altLang="en-US"/>
           </a:p>
@@ -5065,7 +5065,7 @@
       </p:sp>
       <p:pic>
         <p:nvPicPr>
-          <p:cNvPr id="5122" name="Picture 2"/>
+          <p:cNvPr id="1027" name="Picture 3"/>
           <p:cNvPicPr>
             <a:picLocks noChangeAspect="1" noChangeArrowheads="1"/>
           </p:cNvPicPr>
@@ -5084,8 +5084,8 @@
         </p:blipFill>
         <p:spPr bwMode="auto">
           <a:xfrm>
-            <a:off x="539552" y="1556792"/>
-            <a:ext cx="4972051" cy="1095375"/>
+            <a:off x="395536" y="2780928"/>
+            <a:ext cx="4133850" cy="1038226"/>
           </a:xfrm>
           <a:prstGeom prst="rect">
             <a:avLst/>
@@ -5117,7 +5117,7 @@
       </p:pic>
       <p:pic>
         <p:nvPicPr>
-          <p:cNvPr id="1027" name="Picture 3"/>
+          <p:cNvPr id="3" name="Picture 3"/>
           <p:cNvPicPr>
             <a:picLocks noChangeAspect="1" noChangeArrowheads="1"/>
           </p:cNvPicPr>
@@ -5136,8 +5136,60 @@
         </p:blipFill>
         <p:spPr bwMode="auto">
           <a:xfrm>
-            <a:off x="395536" y="2780928"/>
-            <a:ext cx="4133850" cy="1038226"/>
+            <a:off x="395536" y="1140320"/>
+            <a:ext cx="5042098" cy="1647454"/>
+          </a:xfrm>
+          <a:prstGeom prst="rect">
+            <a:avLst/>
+          </a:prstGeom>
+          <a:noFill/>
+          <a:ln>
+            <a:noFill/>
+          </a:ln>
+          <a:extLst>
+            <a:ext uri="{909E8E84-426E-40DD-AFC4-6F175D3DCCD1}">
+              <a14:hiddenFill xmlns:a14="http://schemas.microsoft.com/office/drawing/2010/main">
+                <a:solidFill>
+                  <a:schemeClr val="accent1"/>
+                </a:solidFill>
+              </a14:hiddenFill>
+            </a:ext>
+            <a:ext uri="{91240B29-F687-4F45-9708-019B960494DF}">
+              <a14:hiddenLine xmlns:a14="http://schemas.microsoft.com/office/drawing/2010/main" w="9525">
+                <a:solidFill>
+                  <a:schemeClr val="tx1"/>
+                </a:solidFill>
+                <a:miter lim="800000"/>
+                <a:headEnd/>
+                <a:tailEnd/>
+              </a14:hiddenLine>
+            </a:ext>
+          </a:extLst>
+        </p:spPr>
+      </p:pic>
+      <p:pic>
+        <p:nvPicPr>
+          <p:cNvPr id="1028" name="Picture 4"/>
+          <p:cNvPicPr>
+            <a:picLocks noChangeAspect="1" noChangeArrowheads="1"/>
+          </p:cNvPicPr>
+          <p:nvPr/>
+        </p:nvPicPr>
+        <p:blipFill rotWithShape="1">
+          <a:blip r:embed="rId4" cstate="print">
+            <a:extLst>
+              <a:ext uri="{28A0092B-C50C-407E-A947-70E740481C1C}">
+                <a14:useLocalDpi xmlns:a14="http://schemas.microsoft.com/office/drawing/2010/main" val="0"/>
+              </a:ext>
+            </a:extLst>
+          </a:blip>
+          <a:srcRect/>
+          <a:stretch/>
+        </p:blipFill>
+        <p:spPr bwMode="auto">
+          <a:xfrm>
+            <a:off x="395536" y="4149080"/>
+            <a:ext cx="5391150" cy="1729159"/>
           </a:xfrm>
           <a:prstGeom prst="rect">
             <a:avLst/>

--- a/src/site/sphinx/memo/images.pptx
+++ b/src/site/sphinx/memo/images.pptx
@@ -299,7 +299,7 @@
           <a:p>
             <a:fld id="{E90ED720-0104-4369-84BC-D37694168613}" type="datetimeFigureOut">
               <a:rPr kumimoji="1" lang="ja-JP" altLang="en-US" smtClean="0"/>
-              <a:t>2016/3/12</a:t>
+              <a:t>2016/3/13</a:t>
             </a:fld>
             <a:endParaRPr kumimoji="1" lang="ja-JP" altLang="en-US"/>
           </a:p>
@@ -496,7 +496,7 @@
           <a:p>
             <a:fld id="{E90ED720-0104-4369-84BC-D37694168613}" type="datetimeFigureOut">
               <a:rPr kumimoji="1" lang="ja-JP" altLang="en-US" smtClean="0"/>
-              <a:t>2016/3/12</a:t>
+              <a:t>2016/3/13</a:t>
             </a:fld>
             <a:endParaRPr kumimoji="1" lang="ja-JP" altLang="en-US"/>
           </a:p>
@@ -703,7 +703,7 @@
           <a:p>
             <a:fld id="{E90ED720-0104-4369-84BC-D37694168613}" type="datetimeFigureOut">
               <a:rPr kumimoji="1" lang="ja-JP" altLang="en-US" smtClean="0"/>
-              <a:t>2016/3/12</a:t>
+              <a:t>2016/3/13</a:t>
             </a:fld>
             <a:endParaRPr kumimoji="1" lang="ja-JP" altLang="en-US"/>
           </a:p>
@@ -900,7 +900,7 @@
           <a:p>
             <a:fld id="{E90ED720-0104-4369-84BC-D37694168613}" type="datetimeFigureOut">
               <a:rPr kumimoji="1" lang="ja-JP" altLang="en-US" smtClean="0"/>
-              <a:t>2016/3/12</a:t>
+              <a:t>2016/3/13</a:t>
             </a:fld>
             <a:endParaRPr kumimoji="1" lang="ja-JP" altLang="en-US"/>
           </a:p>
@@ -1141,7 +1141,7 @@
           <a:p>
             <a:fld id="{E90ED720-0104-4369-84BC-D37694168613}" type="datetimeFigureOut">
               <a:rPr kumimoji="1" lang="ja-JP" altLang="en-US" smtClean="0"/>
-              <a:t>2016/3/12</a:t>
+              <a:t>2016/3/13</a:t>
             </a:fld>
             <a:endParaRPr kumimoji="1" lang="ja-JP" altLang="en-US"/>
           </a:p>
@@ -1488,7 +1488,7 @@
           <a:p>
             <a:fld id="{E90ED720-0104-4369-84BC-D37694168613}" type="datetimeFigureOut">
               <a:rPr kumimoji="1" lang="ja-JP" altLang="en-US" smtClean="0"/>
-              <a:t>2016/3/12</a:t>
+              <a:t>2016/3/13</a:t>
             </a:fld>
             <a:endParaRPr kumimoji="1" lang="ja-JP" altLang="en-US"/>
           </a:p>
@@ -1969,7 +1969,7 @@
           <a:p>
             <a:fld id="{E90ED720-0104-4369-84BC-D37694168613}" type="datetimeFigureOut">
               <a:rPr kumimoji="1" lang="ja-JP" altLang="en-US" smtClean="0"/>
-              <a:t>2016/3/12</a:t>
+              <a:t>2016/3/13</a:t>
             </a:fld>
             <a:endParaRPr kumimoji="1" lang="ja-JP" altLang="en-US"/>
           </a:p>
@@ -2082,7 +2082,7 @@
           <a:p>
             <a:fld id="{E90ED720-0104-4369-84BC-D37694168613}" type="datetimeFigureOut">
               <a:rPr kumimoji="1" lang="ja-JP" altLang="en-US" smtClean="0"/>
-              <a:t>2016/3/12</a:t>
+              <a:t>2016/3/13</a:t>
             </a:fld>
             <a:endParaRPr kumimoji="1" lang="ja-JP" altLang="en-US"/>
           </a:p>
@@ -2172,7 +2172,7 @@
           <a:p>
             <a:fld id="{E90ED720-0104-4369-84BC-D37694168613}" type="datetimeFigureOut">
               <a:rPr kumimoji="1" lang="ja-JP" altLang="en-US" smtClean="0"/>
-              <a:t>2016/3/12</a:t>
+              <a:t>2016/3/13</a:t>
             </a:fld>
             <a:endParaRPr kumimoji="1" lang="ja-JP" altLang="en-US"/>
           </a:p>
@@ -2476,7 +2476,7 @@
           <a:p>
             <a:fld id="{E90ED720-0104-4369-84BC-D37694168613}" type="datetimeFigureOut">
               <a:rPr kumimoji="1" lang="ja-JP" altLang="en-US" smtClean="0"/>
-              <a:t>2016/3/12</a:t>
+              <a:t>2016/3/13</a:t>
             </a:fld>
             <a:endParaRPr kumimoji="1" lang="ja-JP" altLang="en-US"/>
           </a:p>
@@ -2724,7 +2724,7 @@
           <a:p>
             <a:fld id="{E90ED720-0104-4369-84BC-D37694168613}" type="datetimeFigureOut">
               <a:rPr kumimoji="1" lang="ja-JP" altLang="en-US" smtClean="0"/>
-              <a:t>2016/3/12</a:t>
+              <a:t>2016/3/13</a:t>
             </a:fld>
             <a:endParaRPr kumimoji="1" lang="ja-JP" altLang="en-US"/>
           </a:p>
@@ -2964,7 +2964,7 @@
           <a:p>
             <a:fld id="{E90ED720-0104-4369-84BC-D37694168613}" type="datetimeFigureOut">
               <a:rPr kumimoji="1" lang="ja-JP" altLang="en-US" smtClean="0"/>
-              <a:t>2016/3/12</a:t>
+              <a:t>2016/3/13</a:t>
             </a:fld>
             <a:endParaRPr kumimoji="1" lang="ja-JP" altLang="en-US"/>
           </a:p>
@@ -3409,7 +3409,7 @@
       </p:sp>
       <p:pic>
         <p:nvPicPr>
-          <p:cNvPr id="2063" name="Picture 15"/>
+          <p:cNvPr id="2064" name="Picture 16"/>
           <p:cNvPicPr>
             <a:picLocks noChangeAspect="1" noChangeArrowheads="1"/>
           </p:cNvPicPr>
@@ -3428,8 +3428,8 @@
         </p:blipFill>
         <p:spPr bwMode="auto">
           <a:xfrm>
-            <a:off x="395536" y="1292721"/>
-            <a:ext cx="3905250" cy="2487141"/>
+            <a:off x="683568" y="4295774"/>
+            <a:ext cx="3971926" cy="1449313"/>
           </a:xfrm>
           <a:prstGeom prst="rect">
             <a:avLst/>
@@ -3461,7 +3461,7 @@
       </p:pic>
       <p:pic>
         <p:nvPicPr>
-          <p:cNvPr id="2064" name="Picture 16"/>
+          <p:cNvPr id="1026" name="Picture 2"/>
           <p:cNvPicPr>
             <a:picLocks noChangeAspect="1" noChangeArrowheads="1"/>
           </p:cNvPicPr>
@@ -3480,8 +3480,8 @@
         </p:blipFill>
         <p:spPr bwMode="auto">
           <a:xfrm>
-            <a:off x="683568" y="4295774"/>
-            <a:ext cx="3971926" cy="1449313"/>
+            <a:off x="578718" y="1268760"/>
+            <a:ext cx="4064944" cy="2430387"/>
           </a:xfrm>
           <a:prstGeom prst="rect">
             <a:avLst/>
@@ -5190,6 +5190,58 @@
           <a:xfrm>
             <a:off x="395536" y="4149080"/>
             <a:ext cx="5391150" cy="1729159"/>
+          </a:xfrm>
+          <a:prstGeom prst="rect">
+            <a:avLst/>
+          </a:prstGeom>
+          <a:noFill/>
+          <a:ln>
+            <a:noFill/>
+          </a:ln>
+          <a:extLst>
+            <a:ext uri="{909E8E84-426E-40DD-AFC4-6F175D3DCCD1}">
+              <a14:hiddenFill xmlns:a14="http://schemas.microsoft.com/office/drawing/2010/main">
+                <a:solidFill>
+                  <a:schemeClr val="accent1"/>
+                </a:solidFill>
+              </a14:hiddenFill>
+            </a:ext>
+            <a:ext uri="{91240B29-F687-4F45-9708-019B960494DF}">
+              <a14:hiddenLine xmlns:a14="http://schemas.microsoft.com/office/drawing/2010/main" w="9525">
+                <a:solidFill>
+                  <a:schemeClr val="tx1"/>
+                </a:solidFill>
+                <a:miter lim="800000"/>
+                <a:headEnd/>
+                <a:tailEnd/>
+              </a14:hiddenLine>
+            </a:ext>
+          </a:extLst>
+        </p:spPr>
+      </p:pic>
+      <p:pic>
+        <p:nvPicPr>
+          <p:cNvPr id="1026" name="Picture 2"/>
+          <p:cNvPicPr>
+            <a:picLocks noChangeAspect="1" noChangeArrowheads="1"/>
+          </p:cNvPicPr>
+          <p:nvPr/>
+        </p:nvPicPr>
+        <p:blipFill rotWithShape="1">
+          <a:blip r:embed="rId5" cstate="print">
+            <a:extLst>
+              <a:ext uri="{28A0092B-C50C-407E-A947-70E740481C1C}">
+                <a14:useLocalDpi xmlns:a14="http://schemas.microsoft.com/office/drawing/2010/main" val="0"/>
+              </a:ext>
+            </a:extLst>
+          </a:blip>
+          <a:srcRect/>
+          <a:stretch/>
+        </p:blipFill>
+        <p:spPr bwMode="auto">
+          <a:xfrm>
+            <a:off x="4529386" y="5286374"/>
+            <a:ext cx="4619625" cy="1571626"/>
           </a:xfrm>
           <a:prstGeom prst="rect">
             <a:avLst/>

--- a/src/site/sphinx/memo/images.pptx
+++ b/src/site/sphinx/memo/images.pptx
@@ -5169,7 +5169,7 @@
       </p:pic>
       <p:pic>
         <p:nvPicPr>
-          <p:cNvPr id="1028" name="Picture 4"/>
+          <p:cNvPr id="1026" name="Picture 2"/>
           <p:cNvPicPr>
             <a:picLocks noChangeAspect="1" noChangeArrowheads="1"/>
           </p:cNvPicPr>
@@ -5188,8 +5188,8 @@
         </p:blipFill>
         <p:spPr bwMode="auto">
           <a:xfrm>
-            <a:off x="395536" y="4149080"/>
-            <a:ext cx="5391150" cy="1729159"/>
+            <a:off x="4529386" y="5286374"/>
+            <a:ext cx="4619625" cy="1571626"/>
           </a:xfrm>
           <a:prstGeom prst="rect">
             <a:avLst/>
@@ -5221,7 +5221,7 @@
       </p:pic>
       <p:pic>
         <p:nvPicPr>
-          <p:cNvPr id="1026" name="Picture 2"/>
+          <p:cNvPr id="4" name="Picture 2"/>
           <p:cNvPicPr>
             <a:picLocks noChangeAspect="1" noChangeArrowheads="1"/>
           </p:cNvPicPr>
@@ -5240,8 +5240,8 @@
         </p:blipFill>
         <p:spPr bwMode="auto">
           <a:xfrm>
-            <a:off x="4529386" y="5286374"/>
-            <a:ext cx="4619625" cy="1571626"/>
+            <a:off x="168622" y="4400549"/>
+            <a:ext cx="5495925" cy="1771650"/>
           </a:xfrm>
           <a:prstGeom prst="rect">
             <a:avLst/>

--- a/src/site/sphinx/memo/images.pptx
+++ b/src/site/sphinx/memo/images.pptx
@@ -13,10 +13,12 @@
     <p:sldId id="266" r:id="rId7"/>
     <p:sldId id="259" r:id="rId8"/>
     <p:sldId id="261" r:id="rId9"/>
-    <p:sldId id="262" r:id="rId10"/>
-    <p:sldId id="265" r:id="rId11"/>
-    <p:sldId id="263" r:id="rId12"/>
-    <p:sldId id="264" r:id="rId13"/>
+    <p:sldId id="268" r:id="rId10"/>
+    <p:sldId id="269" r:id="rId11"/>
+    <p:sldId id="262" r:id="rId12"/>
+    <p:sldId id="265" r:id="rId13"/>
+    <p:sldId id="263" r:id="rId14"/>
+    <p:sldId id="264" r:id="rId15"/>
   </p:sldIdLst>
   <p:sldSz cx="9144000" cy="6858000" type="screen4x3"/>
   <p:notesSz cx="6858000" cy="9144000"/>
@@ -299,7 +301,7 @@
           <a:p>
             <a:fld id="{E90ED720-0104-4369-84BC-D37694168613}" type="datetimeFigureOut">
               <a:rPr kumimoji="1" lang="ja-JP" altLang="en-US" smtClean="0"/>
-              <a:t>2016/3/13</a:t>
+              <a:t>2016/3/21</a:t>
             </a:fld>
             <a:endParaRPr kumimoji="1" lang="ja-JP" altLang="en-US"/>
           </a:p>
@@ -496,7 +498,7 @@
           <a:p>
             <a:fld id="{E90ED720-0104-4369-84BC-D37694168613}" type="datetimeFigureOut">
               <a:rPr kumimoji="1" lang="ja-JP" altLang="en-US" smtClean="0"/>
-              <a:t>2016/3/13</a:t>
+              <a:t>2016/3/21</a:t>
             </a:fld>
             <a:endParaRPr kumimoji="1" lang="ja-JP" altLang="en-US"/>
           </a:p>
@@ -703,7 +705,7 @@
           <a:p>
             <a:fld id="{E90ED720-0104-4369-84BC-D37694168613}" type="datetimeFigureOut">
               <a:rPr kumimoji="1" lang="ja-JP" altLang="en-US" smtClean="0"/>
-              <a:t>2016/3/13</a:t>
+              <a:t>2016/3/21</a:t>
             </a:fld>
             <a:endParaRPr kumimoji="1" lang="ja-JP" altLang="en-US"/>
           </a:p>
@@ -900,7 +902,7 @@
           <a:p>
             <a:fld id="{E90ED720-0104-4369-84BC-D37694168613}" type="datetimeFigureOut">
               <a:rPr kumimoji="1" lang="ja-JP" altLang="en-US" smtClean="0"/>
-              <a:t>2016/3/13</a:t>
+              <a:t>2016/3/21</a:t>
             </a:fld>
             <a:endParaRPr kumimoji="1" lang="ja-JP" altLang="en-US"/>
           </a:p>
@@ -1141,7 +1143,7 @@
           <a:p>
             <a:fld id="{E90ED720-0104-4369-84BC-D37694168613}" type="datetimeFigureOut">
               <a:rPr kumimoji="1" lang="ja-JP" altLang="en-US" smtClean="0"/>
-              <a:t>2016/3/13</a:t>
+              <a:t>2016/3/21</a:t>
             </a:fld>
             <a:endParaRPr kumimoji="1" lang="ja-JP" altLang="en-US"/>
           </a:p>
@@ -1488,7 +1490,7 @@
           <a:p>
             <a:fld id="{E90ED720-0104-4369-84BC-D37694168613}" type="datetimeFigureOut">
               <a:rPr kumimoji="1" lang="ja-JP" altLang="en-US" smtClean="0"/>
-              <a:t>2016/3/13</a:t>
+              <a:t>2016/3/21</a:t>
             </a:fld>
             <a:endParaRPr kumimoji="1" lang="ja-JP" altLang="en-US"/>
           </a:p>
@@ -1969,7 +1971,7 @@
           <a:p>
             <a:fld id="{E90ED720-0104-4369-84BC-D37694168613}" type="datetimeFigureOut">
               <a:rPr kumimoji="1" lang="ja-JP" altLang="en-US" smtClean="0"/>
-              <a:t>2016/3/13</a:t>
+              <a:t>2016/3/21</a:t>
             </a:fld>
             <a:endParaRPr kumimoji="1" lang="ja-JP" altLang="en-US"/>
           </a:p>
@@ -2082,7 +2084,7 @@
           <a:p>
             <a:fld id="{E90ED720-0104-4369-84BC-D37694168613}" type="datetimeFigureOut">
               <a:rPr kumimoji="1" lang="ja-JP" altLang="en-US" smtClean="0"/>
-              <a:t>2016/3/13</a:t>
+              <a:t>2016/3/21</a:t>
             </a:fld>
             <a:endParaRPr kumimoji="1" lang="ja-JP" altLang="en-US"/>
           </a:p>
@@ -2172,7 +2174,7 @@
           <a:p>
             <a:fld id="{E90ED720-0104-4369-84BC-D37694168613}" type="datetimeFigureOut">
               <a:rPr kumimoji="1" lang="ja-JP" altLang="en-US" smtClean="0"/>
-              <a:t>2016/3/13</a:t>
+              <a:t>2016/3/21</a:t>
             </a:fld>
             <a:endParaRPr kumimoji="1" lang="ja-JP" altLang="en-US"/>
           </a:p>
@@ -2476,7 +2478,7 @@
           <a:p>
             <a:fld id="{E90ED720-0104-4369-84BC-D37694168613}" type="datetimeFigureOut">
               <a:rPr kumimoji="1" lang="ja-JP" altLang="en-US" smtClean="0"/>
-              <a:t>2016/3/13</a:t>
+              <a:t>2016/3/21</a:t>
             </a:fld>
             <a:endParaRPr kumimoji="1" lang="ja-JP" altLang="en-US"/>
           </a:p>
@@ -2724,7 +2726,7 @@
           <a:p>
             <a:fld id="{E90ED720-0104-4369-84BC-D37694168613}" type="datetimeFigureOut">
               <a:rPr kumimoji="1" lang="ja-JP" altLang="en-US" smtClean="0"/>
-              <a:t>2016/3/13</a:t>
+              <a:t>2016/3/21</a:t>
             </a:fld>
             <a:endParaRPr kumimoji="1" lang="ja-JP" altLang="en-US"/>
           </a:p>
@@ -2964,7 +2966,7 @@
           <a:p>
             <a:fld id="{E90ED720-0104-4369-84BC-D37694168613}" type="datetimeFigureOut">
               <a:rPr kumimoji="1" lang="ja-JP" altLang="en-US" smtClean="0"/>
-              <a:t>2016/3/13</a:t>
+              <a:t>2016/3/21</a:t>
             </a:fld>
             <a:endParaRPr kumimoji="1" lang="ja-JP" altLang="en-US"/>
           </a:p>
@@ -3558,6 +3560,320 @@
           <a:p>
             <a:r>
               <a:rPr kumimoji="1" lang="en-US" altLang="ja-JP" dirty="0" err="1" smtClean="0"/>
+              <a:t>NestedRecords</a:t>
+            </a:r>
+            <a:endParaRPr kumimoji="1" lang="ja-JP" altLang="en-US" dirty="0"/>
+          </a:p>
+        </p:txBody>
+      </p:sp>
+      <p:pic>
+        <p:nvPicPr>
+          <p:cNvPr id="3074" name="Picture 2"/>
+          <p:cNvPicPr>
+            <a:picLocks noChangeAspect="1" noChangeArrowheads="1"/>
+          </p:cNvPicPr>
+          <p:nvPr/>
+        </p:nvPicPr>
+        <p:blipFill rotWithShape="1">
+          <a:blip r:embed="rId2" cstate="print">
+            <a:extLst>
+              <a:ext uri="{28A0092B-C50C-407E-A947-70E740481C1C}">
+                <a14:useLocalDpi xmlns:a14="http://schemas.microsoft.com/office/drawing/2010/main" val="0"/>
+              </a:ext>
+            </a:extLst>
+          </a:blip>
+          <a:srcRect/>
+          <a:stretch/>
+        </p:blipFill>
+        <p:spPr bwMode="auto">
+          <a:xfrm>
+            <a:off x="395536" y="1340768"/>
+            <a:ext cx="4048125" cy="2962275"/>
+          </a:xfrm>
+          <a:prstGeom prst="rect">
+            <a:avLst/>
+          </a:prstGeom>
+          <a:noFill/>
+          <a:ln>
+            <a:noFill/>
+          </a:ln>
+          <a:extLst>
+            <a:ext uri="{909E8E84-426E-40DD-AFC4-6F175D3DCCD1}">
+              <a14:hiddenFill xmlns:a14="http://schemas.microsoft.com/office/drawing/2010/main">
+                <a:solidFill>
+                  <a:schemeClr val="accent1"/>
+                </a:solidFill>
+              </a14:hiddenFill>
+            </a:ext>
+            <a:ext uri="{91240B29-F687-4F45-9708-019B960494DF}">
+              <a14:hiddenLine xmlns:a14="http://schemas.microsoft.com/office/drawing/2010/main" w="9525">
+                <a:solidFill>
+                  <a:schemeClr val="tx1"/>
+                </a:solidFill>
+                <a:miter lim="800000"/>
+                <a:headEnd/>
+                <a:tailEnd/>
+              </a14:hiddenLine>
+            </a:ext>
+          </a:extLst>
+        </p:spPr>
+      </p:pic>
+    </p:spTree>
+    <p:extLst>
+      <p:ext uri="{BB962C8B-B14F-4D97-AF65-F5344CB8AC3E}">
+        <p14:creationId xmlns:p14="http://schemas.microsoft.com/office/powerpoint/2010/main" val="480720534"/>
+      </p:ext>
+    </p:extLst>
+  </p:cSld>
+  <p:clrMapOvr>
+    <a:masterClrMapping/>
+  </p:clrMapOvr>
+</p:sld>
+</file>
+
+<file path=ppt/slides/slide11.xml><?xml version="1.0" encoding="utf-8"?>
+<p:sld xmlns:a="http://schemas.openxmlformats.org/drawingml/2006/main" xmlns:r="http://schemas.openxmlformats.org/officeDocument/2006/relationships" xmlns:p="http://schemas.openxmlformats.org/presentationml/2006/main">
+  <p:cSld>
+    <p:spTree>
+      <p:nvGrpSpPr>
+        <p:cNvPr id="1" name=""/>
+        <p:cNvGrpSpPr/>
+        <p:nvPr/>
+      </p:nvGrpSpPr>
+      <p:grpSpPr>
+        <a:xfrm>
+          <a:off x="0" y="0"/>
+          <a:ext cx="0" cy="0"/>
+          <a:chOff x="0" y="0"/>
+          <a:chExt cx="0" cy="0"/>
+        </a:xfrm>
+      </p:grpSpPr>
+      <p:sp>
+        <p:nvSpPr>
+          <p:cNvPr id="2" name="タイトル 1"/>
+          <p:cNvSpPr>
+            <a:spLocks noGrp="1"/>
+          </p:cNvSpPr>
+          <p:nvPr>
+            <p:ph type="title"/>
+          </p:nvPr>
+        </p:nvSpPr>
+        <p:spPr/>
+        <p:txBody>
+          <a:bodyPr/>
+          <a:lstStyle/>
+          <a:p>
+            <a:r>
+              <a:rPr lang="en-US" altLang="ja-JP" dirty="0" err="1" smtClean="0"/>
+              <a:t>VerticalRecords</a:t>
+            </a:r>
+            <a:endParaRPr kumimoji="1" lang="ja-JP" altLang="en-US" dirty="0"/>
+          </a:p>
+        </p:txBody>
+      </p:sp>
+      <p:pic>
+        <p:nvPicPr>
+          <p:cNvPr id="6154" name="Picture 10"/>
+          <p:cNvPicPr>
+            <a:picLocks noChangeAspect="1" noChangeArrowheads="1"/>
+          </p:cNvPicPr>
+          <p:nvPr/>
+        </p:nvPicPr>
+        <p:blipFill rotWithShape="1">
+          <a:blip r:embed="rId2" cstate="print">
+            <a:extLst>
+              <a:ext uri="{28A0092B-C50C-407E-A947-70E740481C1C}">
+                <a14:useLocalDpi xmlns:a14="http://schemas.microsoft.com/office/drawing/2010/main" val="0"/>
+              </a:ext>
+            </a:extLst>
+          </a:blip>
+          <a:srcRect/>
+          <a:stretch/>
+        </p:blipFill>
+        <p:spPr bwMode="auto">
+          <a:xfrm>
+            <a:off x="107504" y="1196752"/>
+            <a:ext cx="4705350" cy="1485900"/>
+          </a:xfrm>
+          <a:prstGeom prst="rect">
+            <a:avLst/>
+          </a:prstGeom>
+          <a:noFill/>
+          <a:ln>
+            <a:noFill/>
+          </a:ln>
+          <a:extLst>
+            <a:ext uri="{909E8E84-426E-40DD-AFC4-6F175D3DCCD1}">
+              <a14:hiddenFill xmlns:a14="http://schemas.microsoft.com/office/drawing/2010/main">
+                <a:solidFill>
+                  <a:schemeClr val="accent1"/>
+                </a:solidFill>
+              </a14:hiddenFill>
+            </a:ext>
+            <a:ext uri="{91240B29-F687-4F45-9708-019B960494DF}">
+              <a14:hiddenLine xmlns:a14="http://schemas.microsoft.com/office/drawing/2010/main" w="9525">
+                <a:solidFill>
+                  <a:schemeClr val="tx1"/>
+                </a:solidFill>
+                <a:miter lim="800000"/>
+                <a:headEnd/>
+                <a:tailEnd/>
+              </a14:hiddenLine>
+            </a:ext>
+          </a:extLst>
+        </p:spPr>
+      </p:pic>
+      <p:pic>
+        <p:nvPicPr>
+          <p:cNvPr id="6155" name="Picture 11"/>
+          <p:cNvPicPr>
+            <a:picLocks noChangeAspect="1" noChangeArrowheads="1"/>
+          </p:cNvPicPr>
+          <p:nvPr/>
+        </p:nvPicPr>
+        <p:blipFill rotWithShape="1">
+          <a:blip r:embed="rId3" cstate="print">
+            <a:extLst>
+              <a:ext uri="{28A0092B-C50C-407E-A947-70E740481C1C}">
+                <a14:useLocalDpi xmlns:a14="http://schemas.microsoft.com/office/drawing/2010/main" val="0"/>
+              </a:ext>
+            </a:extLst>
+          </a:blip>
+          <a:srcRect/>
+          <a:stretch/>
+        </p:blipFill>
+        <p:spPr bwMode="auto">
+          <a:xfrm>
+            <a:off x="14511" y="3356992"/>
+            <a:ext cx="3276600" cy="1209675"/>
+          </a:xfrm>
+          <a:prstGeom prst="rect">
+            <a:avLst/>
+          </a:prstGeom>
+          <a:noFill/>
+          <a:ln>
+            <a:noFill/>
+          </a:ln>
+          <a:extLst>
+            <a:ext uri="{909E8E84-426E-40DD-AFC4-6F175D3DCCD1}">
+              <a14:hiddenFill xmlns:a14="http://schemas.microsoft.com/office/drawing/2010/main">
+                <a:solidFill>
+                  <a:schemeClr val="accent1"/>
+                </a:solidFill>
+              </a14:hiddenFill>
+            </a:ext>
+            <a:ext uri="{91240B29-F687-4F45-9708-019B960494DF}">
+              <a14:hiddenLine xmlns:a14="http://schemas.microsoft.com/office/drawing/2010/main" w="9525">
+                <a:solidFill>
+                  <a:schemeClr val="tx1"/>
+                </a:solidFill>
+                <a:miter lim="800000"/>
+                <a:headEnd/>
+                <a:tailEnd/>
+              </a14:hiddenLine>
+            </a:ext>
+          </a:extLst>
+        </p:spPr>
+      </p:pic>
+      <p:pic>
+        <p:nvPicPr>
+          <p:cNvPr id="6157" name="Picture 13"/>
+          <p:cNvPicPr>
+            <a:picLocks noChangeAspect="1" noChangeArrowheads="1"/>
+          </p:cNvPicPr>
+          <p:nvPr/>
+        </p:nvPicPr>
+        <p:blipFill rotWithShape="1">
+          <a:blip r:embed="rId4" cstate="print">
+            <a:extLst>
+              <a:ext uri="{28A0092B-C50C-407E-A947-70E740481C1C}">
+                <a14:useLocalDpi xmlns:a14="http://schemas.microsoft.com/office/drawing/2010/main" val="0"/>
+              </a:ext>
+            </a:extLst>
+          </a:blip>
+          <a:srcRect/>
+          <a:stretch/>
+        </p:blipFill>
+        <p:spPr bwMode="auto">
+          <a:xfrm>
+            <a:off x="3635896" y="3356992"/>
+            <a:ext cx="5207000" cy="2076451"/>
+          </a:xfrm>
+          <a:prstGeom prst="rect">
+            <a:avLst/>
+          </a:prstGeom>
+          <a:noFill/>
+          <a:ln>
+            <a:noFill/>
+          </a:ln>
+          <a:extLst>
+            <a:ext uri="{909E8E84-426E-40DD-AFC4-6F175D3DCCD1}">
+              <a14:hiddenFill xmlns:a14="http://schemas.microsoft.com/office/drawing/2010/main">
+                <a:solidFill>
+                  <a:schemeClr val="accent1"/>
+                </a:solidFill>
+              </a14:hiddenFill>
+            </a:ext>
+            <a:ext uri="{91240B29-F687-4F45-9708-019B960494DF}">
+              <a14:hiddenLine xmlns:a14="http://schemas.microsoft.com/office/drawing/2010/main" w="9525">
+                <a:solidFill>
+                  <a:schemeClr val="tx1"/>
+                </a:solidFill>
+                <a:miter lim="800000"/>
+                <a:headEnd/>
+                <a:tailEnd/>
+              </a14:hiddenLine>
+            </a:ext>
+          </a:extLst>
+        </p:spPr>
+      </p:pic>
+    </p:spTree>
+    <p:extLst>
+      <p:ext uri="{BB962C8B-B14F-4D97-AF65-F5344CB8AC3E}">
+        <p14:creationId xmlns:p14="http://schemas.microsoft.com/office/powerpoint/2010/main" val="1102042093"/>
+      </p:ext>
+    </p:extLst>
+  </p:cSld>
+  <p:clrMapOvr>
+    <a:masterClrMapping/>
+  </p:clrMapOvr>
+</p:sld>
+</file>
+
+<file path=ppt/slides/slide12.xml><?xml version="1.0" encoding="utf-8"?>
+<p:sld xmlns:a="http://schemas.openxmlformats.org/drawingml/2006/main" xmlns:r="http://schemas.openxmlformats.org/officeDocument/2006/relationships" xmlns:p="http://schemas.openxmlformats.org/presentationml/2006/main">
+  <p:cSld>
+    <p:spTree>
+      <p:nvGrpSpPr>
+        <p:cNvPr id="1" name=""/>
+        <p:cNvGrpSpPr/>
+        <p:nvPr/>
+      </p:nvGrpSpPr>
+      <p:grpSpPr>
+        <a:xfrm>
+          <a:off x="0" y="0"/>
+          <a:ext cx="0" cy="0"/>
+          <a:chOff x="0" y="0"/>
+          <a:chExt cx="0" cy="0"/>
+        </a:xfrm>
+      </p:grpSpPr>
+      <p:sp>
+        <p:nvSpPr>
+          <p:cNvPr id="2" name="タイトル 1"/>
+          <p:cNvSpPr>
+            <a:spLocks noGrp="1"/>
+          </p:cNvSpPr>
+          <p:nvPr>
+            <p:ph type="title"/>
+          </p:nvPr>
+        </p:nvSpPr>
+        <p:spPr/>
+        <p:txBody>
+          <a:bodyPr/>
+          <a:lstStyle/>
+          <a:p>
+            <a:r>
+              <a:rPr kumimoji="1" lang="en-US" altLang="ja-JP" dirty="0" err="1" smtClean="0"/>
               <a:t>VerticalRecords</a:t>
             </a:r>
             <a:endParaRPr kumimoji="1" lang="ja-JP" altLang="en-US" dirty="0"/>
@@ -3629,7 +3945,7 @@
 </p:sld>
 </file>
 
-<file path=ppt/slides/slide11.xml><?xml version="1.0" encoding="utf-8"?>
+<file path=ppt/slides/slide13.xml><?xml version="1.0" encoding="utf-8"?>
 <p:sld xmlns:a="http://schemas.openxmlformats.org/drawingml/2006/main" xmlns:r="http://schemas.openxmlformats.org/officeDocument/2006/relationships" xmlns:p="http://schemas.openxmlformats.org/presentationml/2006/main">
   <p:cSld>
     <p:spTree>
@@ -3738,7 +4054,7 @@
 </p:sld>
 </file>
 
-<file path=ppt/slides/slide12.xml><?xml version="1.0" encoding="utf-8"?>
+<file path=ppt/slides/slide14.xml><?xml version="1.0" encoding="utf-8"?>
 <p:sld xmlns:a="http://schemas.openxmlformats.org/drawingml/2006/main" xmlns:r="http://schemas.openxmlformats.org/officeDocument/2006/relationships" xmlns:p="http://schemas.openxmlformats.org/presentationml/2006/main">
   <p:cSld>
     <p:spTree>
@@ -4801,6 +5117,58 @@
           </a:extLst>
         </p:spPr>
       </p:pic>
+      <p:pic>
+        <p:nvPicPr>
+          <p:cNvPr id="1026" name="Picture 2"/>
+          <p:cNvPicPr>
+            <a:picLocks noChangeAspect="1" noChangeArrowheads="1"/>
+          </p:cNvPicPr>
+          <p:nvPr/>
+        </p:nvPicPr>
+        <p:blipFill rotWithShape="1">
+          <a:blip r:embed="rId3" cstate="print">
+            <a:extLst>
+              <a:ext uri="{28A0092B-C50C-407E-A947-70E740481C1C}">
+                <a14:useLocalDpi xmlns:a14="http://schemas.microsoft.com/office/drawing/2010/main" val="0"/>
+              </a:ext>
+            </a:extLst>
+          </a:blip>
+          <a:srcRect/>
+          <a:stretch/>
+        </p:blipFill>
+        <p:spPr bwMode="auto">
+          <a:xfrm>
+            <a:off x="539552" y="4374827"/>
+            <a:ext cx="4724400" cy="1990725"/>
+          </a:xfrm>
+          <a:prstGeom prst="rect">
+            <a:avLst/>
+          </a:prstGeom>
+          <a:noFill/>
+          <a:ln>
+            <a:noFill/>
+          </a:ln>
+          <a:extLst>
+            <a:ext uri="{909E8E84-426E-40DD-AFC4-6F175D3DCCD1}">
+              <a14:hiddenFill xmlns:a14="http://schemas.microsoft.com/office/drawing/2010/main">
+                <a:solidFill>
+                  <a:schemeClr val="accent1"/>
+                </a:solidFill>
+              </a14:hiddenFill>
+            </a:ext>
+            <a:ext uri="{91240B29-F687-4F45-9708-019B960494DF}">
+              <a14:hiddenLine xmlns:a14="http://schemas.microsoft.com/office/drawing/2010/main" w="9525">
+                <a:solidFill>
+                  <a:schemeClr val="tx1"/>
+                </a:solidFill>
+                <a:miter lim="800000"/>
+                <a:headEnd/>
+                <a:tailEnd/>
+              </a14:hiddenLine>
+            </a:ext>
+          </a:extLst>
+        </p:spPr>
+      </p:pic>
     </p:spTree>
     <p:extLst>
       <p:ext uri="{BB962C8B-B14F-4D97-AF65-F5344CB8AC3E}">
@@ -5117,7 +5485,7 @@
       </p:pic>
       <p:pic>
         <p:nvPicPr>
-          <p:cNvPr id="3" name="Picture 3"/>
+          <p:cNvPr id="1026" name="Picture 2"/>
           <p:cNvPicPr>
             <a:picLocks noChangeAspect="1" noChangeArrowheads="1"/>
           </p:cNvPicPr>
@@ -5125,58 +5493,6 @@
         </p:nvPicPr>
         <p:blipFill rotWithShape="1">
           <a:blip r:embed="rId3" cstate="print">
-            <a:extLst>
-              <a:ext uri="{28A0092B-C50C-407E-A947-70E740481C1C}">
-                <a14:useLocalDpi xmlns:a14="http://schemas.microsoft.com/office/drawing/2010/main" val="0"/>
-              </a:ext>
-            </a:extLst>
-          </a:blip>
-          <a:srcRect/>
-          <a:stretch/>
-        </p:blipFill>
-        <p:spPr bwMode="auto">
-          <a:xfrm>
-            <a:off x="395536" y="1140320"/>
-            <a:ext cx="5042098" cy="1647454"/>
-          </a:xfrm>
-          <a:prstGeom prst="rect">
-            <a:avLst/>
-          </a:prstGeom>
-          <a:noFill/>
-          <a:ln>
-            <a:noFill/>
-          </a:ln>
-          <a:extLst>
-            <a:ext uri="{909E8E84-426E-40DD-AFC4-6F175D3DCCD1}">
-              <a14:hiddenFill xmlns:a14="http://schemas.microsoft.com/office/drawing/2010/main">
-                <a:solidFill>
-                  <a:schemeClr val="accent1"/>
-                </a:solidFill>
-              </a14:hiddenFill>
-            </a:ext>
-            <a:ext uri="{91240B29-F687-4F45-9708-019B960494DF}">
-              <a14:hiddenLine xmlns:a14="http://schemas.microsoft.com/office/drawing/2010/main" w="9525">
-                <a:solidFill>
-                  <a:schemeClr val="tx1"/>
-                </a:solidFill>
-                <a:miter lim="800000"/>
-                <a:headEnd/>
-                <a:tailEnd/>
-              </a14:hiddenLine>
-            </a:ext>
-          </a:extLst>
-        </p:spPr>
-      </p:pic>
-      <p:pic>
-        <p:nvPicPr>
-          <p:cNvPr id="1026" name="Picture 2"/>
-          <p:cNvPicPr>
-            <a:picLocks noChangeAspect="1" noChangeArrowheads="1"/>
-          </p:cNvPicPr>
-          <p:nvPr/>
-        </p:nvPicPr>
-        <p:blipFill rotWithShape="1">
-          <a:blip r:embed="rId4" cstate="print">
             <a:extLst>
               <a:ext uri="{28A0092B-C50C-407E-A947-70E740481C1C}">
                 <a14:useLocalDpi xmlns:a14="http://schemas.microsoft.com/office/drawing/2010/main" val="0"/>
@@ -5228,7 +5544,7 @@
           <p:nvPr/>
         </p:nvPicPr>
         <p:blipFill rotWithShape="1">
-          <a:blip r:embed="rId5" cstate="print">
+          <a:blip r:embed="rId4" cstate="print">
             <a:extLst>
               <a:ext uri="{28A0092B-C50C-407E-A947-70E740481C1C}">
                 <a14:useLocalDpi xmlns:a14="http://schemas.microsoft.com/office/drawing/2010/main" val="0"/>
@@ -5242,6 +5558,58 @@
           <a:xfrm>
             <a:off x="168622" y="4400549"/>
             <a:ext cx="5495925" cy="1771650"/>
+          </a:xfrm>
+          <a:prstGeom prst="rect">
+            <a:avLst/>
+          </a:prstGeom>
+          <a:noFill/>
+          <a:ln>
+            <a:noFill/>
+          </a:ln>
+          <a:extLst>
+            <a:ext uri="{909E8E84-426E-40DD-AFC4-6F175D3DCCD1}">
+              <a14:hiddenFill xmlns:a14="http://schemas.microsoft.com/office/drawing/2010/main">
+                <a:solidFill>
+                  <a:schemeClr val="accent1"/>
+                </a:solidFill>
+              </a14:hiddenFill>
+            </a:ext>
+            <a:ext uri="{91240B29-F687-4F45-9708-019B960494DF}">
+              <a14:hiddenLine xmlns:a14="http://schemas.microsoft.com/office/drawing/2010/main" w="9525">
+                <a:solidFill>
+                  <a:schemeClr val="tx1"/>
+                </a:solidFill>
+                <a:miter lim="800000"/>
+                <a:headEnd/>
+                <a:tailEnd/>
+              </a14:hiddenLine>
+            </a:ext>
+          </a:extLst>
+        </p:spPr>
+      </p:pic>
+      <p:pic>
+        <p:nvPicPr>
+          <p:cNvPr id="5" name="Picture 2"/>
+          <p:cNvPicPr>
+            <a:picLocks noChangeAspect="1" noChangeArrowheads="1"/>
+          </p:cNvPicPr>
+          <p:nvPr/>
+        </p:nvPicPr>
+        <p:blipFill rotWithShape="1">
+          <a:blip r:embed="rId5" cstate="print">
+            <a:extLst>
+              <a:ext uri="{28A0092B-C50C-407E-A947-70E740481C1C}">
+                <a14:useLocalDpi xmlns:a14="http://schemas.microsoft.com/office/drawing/2010/main" val="0"/>
+              </a:ext>
+            </a:extLst>
+          </a:blip>
+          <a:srcRect/>
+          <a:stretch/>
+        </p:blipFill>
+        <p:spPr bwMode="auto">
+          <a:xfrm>
+            <a:off x="251520" y="1124744"/>
+            <a:ext cx="5019675" cy="1552576"/>
           </a:xfrm>
           <a:prstGeom prst="rect">
             <a:avLst/>
@@ -5317,8 +5685,8 @@
           <a:lstStyle/>
           <a:p>
             <a:r>
-              <a:rPr lang="en-US" altLang="ja-JP" dirty="0" err="1" smtClean="0"/>
-              <a:t>VerticalRecords</a:t>
+              <a:rPr kumimoji="1" lang="en-US" altLang="ja-JP" dirty="0" err="1" smtClean="0"/>
+              <a:t>NextedRecords</a:t>
             </a:r>
             <a:endParaRPr kumimoji="1" lang="ja-JP" altLang="en-US" dirty="0"/>
           </a:p>
@@ -5326,7 +5694,7 @@
       </p:sp>
       <p:pic>
         <p:nvPicPr>
-          <p:cNvPr id="6154" name="Picture 10"/>
+          <p:cNvPr id="2056" name="Picture 8"/>
           <p:cNvPicPr>
             <a:picLocks noChangeAspect="1" noChangeArrowheads="1"/>
           </p:cNvPicPr>
@@ -5345,8 +5713,8 @@
         </p:blipFill>
         <p:spPr bwMode="auto">
           <a:xfrm>
-            <a:off x="107504" y="1196752"/>
-            <a:ext cx="4705350" cy="1485900"/>
+            <a:off x="336424" y="1340768"/>
+            <a:ext cx="5181601" cy="4010026"/>
           </a:xfrm>
           <a:prstGeom prst="rect">
             <a:avLst/>
@@ -5376,114 +5744,10 @@
           </a:extLst>
         </p:spPr>
       </p:pic>
-      <p:pic>
-        <p:nvPicPr>
-          <p:cNvPr id="6155" name="Picture 11"/>
-          <p:cNvPicPr>
-            <a:picLocks noChangeAspect="1" noChangeArrowheads="1"/>
-          </p:cNvPicPr>
-          <p:nvPr/>
-        </p:nvPicPr>
-        <p:blipFill rotWithShape="1">
-          <a:blip r:embed="rId3" cstate="print">
-            <a:extLst>
-              <a:ext uri="{28A0092B-C50C-407E-A947-70E740481C1C}">
-                <a14:useLocalDpi xmlns:a14="http://schemas.microsoft.com/office/drawing/2010/main" val="0"/>
-              </a:ext>
-            </a:extLst>
-          </a:blip>
-          <a:srcRect/>
-          <a:stretch/>
-        </p:blipFill>
-        <p:spPr bwMode="auto">
-          <a:xfrm>
-            <a:off x="14511" y="3356992"/>
-            <a:ext cx="3276600" cy="1209675"/>
-          </a:xfrm>
-          <a:prstGeom prst="rect">
-            <a:avLst/>
-          </a:prstGeom>
-          <a:noFill/>
-          <a:ln>
-            <a:noFill/>
-          </a:ln>
-          <a:extLst>
-            <a:ext uri="{909E8E84-426E-40DD-AFC4-6F175D3DCCD1}">
-              <a14:hiddenFill xmlns:a14="http://schemas.microsoft.com/office/drawing/2010/main">
-                <a:solidFill>
-                  <a:schemeClr val="accent1"/>
-                </a:solidFill>
-              </a14:hiddenFill>
-            </a:ext>
-            <a:ext uri="{91240B29-F687-4F45-9708-019B960494DF}">
-              <a14:hiddenLine xmlns:a14="http://schemas.microsoft.com/office/drawing/2010/main" w="9525">
-                <a:solidFill>
-                  <a:schemeClr val="tx1"/>
-                </a:solidFill>
-                <a:miter lim="800000"/>
-                <a:headEnd/>
-                <a:tailEnd/>
-              </a14:hiddenLine>
-            </a:ext>
-          </a:extLst>
-        </p:spPr>
-      </p:pic>
-      <p:pic>
-        <p:nvPicPr>
-          <p:cNvPr id="6157" name="Picture 13"/>
-          <p:cNvPicPr>
-            <a:picLocks noChangeAspect="1" noChangeArrowheads="1"/>
-          </p:cNvPicPr>
-          <p:nvPr/>
-        </p:nvPicPr>
-        <p:blipFill rotWithShape="1">
-          <a:blip r:embed="rId4" cstate="print">
-            <a:extLst>
-              <a:ext uri="{28A0092B-C50C-407E-A947-70E740481C1C}">
-                <a14:useLocalDpi xmlns:a14="http://schemas.microsoft.com/office/drawing/2010/main" val="0"/>
-              </a:ext>
-            </a:extLst>
-          </a:blip>
-          <a:srcRect/>
-          <a:stretch/>
-        </p:blipFill>
-        <p:spPr bwMode="auto">
-          <a:xfrm>
-            <a:off x="3635896" y="3356992"/>
-            <a:ext cx="5207000" cy="2076451"/>
-          </a:xfrm>
-          <a:prstGeom prst="rect">
-            <a:avLst/>
-          </a:prstGeom>
-          <a:noFill/>
-          <a:ln>
-            <a:noFill/>
-          </a:ln>
-          <a:extLst>
-            <a:ext uri="{909E8E84-426E-40DD-AFC4-6F175D3DCCD1}">
-              <a14:hiddenFill xmlns:a14="http://schemas.microsoft.com/office/drawing/2010/main">
-                <a:solidFill>
-                  <a:schemeClr val="accent1"/>
-                </a:solidFill>
-              </a14:hiddenFill>
-            </a:ext>
-            <a:ext uri="{91240B29-F687-4F45-9708-019B960494DF}">
-              <a14:hiddenLine xmlns:a14="http://schemas.microsoft.com/office/drawing/2010/main" w="9525">
-                <a:solidFill>
-                  <a:schemeClr val="tx1"/>
-                </a:solidFill>
-                <a:miter lim="800000"/>
-                <a:headEnd/>
-                <a:tailEnd/>
-              </a14:hiddenLine>
-            </a:ext>
-          </a:extLst>
-        </p:spPr>
-      </p:pic>
     </p:spTree>
     <p:extLst>
       <p:ext uri="{BB962C8B-B14F-4D97-AF65-F5344CB8AC3E}">
-        <p14:creationId xmlns:p14="http://schemas.microsoft.com/office/powerpoint/2010/main" val="1102042093"/>
+        <p14:creationId xmlns:p14="http://schemas.microsoft.com/office/powerpoint/2010/main" val="3736747187"/>
       </p:ext>
     </p:extLst>
   </p:cSld>

--- a/src/site/sphinx/memo/images.pptx
+++ b/src/site/sphinx/memo/images.pptx
@@ -301,7 +301,7 @@
           <a:p>
             <a:fld id="{E90ED720-0104-4369-84BC-D37694168613}" type="datetimeFigureOut">
               <a:rPr kumimoji="1" lang="ja-JP" altLang="en-US" smtClean="0"/>
-              <a:t>2016/3/21</a:t>
+              <a:t>2016/3/25</a:t>
             </a:fld>
             <a:endParaRPr kumimoji="1" lang="ja-JP" altLang="en-US"/>
           </a:p>
@@ -498,7 +498,7 @@
           <a:p>
             <a:fld id="{E90ED720-0104-4369-84BC-D37694168613}" type="datetimeFigureOut">
               <a:rPr kumimoji="1" lang="ja-JP" altLang="en-US" smtClean="0"/>
-              <a:t>2016/3/21</a:t>
+              <a:t>2016/3/25</a:t>
             </a:fld>
             <a:endParaRPr kumimoji="1" lang="ja-JP" altLang="en-US"/>
           </a:p>
@@ -705,7 +705,7 @@
           <a:p>
             <a:fld id="{E90ED720-0104-4369-84BC-D37694168613}" type="datetimeFigureOut">
               <a:rPr kumimoji="1" lang="ja-JP" altLang="en-US" smtClean="0"/>
-              <a:t>2016/3/21</a:t>
+              <a:t>2016/3/25</a:t>
             </a:fld>
             <a:endParaRPr kumimoji="1" lang="ja-JP" altLang="en-US"/>
           </a:p>
@@ -902,7 +902,7 @@
           <a:p>
             <a:fld id="{E90ED720-0104-4369-84BC-D37694168613}" type="datetimeFigureOut">
               <a:rPr kumimoji="1" lang="ja-JP" altLang="en-US" smtClean="0"/>
-              <a:t>2016/3/21</a:t>
+              <a:t>2016/3/25</a:t>
             </a:fld>
             <a:endParaRPr kumimoji="1" lang="ja-JP" altLang="en-US"/>
           </a:p>
@@ -1143,7 +1143,7 @@
           <a:p>
             <a:fld id="{E90ED720-0104-4369-84BC-D37694168613}" type="datetimeFigureOut">
               <a:rPr kumimoji="1" lang="ja-JP" altLang="en-US" smtClean="0"/>
-              <a:t>2016/3/21</a:t>
+              <a:t>2016/3/25</a:t>
             </a:fld>
             <a:endParaRPr kumimoji="1" lang="ja-JP" altLang="en-US"/>
           </a:p>
@@ -1490,7 +1490,7 @@
           <a:p>
             <a:fld id="{E90ED720-0104-4369-84BC-D37694168613}" type="datetimeFigureOut">
               <a:rPr kumimoji="1" lang="ja-JP" altLang="en-US" smtClean="0"/>
-              <a:t>2016/3/21</a:t>
+              <a:t>2016/3/25</a:t>
             </a:fld>
             <a:endParaRPr kumimoji="1" lang="ja-JP" altLang="en-US"/>
           </a:p>
@@ -1971,7 +1971,7 @@
           <a:p>
             <a:fld id="{E90ED720-0104-4369-84BC-D37694168613}" type="datetimeFigureOut">
               <a:rPr kumimoji="1" lang="ja-JP" altLang="en-US" smtClean="0"/>
-              <a:t>2016/3/21</a:t>
+              <a:t>2016/3/25</a:t>
             </a:fld>
             <a:endParaRPr kumimoji="1" lang="ja-JP" altLang="en-US"/>
           </a:p>
@@ -2084,7 +2084,7 @@
           <a:p>
             <a:fld id="{E90ED720-0104-4369-84BC-D37694168613}" type="datetimeFigureOut">
               <a:rPr kumimoji="1" lang="ja-JP" altLang="en-US" smtClean="0"/>
-              <a:t>2016/3/21</a:t>
+              <a:t>2016/3/25</a:t>
             </a:fld>
             <a:endParaRPr kumimoji="1" lang="ja-JP" altLang="en-US"/>
           </a:p>
@@ -2174,7 +2174,7 @@
           <a:p>
             <a:fld id="{E90ED720-0104-4369-84BC-D37694168613}" type="datetimeFigureOut">
               <a:rPr kumimoji="1" lang="ja-JP" altLang="en-US" smtClean="0"/>
-              <a:t>2016/3/21</a:t>
+              <a:t>2016/3/25</a:t>
             </a:fld>
             <a:endParaRPr kumimoji="1" lang="ja-JP" altLang="en-US"/>
           </a:p>
@@ -2478,7 +2478,7 @@
           <a:p>
             <a:fld id="{E90ED720-0104-4369-84BC-D37694168613}" type="datetimeFigureOut">
               <a:rPr kumimoji="1" lang="ja-JP" altLang="en-US" smtClean="0"/>
-              <a:t>2016/3/21</a:t>
+              <a:t>2016/3/25</a:t>
             </a:fld>
             <a:endParaRPr kumimoji="1" lang="ja-JP" altLang="en-US"/>
           </a:p>
@@ -2726,7 +2726,7 @@
           <a:p>
             <a:fld id="{E90ED720-0104-4369-84BC-D37694168613}" type="datetimeFigureOut">
               <a:rPr kumimoji="1" lang="ja-JP" altLang="en-US" smtClean="0"/>
-              <a:t>2016/3/21</a:t>
+              <a:t>2016/3/25</a:t>
             </a:fld>
             <a:endParaRPr kumimoji="1" lang="ja-JP" altLang="en-US"/>
           </a:p>
@@ -2966,7 +2966,7 @@
           <a:p>
             <a:fld id="{E90ED720-0104-4369-84BC-D37694168613}" type="datetimeFigureOut">
               <a:rPr kumimoji="1" lang="ja-JP" altLang="en-US" smtClean="0"/>
-              <a:t>2016/3/21</a:t>
+              <a:t>2016/3/25</a:t>
             </a:fld>
             <a:endParaRPr kumimoji="1" lang="ja-JP" altLang="en-US"/>
           </a:p>
@@ -3568,7 +3568,7 @@
       </p:sp>
       <p:pic>
         <p:nvPicPr>
-          <p:cNvPr id="3074" name="Picture 2"/>
+          <p:cNvPr id="2050" name="Picture 2"/>
           <p:cNvPicPr>
             <a:picLocks noChangeAspect="1" noChangeArrowheads="1"/>
           </p:cNvPicPr>
@@ -3587,8 +3587,8 @@
         </p:blipFill>
         <p:spPr bwMode="auto">
           <a:xfrm>
-            <a:off x="395536" y="1340768"/>
-            <a:ext cx="4048125" cy="2962275"/>
+            <a:off x="611560" y="1700808"/>
+            <a:ext cx="4029075" cy="2981326"/>
           </a:xfrm>
           <a:prstGeom prst="rect">
             <a:avLst/>
@@ -5694,7 +5694,7 @@
       </p:sp>
       <p:pic>
         <p:nvPicPr>
-          <p:cNvPr id="2056" name="Picture 8"/>
+          <p:cNvPr id="1026" name="Picture 2"/>
           <p:cNvPicPr>
             <a:picLocks noChangeAspect="1" noChangeArrowheads="1"/>
           </p:cNvPicPr>
@@ -5713,8 +5713,8 @@
         </p:blipFill>
         <p:spPr bwMode="auto">
           <a:xfrm>
-            <a:off x="336424" y="1340768"/>
-            <a:ext cx="5181601" cy="4010026"/>
+            <a:off x="395536" y="1268760"/>
+            <a:ext cx="5133975" cy="3981450"/>
           </a:xfrm>
           <a:prstGeom prst="rect">
             <a:avLst/>

--- a/src/site/sphinx/memo/images.pptx
+++ b/src/site/sphinx/memo/images.pptx
@@ -19,6 +19,7 @@
     <p:sldId id="265" r:id="rId13"/>
     <p:sldId id="263" r:id="rId14"/>
     <p:sldId id="264" r:id="rId15"/>
+    <p:sldId id="270" r:id="rId16"/>
   </p:sldIdLst>
   <p:sldSz cx="9144000" cy="6858000" type="screen4x3"/>
   <p:notesSz cx="6858000" cy="9144000"/>
@@ -301,7 +302,7 @@
           <a:p>
             <a:fld id="{E90ED720-0104-4369-84BC-D37694168613}" type="datetimeFigureOut">
               <a:rPr kumimoji="1" lang="ja-JP" altLang="en-US" smtClean="0"/>
-              <a:t>2016/3/25</a:t>
+              <a:t>2016/8/30</a:t>
             </a:fld>
             <a:endParaRPr kumimoji="1" lang="ja-JP" altLang="en-US"/>
           </a:p>
@@ -498,7 +499,7 @@
           <a:p>
             <a:fld id="{E90ED720-0104-4369-84BC-D37694168613}" type="datetimeFigureOut">
               <a:rPr kumimoji="1" lang="ja-JP" altLang="en-US" smtClean="0"/>
-              <a:t>2016/3/25</a:t>
+              <a:t>2016/8/30</a:t>
             </a:fld>
             <a:endParaRPr kumimoji="1" lang="ja-JP" altLang="en-US"/>
           </a:p>
@@ -705,7 +706,7 @@
           <a:p>
             <a:fld id="{E90ED720-0104-4369-84BC-D37694168613}" type="datetimeFigureOut">
               <a:rPr kumimoji="1" lang="ja-JP" altLang="en-US" smtClean="0"/>
-              <a:t>2016/3/25</a:t>
+              <a:t>2016/8/30</a:t>
             </a:fld>
             <a:endParaRPr kumimoji="1" lang="ja-JP" altLang="en-US"/>
           </a:p>
@@ -902,7 +903,7 @@
           <a:p>
             <a:fld id="{E90ED720-0104-4369-84BC-D37694168613}" type="datetimeFigureOut">
               <a:rPr kumimoji="1" lang="ja-JP" altLang="en-US" smtClean="0"/>
-              <a:t>2016/3/25</a:t>
+              <a:t>2016/8/30</a:t>
             </a:fld>
             <a:endParaRPr kumimoji="1" lang="ja-JP" altLang="en-US"/>
           </a:p>
@@ -1143,7 +1144,7 @@
           <a:p>
             <a:fld id="{E90ED720-0104-4369-84BC-D37694168613}" type="datetimeFigureOut">
               <a:rPr kumimoji="1" lang="ja-JP" altLang="en-US" smtClean="0"/>
-              <a:t>2016/3/25</a:t>
+              <a:t>2016/8/30</a:t>
             </a:fld>
             <a:endParaRPr kumimoji="1" lang="ja-JP" altLang="en-US"/>
           </a:p>
@@ -1490,7 +1491,7 @@
           <a:p>
             <a:fld id="{E90ED720-0104-4369-84BC-D37694168613}" type="datetimeFigureOut">
               <a:rPr kumimoji="1" lang="ja-JP" altLang="en-US" smtClean="0"/>
-              <a:t>2016/3/25</a:t>
+              <a:t>2016/8/30</a:t>
             </a:fld>
             <a:endParaRPr kumimoji="1" lang="ja-JP" altLang="en-US"/>
           </a:p>
@@ -1971,7 +1972,7 @@
           <a:p>
             <a:fld id="{E90ED720-0104-4369-84BC-D37694168613}" type="datetimeFigureOut">
               <a:rPr kumimoji="1" lang="ja-JP" altLang="en-US" smtClean="0"/>
-              <a:t>2016/3/25</a:t>
+              <a:t>2016/8/30</a:t>
             </a:fld>
             <a:endParaRPr kumimoji="1" lang="ja-JP" altLang="en-US"/>
           </a:p>
@@ -2084,7 +2085,7 @@
           <a:p>
             <a:fld id="{E90ED720-0104-4369-84BC-D37694168613}" type="datetimeFigureOut">
               <a:rPr kumimoji="1" lang="ja-JP" altLang="en-US" smtClean="0"/>
-              <a:t>2016/3/25</a:t>
+              <a:t>2016/8/30</a:t>
             </a:fld>
             <a:endParaRPr kumimoji="1" lang="ja-JP" altLang="en-US"/>
           </a:p>
@@ -2174,7 +2175,7 @@
           <a:p>
             <a:fld id="{E90ED720-0104-4369-84BC-D37694168613}" type="datetimeFigureOut">
               <a:rPr kumimoji="1" lang="ja-JP" altLang="en-US" smtClean="0"/>
-              <a:t>2016/3/25</a:t>
+              <a:t>2016/8/30</a:t>
             </a:fld>
             <a:endParaRPr kumimoji="1" lang="ja-JP" altLang="en-US"/>
           </a:p>
@@ -2478,7 +2479,7 @@
           <a:p>
             <a:fld id="{E90ED720-0104-4369-84BC-D37694168613}" type="datetimeFigureOut">
               <a:rPr kumimoji="1" lang="ja-JP" altLang="en-US" smtClean="0"/>
-              <a:t>2016/3/25</a:t>
+              <a:t>2016/8/30</a:t>
             </a:fld>
             <a:endParaRPr kumimoji="1" lang="ja-JP" altLang="en-US"/>
           </a:p>
@@ -2726,7 +2727,7 @@
           <a:p>
             <a:fld id="{E90ED720-0104-4369-84BC-D37694168613}" type="datetimeFigureOut">
               <a:rPr kumimoji="1" lang="ja-JP" altLang="en-US" smtClean="0"/>
-              <a:t>2016/3/25</a:t>
+              <a:t>2016/8/30</a:t>
             </a:fld>
             <a:endParaRPr kumimoji="1" lang="ja-JP" altLang="en-US"/>
           </a:p>
@@ -2966,7 +2967,7 @@
           <a:p>
             <a:fld id="{E90ED720-0104-4369-84BC-D37694168613}" type="datetimeFigureOut">
               <a:rPr kumimoji="1" lang="ja-JP" altLang="en-US" smtClean="0"/>
-              <a:t>2016/3/25</a:t>
+              <a:t>2016/8/30</a:t>
             </a:fld>
             <a:endParaRPr kumimoji="1" lang="ja-JP" altLang="en-US"/>
           </a:p>
@@ -4152,6 +4153,111 @@
     <p:extLst>
       <p:ext uri="{BB962C8B-B14F-4D97-AF65-F5344CB8AC3E}">
         <p14:creationId xmlns:p14="http://schemas.microsoft.com/office/powerpoint/2010/main" val="1516922418"/>
+      </p:ext>
+    </p:extLst>
+  </p:cSld>
+  <p:clrMapOvr>
+    <a:masterClrMapping/>
+  </p:clrMapOvr>
+</p:sld>
+</file>
+
+<file path=ppt/slides/slide15.xml><?xml version="1.0" encoding="utf-8"?>
+<p:sld xmlns:a="http://schemas.openxmlformats.org/drawingml/2006/main" xmlns:r="http://schemas.openxmlformats.org/officeDocument/2006/relationships" xmlns:p="http://schemas.openxmlformats.org/presentationml/2006/main">
+  <p:cSld>
+    <p:spTree>
+      <p:nvGrpSpPr>
+        <p:cNvPr id="1" name=""/>
+        <p:cNvGrpSpPr/>
+        <p:nvPr/>
+      </p:nvGrpSpPr>
+      <p:grpSpPr>
+        <a:xfrm>
+          <a:off x="0" y="0"/>
+          <a:ext cx="0" cy="0"/>
+          <a:chOff x="0" y="0"/>
+          <a:chExt cx="0" cy="0"/>
+        </a:xfrm>
+      </p:grpSpPr>
+      <p:sp>
+        <p:nvSpPr>
+          <p:cNvPr id="2" name="タイトル 1"/>
+          <p:cNvSpPr>
+            <a:spLocks noGrp="1"/>
+          </p:cNvSpPr>
+          <p:nvPr>
+            <p:ph type="title"/>
+          </p:nvPr>
+        </p:nvSpPr>
+        <p:spPr/>
+        <p:txBody>
+          <a:bodyPr/>
+          <a:lstStyle/>
+          <a:p>
+            <a:r>
+              <a:rPr kumimoji="1" lang="en-US" altLang="ja-JP" dirty="0" err="1" smtClean="0"/>
+              <a:t>XlsFormula</a:t>
+            </a:r>
+            <a:endParaRPr kumimoji="1" lang="ja-JP" altLang="en-US" dirty="0"/>
+          </a:p>
+        </p:txBody>
+      </p:sp>
+      <p:pic>
+        <p:nvPicPr>
+          <p:cNvPr id="1026" name="Picture 2"/>
+          <p:cNvPicPr>
+            <a:picLocks noChangeAspect="1" noChangeArrowheads="1"/>
+          </p:cNvPicPr>
+          <p:nvPr/>
+        </p:nvPicPr>
+        <p:blipFill rotWithShape="1">
+          <a:blip r:embed="rId2" cstate="print">
+            <a:extLst>
+              <a:ext uri="{28A0092B-C50C-407E-A947-70E740481C1C}">
+                <a14:useLocalDpi xmlns:a14="http://schemas.microsoft.com/office/drawing/2010/main" val="0"/>
+              </a:ext>
+            </a:extLst>
+          </a:blip>
+          <a:srcRect/>
+          <a:stretch/>
+        </p:blipFill>
+        <p:spPr bwMode="auto">
+          <a:xfrm>
+            <a:off x="467544" y="1484784"/>
+            <a:ext cx="5844877" cy="1914525"/>
+          </a:xfrm>
+          <a:prstGeom prst="rect">
+            <a:avLst/>
+          </a:prstGeom>
+          <a:noFill/>
+          <a:ln>
+            <a:noFill/>
+          </a:ln>
+          <a:extLst>
+            <a:ext uri="{909E8E84-426E-40DD-AFC4-6F175D3DCCD1}">
+              <a14:hiddenFill xmlns:a14="http://schemas.microsoft.com/office/drawing/2010/main">
+                <a:solidFill>
+                  <a:schemeClr val="accent1"/>
+                </a:solidFill>
+              </a14:hiddenFill>
+            </a:ext>
+            <a:ext uri="{91240B29-F687-4F45-9708-019B960494DF}">
+              <a14:hiddenLine xmlns:a14="http://schemas.microsoft.com/office/drawing/2010/main" w="9525">
+                <a:solidFill>
+                  <a:schemeClr val="tx1"/>
+                </a:solidFill>
+                <a:miter lim="800000"/>
+                <a:headEnd/>
+                <a:tailEnd/>
+              </a14:hiddenLine>
+            </a:ext>
+          </a:extLst>
+        </p:spPr>
+      </p:pic>
+    </p:spTree>
+    <p:extLst>
+      <p:ext uri="{BB962C8B-B14F-4D97-AF65-F5344CB8AC3E}">
+        <p14:creationId xmlns:p14="http://schemas.microsoft.com/office/powerpoint/2010/main" val="3099117497"/>
       </p:ext>
     </p:extLst>
   </p:cSld>

--- a/src/site/sphinx/memo/images.pptx
+++ b/src/site/sphinx/memo/images.pptx
@@ -8,18 +8,21 @@
     <p:sldId id="267" r:id="rId2"/>
     <p:sldId id="257" r:id="rId3"/>
     <p:sldId id="256" r:id="rId4"/>
-    <p:sldId id="260" r:id="rId5"/>
-    <p:sldId id="258" r:id="rId6"/>
-    <p:sldId id="266" r:id="rId7"/>
-    <p:sldId id="259" r:id="rId8"/>
-    <p:sldId id="261" r:id="rId9"/>
-    <p:sldId id="268" r:id="rId10"/>
-    <p:sldId id="269" r:id="rId11"/>
-    <p:sldId id="262" r:id="rId12"/>
-    <p:sldId id="265" r:id="rId13"/>
-    <p:sldId id="263" r:id="rId14"/>
-    <p:sldId id="264" r:id="rId15"/>
-    <p:sldId id="270" r:id="rId16"/>
+    <p:sldId id="271" r:id="rId5"/>
+    <p:sldId id="272" r:id="rId6"/>
+    <p:sldId id="273" r:id="rId7"/>
+    <p:sldId id="260" r:id="rId8"/>
+    <p:sldId id="258" r:id="rId9"/>
+    <p:sldId id="266" r:id="rId10"/>
+    <p:sldId id="259" r:id="rId11"/>
+    <p:sldId id="261" r:id="rId12"/>
+    <p:sldId id="268" r:id="rId13"/>
+    <p:sldId id="269" r:id="rId14"/>
+    <p:sldId id="262" r:id="rId15"/>
+    <p:sldId id="265" r:id="rId16"/>
+    <p:sldId id="263" r:id="rId17"/>
+    <p:sldId id="264" r:id="rId18"/>
+    <p:sldId id="270" r:id="rId19"/>
   </p:sldIdLst>
   <p:sldSz cx="9144000" cy="6858000" type="screen4x3"/>
   <p:notesSz cx="6858000" cy="9144000"/>
@@ -118,7 +121,27 @@
       </a:defRPr>
     </a:lvl9pPr>
   </p:defaultTextStyle>
+  <p:extLst>
+    <p:ext uri="{EFAFB233-063F-42B5-8137-9DF3F51BA10A}">
+      <p15:sldGuideLst xmlns:p15="http://schemas.microsoft.com/office/powerpoint/2012/main">
+        <p15:guide id="1" orient="horz" pos="2160">
+          <p15:clr>
+            <a:srgbClr val="A4A3A4"/>
+          </p15:clr>
+        </p15:guide>
+        <p15:guide id="2" pos="2880">
+          <p15:clr>
+            <a:srgbClr val="A4A3A4"/>
+          </p15:clr>
+        </p15:guide>
+      </p15:sldGuideLst>
+    </p:ext>
+  </p:extLst>
 </p:presentation>
+</file>
+
+<file path=ppt/revisionInfo.xml><?xml version="1.0" encoding="utf-8"?>
+<p1510:revInfo xmlns:a="http://schemas.openxmlformats.org/drawingml/2006/main" xmlns:r="http://schemas.openxmlformats.org/officeDocument/2006/relationships" xmlns:p1510="http://schemas.microsoft.com/office/powerpoint/2015/10/main"/>
 </file>
 
 <file path=ppt/slideLayouts/slideLayout1.xml><?xml version="1.0" encoding="utf-8"?>
@@ -159,10 +182,9 @@
           <a:lstStyle/>
           <a:p>
             <a:r>
-              <a:rPr kumimoji="1" lang="ja-JP" altLang="en-US" smtClean="0"/>
+              <a:rPr kumimoji="1" lang="ja-JP" altLang="en-US"/>
               <a:t>マスタ タイトルの書式設定</a:t>
             </a:r>
-            <a:endParaRPr kumimoji="1" lang="ja-JP" altLang="en-US"/>
           </a:p>
         </p:txBody>
       </p:sp>
@@ -278,10 +300,9 @@
           </a:lstStyle>
           <a:p>
             <a:r>
-              <a:rPr kumimoji="1" lang="ja-JP" altLang="en-US" smtClean="0"/>
+              <a:rPr kumimoji="1" lang="ja-JP" altLang="en-US"/>
               <a:t>マスタ サブタイトルの書式設定</a:t>
             </a:r>
-            <a:endParaRPr kumimoji="1" lang="ja-JP" altLang="en-US"/>
           </a:p>
         </p:txBody>
       </p:sp>
@@ -302,7 +323,7 @@
           <a:p>
             <a:fld id="{E90ED720-0104-4369-84BC-D37694168613}" type="datetimeFigureOut">
               <a:rPr kumimoji="1" lang="ja-JP" altLang="en-US" smtClean="0"/>
-              <a:t>2016/8/30</a:t>
+              <a:t>2017/12/2</a:t>
             </a:fld>
             <a:endParaRPr kumimoji="1" lang="ja-JP" altLang="en-US"/>
           </a:p>
@@ -391,10 +412,9 @@
           <a:lstStyle/>
           <a:p>
             <a:r>
-              <a:rPr kumimoji="1" lang="ja-JP" altLang="en-US" smtClean="0"/>
+              <a:rPr kumimoji="1" lang="ja-JP" altLang="en-US"/>
               <a:t>マスタ タイトルの書式設定</a:t>
             </a:r>
-            <a:endParaRPr kumimoji="1" lang="ja-JP" altLang="en-US"/>
           </a:p>
         </p:txBody>
       </p:sp>
@@ -415,70 +435,69 @@
           <a:p>
             <a:pPr lvl="0"/>
             <a:r>
-              <a:rPr kumimoji="1" lang="ja-JP" altLang="en-US" smtClean="0"/>
+              <a:rPr kumimoji="1" lang="ja-JP" altLang="en-US"/>
               <a:t>マスタ テキストの書式設定</a:t>
             </a:r>
           </a:p>
           <a:p>
             <a:pPr lvl="1"/>
             <a:r>
-              <a:rPr kumimoji="1" lang="ja-JP" altLang="en-US" smtClean="0"/>
+              <a:rPr kumimoji="1" lang="ja-JP" altLang="en-US"/>
               <a:t>第 </a:t>
             </a:r>
             <a:r>
-              <a:rPr kumimoji="1" lang="en-US" altLang="ja-JP" smtClean="0"/>
+              <a:rPr kumimoji="1" lang="en-US" altLang="ja-JP"/>
               <a:t>2 </a:t>
             </a:r>
             <a:r>
-              <a:rPr kumimoji="1" lang="ja-JP" altLang="en-US" smtClean="0"/>
+              <a:rPr kumimoji="1" lang="ja-JP" altLang="en-US"/>
               <a:t>レベル</a:t>
             </a:r>
           </a:p>
           <a:p>
             <a:pPr lvl="2"/>
             <a:r>
-              <a:rPr kumimoji="1" lang="ja-JP" altLang="en-US" smtClean="0"/>
+              <a:rPr kumimoji="1" lang="ja-JP" altLang="en-US"/>
               <a:t>第 </a:t>
             </a:r>
             <a:r>
-              <a:rPr kumimoji="1" lang="en-US" altLang="ja-JP" smtClean="0"/>
+              <a:rPr kumimoji="1" lang="en-US" altLang="ja-JP"/>
               <a:t>3 </a:t>
             </a:r>
             <a:r>
-              <a:rPr kumimoji="1" lang="ja-JP" altLang="en-US" smtClean="0"/>
+              <a:rPr kumimoji="1" lang="ja-JP" altLang="en-US"/>
               <a:t>レベル</a:t>
             </a:r>
           </a:p>
           <a:p>
             <a:pPr lvl="3"/>
             <a:r>
-              <a:rPr kumimoji="1" lang="ja-JP" altLang="en-US" smtClean="0"/>
+              <a:rPr kumimoji="1" lang="ja-JP" altLang="en-US"/>
               <a:t>第 </a:t>
             </a:r>
             <a:r>
-              <a:rPr kumimoji="1" lang="en-US" altLang="ja-JP" smtClean="0"/>
+              <a:rPr kumimoji="1" lang="en-US" altLang="ja-JP"/>
               <a:t>4 </a:t>
             </a:r>
             <a:r>
-              <a:rPr kumimoji="1" lang="ja-JP" altLang="en-US" smtClean="0"/>
+              <a:rPr kumimoji="1" lang="ja-JP" altLang="en-US"/>
               <a:t>レベル</a:t>
             </a:r>
           </a:p>
           <a:p>
             <a:pPr lvl="4"/>
             <a:r>
-              <a:rPr kumimoji="1" lang="ja-JP" altLang="en-US" smtClean="0"/>
+              <a:rPr kumimoji="1" lang="ja-JP" altLang="en-US"/>
               <a:t>第 </a:t>
             </a:r>
             <a:r>
-              <a:rPr kumimoji="1" lang="en-US" altLang="ja-JP" smtClean="0"/>
+              <a:rPr kumimoji="1" lang="en-US" altLang="ja-JP"/>
               <a:t>5 </a:t>
             </a:r>
             <a:r>
-              <a:rPr kumimoji="1" lang="ja-JP" altLang="en-US" smtClean="0"/>
+              <a:rPr kumimoji="1" lang="ja-JP" altLang="en-US"/>
               <a:t>レベル</a:t>
             </a:r>
-            <a:endParaRPr kumimoji="1" lang="ja-JP" altLang="en-US"/>
           </a:p>
         </p:txBody>
       </p:sp>
@@ -499,7 +518,7 @@
           <a:p>
             <a:fld id="{E90ED720-0104-4369-84BC-D37694168613}" type="datetimeFigureOut">
               <a:rPr kumimoji="1" lang="ja-JP" altLang="en-US" smtClean="0"/>
-              <a:t>2016/8/30</a:t>
+              <a:t>2017/12/2</a:t>
             </a:fld>
             <a:endParaRPr kumimoji="1" lang="ja-JP" altLang="en-US"/>
           </a:p>
@@ -593,10 +612,9 @@
           <a:lstStyle/>
           <a:p>
             <a:r>
-              <a:rPr kumimoji="1" lang="ja-JP" altLang="en-US" smtClean="0"/>
+              <a:rPr kumimoji="1" lang="ja-JP" altLang="en-US"/>
               <a:t>マスタ タイトルの書式設定</a:t>
             </a:r>
-            <a:endParaRPr kumimoji="1" lang="ja-JP" altLang="en-US"/>
           </a:p>
         </p:txBody>
       </p:sp>
@@ -622,70 +640,69 @@
           <a:p>
             <a:pPr lvl="0"/>
             <a:r>
-              <a:rPr kumimoji="1" lang="ja-JP" altLang="en-US" smtClean="0"/>
+              <a:rPr kumimoji="1" lang="ja-JP" altLang="en-US"/>
               <a:t>マスタ テキストの書式設定</a:t>
             </a:r>
           </a:p>
           <a:p>
             <a:pPr lvl="1"/>
             <a:r>
-              <a:rPr kumimoji="1" lang="ja-JP" altLang="en-US" smtClean="0"/>
+              <a:rPr kumimoji="1" lang="ja-JP" altLang="en-US"/>
               <a:t>第 </a:t>
             </a:r>
             <a:r>
-              <a:rPr kumimoji="1" lang="en-US" altLang="ja-JP" smtClean="0"/>
+              <a:rPr kumimoji="1" lang="en-US" altLang="ja-JP"/>
               <a:t>2 </a:t>
             </a:r>
             <a:r>
-              <a:rPr kumimoji="1" lang="ja-JP" altLang="en-US" smtClean="0"/>
+              <a:rPr kumimoji="1" lang="ja-JP" altLang="en-US"/>
               <a:t>レベル</a:t>
             </a:r>
           </a:p>
           <a:p>
             <a:pPr lvl="2"/>
             <a:r>
-              <a:rPr kumimoji="1" lang="ja-JP" altLang="en-US" smtClean="0"/>
+              <a:rPr kumimoji="1" lang="ja-JP" altLang="en-US"/>
               <a:t>第 </a:t>
             </a:r>
             <a:r>
-              <a:rPr kumimoji="1" lang="en-US" altLang="ja-JP" smtClean="0"/>
+              <a:rPr kumimoji="1" lang="en-US" altLang="ja-JP"/>
               <a:t>3 </a:t>
             </a:r>
             <a:r>
-              <a:rPr kumimoji="1" lang="ja-JP" altLang="en-US" smtClean="0"/>
+              <a:rPr kumimoji="1" lang="ja-JP" altLang="en-US"/>
               <a:t>レベル</a:t>
             </a:r>
           </a:p>
           <a:p>
             <a:pPr lvl="3"/>
             <a:r>
-              <a:rPr kumimoji="1" lang="ja-JP" altLang="en-US" smtClean="0"/>
+              <a:rPr kumimoji="1" lang="ja-JP" altLang="en-US"/>
               <a:t>第 </a:t>
             </a:r>
             <a:r>
-              <a:rPr kumimoji="1" lang="en-US" altLang="ja-JP" smtClean="0"/>
+              <a:rPr kumimoji="1" lang="en-US" altLang="ja-JP"/>
               <a:t>4 </a:t>
             </a:r>
             <a:r>
-              <a:rPr kumimoji="1" lang="ja-JP" altLang="en-US" smtClean="0"/>
+              <a:rPr kumimoji="1" lang="ja-JP" altLang="en-US"/>
               <a:t>レベル</a:t>
             </a:r>
           </a:p>
           <a:p>
             <a:pPr lvl="4"/>
             <a:r>
-              <a:rPr kumimoji="1" lang="ja-JP" altLang="en-US" smtClean="0"/>
+              <a:rPr kumimoji="1" lang="ja-JP" altLang="en-US"/>
               <a:t>第 </a:t>
             </a:r>
             <a:r>
-              <a:rPr kumimoji="1" lang="en-US" altLang="ja-JP" smtClean="0"/>
+              <a:rPr kumimoji="1" lang="en-US" altLang="ja-JP"/>
               <a:t>5 </a:t>
             </a:r>
             <a:r>
-              <a:rPr kumimoji="1" lang="ja-JP" altLang="en-US" smtClean="0"/>
+              <a:rPr kumimoji="1" lang="ja-JP" altLang="en-US"/>
               <a:t>レベル</a:t>
             </a:r>
-            <a:endParaRPr kumimoji="1" lang="ja-JP" altLang="en-US"/>
           </a:p>
         </p:txBody>
       </p:sp>
@@ -706,7 +723,7 @@
           <a:p>
             <a:fld id="{E90ED720-0104-4369-84BC-D37694168613}" type="datetimeFigureOut">
               <a:rPr kumimoji="1" lang="ja-JP" altLang="en-US" smtClean="0"/>
-              <a:t>2016/8/30</a:t>
+              <a:t>2017/12/2</a:t>
             </a:fld>
             <a:endParaRPr kumimoji="1" lang="ja-JP" altLang="en-US"/>
           </a:p>
@@ -795,10 +812,9 @@
           <a:lstStyle/>
           <a:p>
             <a:r>
-              <a:rPr kumimoji="1" lang="ja-JP" altLang="en-US" smtClean="0"/>
+              <a:rPr kumimoji="1" lang="ja-JP" altLang="en-US"/>
               <a:t>マスタ タイトルの書式設定</a:t>
             </a:r>
-            <a:endParaRPr kumimoji="1" lang="ja-JP" altLang="en-US"/>
           </a:p>
         </p:txBody>
       </p:sp>
@@ -819,70 +835,69 @@
           <a:p>
             <a:pPr lvl="0"/>
             <a:r>
-              <a:rPr kumimoji="1" lang="ja-JP" altLang="en-US" smtClean="0"/>
+              <a:rPr kumimoji="1" lang="ja-JP" altLang="en-US"/>
               <a:t>マスタ テキストの書式設定</a:t>
             </a:r>
           </a:p>
           <a:p>
             <a:pPr lvl="1"/>
             <a:r>
-              <a:rPr kumimoji="1" lang="ja-JP" altLang="en-US" smtClean="0"/>
+              <a:rPr kumimoji="1" lang="ja-JP" altLang="en-US"/>
               <a:t>第 </a:t>
             </a:r>
             <a:r>
-              <a:rPr kumimoji="1" lang="en-US" altLang="ja-JP" smtClean="0"/>
+              <a:rPr kumimoji="1" lang="en-US" altLang="ja-JP"/>
               <a:t>2 </a:t>
             </a:r>
             <a:r>
-              <a:rPr kumimoji="1" lang="ja-JP" altLang="en-US" smtClean="0"/>
+              <a:rPr kumimoji="1" lang="ja-JP" altLang="en-US"/>
               <a:t>レベル</a:t>
             </a:r>
           </a:p>
           <a:p>
             <a:pPr lvl="2"/>
             <a:r>
-              <a:rPr kumimoji="1" lang="ja-JP" altLang="en-US" smtClean="0"/>
+              <a:rPr kumimoji="1" lang="ja-JP" altLang="en-US"/>
               <a:t>第 </a:t>
             </a:r>
             <a:r>
-              <a:rPr kumimoji="1" lang="en-US" altLang="ja-JP" smtClean="0"/>
+              <a:rPr kumimoji="1" lang="en-US" altLang="ja-JP"/>
               <a:t>3 </a:t>
             </a:r>
             <a:r>
-              <a:rPr kumimoji="1" lang="ja-JP" altLang="en-US" smtClean="0"/>
+              <a:rPr kumimoji="1" lang="ja-JP" altLang="en-US"/>
               <a:t>レベル</a:t>
             </a:r>
           </a:p>
           <a:p>
             <a:pPr lvl="3"/>
             <a:r>
-              <a:rPr kumimoji="1" lang="ja-JP" altLang="en-US" smtClean="0"/>
+              <a:rPr kumimoji="1" lang="ja-JP" altLang="en-US"/>
               <a:t>第 </a:t>
             </a:r>
             <a:r>
-              <a:rPr kumimoji="1" lang="en-US" altLang="ja-JP" smtClean="0"/>
+              <a:rPr kumimoji="1" lang="en-US" altLang="ja-JP"/>
               <a:t>4 </a:t>
             </a:r>
             <a:r>
-              <a:rPr kumimoji="1" lang="ja-JP" altLang="en-US" smtClean="0"/>
+              <a:rPr kumimoji="1" lang="ja-JP" altLang="en-US"/>
               <a:t>レベル</a:t>
             </a:r>
           </a:p>
           <a:p>
             <a:pPr lvl="4"/>
             <a:r>
-              <a:rPr kumimoji="1" lang="ja-JP" altLang="en-US" smtClean="0"/>
+              <a:rPr kumimoji="1" lang="ja-JP" altLang="en-US"/>
               <a:t>第 </a:t>
             </a:r>
             <a:r>
-              <a:rPr kumimoji="1" lang="en-US" altLang="ja-JP" smtClean="0"/>
+              <a:rPr kumimoji="1" lang="en-US" altLang="ja-JP"/>
               <a:t>5 </a:t>
             </a:r>
             <a:r>
-              <a:rPr kumimoji="1" lang="ja-JP" altLang="en-US" smtClean="0"/>
+              <a:rPr kumimoji="1" lang="ja-JP" altLang="en-US"/>
               <a:t>レベル</a:t>
             </a:r>
-            <a:endParaRPr kumimoji="1" lang="ja-JP" altLang="en-US"/>
           </a:p>
         </p:txBody>
       </p:sp>
@@ -903,7 +918,7 @@
           <a:p>
             <a:fld id="{E90ED720-0104-4369-84BC-D37694168613}" type="datetimeFigureOut">
               <a:rPr kumimoji="1" lang="ja-JP" altLang="en-US" smtClean="0"/>
-              <a:t>2016/8/30</a:t>
+              <a:t>2017/12/2</a:t>
             </a:fld>
             <a:endParaRPr kumimoji="1" lang="ja-JP" altLang="en-US"/>
           </a:p>
@@ -1001,10 +1016,9 @@
           </a:lstStyle>
           <a:p>
             <a:r>
-              <a:rPr kumimoji="1" lang="ja-JP" altLang="en-US" smtClean="0"/>
+              <a:rPr kumimoji="1" lang="ja-JP" altLang="en-US"/>
               <a:t>マスタ タイトルの書式設定</a:t>
             </a:r>
-            <a:endParaRPr kumimoji="1" lang="ja-JP" altLang="en-US"/>
           </a:p>
         </p:txBody>
       </p:sp>
@@ -1121,7 +1135,7 @@
           <a:p>
             <a:pPr lvl="0"/>
             <a:r>
-              <a:rPr kumimoji="1" lang="ja-JP" altLang="en-US" smtClean="0"/>
+              <a:rPr kumimoji="1" lang="ja-JP" altLang="en-US"/>
               <a:t>マスタ テキストの書式設定</a:t>
             </a:r>
           </a:p>
@@ -1144,7 +1158,7 @@
           <a:p>
             <a:fld id="{E90ED720-0104-4369-84BC-D37694168613}" type="datetimeFigureOut">
               <a:rPr kumimoji="1" lang="ja-JP" altLang="en-US" smtClean="0"/>
-              <a:t>2016/8/30</a:t>
+              <a:t>2017/12/2</a:t>
             </a:fld>
             <a:endParaRPr kumimoji="1" lang="ja-JP" altLang="en-US"/>
           </a:p>
@@ -1233,10 +1247,9 @@
           <a:lstStyle/>
           <a:p>
             <a:r>
-              <a:rPr kumimoji="1" lang="ja-JP" altLang="en-US" smtClean="0"/>
+              <a:rPr kumimoji="1" lang="ja-JP" altLang="en-US"/>
               <a:t>マスタ タイトルの書式設定</a:t>
             </a:r>
-            <a:endParaRPr kumimoji="1" lang="ja-JP" altLang="en-US"/>
           </a:p>
         </p:txBody>
       </p:sp>
@@ -1290,70 +1303,69 @@
           <a:p>
             <a:pPr lvl="0"/>
             <a:r>
-              <a:rPr kumimoji="1" lang="ja-JP" altLang="en-US" smtClean="0"/>
+              <a:rPr kumimoji="1" lang="ja-JP" altLang="en-US"/>
               <a:t>マスタ テキストの書式設定</a:t>
             </a:r>
           </a:p>
           <a:p>
             <a:pPr lvl="1"/>
             <a:r>
-              <a:rPr kumimoji="1" lang="ja-JP" altLang="en-US" smtClean="0"/>
+              <a:rPr kumimoji="1" lang="ja-JP" altLang="en-US"/>
               <a:t>第 </a:t>
             </a:r>
             <a:r>
-              <a:rPr kumimoji="1" lang="en-US" altLang="ja-JP" smtClean="0"/>
+              <a:rPr kumimoji="1" lang="en-US" altLang="ja-JP"/>
               <a:t>2 </a:t>
             </a:r>
             <a:r>
-              <a:rPr kumimoji="1" lang="ja-JP" altLang="en-US" smtClean="0"/>
+              <a:rPr kumimoji="1" lang="ja-JP" altLang="en-US"/>
               <a:t>レベル</a:t>
             </a:r>
           </a:p>
           <a:p>
             <a:pPr lvl="2"/>
             <a:r>
-              <a:rPr kumimoji="1" lang="ja-JP" altLang="en-US" smtClean="0"/>
+              <a:rPr kumimoji="1" lang="ja-JP" altLang="en-US"/>
               <a:t>第 </a:t>
             </a:r>
             <a:r>
-              <a:rPr kumimoji="1" lang="en-US" altLang="ja-JP" smtClean="0"/>
+              <a:rPr kumimoji="1" lang="en-US" altLang="ja-JP"/>
               <a:t>3 </a:t>
             </a:r>
             <a:r>
-              <a:rPr kumimoji="1" lang="ja-JP" altLang="en-US" smtClean="0"/>
+              <a:rPr kumimoji="1" lang="ja-JP" altLang="en-US"/>
               <a:t>レベル</a:t>
             </a:r>
           </a:p>
           <a:p>
             <a:pPr lvl="3"/>
             <a:r>
-              <a:rPr kumimoji="1" lang="ja-JP" altLang="en-US" smtClean="0"/>
+              <a:rPr kumimoji="1" lang="ja-JP" altLang="en-US"/>
               <a:t>第 </a:t>
             </a:r>
             <a:r>
-              <a:rPr kumimoji="1" lang="en-US" altLang="ja-JP" smtClean="0"/>
+              <a:rPr kumimoji="1" lang="en-US" altLang="ja-JP"/>
               <a:t>4 </a:t>
             </a:r>
             <a:r>
-              <a:rPr kumimoji="1" lang="ja-JP" altLang="en-US" smtClean="0"/>
+              <a:rPr kumimoji="1" lang="ja-JP" altLang="en-US"/>
               <a:t>レベル</a:t>
             </a:r>
           </a:p>
           <a:p>
             <a:pPr lvl="4"/>
             <a:r>
-              <a:rPr kumimoji="1" lang="ja-JP" altLang="en-US" smtClean="0"/>
+              <a:rPr kumimoji="1" lang="ja-JP" altLang="en-US"/>
               <a:t>第 </a:t>
             </a:r>
             <a:r>
-              <a:rPr kumimoji="1" lang="en-US" altLang="ja-JP" smtClean="0"/>
+              <a:rPr kumimoji="1" lang="en-US" altLang="ja-JP"/>
               <a:t>5 </a:t>
             </a:r>
             <a:r>
-              <a:rPr kumimoji="1" lang="ja-JP" altLang="en-US" smtClean="0"/>
+              <a:rPr kumimoji="1" lang="ja-JP" altLang="en-US"/>
               <a:t>レベル</a:t>
             </a:r>
-            <a:endParaRPr kumimoji="1" lang="ja-JP" altLang="en-US"/>
           </a:p>
         </p:txBody>
       </p:sp>
@@ -1407,70 +1419,69 @@
           <a:p>
             <a:pPr lvl="0"/>
             <a:r>
-              <a:rPr kumimoji="1" lang="ja-JP" altLang="en-US" smtClean="0"/>
+              <a:rPr kumimoji="1" lang="ja-JP" altLang="en-US"/>
               <a:t>マスタ テキストの書式設定</a:t>
             </a:r>
           </a:p>
           <a:p>
             <a:pPr lvl="1"/>
             <a:r>
-              <a:rPr kumimoji="1" lang="ja-JP" altLang="en-US" smtClean="0"/>
+              <a:rPr kumimoji="1" lang="ja-JP" altLang="en-US"/>
               <a:t>第 </a:t>
             </a:r>
             <a:r>
-              <a:rPr kumimoji="1" lang="en-US" altLang="ja-JP" smtClean="0"/>
+              <a:rPr kumimoji="1" lang="en-US" altLang="ja-JP"/>
               <a:t>2 </a:t>
             </a:r>
             <a:r>
-              <a:rPr kumimoji="1" lang="ja-JP" altLang="en-US" smtClean="0"/>
+              <a:rPr kumimoji="1" lang="ja-JP" altLang="en-US"/>
               <a:t>レベル</a:t>
             </a:r>
           </a:p>
           <a:p>
             <a:pPr lvl="2"/>
             <a:r>
-              <a:rPr kumimoji="1" lang="ja-JP" altLang="en-US" smtClean="0"/>
+              <a:rPr kumimoji="1" lang="ja-JP" altLang="en-US"/>
               <a:t>第 </a:t>
             </a:r>
             <a:r>
-              <a:rPr kumimoji="1" lang="en-US" altLang="ja-JP" smtClean="0"/>
+              <a:rPr kumimoji="1" lang="en-US" altLang="ja-JP"/>
               <a:t>3 </a:t>
             </a:r>
             <a:r>
-              <a:rPr kumimoji="1" lang="ja-JP" altLang="en-US" smtClean="0"/>
+              <a:rPr kumimoji="1" lang="ja-JP" altLang="en-US"/>
               <a:t>レベル</a:t>
             </a:r>
           </a:p>
           <a:p>
             <a:pPr lvl="3"/>
             <a:r>
-              <a:rPr kumimoji="1" lang="ja-JP" altLang="en-US" smtClean="0"/>
+              <a:rPr kumimoji="1" lang="ja-JP" altLang="en-US"/>
               <a:t>第 </a:t>
             </a:r>
             <a:r>
-              <a:rPr kumimoji="1" lang="en-US" altLang="ja-JP" smtClean="0"/>
+              <a:rPr kumimoji="1" lang="en-US" altLang="ja-JP"/>
               <a:t>4 </a:t>
             </a:r>
             <a:r>
-              <a:rPr kumimoji="1" lang="ja-JP" altLang="en-US" smtClean="0"/>
+              <a:rPr kumimoji="1" lang="ja-JP" altLang="en-US"/>
               <a:t>レベル</a:t>
             </a:r>
           </a:p>
           <a:p>
             <a:pPr lvl="4"/>
             <a:r>
-              <a:rPr kumimoji="1" lang="ja-JP" altLang="en-US" smtClean="0"/>
+              <a:rPr kumimoji="1" lang="ja-JP" altLang="en-US"/>
               <a:t>第 </a:t>
             </a:r>
             <a:r>
-              <a:rPr kumimoji="1" lang="en-US" altLang="ja-JP" smtClean="0"/>
+              <a:rPr kumimoji="1" lang="en-US" altLang="ja-JP"/>
               <a:t>5 </a:t>
             </a:r>
             <a:r>
-              <a:rPr kumimoji="1" lang="ja-JP" altLang="en-US" smtClean="0"/>
+              <a:rPr kumimoji="1" lang="ja-JP" altLang="en-US"/>
               <a:t>レベル</a:t>
             </a:r>
-            <a:endParaRPr kumimoji="1" lang="ja-JP" altLang="en-US"/>
           </a:p>
         </p:txBody>
       </p:sp>
@@ -1491,7 +1502,7 @@
           <a:p>
             <a:fld id="{E90ED720-0104-4369-84BC-D37694168613}" type="datetimeFigureOut">
               <a:rPr kumimoji="1" lang="ja-JP" altLang="en-US" smtClean="0"/>
-              <a:t>2016/8/30</a:t>
+              <a:t>2017/12/2</a:t>
             </a:fld>
             <a:endParaRPr kumimoji="1" lang="ja-JP" altLang="en-US"/>
           </a:p>
@@ -1584,10 +1595,9 @@
           </a:lstStyle>
           <a:p>
             <a:r>
-              <a:rPr kumimoji="1" lang="ja-JP" altLang="en-US" smtClean="0"/>
+              <a:rPr kumimoji="1" lang="ja-JP" altLang="en-US"/>
               <a:t>マスタ タイトルの書式設定</a:t>
             </a:r>
-            <a:endParaRPr kumimoji="1" lang="ja-JP" altLang="en-US"/>
           </a:p>
         </p:txBody>
       </p:sp>
@@ -1650,7 +1660,7 @@
           <a:p>
             <a:pPr lvl="0"/>
             <a:r>
-              <a:rPr kumimoji="1" lang="ja-JP" altLang="en-US" smtClean="0"/>
+              <a:rPr kumimoji="1" lang="ja-JP" altLang="en-US"/>
               <a:t>マスタ テキストの書式設定</a:t>
             </a:r>
           </a:p>
@@ -1706,70 +1716,69 @@
           <a:p>
             <a:pPr lvl="0"/>
             <a:r>
-              <a:rPr kumimoji="1" lang="ja-JP" altLang="en-US" smtClean="0"/>
+              <a:rPr kumimoji="1" lang="ja-JP" altLang="en-US"/>
               <a:t>マスタ テキストの書式設定</a:t>
             </a:r>
           </a:p>
           <a:p>
             <a:pPr lvl="1"/>
             <a:r>
-              <a:rPr kumimoji="1" lang="ja-JP" altLang="en-US" smtClean="0"/>
+              <a:rPr kumimoji="1" lang="ja-JP" altLang="en-US"/>
               <a:t>第 </a:t>
             </a:r>
             <a:r>
-              <a:rPr kumimoji="1" lang="en-US" altLang="ja-JP" smtClean="0"/>
+              <a:rPr kumimoji="1" lang="en-US" altLang="ja-JP"/>
               <a:t>2 </a:t>
             </a:r>
             <a:r>
-              <a:rPr kumimoji="1" lang="ja-JP" altLang="en-US" smtClean="0"/>
+              <a:rPr kumimoji="1" lang="ja-JP" altLang="en-US"/>
               <a:t>レベル</a:t>
             </a:r>
           </a:p>
           <a:p>
             <a:pPr lvl="2"/>
             <a:r>
-              <a:rPr kumimoji="1" lang="ja-JP" altLang="en-US" smtClean="0"/>
+              <a:rPr kumimoji="1" lang="ja-JP" altLang="en-US"/>
               <a:t>第 </a:t>
             </a:r>
             <a:r>
-              <a:rPr kumimoji="1" lang="en-US" altLang="ja-JP" smtClean="0"/>
+              <a:rPr kumimoji="1" lang="en-US" altLang="ja-JP"/>
               <a:t>3 </a:t>
             </a:r>
             <a:r>
-              <a:rPr kumimoji="1" lang="ja-JP" altLang="en-US" smtClean="0"/>
+              <a:rPr kumimoji="1" lang="ja-JP" altLang="en-US"/>
               <a:t>レベル</a:t>
             </a:r>
           </a:p>
           <a:p>
             <a:pPr lvl="3"/>
             <a:r>
-              <a:rPr kumimoji="1" lang="ja-JP" altLang="en-US" smtClean="0"/>
+              <a:rPr kumimoji="1" lang="ja-JP" altLang="en-US"/>
               <a:t>第 </a:t>
             </a:r>
             <a:r>
-              <a:rPr kumimoji="1" lang="en-US" altLang="ja-JP" smtClean="0"/>
+              <a:rPr kumimoji="1" lang="en-US" altLang="ja-JP"/>
               <a:t>4 </a:t>
             </a:r>
             <a:r>
-              <a:rPr kumimoji="1" lang="ja-JP" altLang="en-US" smtClean="0"/>
+              <a:rPr kumimoji="1" lang="ja-JP" altLang="en-US"/>
               <a:t>レベル</a:t>
             </a:r>
           </a:p>
           <a:p>
             <a:pPr lvl="4"/>
             <a:r>
-              <a:rPr kumimoji="1" lang="ja-JP" altLang="en-US" smtClean="0"/>
+              <a:rPr kumimoji="1" lang="ja-JP" altLang="en-US"/>
               <a:t>第 </a:t>
             </a:r>
             <a:r>
-              <a:rPr kumimoji="1" lang="en-US" altLang="ja-JP" smtClean="0"/>
+              <a:rPr kumimoji="1" lang="en-US" altLang="ja-JP"/>
               <a:t>5 </a:t>
             </a:r>
             <a:r>
-              <a:rPr kumimoji="1" lang="ja-JP" altLang="en-US" smtClean="0"/>
+              <a:rPr kumimoji="1" lang="ja-JP" altLang="en-US"/>
               <a:t>レベル</a:t>
             </a:r>
-            <a:endParaRPr kumimoji="1" lang="ja-JP" altLang="en-US"/>
           </a:p>
         </p:txBody>
       </p:sp>
@@ -1832,7 +1841,7 @@
           <a:p>
             <a:pPr lvl="0"/>
             <a:r>
-              <a:rPr kumimoji="1" lang="ja-JP" altLang="en-US" smtClean="0"/>
+              <a:rPr kumimoji="1" lang="ja-JP" altLang="en-US"/>
               <a:t>マスタ テキストの書式設定</a:t>
             </a:r>
           </a:p>
@@ -1888,70 +1897,69 @@
           <a:p>
             <a:pPr lvl="0"/>
             <a:r>
-              <a:rPr kumimoji="1" lang="ja-JP" altLang="en-US" smtClean="0"/>
+              <a:rPr kumimoji="1" lang="ja-JP" altLang="en-US"/>
               <a:t>マスタ テキストの書式設定</a:t>
             </a:r>
           </a:p>
           <a:p>
             <a:pPr lvl="1"/>
             <a:r>
-              <a:rPr kumimoji="1" lang="ja-JP" altLang="en-US" smtClean="0"/>
+              <a:rPr kumimoji="1" lang="ja-JP" altLang="en-US"/>
               <a:t>第 </a:t>
             </a:r>
             <a:r>
-              <a:rPr kumimoji="1" lang="en-US" altLang="ja-JP" smtClean="0"/>
+              <a:rPr kumimoji="1" lang="en-US" altLang="ja-JP"/>
               <a:t>2 </a:t>
             </a:r>
             <a:r>
-              <a:rPr kumimoji="1" lang="ja-JP" altLang="en-US" smtClean="0"/>
+              <a:rPr kumimoji="1" lang="ja-JP" altLang="en-US"/>
               <a:t>レベル</a:t>
             </a:r>
           </a:p>
           <a:p>
             <a:pPr lvl="2"/>
             <a:r>
-              <a:rPr kumimoji="1" lang="ja-JP" altLang="en-US" smtClean="0"/>
+              <a:rPr kumimoji="1" lang="ja-JP" altLang="en-US"/>
               <a:t>第 </a:t>
             </a:r>
             <a:r>
-              <a:rPr kumimoji="1" lang="en-US" altLang="ja-JP" smtClean="0"/>
+              <a:rPr kumimoji="1" lang="en-US" altLang="ja-JP"/>
               <a:t>3 </a:t>
             </a:r>
             <a:r>
-              <a:rPr kumimoji="1" lang="ja-JP" altLang="en-US" smtClean="0"/>
+              <a:rPr kumimoji="1" lang="ja-JP" altLang="en-US"/>
               <a:t>レベル</a:t>
             </a:r>
           </a:p>
           <a:p>
             <a:pPr lvl="3"/>
             <a:r>
-              <a:rPr kumimoji="1" lang="ja-JP" altLang="en-US" smtClean="0"/>
+              <a:rPr kumimoji="1" lang="ja-JP" altLang="en-US"/>
               <a:t>第 </a:t>
             </a:r>
             <a:r>
-              <a:rPr kumimoji="1" lang="en-US" altLang="ja-JP" smtClean="0"/>
+              <a:rPr kumimoji="1" lang="en-US" altLang="ja-JP"/>
               <a:t>4 </a:t>
             </a:r>
             <a:r>
-              <a:rPr kumimoji="1" lang="ja-JP" altLang="en-US" smtClean="0"/>
+              <a:rPr kumimoji="1" lang="ja-JP" altLang="en-US"/>
               <a:t>レベル</a:t>
             </a:r>
           </a:p>
           <a:p>
             <a:pPr lvl="4"/>
             <a:r>
-              <a:rPr kumimoji="1" lang="ja-JP" altLang="en-US" smtClean="0"/>
+              <a:rPr kumimoji="1" lang="ja-JP" altLang="en-US"/>
               <a:t>第 </a:t>
             </a:r>
             <a:r>
-              <a:rPr kumimoji="1" lang="en-US" altLang="ja-JP" smtClean="0"/>
+              <a:rPr kumimoji="1" lang="en-US" altLang="ja-JP"/>
               <a:t>5 </a:t>
             </a:r>
             <a:r>
-              <a:rPr kumimoji="1" lang="ja-JP" altLang="en-US" smtClean="0"/>
+              <a:rPr kumimoji="1" lang="ja-JP" altLang="en-US"/>
               <a:t>レベル</a:t>
             </a:r>
-            <a:endParaRPr kumimoji="1" lang="ja-JP" altLang="en-US"/>
           </a:p>
         </p:txBody>
       </p:sp>
@@ -1972,7 +1980,7 @@
           <a:p>
             <a:fld id="{E90ED720-0104-4369-84BC-D37694168613}" type="datetimeFigureOut">
               <a:rPr kumimoji="1" lang="ja-JP" altLang="en-US" smtClean="0"/>
-              <a:t>2016/8/30</a:t>
+              <a:t>2017/12/2</a:t>
             </a:fld>
             <a:endParaRPr kumimoji="1" lang="ja-JP" altLang="en-US"/>
           </a:p>
@@ -2061,10 +2069,9 @@
           <a:lstStyle/>
           <a:p>
             <a:r>
-              <a:rPr kumimoji="1" lang="ja-JP" altLang="en-US" smtClean="0"/>
+              <a:rPr kumimoji="1" lang="ja-JP" altLang="en-US"/>
               <a:t>マスタ タイトルの書式設定</a:t>
             </a:r>
-            <a:endParaRPr kumimoji="1" lang="ja-JP" altLang="en-US"/>
           </a:p>
         </p:txBody>
       </p:sp>
@@ -2085,7 +2092,7 @@
           <a:p>
             <a:fld id="{E90ED720-0104-4369-84BC-D37694168613}" type="datetimeFigureOut">
               <a:rPr kumimoji="1" lang="ja-JP" altLang="en-US" smtClean="0"/>
-              <a:t>2016/8/30</a:t>
+              <a:t>2017/12/2</a:t>
             </a:fld>
             <a:endParaRPr kumimoji="1" lang="ja-JP" altLang="en-US"/>
           </a:p>
@@ -2175,7 +2182,7 @@
           <a:p>
             <a:fld id="{E90ED720-0104-4369-84BC-D37694168613}" type="datetimeFigureOut">
               <a:rPr kumimoji="1" lang="ja-JP" altLang="en-US" smtClean="0"/>
-              <a:t>2016/8/30</a:t>
+              <a:t>2017/12/2</a:t>
             </a:fld>
             <a:endParaRPr kumimoji="1" lang="ja-JP" altLang="en-US"/>
           </a:p>
@@ -2273,10 +2280,9 @@
           </a:lstStyle>
           <a:p>
             <a:r>
-              <a:rPr kumimoji="1" lang="ja-JP" altLang="en-US" smtClean="0"/>
+              <a:rPr kumimoji="1" lang="ja-JP" altLang="en-US"/>
               <a:t>マスタ タイトルの書式設定</a:t>
             </a:r>
-            <a:endParaRPr kumimoji="1" lang="ja-JP" altLang="en-US"/>
           </a:p>
         </p:txBody>
       </p:sp>
@@ -2330,70 +2336,69 @@
           <a:p>
             <a:pPr lvl="0"/>
             <a:r>
-              <a:rPr kumimoji="1" lang="ja-JP" altLang="en-US" smtClean="0"/>
+              <a:rPr kumimoji="1" lang="ja-JP" altLang="en-US"/>
               <a:t>マスタ テキストの書式設定</a:t>
             </a:r>
           </a:p>
           <a:p>
             <a:pPr lvl="1"/>
             <a:r>
-              <a:rPr kumimoji="1" lang="ja-JP" altLang="en-US" smtClean="0"/>
+              <a:rPr kumimoji="1" lang="ja-JP" altLang="en-US"/>
               <a:t>第 </a:t>
             </a:r>
             <a:r>
-              <a:rPr kumimoji="1" lang="en-US" altLang="ja-JP" smtClean="0"/>
+              <a:rPr kumimoji="1" lang="en-US" altLang="ja-JP"/>
               <a:t>2 </a:t>
             </a:r>
             <a:r>
-              <a:rPr kumimoji="1" lang="ja-JP" altLang="en-US" smtClean="0"/>
+              <a:rPr kumimoji="1" lang="ja-JP" altLang="en-US"/>
               <a:t>レベル</a:t>
             </a:r>
           </a:p>
           <a:p>
             <a:pPr lvl="2"/>
             <a:r>
-              <a:rPr kumimoji="1" lang="ja-JP" altLang="en-US" smtClean="0"/>
+              <a:rPr kumimoji="1" lang="ja-JP" altLang="en-US"/>
               <a:t>第 </a:t>
             </a:r>
             <a:r>
-              <a:rPr kumimoji="1" lang="en-US" altLang="ja-JP" smtClean="0"/>
+              <a:rPr kumimoji="1" lang="en-US" altLang="ja-JP"/>
               <a:t>3 </a:t>
             </a:r>
             <a:r>
-              <a:rPr kumimoji="1" lang="ja-JP" altLang="en-US" smtClean="0"/>
+              <a:rPr kumimoji="1" lang="ja-JP" altLang="en-US"/>
               <a:t>レベル</a:t>
             </a:r>
           </a:p>
           <a:p>
             <a:pPr lvl="3"/>
             <a:r>
-              <a:rPr kumimoji="1" lang="ja-JP" altLang="en-US" smtClean="0"/>
+              <a:rPr kumimoji="1" lang="ja-JP" altLang="en-US"/>
               <a:t>第 </a:t>
             </a:r>
             <a:r>
-              <a:rPr kumimoji="1" lang="en-US" altLang="ja-JP" smtClean="0"/>
+              <a:rPr kumimoji="1" lang="en-US" altLang="ja-JP"/>
               <a:t>4 </a:t>
             </a:r>
             <a:r>
-              <a:rPr kumimoji="1" lang="ja-JP" altLang="en-US" smtClean="0"/>
+              <a:rPr kumimoji="1" lang="ja-JP" altLang="en-US"/>
               <a:t>レベル</a:t>
             </a:r>
           </a:p>
           <a:p>
             <a:pPr lvl="4"/>
             <a:r>
-              <a:rPr kumimoji="1" lang="ja-JP" altLang="en-US" smtClean="0"/>
+              <a:rPr kumimoji="1" lang="ja-JP" altLang="en-US"/>
               <a:t>第 </a:t>
             </a:r>
             <a:r>
-              <a:rPr kumimoji="1" lang="en-US" altLang="ja-JP" smtClean="0"/>
+              <a:rPr kumimoji="1" lang="en-US" altLang="ja-JP"/>
               <a:t>5 </a:t>
             </a:r>
             <a:r>
-              <a:rPr kumimoji="1" lang="ja-JP" altLang="en-US" smtClean="0"/>
+              <a:rPr kumimoji="1" lang="ja-JP" altLang="en-US"/>
               <a:t>レベル</a:t>
             </a:r>
-            <a:endParaRPr kumimoji="1" lang="ja-JP" altLang="en-US"/>
           </a:p>
         </p:txBody>
       </p:sp>
@@ -2456,7 +2461,7 @@
           <a:p>
             <a:pPr lvl="0"/>
             <a:r>
-              <a:rPr kumimoji="1" lang="ja-JP" altLang="en-US" smtClean="0"/>
+              <a:rPr kumimoji="1" lang="ja-JP" altLang="en-US"/>
               <a:t>マスタ テキストの書式設定</a:t>
             </a:r>
           </a:p>
@@ -2479,7 +2484,7 @@
           <a:p>
             <a:fld id="{E90ED720-0104-4369-84BC-D37694168613}" type="datetimeFigureOut">
               <a:rPr kumimoji="1" lang="ja-JP" altLang="en-US" smtClean="0"/>
-              <a:t>2016/8/30</a:t>
+              <a:t>2017/12/2</a:t>
             </a:fld>
             <a:endParaRPr kumimoji="1" lang="ja-JP" altLang="en-US"/>
           </a:p>
@@ -2577,10 +2582,9 @@
           </a:lstStyle>
           <a:p>
             <a:r>
-              <a:rPr kumimoji="1" lang="ja-JP" altLang="en-US" smtClean="0"/>
+              <a:rPr kumimoji="1" lang="ja-JP" altLang="en-US"/>
               <a:t>マスタ タイトルの書式設定</a:t>
             </a:r>
-            <a:endParaRPr kumimoji="1" lang="ja-JP" altLang="en-US"/>
           </a:p>
         </p:txBody>
       </p:sp>
@@ -2704,7 +2708,7 @@
           <a:p>
             <a:pPr lvl="0"/>
             <a:r>
-              <a:rPr kumimoji="1" lang="ja-JP" altLang="en-US" smtClean="0"/>
+              <a:rPr kumimoji="1" lang="ja-JP" altLang="en-US"/>
               <a:t>マスタ テキストの書式設定</a:t>
             </a:r>
           </a:p>
@@ -2727,7 +2731,7 @@
           <a:p>
             <a:fld id="{E90ED720-0104-4369-84BC-D37694168613}" type="datetimeFigureOut">
               <a:rPr kumimoji="1" lang="ja-JP" altLang="en-US" smtClean="0"/>
-              <a:t>2016/8/30</a:t>
+              <a:t>2017/12/2</a:t>
             </a:fld>
             <a:endParaRPr kumimoji="1" lang="ja-JP" altLang="en-US"/>
           </a:p>
@@ -2831,10 +2835,9 @@
           <a:lstStyle/>
           <a:p>
             <a:r>
-              <a:rPr kumimoji="1" lang="ja-JP" altLang="en-US" smtClean="0"/>
+              <a:rPr kumimoji="1" lang="ja-JP" altLang="en-US"/>
               <a:t>マスタ タイトルの書式設定</a:t>
             </a:r>
-            <a:endParaRPr kumimoji="1" lang="ja-JP" altLang="en-US"/>
           </a:p>
         </p:txBody>
       </p:sp>
@@ -2865,70 +2868,69 @@
           <a:p>
             <a:pPr lvl="0"/>
             <a:r>
-              <a:rPr kumimoji="1" lang="ja-JP" altLang="en-US" smtClean="0"/>
+              <a:rPr kumimoji="1" lang="ja-JP" altLang="en-US"/>
               <a:t>マスタ テキストの書式設定</a:t>
             </a:r>
           </a:p>
           <a:p>
             <a:pPr lvl="1"/>
             <a:r>
-              <a:rPr kumimoji="1" lang="ja-JP" altLang="en-US" smtClean="0"/>
+              <a:rPr kumimoji="1" lang="ja-JP" altLang="en-US"/>
               <a:t>第 </a:t>
             </a:r>
             <a:r>
-              <a:rPr kumimoji="1" lang="en-US" altLang="ja-JP" smtClean="0"/>
+              <a:rPr kumimoji="1" lang="en-US" altLang="ja-JP"/>
               <a:t>2 </a:t>
             </a:r>
             <a:r>
-              <a:rPr kumimoji="1" lang="ja-JP" altLang="en-US" smtClean="0"/>
+              <a:rPr kumimoji="1" lang="ja-JP" altLang="en-US"/>
               <a:t>レベル</a:t>
             </a:r>
           </a:p>
           <a:p>
             <a:pPr lvl="2"/>
             <a:r>
-              <a:rPr kumimoji="1" lang="ja-JP" altLang="en-US" smtClean="0"/>
+              <a:rPr kumimoji="1" lang="ja-JP" altLang="en-US"/>
               <a:t>第 </a:t>
             </a:r>
             <a:r>
-              <a:rPr kumimoji="1" lang="en-US" altLang="ja-JP" smtClean="0"/>
+              <a:rPr kumimoji="1" lang="en-US" altLang="ja-JP"/>
               <a:t>3 </a:t>
             </a:r>
             <a:r>
-              <a:rPr kumimoji="1" lang="ja-JP" altLang="en-US" smtClean="0"/>
+              <a:rPr kumimoji="1" lang="ja-JP" altLang="en-US"/>
               <a:t>レベル</a:t>
             </a:r>
           </a:p>
           <a:p>
             <a:pPr lvl="3"/>
             <a:r>
-              <a:rPr kumimoji="1" lang="ja-JP" altLang="en-US" smtClean="0"/>
+              <a:rPr kumimoji="1" lang="ja-JP" altLang="en-US"/>
               <a:t>第 </a:t>
             </a:r>
             <a:r>
-              <a:rPr kumimoji="1" lang="en-US" altLang="ja-JP" smtClean="0"/>
+              <a:rPr kumimoji="1" lang="en-US" altLang="ja-JP"/>
               <a:t>4 </a:t>
             </a:r>
             <a:r>
-              <a:rPr kumimoji="1" lang="ja-JP" altLang="en-US" smtClean="0"/>
+              <a:rPr kumimoji="1" lang="ja-JP" altLang="en-US"/>
               <a:t>レベル</a:t>
             </a:r>
           </a:p>
           <a:p>
             <a:pPr lvl="4"/>
             <a:r>
-              <a:rPr kumimoji="1" lang="ja-JP" altLang="en-US" smtClean="0"/>
+              <a:rPr kumimoji="1" lang="ja-JP" altLang="en-US"/>
               <a:t>第 </a:t>
             </a:r>
             <a:r>
-              <a:rPr kumimoji="1" lang="en-US" altLang="ja-JP" smtClean="0"/>
+              <a:rPr kumimoji="1" lang="en-US" altLang="ja-JP"/>
               <a:t>5 </a:t>
             </a:r>
             <a:r>
-              <a:rPr kumimoji="1" lang="ja-JP" altLang="en-US" smtClean="0"/>
+              <a:rPr kumimoji="1" lang="ja-JP" altLang="en-US"/>
               <a:t>レベル</a:t>
             </a:r>
-            <a:endParaRPr kumimoji="1" lang="ja-JP" altLang="en-US"/>
           </a:p>
         </p:txBody>
       </p:sp>
@@ -2967,7 +2969,7 @@
           <a:p>
             <a:fld id="{E90ED720-0104-4369-84BC-D37694168613}" type="datetimeFigureOut">
               <a:rPr kumimoji="1" lang="ja-JP" altLang="en-US" smtClean="0"/>
-              <a:t>2016/8/30</a:t>
+              <a:t>2017/12/2</a:t>
             </a:fld>
             <a:endParaRPr kumimoji="1" lang="ja-JP" altLang="en-US"/>
           </a:p>
@@ -3354,11 +3356,7 @@
           <a:p>
             <a:r>
               <a:rPr lang="ja-JP" altLang="en-US" dirty="0"/>
-              <a:t>基本的</a:t>
-            </a:r>
-            <a:r>
-              <a:rPr lang="ja-JP" altLang="en-US" dirty="0" smtClean="0"/>
-              <a:t>なサンプル</a:t>
+              <a:t>基本的なサンプル</a:t>
             </a:r>
             <a:endParaRPr kumimoji="1" lang="ja-JP" altLang="en-US" dirty="0"/>
           </a:p>
@@ -3560,8 +3558,8 @@
           <a:lstStyle/>
           <a:p>
             <a:r>
-              <a:rPr kumimoji="1" lang="en-US" altLang="ja-JP" dirty="0" err="1" smtClean="0"/>
-              <a:t>NestedRecords</a:t>
+              <a:rPr lang="en-US" altLang="ja-JP" dirty="0" err="1"/>
+              <a:t>XlsColumn</a:t>
             </a:r>
             <a:endParaRPr kumimoji="1" lang="ja-JP" altLang="en-US" dirty="0"/>
           </a:p>
@@ -3569,7 +3567,7 @@
       </p:sp>
       <p:pic>
         <p:nvPicPr>
-          <p:cNvPr id="2050" name="Picture 2"/>
+          <p:cNvPr id="4098" name="Picture 2"/>
           <p:cNvPicPr>
             <a:picLocks noChangeAspect="1" noChangeArrowheads="1"/>
           </p:cNvPicPr>
@@ -3588,8 +3586,8 @@
         </p:blipFill>
         <p:spPr bwMode="auto">
           <a:xfrm>
-            <a:off x="611560" y="1700808"/>
-            <a:ext cx="4029075" cy="2981326"/>
+            <a:off x="394940" y="1412776"/>
+            <a:ext cx="1628776" cy="800101"/>
           </a:xfrm>
           <a:prstGeom prst="rect">
             <a:avLst/>
@@ -3619,10 +3617,114 @@
           </a:extLst>
         </p:spPr>
       </p:pic>
+      <p:pic>
+        <p:nvPicPr>
+          <p:cNvPr id="4102" name="Picture 6"/>
+          <p:cNvPicPr>
+            <a:picLocks noChangeAspect="1" noChangeArrowheads="1"/>
+          </p:cNvPicPr>
+          <p:nvPr/>
+        </p:nvPicPr>
+        <p:blipFill rotWithShape="1">
+          <a:blip r:embed="rId3" cstate="print">
+            <a:extLst>
+              <a:ext uri="{28A0092B-C50C-407E-A947-70E740481C1C}">
+                <a14:useLocalDpi xmlns:a14="http://schemas.microsoft.com/office/drawing/2010/main" val="0"/>
+              </a:ext>
+            </a:extLst>
+          </a:blip>
+          <a:srcRect/>
+          <a:stretch/>
+        </p:blipFill>
+        <p:spPr bwMode="auto">
+          <a:xfrm>
+            <a:off x="389582" y="2564904"/>
+            <a:ext cx="2724150" cy="1543050"/>
+          </a:xfrm>
+          <a:prstGeom prst="rect">
+            <a:avLst/>
+          </a:prstGeom>
+          <a:noFill/>
+          <a:ln>
+            <a:noFill/>
+          </a:ln>
+          <a:extLst>
+            <a:ext uri="{909E8E84-426E-40DD-AFC4-6F175D3DCCD1}">
+              <a14:hiddenFill xmlns:a14="http://schemas.microsoft.com/office/drawing/2010/main">
+                <a:solidFill>
+                  <a:schemeClr val="accent1"/>
+                </a:solidFill>
+              </a14:hiddenFill>
+            </a:ext>
+            <a:ext uri="{91240B29-F687-4F45-9708-019B960494DF}">
+              <a14:hiddenLine xmlns:a14="http://schemas.microsoft.com/office/drawing/2010/main" w="9525">
+                <a:solidFill>
+                  <a:schemeClr val="tx1"/>
+                </a:solidFill>
+                <a:miter lim="800000"/>
+                <a:headEnd/>
+                <a:tailEnd/>
+              </a14:hiddenLine>
+            </a:ext>
+          </a:extLst>
+        </p:spPr>
+      </p:pic>
+      <p:pic>
+        <p:nvPicPr>
+          <p:cNvPr id="4103" name="Picture 7"/>
+          <p:cNvPicPr>
+            <a:picLocks noChangeAspect="1" noChangeArrowheads="1"/>
+          </p:cNvPicPr>
+          <p:nvPr/>
+        </p:nvPicPr>
+        <p:blipFill rotWithShape="1">
+          <a:blip r:embed="rId4" cstate="print">
+            <a:extLst>
+              <a:ext uri="{28A0092B-C50C-407E-A947-70E740481C1C}">
+                <a14:useLocalDpi xmlns:a14="http://schemas.microsoft.com/office/drawing/2010/main" val="0"/>
+              </a:ext>
+            </a:extLst>
+          </a:blip>
+          <a:srcRect/>
+          <a:stretch/>
+        </p:blipFill>
+        <p:spPr bwMode="auto">
+          <a:xfrm>
+            <a:off x="611560" y="4509120"/>
+            <a:ext cx="4800601" cy="1857376"/>
+          </a:xfrm>
+          <a:prstGeom prst="rect">
+            <a:avLst/>
+          </a:prstGeom>
+          <a:noFill/>
+          <a:ln>
+            <a:noFill/>
+          </a:ln>
+          <a:extLst>
+            <a:ext uri="{909E8E84-426E-40DD-AFC4-6F175D3DCCD1}">
+              <a14:hiddenFill xmlns:a14="http://schemas.microsoft.com/office/drawing/2010/main">
+                <a:solidFill>
+                  <a:schemeClr val="accent1"/>
+                </a:solidFill>
+              </a14:hiddenFill>
+            </a:ext>
+            <a:ext uri="{91240B29-F687-4F45-9708-019B960494DF}">
+              <a14:hiddenLine xmlns:a14="http://schemas.microsoft.com/office/drawing/2010/main" w="9525">
+                <a:solidFill>
+                  <a:schemeClr val="tx1"/>
+                </a:solidFill>
+                <a:miter lim="800000"/>
+                <a:headEnd/>
+                <a:tailEnd/>
+              </a14:hiddenLine>
+            </a:ext>
+          </a:extLst>
+        </p:spPr>
+      </p:pic>
     </p:spTree>
     <p:extLst>
       <p:ext uri="{BB962C8B-B14F-4D97-AF65-F5344CB8AC3E}">
-        <p14:creationId xmlns:p14="http://schemas.microsoft.com/office/powerpoint/2010/main" val="480720534"/>
+        <p14:creationId xmlns:p14="http://schemas.microsoft.com/office/powerpoint/2010/main" val="1460237865"/>
       </p:ext>
     </p:extLst>
   </p:cSld>
@@ -3665,8 +3767,8 @@
           <a:lstStyle/>
           <a:p>
             <a:r>
-              <a:rPr lang="en-US" altLang="ja-JP" dirty="0" err="1" smtClean="0"/>
-              <a:t>VerticalRecords</a:t>
+              <a:rPr kumimoji="1" lang="en-US" altLang="ja-JP" dirty="0" err="1"/>
+              <a:t>XlsMapColumns</a:t>
             </a:r>
             <a:endParaRPr kumimoji="1" lang="ja-JP" altLang="en-US" dirty="0"/>
           </a:p>
@@ -3674,7 +3776,7 @@
       </p:sp>
       <p:pic>
         <p:nvPicPr>
-          <p:cNvPr id="6154" name="Picture 10"/>
+          <p:cNvPr id="1027" name="Picture 3"/>
           <p:cNvPicPr>
             <a:picLocks noChangeAspect="1" noChangeArrowheads="1"/>
           </p:cNvPicPr>
@@ -3693,8 +3795,8 @@
         </p:blipFill>
         <p:spPr bwMode="auto">
           <a:xfrm>
-            <a:off x="107504" y="1196752"/>
-            <a:ext cx="4705350" cy="1485900"/>
+            <a:off x="395536" y="2780928"/>
+            <a:ext cx="4133850" cy="1038226"/>
           </a:xfrm>
           <a:prstGeom prst="rect">
             <a:avLst/>
@@ -3726,7 +3828,7 @@
       </p:pic>
       <p:pic>
         <p:nvPicPr>
-          <p:cNvPr id="6155" name="Picture 11"/>
+          <p:cNvPr id="1026" name="Picture 2"/>
           <p:cNvPicPr>
             <a:picLocks noChangeAspect="1" noChangeArrowheads="1"/>
           </p:cNvPicPr>
@@ -3745,8 +3847,8 @@
         </p:blipFill>
         <p:spPr bwMode="auto">
           <a:xfrm>
-            <a:off x="14511" y="3356992"/>
-            <a:ext cx="3276600" cy="1209675"/>
+            <a:off x="4529386" y="5286374"/>
+            <a:ext cx="4619625" cy="1571626"/>
           </a:xfrm>
           <a:prstGeom prst="rect">
             <a:avLst/>
@@ -3778,7 +3880,7 @@
       </p:pic>
       <p:pic>
         <p:nvPicPr>
-          <p:cNvPr id="6157" name="Picture 13"/>
+          <p:cNvPr id="4" name="Picture 2"/>
           <p:cNvPicPr>
             <a:picLocks noChangeAspect="1" noChangeArrowheads="1"/>
           </p:cNvPicPr>
@@ -3797,8 +3899,8 @@
         </p:blipFill>
         <p:spPr bwMode="auto">
           <a:xfrm>
-            <a:off x="3635896" y="3356992"/>
-            <a:ext cx="5207000" cy="2076451"/>
+            <a:off x="168622" y="4400549"/>
+            <a:ext cx="5495925" cy="1771650"/>
           </a:xfrm>
           <a:prstGeom prst="rect">
             <a:avLst/>
@@ -3828,10 +3930,62 @@
           </a:extLst>
         </p:spPr>
       </p:pic>
+      <p:pic>
+        <p:nvPicPr>
+          <p:cNvPr id="5" name="Picture 2"/>
+          <p:cNvPicPr>
+            <a:picLocks noChangeAspect="1" noChangeArrowheads="1"/>
+          </p:cNvPicPr>
+          <p:nvPr/>
+        </p:nvPicPr>
+        <p:blipFill rotWithShape="1">
+          <a:blip r:embed="rId5" cstate="print">
+            <a:extLst>
+              <a:ext uri="{28A0092B-C50C-407E-A947-70E740481C1C}">
+                <a14:useLocalDpi xmlns:a14="http://schemas.microsoft.com/office/drawing/2010/main" val="0"/>
+              </a:ext>
+            </a:extLst>
+          </a:blip>
+          <a:srcRect/>
+          <a:stretch/>
+        </p:blipFill>
+        <p:spPr bwMode="auto">
+          <a:xfrm>
+            <a:off x="251520" y="1124744"/>
+            <a:ext cx="5019675" cy="1552576"/>
+          </a:xfrm>
+          <a:prstGeom prst="rect">
+            <a:avLst/>
+          </a:prstGeom>
+          <a:noFill/>
+          <a:ln>
+            <a:noFill/>
+          </a:ln>
+          <a:extLst>
+            <a:ext uri="{909E8E84-426E-40DD-AFC4-6F175D3DCCD1}">
+              <a14:hiddenFill xmlns:a14="http://schemas.microsoft.com/office/drawing/2010/main">
+                <a:solidFill>
+                  <a:schemeClr val="accent1"/>
+                </a:solidFill>
+              </a14:hiddenFill>
+            </a:ext>
+            <a:ext uri="{91240B29-F687-4F45-9708-019B960494DF}">
+              <a14:hiddenLine xmlns:a14="http://schemas.microsoft.com/office/drawing/2010/main" w="9525">
+                <a:solidFill>
+                  <a:schemeClr val="tx1"/>
+                </a:solidFill>
+                <a:miter lim="800000"/>
+                <a:headEnd/>
+                <a:tailEnd/>
+              </a14:hiddenLine>
+            </a:ext>
+          </a:extLst>
+        </p:spPr>
+      </p:pic>
     </p:spTree>
     <p:extLst>
       <p:ext uri="{BB962C8B-B14F-4D97-AF65-F5344CB8AC3E}">
-        <p14:creationId xmlns:p14="http://schemas.microsoft.com/office/powerpoint/2010/main" val="1102042093"/>
+        <p14:creationId xmlns:p14="http://schemas.microsoft.com/office/powerpoint/2010/main" val="3878686198"/>
       </p:ext>
     </p:extLst>
   </p:cSld>
@@ -3874,8 +4028,8 @@
           <a:lstStyle/>
           <a:p>
             <a:r>
-              <a:rPr kumimoji="1" lang="en-US" altLang="ja-JP" dirty="0" err="1" smtClean="0"/>
-              <a:t>VerticalRecords</a:t>
+              <a:rPr kumimoji="1" lang="en-US" altLang="ja-JP" dirty="0" err="1"/>
+              <a:t>NextedRecords</a:t>
             </a:r>
             <a:endParaRPr kumimoji="1" lang="ja-JP" altLang="en-US" dirty="0"/>
           </a:p>
@@ -3883,7 +4037,7 @@
       </p:sp>
       <p:pic>
         <p:nvPicPr>
-          <p:cNvPr id="3077" name="Picture 5"/>
+          <p:cNvPr id="1026" name="Picture 2"/>
           <p:cNvPicPr>
             <a:picLocks noChangeAspect="1" noChangeArrowheads="1"/>
           </p:cNvPicPr>
@@ -3902,8 +4056,8 @@
         </p:blipFill>
         <p:spPr bwMode="auto">
           <a:xfrm>
-            <a:off x="323528" y="1340768"/>
-            <a:ext cx="4438650" cy="2867025"/>
+            <a:off x="395536" y="1268760"/>
+            <a:ext cx="5133975" cy="3981450"/>
           </a:xfrm>
           <a:prstGeom prst="rect">
             <a:avLst/>
@@ -3936,7 +4090,7 @@
     </p:spTree>
     <p:extLst>
       <p:ext uri="{BB962C8B-B14F-4D97-AF65-F5344CB8AC3E}">
-        <p14:creationId xmlns:p14="http://schemas.microsoft.com/office/powerpoint/2010/main" val="720279345"/>
+        <p14:creationId xmlns:p14="http://schemas.microsoft.com/office/powerpoint/2010/main" val="3736747187"/>
       </p:ext>
     </p:extLst>
   </p:cSld>
@@ -3979,12 +4133,8 @@
           <a:lstStyle/>
           <a:p>
             <a:r>
-              <a:rPr lang="en-US" altLang="ja-JP" dirty="0" err="1"/>
-              <a:t>I</a:t>
-            </a:r>
-            <a:r>
-              <a:rPr kumimoji="1" lang="en-US" altLang="ja-JP" dirty="0" err="1" smtClean="0"/>
-              <a:t>terateTables</a:t>
+              <a:rPr kumimoji="1" lang="en-US" altLang="ja-JP" dirty="0" err="1"/>
+              <a:t>NestedRecords</a:t>
             </a:r>
             <a:endParaRPr kumimoji="1" lang="ja-JP" altLang="en-US" dirty="0"/>
           </a:p>
@@ -3992,7 +4142,7 @@
       </p:sp>
       <p:pic>
         <p:nvPicPr>
-          <p:cNvPr id="2054" name="Picture 6"/>
+          <p:cNvPr id="2050" name="Picture 2"/>
           <p:cNvPicPr>
             <a:picLocks noChangeAspect="1" noChangeArrowheads="1"/>
           </p:cNvPicPr>
@@ -4011,8 +4161,8 @@
         </p:blipFill>
         <p:spPr bwMode="auto">
           <a:xfrm>
-            <a:off x="395536" y="1268760"/>
-            <a:ext cx="7086600" cy="2286001"/>
+            <a:off x="611560" y="1700808"/>
+            <a:ext cx="4029075" cy="2981326"/>
           </a:xfrm>
           <a:prstGeom prst="rect">
             <a:avLst/>
@@ -4045,7 +4195,7 @@
     </p:spTree>
     <p:extLst>
       <p:ext uri="{BB962C8B-B14F-4D97-AF65-F5344CB8AC3E}">
-        <p14:creationId xmlns:p14="http://schemas.microsoft.com/office/powerpoint/2010/main" val="2514548196"/>
+        <p14:creationId xmlns:p14="http://schemas.microsoft.com/office/powerpoint/2010/main" val="480720534"/>
       </p:ext>
     </p:extLst>
   </p:cSld>
@@ -4088,8 +4238,8 @@
           <a:lstStyle/>
           <a:p>
             <a:r>
-              <a:rPr lang="en-US" altLang="ja-JP" dirty="0" smtClean="0"/>
-              <a:t>Converter</a:t>
+              <a:rPr lang="en-US" altLang="ja-JP" dirty="0" err="1"/>
+              <a:t>VerticalRecords</a:t>
             </a:r>
             <a:endParaRPr kumimoji="1" lang="ja-JP" altLang="en-US" dirty="0"/>
           </a:p>
@@ -4097,14 +4247,14 @@
       </p:sp>
       <p:pic>
         <p:nvPicPr>
-          <p:cNvPr id="1026" name="Picture 2"/>
+          <p:cNvPr id="6154" name="Picture 10"/>
           <p:cNvPicPr>
             <a:picLocks noChangeAspect="1" noChangeArrowheads="1"/>
           </p:cNvPicPr>
           <p:nvPr/>
         </p:nvPicPr>
-        <p:blipFill>
-          <a:blip r:embed="rId2">
+        <p:blipFill rotWithShape="1">
+          <a:blip r:embed="rId2" cstate="print">
             <a:extLst>
               <a:ext uri="{28A0092B-C50C-407E-A947-70E740481C1C}">
                 <a14:useLocalDpi xmlns:a14="http://schemas.microsoft.com/office/drawing/2010/main" val="0"/>
@@ -4112,14 +4262,12 @@
             </a:extLst>
           </a:blip>
           <a:srcRect/>
-          <a:stretch>
-            <a:fillRect/>
-          </a:stretch>
+          <a:stretch/>
         </p:blipFill>
         <p:spPr bwMode="auto">
           <a:xfrm>
-            <a:off x="683568" y="1412776"/>
-            <a:ext cx="5172075" cy="4200525"/>
+            <a:off x="107504" y="1196752"/>
+            <a:ext cx="4705350" cy="1485900"/>
           </a:xfrm>
           <a:prstGeom prst="rect">
             <a:avLst/>
@@ -4149,10 +4297,114 @@
           </a:extLst>
         </p:spPr>
       </p:pic>
+      <p:pic>
+        <p:nvPicPr>
+          <p:cNvPr id="6155" name="Picture 11"/>
+          <p:cNvPicPr>
+            <a:picLocks noChangeAspect="1" noChangeArrowheads="1"/>
+          </p:cNvPicPr>
+          <p:nvPr/>
+        </p:nvPicPr>
+        <p:blipFill rotWithShape="1">
+          <a:blip r:embed="rId3" cstate="print">
+            <a:extLst>
+              <a:ext uri="{28A0092B-C50C-407E-A947-70E740481C1C}">
+                <a14:useLocalDpi xmlns:a14="http://schemas.microsoft.com/office/drawing/2010/main" val="0"/>
+              </a:ext>
+            </a:extLst>
+          </a:blip>
+          <a:srcRect/>
+          <a:stretch/>
+        </p:blipFill>
+        <p:spPr bwMode="auto">
+          <a:xfrm>
+            <a:off x="14511" y="3356992"/>
+            <a:ext cx="3276600" cy="1209675"/>
+          </a:xfrm>
+          <a:prstGeom prst="rect">
+            <a:avLst/>
+          </a:prstGeom>
+          <a:noFill/>
+          <a:ln>
+            <a:noFill/>
+          </a:ln>
+          <a:extLst>
+            <a:ext uri="{909E8E84-426E-40DD-AFC4-6F175D3DCCD1}">
+              <a14:hiddenFill xmlns:a14="http://schemas.microsoft.com/office/drawing/2010/main">
+                <a:solidFill>
+                  <a:schemeClr val="accent1"/>
+                </a:solidFill>
+              </a14:hiddenFill>
+            </a:ext>
+            <a:ext uri="{91240B29-F687-4F45-9708-019B960494DF}">
+              <a14:hiddenLine xmlns:a14="http://schemas.microsoft.com/office/drawing/2010/main" w="9525">
+                <a:solidFill>
+                  <a:schemeClr val="tx1"/>
+                </a:solidFill>
+                <a:miter lim="800000"/>
+                <a:headEnd/>
+                <a:tailEnd/>
+              </a14:hiddenLine>
+            </a:ext>
+          </a:extLst>
+        </p:spPr>
+      </p:pic>
+      <p:pic>
+        <p:nvPicPr>
+          <p:cNvPr id="6157" name="Picture 13"/>
+          <p:cNvPicPr>
+            <a:picLocks noChangeAspect="1" noChangeArrowheads="1"/>
+          </p:cNvPicPr>
+          <p:nvPr/>
+        </p:nvPicPr>
+        <p:blipFill rotWithShape="1">
+          <a:blip r:embed="rId4" cstate="print">
+            <a:extLst>
+              <a:ext uri="{28A0092B-C50C-407E-A947-70E740481C1C}">
+                <a14:useLocalDpi xmlns:a14="http://schemas.microsoft.com/office/drawing/2010/main" val="0"/>
+              </a:ext>
+            </a:extLst>
+          </a:blip>
+          <a:srcRect/>
+          <a:stretch/>
+        </p:blipFill>
+        <p:spPr bwMode="auto">
+          <a:xfrm>
+            <a:off x="3635896" y="3356992"/>
+            <a:ext cx="5207000" cy="2076451"/>
+          </a:xfrm>
+          <a:prstGeom prst="rect">
+            <a:avLst/>
+          </a:prstGeom>
+          <a:noFill/>
+          <a:ln>
+            <a:noFill/>
+          </a:ln>
+          <a:extLst>
+            <a:ext uri="{909E8E84-426E-40DD-AFC4-6F175D3DCCD1}">
+              <a14:hiddenFill xmlns:a14="http://schemas.microsoft.com/office/drawing/2010/main">
+                <a:solidFill>
+                  <a:schemeClr val="accent1"/>
+                </a:solidFill>
+              </a14:hiddenFill>
+            </a:ext>
+            <a:ext uri="{91240B29-F687-4F45-9708-019B960494DF}">
+              <a14:hiddenLine xmlns:a14="http://schemas.microsoft.com/office/drawing/2010/main" w="9525">
+                <a:solidFill>
+                  <a:schemeClr val="tx1"/>
+                </a:solidFill>
+                <a:miter lim="800000"/>
+                <a:headEnd/>
+                <a:tailEnd/>
+              </a14:hiddenLine>
+            </a:ext>
+          </a:extLst>
+        </p:spPr>
+      </p:pic>
     </p:spTree>
     <p:extLst>
       <p:ext uri="{BB962C8B-B14F-4D97-AF65-F5344CB8AC3E}">
-        <p14:creationId xmlns:p14="http://schemas.microsoft.com/office/powerpoint/2010/main" val="1516922418"/>
+        <p14:creationId xmlns:p14="http://schemas.microsoft.com/office/powerpoint/2010/main" val="1102042093"/>
       </p:ext>
     </p:extLst>
   </p:cSld>
@@ -4195,7 +4447,328 @@
           <a:lstStyle/>
           <a:p>
             <a:r>
-              <a:rPr kumimoji="1" lang="en-US" altLang="ja-JP" dirty="0" err="1" smtClean="0"/>
+              <a:rPr kumimoji="1" lang="en-US" altLang="ja-JP" dirty="0" err="1"/>
+              <a:t>VerticalRecords</a:t>
+            </a:r>
+            <a:endParaRPr kumimoji="1" lang="ja-JP" altLang="en-US" dirty="0"/>
+          </a:p>
+        </p:txBody>
+      </p:sp>
+      <p:pic>
+        <p:nvPicPr>
+          <p:cNvPr id="3077" name="Picture 5"/>
+          <p:cNvPicPr>
+            <a:picLocks noChangeAspect="1" noChangeArrowheads="1"/>
+          </p:cNvPicPr>
+          <p:nvPr/>
+        </p:nvPicPr>
+        <p:blipFill rotWithShape="1">
+          <a:blip r:embed="rId2" cstate="print">
+            <a:extLst>
+              <a:ext uri="{28A0092B-C50C-407E-A947-70E740481C1C}">
+                <a14:useLocalDpi xmlns:a14="http://schemas.microsoft.com/office/drawing/2010/main" val="0"/>
+              </a:ext>
+            </a:extLst>
+          </a:blip>
+          <a:srcRect/>
+          <a:stretch/>
+        </p:blipFill>
+        <p:spPr bwMode="auto">
+          <a:xfrm>
+            <a:off x="323528" y="1340768"/>
+            <a:ext cx="4438650" cy="2867025"/>
+          </a:xfrm>
+          <a:prstGeom prst="rect">
+            <a:avLst/>
+          </a:prstGeom>
+          <a:noFill/>
+          <a:ln>
+            <a:noFill/>
+          </a:ln>
+          <a:extLst>
+            <a:ext uri="{909E8E84-426E-40DD-AFC4-6F175D3DCCD1}">
+              <a14:hiddenFill xmlns:a14="http://schemas.microsoft.com/office/drawing/2010/main">
+                <a:solidFill>
+                  <a:schemeClr val="accent1"/>
+                </a:solidFill>
+              </a14:hiddenFill>
+            </a:ext>
+            <a:ext uri="{91240B29-F687-4F45-9708-019B960494DF}">
+              <a14:hiddenLine xmlns:a14="http://schemas.microsoft.com/office/drawing/2010/main" w="9525">
+                <a:solidFill>
+                  <a:schemeClr val="tx1"/>
+                </a:solidFill>
+                <a:miter lim="800000"/>
+                <a:headEnd/>
+                <a:tailEnd/>
+              </a14:hiddenLine>
+            </a:ext>
+          </a:extLst>
+        </p:spPr>
+      </p:pic>
+    </p:spTree>
+    <p:extLst>
+      <p:ext uri="{BB962C8B-B14F-4D97-AF65-F5344CB8AC3E}">
+        <p14:creationId xmlns:p14="http://schemas.microsoft.com/office/powerpoint/2010/main" val="720279345"/>
+      </p:ext>
+    </p:extLst>
+  </p:cSld>
+  <p:clrMapOvr>
+    <a:masterClrMapping/>
+  </p:clrMapOvr>
+</p:sld>
+</file>
+
+<file path=ppt/slides/slide16.xml><?xml version="1.0" encoding="utf-8"?>
+<p:sld xmlns:a="http://schemas.openxmlformats.org/drawingml/2006/main" xmlns:r="http://schemas.openxmlformats.org/officeDocument/2006/relationships" xmlns:p="http://schemas.openxmlformats.org/presentationml/2006/main">
+  <p:cSld>
+    <p:spTree>
+      <p:nvGrpSpPr>
+        <p:cNvPr id="1" name=""/>
+        <p:cNvGrpSpPr/>
+        <p:nvPr/>
+      </p:nvGrpSpPr>
+      <p:grpSpPr>
+        <a:xfrm>
+          <a:off x="0" y="0"/>
+          <a:ext cx="0" cy="0"/>
+          <a:chOff x="0" y="0"/>
+          <a:chExt cx="0" cy="0"/>
+        </a:xfrm>
+      </p:grpSpPr>
+      <p:sp>
+        <p:nvSpPr>
+          <p:cNvPr id="2" name="タイトル 1"/>
+          <p:cNvSpPr>
+            <a:spLocks noGrp="1"/>
+          </p:cNvSpPr>
+          <p:nvPr>
+            <p:ph type="title"/>
+          </p:nvPr>
+        </p:nvSpPr>
+        <p:spPr/>
+        <p:txBody>
+          <a:bodyPr/>
+          <a:lstStyle/>
+          <a:p>
+            <a:r>
+              <a:rPr lang="en-US" altLang="ja-JP" dirty="0" err="1"/>
+              <a:t>I</a:t>
+            </a:r>
+            <a:r>
+              <a:rPr kumimoji="1" lang="en-US" altLang="ja-JP" dirty="0" err="1"/>
+              <a:t>terateTables</a:t>
+            </a:r>
+            <a:endParaRPr kumimoji="1" lang="ja-JP" altLang="en-US" dirty="0"/>
+          </a:p>
+        </p:txBody>
+      </p:sp>
+      <p:pic>
+        <p:nvPicPr>
+          <p:cNvPr id="2054" name="Picture 6"/>
+          <p:cNvPicPr>
+            <a:picLocks noChangeAspect="1" noChangeArrowheads="1"/>
+          </p:cNvPicPr>
+          <p:nvPr/>
+        </p:nvPicPr>
+        <p:blipFill rotWithShape="1">
+          <a:blip r:embed="rId2" cstate="print">
+            <a:extLst>
+              <a:ext uri="{28A0092B-C50C-407E-A947-70E740481C1C}">
+                <a14:useLocalDpi xmlns:a14="http://schemas.microsoft.com/office/drawing/2010/main" val="0"/>
+              </a:ext>
+            </a:extLst>
+          </a:blip>
+          <a:srcRect/>
+          <a:stretch/>
+        </p:blipFill>
+        <p:spPr bwMode="auto">
+          <a:xfrm>
+            <a:off x="395536" y="1268760"/>
+            <a:ext cx="7086600" cy="2286001"/>
+          </a:xfrm>
+          <a:prstGeom prst="rect">
+            <a:avLst/>
+          </a:prstGeom>
+          <a:noFill/>
+          <a:ln>
+            <a:noFill/>
+          </a:ln>
+          <a:extLst>
+            <a:ext uri="{909E8E84-426E-40DD-AFC4-6F175D3DCCD1}">
+              <a14:hiddenFill xmlns:a14="http://schemas.microsoft.com/office/drawing/2010/main">
+                <a:solidFill>
+                  <a:schemeClr val="accent1"/>
+                </a:solidFill>
+              </a14:hiddenFill>
+            </a:ext>
+            <a:ext uri="{91240B29-F687-4F45-9708-019B960494DF}">
+              <a14:hiddenLine xmlns:a14="http://schemas.microsoft.com/office/drawing/2010/main" w="9525">
+                <a:solidFill>
+                  <a:schemeClr val="tx1"/>
+                </a:solidFill>
+                <a:miter lim="800000"/>
+                <a:headEnd/>
+                <a:tailEnd/>
+              </a14:hiddenLine>
+            </a:ext>
+          </a:extLst>
+        </p:spPr>
+      </p:pic>
+    </p:spTree>
+    <p:extLst>
+      <p:ext uri="{BB962C8B-B14F-4D97-AF65-F5344CB8AC3E}">
+        <p14:creationId xmlns:p14="http://schemas.microsoft.com/office/powerpoint/2010/main" val="2514548196"/>
+      </p:ext>
+    </p:extLst>
+  </p:cSld>
+  <p:clrMapOvr>
+    <a:masterClrMapping/>
+  </p:clrMapOvr>
+</p:sld>
+</file>
+
+<file path=ppt/slides/slide17.xml><?xml version="1.0" encoding="utf-8"?>
+<p:sld xmlns:a="http://schemas.openxmlformats.org/drawingml/2006/main" xmlns:r="http://schemas.openxmlformats.org/officeDocument/2006/relationships" xmlns:p="http://schemas.openxmlformats.org/presentationml/2006/main">
+  <p:cSld>
+    <p:spTree>
+      <p:nvGrpSpPr>
+        <p:cNvPr id="1" name=""/>
+        <p:cNvGrpSpPr/>
+        <p:nvPr/>
+      </p:nvGrpSpPr>
+      <p:grpSpPr>
+        <a:xfrm>
+          <a:off x="0" y="0"/>
+          <a:ext cx="0" cy="0"/>
+          <a:chOff x="0" y="0"/>
+          <a:chExt cx="0" cy="0"/>
+        </a:xfrm>
+      </p:grpSpPr>
+      <p:sp>
+        <p:nvSpPr>
+          <p:cNvPr id="2" name="タイトル 1"/>
+          <p:cNvSpPr>
+            <a:spLocks noGrp="1"/>
+          </p:cNvSpPr>
+          <p:nvPr>
+            <p:ph type="title"/>
+          </p:nvPr>
+        </p:nvSpPr>
+        <p:spPr/>
+        <p:txBody>
+          <a:bodyPr/>
+          <a:lstStyle/>
+          <a:p>
+            <a:r>
+              <a:rPr lang="en-US" altLang="ja-JP" dirty="0"/>
+              <a:t>Converter</a:t>
+            </a:r>
+            <a:endParaRPr kumimoji="1" lang="ja-JP" altLang="en-US" dirty="0"/>
+          </a:p>
+        </p:txBody>
+      </p:sp>
+      <p:pic>
+        <p:nvPicPr>
+          <p:cNvPr id="1026" name="Picture 2"/>
+          <p:cNvPicPr>
+            <a:picLocks noChangeAspect="1" noChangeArrowheads="1"/>
+          </p:cNvPicPr>
+          <p:nvPr/>
+        </p:nvPicPr>
+        <p:blipFill>
+          <a:blip r:embed="rId2">
+            <a:extLst>
+              <a:ext uri="{28A0092B-C50C-407E-A947-70E740481C1C}">
+                <a14:useLocalDpi xmlns:a14="http://schemas.microsoft.com/office/drawing/2010/main" val="0"/>
+              </a:ext>
+            </a:extLst>
+          </a:blip>
+          <a:srcRect/>
+          <a:stretch>
+            <a:fillRect/>
+          </a:stretch>
+        </p:blipFill>
+        <p:spPr bwMode="auto">
+          <a:xfrm>
+            <a:off x="683568" y="1412776"/>
+            <a:ext cx="5172075" cy="4200525"/>
+          </a:xfrm>
+          <a:prstGeom prst="rect">
+            <a:avLst/>
+          </a:prstGeom>
+          <a:noFill/>
+          <a:ln>
+            <a:noFill/>
+          </a:ln>
+          <a:extLst>
+            <a:ext uri="{909E8E84-426E-40DD-AFC4-6F175D3DCCD1}">
+              <a14:hiddenFill xmlns:a14="http://schemas.microsoft.com/office/drawing/2010/main">
+                <a:solidFill>
+                  <a:schemeClr val="accent1"/>
+                </a:solidFill>
+              </a14:hiddenFill>
+            </a:ext>
+            <a:ext uri="{91240B29-F687-4F45-9708-019B960494DF}">
+              <a14:hiddenLine xmlns:a14="http://schemas.microsoft.com/office/drawing/2010/main" w="9525">
+                <a:solidFill>
+                  <a:schemeClr val="tx1"/>
+                </a:solidFill>
+                <a:miter lim="800000"/>
+                <a:headEnd/>
+                <a:tailEnd/>
+              </a14:hiddenLine>
+            </a:ext>
+          </a:extLst>
+        </p:spPr>
+      </p:pic>
+    </p:spTree>
+    <p:extLst>
+      <p:ext uri="{BB962C8B-B14F-4D97-AF65-F5344CB8AC3E}">
+        <p14:creationId xmlns:p14="http://schemas.microsoft.com/office/powerpoint/2010/main" val="1516922418"/>
+      </p:ext>
+    </p:extLst>
+  </p:cSld>
+  <p:clrMapOvr>
+    <a:masterClrMapping/>
+  </p:clrMapOvr>
+</p:sld>
+</file>
+
+<file path=ppt/slides/slide18.xml><?xml version="1.0" encoding="utf-8"?>
+<p:sld xmlns:a="http://schemas.openxmlformats.org/drawingml/2006/main" xmlns:r="http://schemas.openxmlformats.org/officeDocument/2006/relationships" xmlns:p="http://schemas.openxmlformats.org/presentationml/2006/main">
+  <p:cSld>
+    <p:spTree>
+      <p:nvGrpSpPr>
+        <p:cNvPr id="1" name=""/>
+        <p:cNvGrpSpPr/>
+        <p:nvPr/>
+      </p:nvGrpSpPr>
+      <p:grpSpPr>
+        <a:xfrm>
+          <a:off x="0" y="0"/>
+          <a:ext cx="0" cy="0"/>
+          <a:chOff x="0" y="0"/>
+          <a:chExt cx="0" cy="0"/>
+        </a:xfrm>
+      </p:grpSpPr>
+      <p:sp>
+        <p:nvSpPr>
+          <p:cNvPr id="2" name="タイトル 1"/>
+          <p:cNvSpPr>
+            <a:spLocks noGrp="1"/>
+          </p:cNvSpPr>
+          <p:nvPr>
+            <p:ph type="title"/>
+          </p:nvPr>
+        </p:nvSpPr>
+        <p:spPr/>
+        <p:txBody>
+          <a:bodyPr/>
+          <a:lstStyle/>
+          <a:p>
+            <a:r>
+              <a:rPr kumimoji="1" lang="en-US" altLang="ja-JP" dirty="0" err="1"/>
               <a:t>XlsFormula</a:t>
             </a:r>
             <a:endParaRPr kumimoji="1" lang="ja-JP" altLang="en-US" dirty="0"/>
@@ -4359,7 +4932,7 @@
           <a:lstStyle/>
           <a:p>
             <a:r>
-              <a:rPr kumimoji="1" lang="en-US" altLang="ja-JP" dirty="0" err="1" smtClean="0"/>
+              <a:rPr kumimoji="1" lang="en-US" altLang="ja-JP" dirty="0" err="1"/>
               <a:t>XlsCell</a:t>
             </a:r>
             <a:endParaRPr kumimoji="1" lang="ja-JP" altLang="en-US" dirty="0"/>
@@ -4396,9 +4969,39 @@
           <a:chExt cx="0" cy="0"/>
         </a:xfrm>
       </p:grpSpPr>
+      <p:sp>
+        <p:nvSpPr>
+          <p:cNvPr id="3" name="テキスト ボックス 2"/>
+          <p:cNvSpPr txBox="1"/>
+          <p:nvPr/>
+        </p:nvSpPr>
+        <p:spPr>
+          <a:xfrm>
+            <a:off x="4211960" y="404664"/>
+            <a:ext cx="1580882" cy="369332"/>
+          </a:xfrm>
+          <a:prstGeom prst="rect">
+            <a:avLst/>
+          </a:prstGeom>
+          <a:noFill/>
+        </p:spPr>
+        <p:txBody>
+          <a:bodyPr wrap="none" rtlCol="0">
+            <a:spAutoFit/>
+          </a:bodyPr>
+          <a:lstStyle/>
+          <a:p>
+            <a:r>
+              <a:rPr kumimoji="1" lang="en-US" altLang="ja-JP" dirty="0" err="1"/>
+              <a:t>XlsLabelledCell</a:t>
+            </a:r>
+            <a:endParaRPr kumimoji="1" lang="ja-JP" altLang="en-US" dirty="0"/>
+          </a:p>
+        </p:txBody>
+      </p:sp>
       <p:pic>
         <p:nvPicPr>
-          <p:cNvPr id="1031" name="Picture 7"/>
+          <p:cNvPr id="4" name="Picture 9"/>
           <p:cNvPicPr>
             <a:picLocks noChangeAspect="1" noChangeArrowheads="1"/>
           </p:cNvPicPr>
@@ -4417,8 +5020,8 @@
         </p:blipFill>
         <p:spPr bwMode="auto">
           <a:xfrm>
-            <a:off x="400050" y="404664"/>
-            <a:ext cx="3608513" cy="1033611"/>
+            <a:off x="4139952" y="921469"/>
+            <a:ext cx="2628901" cy="1876425"/>
           </a:xfrm>
           <a:prstGeom prst="rect">
             <a:avLst/>
@@ -4450,188 +5053,122 @@
       </p:pic>
       <p:pic>
         <p:nvPicPr>
-          <p:cNvPr id="9" name="Picture 7"/>
+          <p:cNvPr id="2" name="図 1">
+            <a:extLst>
+              <a:ext uri="{FF2B5EF4-FFF2-40B4-BE49-F238E27FC236}">
+                <a16:creationId xmlns:a16="http://schemas.microsoft.com/office/drawing/2014/main" id="{5F0D3C3C-BBA1-45E1-A513-AD34C64BBBC1}"/>
+              </a:ext>
+            </a:extLst>
+          </p:cNvPr>
           <p:cNvPicPr>
-            <a:picLocks noChangeAspect="1" noChangeArrowheads="1"/>
+            <a:picLocks noChangeAspect="1"/>
           </p:cNvPicPr>
           <p:nvPr/>
         </p:nvPicPr>
-        <p:blipFill rotWithShape="1">
-          <a:blip r:embed="rId3" cstate="print">
-            <a:extLst>
-              <a:ext uri="{28A0092B-C50C-407E-A947-70E740481C1C}">
-                <a14:useLocalDpi xmlns:a14="http://schemas.microsoft.com/office/drawing/2010/main" val="0"/>
-              </a:ext>
-            </a:extLst>
-          </a:blip>
-          <a:srcRect/>
-          <a:stretch/>
+        <p:blipFill>
+          <a:blip r:embed="rId3"/>
+          <a:stretch>
+            <a:fillRect/>
+          </a:stretch>
         </p:blipFill>
-        <p:spPr bwMode="auto">
-          <a:xfrm>
-            <a:off x="323528" y="1528837"/>
-            <a:ext cx="3133725" cy="1638301"/>
+        <p:spPr>
+          <a:xfrm>
+            <a:off x="198974" y="4075337"/>
+            <a:ext cx="4771429" cy="1047619"/>
           </a:xfrm>
           <a:prstGeom prst="rect">
             <a:avLst/>
           </a:prstGeom>
-          <a:noFill/>
-          <a:ln>
-            <a:noFill/>
-          </a:ln>
-          <a:extLst>
-            <a:ext uri="{909E8E84-426E-40DD-AFC4-6F175D3DCCD1}">
-              <a14:hiddenFill xmlns:a14="http://schemas.microsoft.com/office/drawing/2010/main">
-                <a:solidFill>
-                  <a:schemeClr val="accent1"/>
-                </a:solidFill>
-              </a14:hiddenFill>
-            </a:ext>
-            <a:ext uri="{91240B29-F687-4F45-9708-019B960494DF}">
-              <a14:hiddenLine xmlns:a14="http://schemas.microsoft.com/office/drawing/2010/main" w="9525">
-                <a:solidFill>
-                  <a:schemeClr val="tx1"/>
-                </a:solidFill>
-                <a:miter lim="800000"/>
-                <a:headEnd/>
-                <a:tailEnd/>
-              </a14:hiddenLine>
-            </a:ext>
-          </a:extLst>
         </p:spPr>
       </p:pic>
       <p:pic>
         <p:nvPicPr>
-          <p:cNvPr id="1033" name="Picture 9"/>
+          <p:cNvPr id="5" name="図 4">
+            <a:extLst>
+              <a:ext uri="{FF2B5EF4-FFF2-40B4-BE49-F238E27FC236}">
+                <a16:creationId xmlns:a16="http://schemas.microsoft.com/office/drawing/2014/main" id="{E110D477-A785-4CC5-9DE2-68CB16658BC9}"/>
+              </a:ext>
+            </a:extLst>
+          </p:cNvPr>
           <p:cNvPicPr>
-            <a:picLocks noChangeAspect="1" noChangeArrowheads="1"/>
+            <a:picLocks noChangeAspect="1"/>
           </p:cNvPicPr>
           <p:nvPr/>
         </p:nvPicPr>
-        <p:blipFill rotWithShape="1">
-          <a:blip r:embed="rId4" cstate="print">
-            <a:extLst>
-              <a:ext uri="{28A0092B-C50C-407E-A947-70E740481C1C}">
-                <a14:useLocalDpi xmlns:a14="http://schemas.microsoft.com/office/drawing/2010/main" val="0"/>
-              </a:ext>
-            </a:extLst>
-          </a:blip>
-          <a:srcRect/>
-          <a:stretch/>
+        <p:blipFill>
+          <a:blip r:embed="rId4"/>
+          <a:stretch>
+            <a:fillRect/>
+          </a:stretch>
         </p:blipFill>
-        <p:spPr bwMode="auto">
-          <a:xfrm>
-            <a:off x="323528" y="3284984"/>
-            <a:ext cx="3143250" cy="1038226"/>
+        <p:spPr>
+          <a:xfrm>
+            <a:off x="323528" y="169234"/>
+            <a:ext cx="3733333" cy="1209524"/>
           </a:xfrm>
           <a:prstGeom prst="rect">
             <a:avLst/>
           </a:prstGeom>
-          <a:noFill/>
-          <a:ln>
-            <a:noFill/>
-          </a:ln>
-          <a:extLst>
-            <a:ext uri="{909E8E84-426E-40DD-AFC4-6F175D3DCCD1}">
-              <a14:hiddenFill xmlns:a14="http://schemas.microsoft.com/office/drawing/2010/main">
-                <a:solidFill>
-                  <a:schemeClr val="accent1"/>
-                </a:solidFill>
-              </a14:hiddenFill>
-            </a:ext>
-            <a:ext uri="{91240B29-F687-4F45-9708-019B960494DF}">
-              <a14:hiddenLine xmlns:a14="http://schemas.microsoft.com/office/drawing/2010/main" w="9525">
-                <a:solidFill>
-                  <a:schemeClr val="tx1"/>
-                </a:solidFill>
-                <a:miter lim="800000"/>
-                <a:headEnd/>
-                <a:tailEnd/>
-              </a14:hiddenLine>
-            </a:ext>
-          </a:extLst>
         </p:spPr>
       </p:pic>
-      <p:sp>
-        <p:nvSpPr>
-          <p:cNvPr id="3" name="テキスト ボックス 2"/>
-          <p:cNvSpPr txBox="1"/>
+      <p:pic>
+        <p:nvPicPr>
+          <p:cNvPr id="7" name="図 6">
+            <a:extLst>
+              <a:ext uri="{FF2B5EF4-FFF2-40B4-BE49-F238E27FC236}">
+                <a16:creationId xmlns:a16="http://schemas.microsoft.com/office/drawing/2014/main" id="{B1642AB6-AFF7-4F07-AB66-887B984302B9}"/>
+              </a:ext>
+            </a:extLst>
+          </p:cNvPr>
+          <p:cNvPicPr>
+            <a:picLocks noChangeAspect="1"/>
+          </p:cNvPicPr>
           <p:nvPr/>
-        </p:nvSpPr>
+        </p:nvPicPr>
+        <p:blipFill>
+          <a:blip r:embed="rId5"/>
+          <a:stretch>
+            <a:fillRect/>
+          </a:stretch>
+        </p:blipFill>
         <p:spPr>
           <a:xfrm>
-            <a:off x="4211960" y="404664"/>
-            <a:ext cx="1580882" cy="369332"/>
+            <a:off x="5292080" y="3679388"/>
+            <a:ext cx="3371429" cy="2257143"/>
           </a:xfrm>
           <a:prstGeom prst="rect">
             <a:avLst/>
           </a:prstGeom>
-          <a:noFill/>
-        </p:spPr>
-        <p:txBody>
-          <a:bodyPr wrap="none" rtlCol="0">
-            <a:spAutoFit/>
-          </a:bodyPr>
-          <a:lstStyle/>
-          <a:p>
-            <a:r>
-              <a:rPr kumimoji="1" lang="en-US" altLang="ja-JP" dirty="0" err="1" smtClean="0"/>
-              <a:t>XlsLabelledCell</a:t>
-            </a:r>
-            <a:endParaRPr kumimoji="1" lang="ja-JP" altLang="en-US" dirty="0"/>
-          </a:p>
-        </p:txBody>
-      </p:sp>
+        </p:spPr>
+      </p:pic>
       <p:pic>
         <p:nvPicPr>
-          <p:cNvPr id="4" name="Picture 9"/>
+          <p:cNvPr id="8" name="図 7">
+            <a:extLst>
+              <a:ext uri="{FF2B5EF4-FFF2-40B4-BE49-F238E27FC236}">
+                <a16:creationId xmlns:a16="http://schemas.microsoft.com/office/drawing/2014/main" id="{55752917-2319-43EF-84FD-5C9055536634}"/>
+              </a:ext>
+            </a:extLst>
+          </p:cNvPr>
           <p:cNvPicPr>
-            <a:picLocks noChangeAspect="1" noChangeArrowheads="1"/>
+            <a:picLocks noChangeAspect="1"/>
           </p:cNvPicPr>
           <p:nvPr/>
         </p:nvPicPr>
-        <p:blipFill rotWithShape="1">
-          <a:blip r:embed="rId5" cstate="print">
-            <a:extLst>
-              <a:ext uri="{28A0092B-C50C-407E-A947-70E740481C1C}">
-                <a14:useLocalDpi xmlns:a14="http://schemas.microsoft.com/office/drawing/2010/main" val="0"/>
-              </a:ext>
-            </a:extLst>
-          </a:blip>
-          <a:srcRect/>
-          <a:stretch/>
+        <p:blipFill>
+          <a:blip r:embed="rId6"/>
+          <a:stretch>
+            <a:fillRect/>
+          </a:stretch>
         </p:blipFill>
-        <p:spPr bwMode="auto">
-          <a:xfrm>
-            <a:off x="4139952" y="921469"/>
-            <a:ext cx="2628901" cy="1876425"/>
+        <p:spPr>
+          <a:xfrm>
+            <a:off x="266475" y="1556792"/>
+            <a:ext cx="3295238" cy="2209524"/>
           </a:xfrm>
           <a:prstGeom prst="rect">
             <a:avLst/>
           </a:prstGeom>
-          <a:noFill/>
-          <a:ln>
-            <a:noFill/>
-          </a:ln>
-          <a:extLst>
-            <a:ext uri="{909E8E84-426E-40DD-AFC4-6F175D3DCCD1}">
-              <a14:hiddenFill xmlns:a14="http://schemas.microsoft.com/office/drawing/2010/main">
-                <a:solidFill>
-                  <a:schemeClr val="accent1"/>
-                </a:solidFill>
-              </a14:hiddenFill>
-            </a:ext>
-            <a:ext uri="{91240B29-F687-4F45-9708-019B960494DF}">
-              <a14:hiddenLine xmlns:a14="http://schemas.microsoft.com/office/drawing/2010/main" w="9525">
-                <a:solidFill>
-                  <a:schemeClr val="tx1"/>
-                </a:solidFill>
-                <a:miter lim="800000"/>
-                <a:headEnd/>
-                <a:tailEnd/>
-              </a14:hiddenLine>
-            </a:ext>
-          </a:extLst>
         </p:spPr>
       </p:pic>
     </p:spTree>
@@ -4648,6 +5185,504 @@
 </file>
 
 <file path=ppt/slides/slide4.xml><?xml version="1.0" encoding="utf-8"?>
+<p:sld xmlns:a="http://schemas.openxmlformats.org/drawingml/2006/main" xmlns:r="http://schemas.openxmlformats.org/officeDocument/2006/relationships" xmlns:p="http://schemas.openxmlformats.org/presentationml/2006/main">
+  <p:cSld>
+    <p:spTree>
+      <p:nvGrpSpPr>
+        <p:cNvPr id="1" name=""/>
+        <p:cNvGrpSpPr/>
+        <p:nvPr/>
+      </p:nvGrpSpPr>
+      <p:grpSpPr>
+        <a:xfrm>
+          <a:off x="0" y="0"/>
+          <a:ext cx="0" cy="0"/>
+          <a:chOff x="0" y="0"/>
+          <a:chExt cx="0" cy="0"/>
+        </a:xfrm>
+      </p:grpSpPr>
+      <p:sp>
+        <p:nvSpPr>
+          <p:cNvPr id="2" name="タイトル 1">
+            <a:extLst>
+              <a:ext uri="{FF2B5EF4-FFF2-40B4-BE49-F238E27FC236}">
+                <a16:creationId xmlns:a16="http://schemas.microsoft.com/office/drawing/2014/main" id="{2AC37056-B555-4F52-8A34-F61A641F6B88}"/>
+              </a:ext>
+            </a:extLst>
+          </p:cNvPr>
+          <p:cNvSpPr>
+            <a:spLocks noGrp="1"/>
+          </p:cNvSpPr>
+          <p:nvPr>
+            <p:ph type="title"/>
+          </p:nvPr>
+        </p:nvSpPr>
+        <p:spPr>
+          <a:xfrm>
+            <a:off x="457200" y="274638"/>
+            <a:ext cx="6707088" cy="346050"/>
+          </a:xfrm>
+        </p:spPr>
+        <p:txBody>
+          <a:bodyPr>
+            <a:noAutofit/>
+          </a:bodyPr>
+          <a:lstStyle/>
+          <a:p>
+            <a:r>
+              <a:rPr kumimoji="1" lang="en-US" altLang="ja-JP" sz="2400" dirty="0" err="1"/>
+              <a:t>XlsArrayCells</a:t>
+            </a:r>
+            <a:endParaRPr kumimoji="1" lang="ja-JP" altLang="en-US" sz="2400" dirty="0"/>
+          </a:p>
+        </p:txBody>
+      </p:sp>
+      <p:pic>
+        <p:nvPicPr>
+          <p:cNvPr id="4" name="図 3">
+            <a:extLst>
+              <a:ext uri="{FF2B5EF4-FFF2-40B4-BE49-F238E27FC236}">
+                <a16:creationId xmlns:a16="http://schemas.microsoft.com/office/drawing/2014/main" id="{0FCC260D-AF45-4BF5-A02F-6CA8E6DEAD12}"/>
+              </a:ext>
+            </a:extLst>
+          </p:cNvPr>
+          <p:cNvPicPr>
+            <a:picLocks noChangeAspect="1"/>
+          </p:cNvPicPr>
+          <p:nvPr/>
+        </p:nvPicPr>
+        <p:blipFill>
+          <a:blip r:embed="rId2"/>
+          <a:stretch>
+            <a:fillRect/>
+          </a:stretch>
+        </p:blipFill>
+        <p:spPr>
+          <a:xfrm>
+            <a:off x="3563888" y="3499231"/>
+            <a:ext cx="2876190" cy="1171429"/>
+          </a:xfrm>
+          <a:prstGeom prst="rect">
+            <a:avLst/>
+          </a:prstGeom>
+        </p:spPr>
+      </p:pic>
+      <p:pic>
+        <p:nvPicPr>
+          <p:cNvPr id="5" name="図 4">
+            <a:extLst>
+              <a:ext uri="{FF2B5EF4-FFF2-40B4-BE49-F238E27FC236}">
+                <a16:creationId xmlns:a16="http://schemas.microsoft.com/office/drawing/2014/main" id="{22D021D9-A517-4567-B809-B61F3E054B10}"/>
+              </a:ext>
+            </a:extLst>
+          </p:cNvPr>
+          <p:cNvPicPr>
+            <a:picLocks noChangeAspect="1"/>
+          </p:cNvPicPr>
+          <p:nvPr/>
+        </p:nvPicPr>
+        <p:blipFill>
+          <a:blip r:embed="rId3"/>
+          <a:stretch>
+            <a:fillRect/>
+          </a:stretch>
+        </p:blipFill>
+        <p:spPr>
+          <a:xfrm>
+            <a:off x="611560" y="1052736"/>
+            <a:ext cx="2685714" cy="1123810"/>
+          </a:xfrm>
+          <a:prstGeom prst="rect">
+            <a:avLst/>
+          </a:prstGeom>
+        </p:spPr>
+      </p:pic>
+      <p:pic>
+        <p:nvPicPr>
+          <p:cNvPr id="6" name="図 5">
+            <a:extLst>
+              <a:ext uri="{FF2B5EF4-FFF2-40B4-BE49-F238E27FC236}">
+                <a16:creationId xmlns:a16="http://schemas.microsoft.com/office/drawing/2014/main" id="{175FDBCB-B345-4384-86F4-035DEE9A4AA0}"/>
+              </a:ext>
+            </a:extLst>
+          </p:cNvPr>
+          <p:cNvPicPr>
+            <a:picLocks noChangeAspect="1"/>
+          </p:cNvPicPr>
+          <p:nvPr/>
+        </p:nvPicPr>
+        <p:blipFill>
+          <a:blip r:embed="rId4"/>
+          <a:stretch>
+            <a:fillRect/>
+          </a:stretch>
+        </p:blipFill>
+        <p:spPr>
+          <a:xfrm>
+            <a:off x="3995936" y="1164721"/>
+            <a:ext cx="3466667" cy="895238"/>
+          </a:xfrm>
+          <a:prstGeom prst="rect">
+            <a:avLst/>
+          </a:prstGeom>
+        </p:spPr>
+      </p:pic>
+    </p:spTree>
+    <p:extLst>
+      <p:ext uri="{BB962C8B-B14F-4D97-AF65-F5344CB8AC3E}">
+        <p14:creationId xmlns:p14="http://schemas.microsoft.com/office/powerpoint/2010/main" val="1325088285"/>
+      </p:ext>
+    </p:extLst>
+  </p:cSld>
+  <p:clrMapOvr>
+    <a:masterClrMapping/>
+  </p:clrMapOvr>
+</p:sld>
+</file>
+
+<file path=ppt/slides/slide5.xml><?xml version="1.0" encoding="utf-8"?>
+<p:sld xmlns:a="http://schemas.openxmlformats.org/drawingml/2006/main" xmlns:r="http://schemas.openxmlformats.org/officeDocument/2006/relationships" xmlns:p="http://schemas.openxmlformats.org/presentationml/2006/main">
+  <p:cSld>
+    <p:spTree>
+      <p:nvGrpSpPr>
+        <p:cNvPr id="1" name=""/>
+        <p:cNvGrpSpPr/>
+        <p:nvPr/>
+      </p:nvGrpSpPr>
+      <p:grpSpPr>
+        <a:xfrm>
+          <a:off x="0" y="0"/>
+          <a:ext cx="0" cy="0"/>
+          <a:chOff x="0" y="0"/>
+          <a:chExt cx="0" cy="0"/>
+        </a:xfrm>
+      </p:grpSpPr>
+      <p:sp>
+        <p:nvSpPr>
+          <p:cNvPr id="2" name="タイトル 1">
+            <a:extLst>
+              <a:ext uri="{FF2B5EF4-FFF2-40B4-BE49-F238E27FC236}">
+                <a16:creationId xmlns:a16="http://schemas.microsoft.com/office/drawing/2014/main" id="{2AC37056-B555-4F52-8A34-F61A641F6B88}"/>
+              </a:ext>
+            </a:extLst>
+          </p:cNvPr>
+          <p:cNvSpPr>
+            <a:spLocks noGrp="1"/>
+          </p:cNvSpPr>
+          <p:nvPr>
+            <p:ph type="title"/>
+          </p:nvPr>
+        </p:nvSpPr>
+        <p:spPr>
+          <a:xfrm>
+            <a:off x="180553" y="142701"/>
+            <a:ext cx="6707088" cy="346050"/>
+          </a:xfrm>
+        </p:spPr>
+        <p:txBody>
+          <a:bodyPr>
+            <a:noAutofit/>
+          </a:bodyPr>
+          <a:lstStyle/>
+          <a:p>
+            <a:r>
+              <a:rPr kumimoji="1" lang="en-US" altLang="ja-JP" sz="2400" dirty="0" err="1"/>
+              <a:t>XlsLabelledArrayCells</a:t>
+            </a:r>
+            <a:endParaRPr kumimoji="1" lang="ja-JP" altLang="en-US" sz="2400" dirty="0"/>
+          </a:p>
+        </p:txBody>
+      </p:sp>
+      <p:pic>
+        <p:nvPicPr>
+          <p:cNvPr id="4" name="図 3">
+            <a:extLst>
+              <a:ext uri="{FF2B5EF4-FFF2-40B4-BE49-F238E27FC236}">
+                <a16:creationId xmlns:a16="http://schemas.microsoft.com/office/drawing/2014/main" id="{0D3DBD16-EA68-42B5-9260-0A663EB291DB}"/>
+              </a:ext>
+            </a:extLst>
+          </p:cNvPr>
+          <p:cNvPicPr>
+            <a:picLocks noChangeAspect="1"/>
+          </p:cNvPicPr>
+          <p:nvPr/>
+        </p:nvPicPr>
+        <p:blipFill>
+          <a:blip r:embed="rId2"/>
+          <a:stretch>
+            <a:fillRect/>
+          </a:stretch>
+        </p:blipFill>
+        <p:spPr>
+          <a:xfrm>
+            <a:off x="467544" y="548680"/>
+            <a:ext cx="6685714" cy="1495238"/>
+          </a:xfrm>
+          <a:prstGeom prst="rect">
+            <a:avLst/>
+          </a:prstGeom>
+        </p:spPr>
+      </p:pic>
+      <p:pic>
+        <p:nvPicPr>
+          <p:cNvPr id="6" name="図 5">
+            <a:extLst>
+              <a:ext uri="{FF2B5EF4-FFF2-40B4-BE49-F238E27FC236}">
+                <a16:creationId xmlns:a16="http://schemas.microsoft.com/office/drawing/2014/main" id="{B66F9373-3416-4FB2-BDB2-C185B4C3E8DA}"/>
+              </a:ext>
+            </a:extLst>
+          </p:cNvPr>
+          <p:cNvPicPr>
+            <a:picLocks noChangeAspect="1"/>
+          </p:cNvPicPr>
+          <p:nvPr/>
+        </p:nvPicPr>
+        <p:blipFill>
+          <a:blip r:embed="rId3"/>
+          <a:stretch>
+            <a:fillRect/>
+          </a:stretch>
+        </p:blipFill>
+        <p:spPr>
+          <a:xfrm>
+            <a:off x="467544" y="2420888"/>
+            <a:ext cx="4238095" cy="2800000"/>
+          </a:xfrm>
+          <a:prstGeom prst="rect">
+            <a:avLst/>
+          </a:prstGeom>
+        </p:spPr>
+      </p:pic>
+      <p:pic>
+        <p:nvPicPr>
+          <p:cNvPr id="8" name="図 7">
+            <a:extLst>
+              <a:ext uri="{FF2B5EF4-FFF2-40B4-BE49-F238E27FC236}">
+                <a16:creationId xmlns:a16="http://schemas.microsoft.com/office/drawing/2014/main" id="{177CF4C3-ED5F-4604-863E-232980CC0769}"/>
+              </a:ext>
+            </a:extLst>
+          </p:cNvPr>
+          <p:cNvPicPr>
+            <a:picLocks noChangeAspect="1"/>
+          </p:cNvPicPr>
+          <p:nvPr/>
+        </p:nvPicPr>
+        <p:blipFill>
+          <a:blip r:embed="rId4"/>
+          <a:stretch>
+            <a:fillRect/>
+          </a:stretch>
+        </p:blipFill>
+        <p:spPr>
+          <a:xfrm>
+            <a:off x="5238740" y="2636912"/>
+            <a:ext cx="3419048" cy="1114286"/>
+          </a:xfrm>
+          <a:prstGeom prst="rect">
+            <a:avLst/>
+          </a:prstGeom>
+        </p:spPr>
+      </p:pic>
+      <p:pic>
+        <p:nvPicPr>
+          <p:cNvPr id="12" name="図 11">
+            <a:extLst>
+              <a:ext uri="{FF2B5EF4-FFF2-40B4-BE49-F238E27FC236}">
+                <a16:creationId xmlns:a16="http://schemas.microsoft.com/office/drawing/2014/main" id="{4799421B-C520-4B4E-BE3C-B5943DCD0E91}"/>
+              </a:ext>
+            </a:extLst>
+          </p:cNvPr>
+          <p:cNvPicPr>
+            <a:picLocks noChangeAspect="1"/>
+          </p:cNvPicPr>
+          <p:nvPr/>
+        </p:nvPicPr>
+        <p:blipFill>
+          <a:blip r:embed="rId5"/>
+          <a:stretch>
+            <a:fillRect/>
+          </a:stretch>
+        </p:blipFill>
+        <p:spPr>
+          <a:xfrm>
+            <a:off x="5364088" y="4082793"/>
+            <a:ext cx="2857143" cy="2276190"/>
+          </a:xfrm>
+          <a:prstGeom prst="rect">
+            <a:avLst/>
+          </a:prstGeom>
+        </p:spPr>
+      </p:pic>
+    </p:spTree>
+    <p:extLst>
+      <p:ext uri="{BB962C8B-B14F-4D97-AF65-F5344CB8AC3E}">
+        <p14:creationId xmlns:p14="http://schemas.microsoft.com/office/powerpoint/2010/main" val="2391990247"/>
+      </p:ext>
+    </p:extLst>
+  </p:cSld>
+  <p:clrMapOvr>
+    <a:masterClrMapping/>
+  </p:clrMapOvr>
+</p:sld>
+</file>
+
+<file path=ppt/slides/slide6.xml><?xml version="1.0" encoding="utf-8"?>
+<p:sld xmlns:a="http://schemas.openxmlformats.org/drawingml/2006/main" xmlns:r="http://schemas.openxmlformats.org/officeDocument/2006/relationships" xmlns:p="http://schemas.openxmlformats.org/presentationml/2006/main">
+  <p:cSld>
+    <p:spTree>
+      <p:nvGrpSpPr>
+        <p:cNvPr id="1" name=""/>
+        <p:cNvGrpSpPr/>
+        <p:nvPr/>
+      </p:nvGrpSpPr>
+      <p:grpSpPr>
+        <a:xfrm>
+          <a:off x="0" y="0"/>
+          <a:ext cx="0" cy="0"/>
+          <a:chOff x="0" y="0"/>
+          <a:chExt cx="0" cy="0"/>
+        </a:xfrm>
+      </p:grpSpPr>
+      <p:sp>
+        <p:nvSpPr>
+          <p:cNvPr id="6" name="タイトル 1">
+            <a:extLst>
+              <a:ext uri="{FF2B5EF4-FFF2-40B4-BE49-F238E27FC236}">
+                <a16:creationId xmlns:a16="http://schemas.microsoft.com/office/drawing/2014/main" id="{3FAFC98C-7185-4FF7-AFF9-A8B079F60383}"/>
+              </a:ext>
+            </a:extLst>
+          </p:cNvPr>
+          <p:cNvSpPr>
+            <a:spLocks noGrp="1"/>
+          </p:cNvSpPr>
+          <p:nvPr>
+            <p:ph type="title"/>
+          </p:nvPr>
+        </p:nvSpPr>
+        <p:spPr>
+          <a:xfrm>
+            <a:off x="180553" y="142701"/>
+            <a:ext cx="6707088" cy="346050"/>
+          </a:xfrm>
+        </p:spPr>
+        <p:txBody>
+          <a:bodyPr>
+            <a:noAutofit/>
+          </a:bodyPr>
+          <a:lstStyle/>
+          <a:p>
+            <a:r>
+              <a:rPr kumimoji="1" lang="en-US" altLang="ja-JP" sz="2400" dirty="0" err="1"/>
+              <a:t>XlsLabelledArrayCells</a:t>
+            </a:r>
+            <a:endParaRPr kumimoji="1" lang="ja-JP" altLang="en-US" sz="2400" dirty="0"/>
+          </a:p>
+        </p:txBody>
+      </p:sp>
+      <p:pic>
+        <p:nvPicPr>
+          <p:cNvPr id="13" name="図 12">
+            <a:extLst>
+              <a:ext uri="{FF2B5EF4-FFF2-40B4-BE49-F238E27FC236}">
+                <a16:creationId xmlns:a16="http://schemas.microsoft.com/office/drawing/2014/main" id="{4F14061A-D5C2-4021-A3BC-F87A10538618}"/>
+              </a:ext>
+            </a:extLst>
+          </p:cNvPr>
+          <p:cNvPicPr>
+            <a:picLocks noChangeAspect="1"/>
+          </p:cNvPicPr>
+          <p:nvPr/>
+        </p:nvPicPr>
+        <p:blipFill>
+          <a:blip r:embed="rId2"/>
+          <a:stretch>
+            <a:fillRect/>
+          </a:stretch>
+        </p:blipFill>
+        <p:spPr>
+          <a:xfrm>
+            <a:off x="5323014" y="1120068"/>
+            <a:ext cx="3790476" cy="2276190"/>
+          </a:xfrm>
+          <a:prstGeom prst="rect">
+            <a:avLst/>
+          </a:prstGeom>
+        </p:spPr>
+      </p:pic>
+      <p:pic>
+        <p:nvPicPr>
+          <p:cNvPr id="14" name="図 13">
+            <a:extLst>
+              <a:ext uri="{FF2B5EF4-FFF2-40B4-BE49-F238E27FC236}">
+                <a16:creationId xmlns:a16="http://schemas.microsoft.com/office/drawing/2014/main" id="{EDB7DC6E-862E-4BA7-B486-F1C7B55CE2FC}"/>
+              </a:ext>
+            </a:extLst>
+          </p:cNvPr>
+          <p:cNvPicPr>
+            <a:picLocks noChangeAspect="1"/>
+          </p:cNvPicPr>
+          <p:nvPr/>
+        </p:nvPicPr>
+        <p:blipFill>
+          <a:blip r:embed="rId3"/>
+          <a:stretch>
+            <a:fillRect/>
+          </a:stretch>
+        </p:blipFill>
+        <p:spPr>
+          <a:xfrm>
+            <a:off x="15627" y="692696"/>
+            <a:ext cx="5180952" cy="2980952"/>
+          </a:xfrm>
+          <a:prstGeom prst="rect">
+            <a:avLst/>
+          </a:prstGeom>
+        </p:spPr>
+      </p:pic>
+      <p:pic>
+        <p:nvPicPr>
+          <p:cNvPr id="15" name="図 14">
+            <a:extLst>
+              <a:ext uri="{FF2B5EF4-FFF2-40B4-BE49-F238E27FC236}">
+                <a16:creationId xmlns:a16="http://schemas.microsoft.com/office/drawing/2014/main" id="{3D8CA9F4-FA43-4543-962F-ED3AE57D760B}"/>
+              </a:ext>
+            </a:extLst>
+          </p:cNvPr>
+          <p:cNvPicPr>
+            <a:picLocks noChangeAspect="1"/>
+          </p:cNvPicPr>
+          <p:nvPr/>
+        </p:nvPicPr>
+        <p:blipFill>
+          <a:blip r:embed="rId4"/>
+          <a:stretch>
+            <a:fillRect/>
+          </a:stretch>
+        </p:blipFill>
+        <p:spPr>
+          <a:xfrm>
+            <a:off x="251520" y="3941266"/>
+            <a:ext cx="5371429" cy="1009524"/>
+          </a:xfrm>
+          <a:prstGeom prst="rect">
+            <a:avLst/>
+          </a:prstGeom>
+        </p:spPr>
+      </p:pic>
+    </p:spTree>
+    <p:extLst>
+      <p:ext uri="{BB962C8B-B14F-4D97-AF65-F5344CB8AC3E}">
+        <p14:creationId xmlns:p14="http://schemas.microsoft.com/office/powerpoint/2010/main" val="4214991957"/>
+      </p:ext>
+    </p:extLst>
+  </p:cSld>
+  <p:clrMapOvr>
+    <a:masterClrMapping/>
+  </p:clrMapOvr>
+</p:sld>
+</file>
+
+<file path=ppt/slides/slide7.xml><?xml version="1.0" encoding="utf-8"?>
 <p:sld xmlns:a="http://schemas.openxmlformats.org/drawingml/2006/main" xmlns:r="http://schemas.openxmlformats.org/officeDocument/2006/relationships" xmlns:p="http://schemas.openxmlformats.org/presentationml/2006/main">
   <p:cSld>
     <p:spTree>
@@ -4895,7 +5930,7 @@
           <a:lstStyle/>
           <a:p>
             <a:r>
-              <a:rPr kumimoji="1" lang="en-US" altLang="ja-JP" dirty="0" err="1" smtClean="0"/>
+              <a:rPr kumimoji="1" lang="en-US" altLang="ja-JP" dirty="0" err="1"/>
               <a:t>XlsHorizotalRecords</a:t>
             </a:r>
             <a:endParaRPr kumimoji="1" lang="ja-JP" altLang="en-US" dirty="0"/>
@@ -4915,7 +5950,7 @@
 </p:sld>
 </file>
 
-<file path=ppt/slides/slide5.xml><?xml version="1.0" encoding="utf-8"?>
+<file path=ppt/slides/slide8.xml><?xml version="1.0" encoding="utf-8"?>
 <p:sld xmlns:a="http://schemas.openxmlformats.org/drawingml/2006/main" xmlns:r="http://schemas.openxmlformats.org/officeDocument/2006/relationships" xmlns:p="http://schemas.openxmlformats.org/presentationml/2006/main">
   <p:cSld>
     <p:spTree>
@@ -5059,7 +6094,7 @@
           <a:lstStyle/>
           <a:p>
             <a:r>
-              <a:rPr kumimoji="1" lang="en-US" altLang="ja-JP" dirty="0" err="1" smtClean="0"/>
+              <a:rPr kumimoji="1" lang="en-US" altLang="ja-JP" dirty="0" err="1"/>
               <a:t>XlsHorizotalRecords</a:t>
             </a:r>
             <a:endParaRPr kumimoji="1" lang="ja-JP" altLang="en-US" dirty="0"/>
@@ -5122,633 +6157,6 @@
     <p:extLst>
       <p:ext uri="{BB962C8B-B14F-4D97-AF65-F5344CB8AC3E}">
         <p14:creationId xmlns:p14="http://schemas.microsoft.com/office/powerpoint/2010/main" val="4085126630"/>
-      </p:ext>
-    </p:extLst>
-  </p:cSld>
-  <p:clrMapOvr>
-    <a:masterClrMapping/>
-  </p:clrMapOvr>
-</p:sld>
-</file>
-
-<file path=ppt/slides/slide6.xml><?xml version="1.0" encoding="utf-8"?>
-<p:sld xmlns:a="http://schemas.openxmlformats.org/drawingml/2006/main" xmlns:r="http://schemas.openxmlformats.org/officeDocument/2006/relationships" xmlns:p="http://schemas.openxmlformats.org/presentationml/2006/main">
-  <p:cSld>
-    <p:spTree>
-      <p:nvGrpSpPr>
-        <p:cNvPr id="1" name=""/>
-        <p:cNvGrpSpPr/>
-        <p:nvPr/>
-      </p:nvGrpSpPr>
-      <p:grpSpPr>
-        <a:xfrm>
-          <a:off x="0" y="0"/>
-          <a:ext cx="0" cy="0"/>
-          <a:chOff x="0" y="0"/>
-          <a:chExt cx="0" cy="0"/>
-        </a:xfrm>
-      </p:grpSpPr>
-      <p:sp>
-        <p:nvSpPr>
-          <p:cNvPr id="2" name="タイトル 1"/>
-          <p:cNvSpPr>
-            <a:spLocks noGrp="1"/>
-          </p:cNvSpPr>
-          <p:nvPr>
-            <p:ph type="title"/>
-          </p:nvPr>
-        </p:nvSpPr>
-        <p:spPr/>
-        <p:txBody>
-          <a:bodyPr/>
-          <a:lstStyle/>
-          <a:p>
-            <a:r>
-              <a:rPr kumimoji="1" lang="en-US" altLang="ja-JP" dirty="0" err="1" smtClean="0"/>
-              <a:t>HorizontalRecords</a:t>
-            </a:r>
-            <a:endParaRPr kumimoji="1" lang="ja-JP" altLang="en-US" dirty="0"/>
-          </a:p>
-        </p:txBody>
-      </p:sp>
-      <p:pic>
-        <p:nvPicPr>
-          <p:cNvPr id="4099" name="Picture 3"/>
-          <p:cNvPicPr>
-            <a:picLocks noChangeAspect="1" noChangeArrowheads="1"/>
-          </p:cNvPicPr>
-          <p:nvPr/>
-        </p:nvPicPr>
-        <p:blipFill rotWithShape="1">
-          <a:blip r:embed="rId2" cstate="print">
-            <a:extLst>
-              <a:ext uri="{28A0092B-C50C-407E-A947-70E740481C1C}">
-                <a14:useLocalDpi xmlns:a14="http://schemas.microsoft.com/office/drawing/2010/main" val="0"/>
-              </a:ext>
-            </a:extLst>
-          </a:blip>
-          <a:srcRect/>
-          <a:stretch/>
-        </p:blipFill>
-        <p:spPr bwMode="auto">
-          <a:xfrm>
-            <a:off x="251520" y="1196752"/>
-            <a:ext cx="3867150" cy="2847975"/>
-          </a:xfrm>
-          <a:prstGeom prst="rect">
-            <a:avLst/>
-          </a:prstGeom>
-          <a:noFill/>
-          <a:ln>
-            <a:noFill/>
-          </a:ln>
-          <a:extLst>
-            <a:ext uri="{909E8E84-426E-40DD-AFC4-6F175D3DCCD1}">
-              <a14:hiddenFill xmlns:a14="http://schemas.microsoft.com/office/drawing/2010/main">
-                <a:solidFill>
-                  <a:schemeClr val="accent1"/>
-                </a:solidFill>
-              </a14:hiddenFill>
-            </a:ext>
-            <a:ext uri="{91240B29-F687-4F45-9708-019B960494DF}">
-              <a14:hiddenLine xmlns:a14="http://schemas.microsoft.com/office/drawing/2010/main" w="9525">
-                <a:solidFill>
-                  <a:schemeClr val="tx1"/>
-                </a:solidFill>
-                <a:miter lim="800000"/>
-                <a:headEnd/>
-                <a:tailEnd/>
-              </a14:hiddenLine>
-            </a:ext>
-          </a:extLst>
-        </p:spPr>
-      </p:pic>
-      <p:pic>
-        <p:nvPicPr>
-          <p:cNvPr id="1026" name="Picture 2"/>
-          <p:cNvPicPr>
-            <a:picLocks noChangeAspect="1" noChangeArrowheads="1"/>
-          </p:cNvPicPr>
-          <p:nvPr/>
-        </p:nvPicPr>
-        <p:blipFill rotWithShape="1">
-          <a:blip r:embed="rId3" cstate="print">
-            <a:extLst>
-              <a:ext uri="{28A0092B-C50C-407E-A947-70E740481C1C}">
-                <a14:useLocalDpi xmlns:a14="http://schemas.microsoft.com/office/drawing/2010/main" val="0"/>
-              </a:ext>
-            </a:extLst>
-          </a:blip>
-          <a:srcRect/>
-          <a:stretch/>
-        </p:blipFill>
-        <p:spPr bwMode="auto">
-          <a:xfrm>
-            <a:off x="539552" y="4374827"/>
-            <a:ext cx="4724400" cy="1990725"/>
-          </a:xfrm>
-          <a:prstGeom prst="rect">
-            <a:avLst/>
-          </a:prstGeom>
-          <a:noFill/>
-          <a:ln>
-            <a:noFill/>
-          </a:ln>
-          <a:extLst>
-            <a:ext uri="{909E8E84-426E-40DD-AFC4-6F175D3DCCD1}">
-              <a14:hiddenFill xmlns:a14="http://schemas.microsoft.com/office/drawing/2010/main">
-                <a:solidFill>
-                  <a:schemeClr val="accent1"/>
-                </a:solidFill>
-              </a14:hiddenFill>
-            </a:ext>
-            <a:ext uri="{91240B29-F687-4F45-9708-019B960494DF}">
-              <a14:hiddenLine xmlns:a14="http://schemas.microsoft.com/office/drawing/2010/main" w="9525">
-                <a:solidFill>
-                  <a:schemeClr val="tx1"/>
-                </a:solidFill>
-                <a:miter lim="800000"/>
-                <a:headEnd/>
-                <a:tailEnd/>
-              </a14:hiddenLine>
-            </a:ext>
-          </a:extLst>
-        </p:spPr>
-      </p:pic>
-    </p:spTree>
-    <p:extLst>
-      <p:ext uri="{BB962C8B-B14F-4D97-AF65-F5344CB8AC3E}">
-        <p14:creationId xmlns:p14="http://schemas.microsoft.com/office/powerpoint/2010/main" val="3159689483"/>
-      </p:ext>
-    </p:extLst>
-  </p:cSld>
-  <p:clrMapOvr>
-    <a:masterClrMapping/>
-  </p:clrMapOvr>
-</p:sld>
-</file>
-
-<file path=ppt/slides/slide7.xml><?xml version="1.0" encoding="utf-8"?>
-<p:sld xmlns:a="http://schemas.openxmlformats.org/drawingml/2006/main" xmlns:r="http://schemas.openxmlformats.org/officeDocument/2006/relationships" xmlns:p="http://schemas.openxmlformats.org/presentationml/2006/main">
-  <p:cSld>
-    <p:spTree>
-      <p:nvGrpSpPr>
-        <p:cNvPr id="1" name=""/>
-        <p:cNvGrpSpPr/>
-        <p:nvPr/>
-      </p:nvGrpSpPr>
-      <p:grpSpPr>
-        <a:xfrm>
-          <a:off x="0" y="0"/>
-          <a:ext cx="0" cy="0"/>
-          <a:chOff x="0" y="0"/>
-          <a:chExt cx="0" cy="0"/>
-        </a:xfrm>
-      </p:grpSpPr>
-      <p:sp>
-        <p:nvSpPr>
-          <p:cNvPr id="2" name="タイトル 1"/>
-          <p:cNvSpPr>
-            <a:spLocks noGrp="1"/>
-          </p:cNvSpPr>
-          <p:nvPr>
-            <p:ph type="title"/>
-          </p:nvPr>
-        </p:nvSpPr>
-        <p:spPr/>
-        <p:txBody>
-          <a:bodyPr/>
-          <a:lstStyle/>
-          <a:p>
-            <a:r>
-              <a:rPr lang="en-US" altLang="ja-JP" dirty="0" err="1" smtClean="0"/>
-              <a:t>XlsColumn</a:t>
-            </a:r>
-            <a:endParaRPr kumimoji="1" lang="ja-JP" altLang="en-US" dirty="0"/>
-          </a:p>
-        </p:txBody>
-      </p:sp>
-      <p:pic>
-        <p:nvPicPr>
-          <p:cNvPr id="4098" name="Picture 2"/>
-          <p:cNvPicPr>
-            <a:picLocks noChangeAspect="1" noChangeArrowheads="1"/>
-          </p:cNvPicPr>
-          <p:nvPr/>
-        </p:nvPicPr>
-        <p:blipFill rotWithShape="1">
-          <a:blip r:embed="rId2" cstate="print">
-            <a:extLst>
-              <a:ext uri="{28A0092B-C50C-407E-A947-70E740481C1C}">
-                <a14:useLocalDpi xmlns:a14="http://schemas.microsoft.com/office/drawing/2010/main" val="0"/>
-              </a:ext>
-            </a:extLst>
-          </a:blip>
-          <a:srcRect/>
-          <a:stretch/>
-        </p:blipFill>
-        <p:spPr bwMode="auto">
-          <a:xfrm>
-            <a:off x="394940" y="1412776"/>
-            <a:ext cx="1628776" cy="800101"/>
-          </a:xfrm>
-          <a:prstGeom prst="rect">
-            <a:avLst/>
-          </a:prstGeom>
-          <a:noFill/>
-          <a:ln>
-            <a:noFill/>
-          </a:ln>
-          <a:extLst>
-            <a:ext uri="{909E8E84-426E-40DD-AFC4-6F175D3DCCD1}">
-              <a14:hiddenFill xmlns:a14="http://schemas.microsoft.com/office/drawing/2010/main">
-                <a:solidFill>
-                  <a:schemeClr val="accent1"/>
-                </a:solidFill>
-              </a14:hiddenFill>
-            </a:ext>
-            <a:ext uri="{91240B29-F687-4F45-9708-019B960494DF}">
-              <a14:hiddenLine xmlns:a14="http://schemas.microsoft.com/office/drawing/2010/main" w="9525">
-                <a:solidFill>
-                  <a:schemeClr val="tx1"/>
-                </a:solidFill>
-                <a:miter lim="800000"/>
-                <a:headEnd/>
-                <a:tailEnd/>
-              </a14:hiddenLine>
-            </a:ext>
-          </a:extLst>
-        </p:spPr>
-      </p:pic>
-      <p:pic>
-        <p:nvPicPr>
-          <p:cNvPr id="4102" name="Picture 6"/>
-          <p:cNvPicPr>
-            <a:picLocks noChangeAspect="1" noChangeArrowheads="1"/>
-          </p:cNvPicPr>
-          <p:nvPr/>
-        </p:nvPicPr>
-        <p:blipFill rotWithShape="1">
-          <a:blip r:embed="rId3" cstate="print">
-            <a:extLst>
-              <a:ext uri="{28A0092B-C50C-407E-A947-70E740481C1C}">
-                <a14:useLocalDpi xmlns:a14="http://schemas.microsoft.com/office/drawing/2010/main" val="0"/>
-              </a:ext>
-            </a:extLst>
-          </a:blip>
-          <a:srcRect/>
-          <a:stretch/>
-        </p:blipFill>
-        <p:spPr bwMode="auto">
-          <a:xfrm>
-            <a:off x="389582" y="2564904"/>
-            <a:ext cx="2724150" cy="1543050"/>
-          </a:xfrm>
-          <a:prstGeom prst="rect">
-            <a:avLst/>
-          </a:prstGeom>
-          <a:noFill/>
-          <a:ln>
-            <a:noFill/>
-          </a:ln>
-          <a:extLst>
-            <a:ext uri="{909E8E84-426E-40DD-AFC4-6F175D3DCCD1}">
-              <a14:hiddenFill xmlns:a14="http://schemas.microsoft.com/office/drawing/2010/main">
-                <a:solidFill>
-                  <a:schemeClr val="accent1"/>
-                </a:solidFill>
-              </a14:hiddenFill>
-            </a:ext>
-            <a:ext uri="{91240B29-F687-4F45-9708-019B960494DF}">
-              <a14:hiddenLine xmlns:a14="http://schemas.microsoft.com/office/drawing/2010/main" w="9525">
-                <a:solidFill>
-                  <a:schemeClr val="tx1"/>
-                </a:solidFill>
-                <a:miter lim="800000"/>
-                <a:headEnd/>
-                <a:tailEnd/>
-              </a14:hiddenLine>
-            </a:ext>
-          </a:extLst>
-        </p:spPr>
-      </p:pic>
-      <p:pic>
-        <p:nvPicPr>
-          <p:cNvPr id="4103" name="Picture 7"/>
-          <p:cNvPicPr>
-            <a:picLocks noChangeAspect="1" noChangeArrowheads="1"/>
-          </p:cNvPicPr>
-          <p:nvPr/>
-        </p:nvPicPr>
-        <p:blipFill rotWithShape="1">
-          <a:blip r:embed="rId4" cstate="print">
-            <a:extLst>
-              <a:ext uri="{28A0092B-C50C-407E-A947-70E740481C1C}">
-                <a14:useLocalDpi xmlns:a14="http://schemas.microsoft.com/office/drawing/2010/main" val="0"/>
-              </a:ext>
-            </a:extLst>
-          </a:blip>
-          <a:srcRect/>
-          <a:stretch/>
-        </p:blipFill>
-        <p:spPr bwMode="auto">
-          <a:xfrm>
-            <a:off x="611560" y="4509120"/>
-            <a:ext cx="4800601" cy="1857376"/>
-          </a:xfrm>
-          <a:prstGeom prst="rect">
-            <a:avLst/>
-          </a:prstGeom>
-          <a:noFill/>
-          <a:ln>
-            <a:noFill/>
-          </a:ln>
-          <a:extLst>
-            <a:ext uri="{909E8E84-426E-40DD-AFC4-6F175D3DCCD1}">
-              <a14:hiddenFill xmlns:a14="http://schemas.microsoft.com/office/drawing/2010/main">
-                <a:solidFill>
-                  <a:schemeClr val="accent1"/>
-                </a:solidFill>
-              </a14:hiddenFill>
-            </a:ext>
-            <a:ext uri="{91240B29-F687-4F45-9708-019B960494DF}">
-              <a14:hiddenLine xmlns:a14="http://schemas.microsoft.com/office/drawing/2010/main" w="9525">
-                <a:solidFill>
-                  <a:schemeClr val="tx1"/>
-                </a:solidFill>
-                <a:miter lim="800000"/>
-                <a:headEnd/>
-                <a:tailEnd/>
-              </a14:hiddenLine>
-            </a:ext>
-          </a:extLst>
-        </p:spPr>
-      </p:pic>
-    </p:spTree>
-    <p:extLst>
-      <p:ext uri="{BB962C8B-B14F-4D97-AF65-F5344CB8AC3E}">
-        <p14:creationId xmlns:p14="http://schemas.microsoft.com/office/powerpoint/2010/main" val="1460237865"/>
-      </p:ext>
-    </p:extLst>
-  </p:cSld>
-  <p:clrMapOvr>
-    <a:masterClrMapping/>
-  </p:clrMapOvr>
-</p:sld>
-</file>
-
-<file path=ppt/slides/slide8.xml><?xml version="1.0" encoding="utf-8"?>
-<p:sld xmlns:a="http://schemas.openxmlformats.org/drawingml/2006/main" xmlns:r="http://schemas.openxmlformats.org/officeDocument/2006/relationships" xmlns:p="http://schemas.openxmlformats.org/presentationml/2006/main">
-  <p:cSld>
-    <p:spTree>
-      <p:nvGrpSpPr>
-        <p:cNvPr id="1" name=""/>
-        <p:cNvGrpSpPr/>
-        <p:nvPr/>
-      </p:nvGrpSpPr>
-      <p:grpSpPr>
-        <a:xfrm>
-          <a:off x="0" y="0"/>
-          <a:ext cx="0" cy="0"/>
-          <a:chOff x="0" y="0"/>
-          <a:chExt cx="0" cy="0"/>
-        </a:xfrm>
-      </p:grpSpPr>
-      <p:sp>
-        <p:nvSpPr>
-          <p:cNvPr id="2" name="タイトル 1"/>
-          <p:cNvSpPr>
-            <a:spLocks noGrp="1"/>
-          </p:cNvSpPr>
-          <p:nvPr>
-            <p:ph type="title"/>
-          </p:nvPr>
-        </p:nvSpPr>
-        <p:spPr/>
-        <p:txBody>
-          <a:bodyPr/>
-          <a:lstStyle/>
-          <a:p>
-            <a:r>
-              <a:rPr kumimoji="1" lang="en-US" altLang="ja-JP" dirty="0" err="1" smtClean="0"/>
-              <a:t>XlsMapColumns</a:t>
-            </a:r>
-            <a:endParaRPr kumimoji="1" lang="ja-JP" altLang="en-US" dirty="0"/>
-          </a:p>
-        </p:txBody>
-      </p:sp>
-      <p:pic>
-        <p:nvPicPr>
-          <p:cNvPr id="1027" name="Picture 3"/>
-          <p:cNvPicPr>
-            <a:picLocks noChangeAspect="1" noChangeArrowheads="1"/>
-          </p:cNvPicPr>
-          <p:nvPr/>
-        </p:nvPicPr>
-        <p:blipFill rotWithShape="1">
-          <a:blip r:embed="rId2" cstate="print">
-            <a:extLst>
-              <a:ext uri="{28A0092B-C50C-407E-A947-70E740481C1C}">
-                <a14:useLocalDpi xmlns:a14="http://schemas.microsoft.com/office/drawing/2010/main" val="0"/>
-              </a:ext>
-            </a:extLst>
-          </a:blip>
-          <a:srcRect/>
-          <a:stretch/>
-        </p:blipFill>
-        <p:spPr bwMode="auto">
-          <a:xfrm>
-            <a:off x="395536" y="2780928"/>
-            <a:ext cx="4133850" cy="1038226"/>
-          </a:xfrm>
-          <a:prstGeom prst="rect">
-            <a:avLst/>
-          </a:prstGeom>
-          <a:noFill/>
-          <a:ln>
-            <a:noFill/>
-          </a:ln>
-          <a:extLst>
-            <a:ext uri="{909E8E84-426E-40DD-AFC4-6F175D3DCCD1}">
-              <a14:hiddenFill xmlns:a14="http://schemas.microsoft.com/office/drawing/2010/main">
-                <a:solidFill>
-                  <a:schemeClr val="accent1"/>
-                </a:solidFill>
-              </a14:hiddenFill>
-            </a:ext>
-            <a:ext uri="{91240B29-F687-4F45-9708-019B960494DF}">
-              <a14:hiddenLine xmlns:a14="http://schemas.microsoft.com/office/drawing/2010/main" w="9525">
-                <a:solidFill>
-                  <a:schemeClr val="tx1"/>
-                </a:solidFill>
-                <a:miter lim="800000"/>
-                <a:headEnd/>
-                <a:tailEnd/>
-              </a14:hiddenLine>
-            </a:ext>
-          </a:extLst>
-        </p:spPr>
-      </p:pic>
-      <p:pic>
-        <p:nvPicPr>
-          <p:cNvPr id="1026" name="Picture 2"/>
-          <p:cNvPicPr>
-            <a:picLocks noChangeAspect="1" noChangeArrowheads="1"/>
-          </p:cNvPicPr>
-          <p:nvPr/>
-        </p:nvPicPr>
-        <p:blipFill rotWithShape="1">
-          <a:blip r:embed="rId3" cstate="print">
-            <a:extLst>
-              <a:ext uri="{28A0092B-C50C-407E-A947-70E740481C1C}">
-                <a14:useLocalDpi xmlns:a14="http://schemas.microsoft.com/office/drawing/2010/main" val="0"/>
-              </a:ext>
-            </a:extLst>
-          </a:blip>
-          <a:srcRect/>
-          <a:stretch/>
-        </p:blipFill>
-        <p:spPr bwMode="auto">
-          <a:xfrm>
-            <a:off x="4529386" y="5286374"/>
-            <a:ext cx="4619625" cy="1571626"/>
-          </a:xfrm>
-          <a:prstGeom prst="rect">
-            <a:avLst/>
-          </a:prstGeom>
-          <a:noFill/>
-          <a:ln>
-            <a:noFill/>
-          </a:ln>
-          <a:extLst>
-            <a:ext uri="{909E8E84-426E-40DD-AFC4-6F175D3DCCD1}">
-              <a14:hiddenFill xmlns:a14="http://schemas.microsoft.com/office/drawing/2010/main">
-                <a:solidFill>
-                  <a:schemeClr val="accent1"/>
-                </a:solidFill>
-              </a14:hiddenFill>
-            </a:ext>
-            <a:ext uri="{91240B29-F687-4F45-9708-019B960494DF}">
-              <a14:hiddenLine xmlns:a14="http://schemas.microsoft.com/office/drawing/2010/main" w="9525">
-                <a:solidFill>
-                  <a:schemeClr val="tx1"/>
-                </a:solidFill>
-                <a:miter lim="800000"/>
-                <a:headEnd/>
-                <a:tailEnd/>
-              </a14:hiddenLine>
-            </a:ext>
-          </a:extLst>
-        </p:spPr>
-      </p:pic>
-      <p:pic>
-        <p:nvPicPr>
-          <p:cNvPr id="4" name="Picture 2"/>
-          <p:cNvPicPr>
-            <a:picLocks noChangeAspect="1" noChangeArrowheads="1"/>
-          </p:cNvPicPr>
-          <p:nvPr/>
-        </p:nvPicPr>
-        <p:blipFill rotWithShape="1">
-          <a:blip r:embed="rId4" cstate="print">
-            <a:extLst>
-              <a:ext uri="{28A0092B-C50C-407E-A947-70E740481C1C}">
-                <a14:useLocalDpi xmlns:a14="http://schemas.microsoft.com/office/drawing/2010/main" val="0"/>
-              </a:ext>
-            </a:extLst>
-          </a:blip>
-          <a:srcRect/>
-          <a:stretch/>
-        </p:blipFill>
-        <p:spPr bwMode="auto">
-          <a:xfrm>
-            <a:off x="168622" y="4400549"/>
-            <a:ext cx="5495925" cy="1771650"/>
-          </a:xfrm>
-          <a:prstGeom prst="rect">
-            <a:avLst/>
-          </a:prstGeom>
-          <a:noFill/>
-          <a:ln>
-            <a:noFill/>
-          </a:ln>
-          <a:extLst>
-            <a:ext uri="{909E8E84-426E-40DD-AFC4-6F175D3DCCD1}">
-              <a14:hiddenFill xmlns:a14="http://schemas.microsoft.com/office/drawing/2010/main">
-                <a:solidFill>
-                  <a:schemeClr val="accent1"/>
-                </a:solidFill>
-              </a14:hiddenFill>
-            </a:ext>
-            <a:ext uri="{91240B29-F687-4F45-9708-019B960494DF}">
-              <a14:hiddenLine xmlns:a14="http://schemas.microsoft.com/office/drawing/2010/main" w="9525">
-                <a:solidFill>
-                  <a:schemeClr val="tx1"/>
-                </a:solidFill>
-                <a:miter lim="800000"/>
-                <a:headEnd/>
-                <a:tailEnd/>
-              </a14:hiddenLine>
-            </a:ext>
-          </a:extLst>
-        </p:spPr>
-      </p:pic>
-      <p:pic>
-        <p:nvPicPr>
-          <p:cNvPr id="5" name="Picture 2"/>
-          <p:cNvPicPr>
-            <a:picLocks noChangeAspect="1" noChangeArrowheads="1"/>
-          </p:cNvPicPr>
-          <p:nvPr/>
-        </p:nvPicPr>
-        <p:blipFill rotWithShape="1">
-          <a:blip r:embed="rId5" cstate="print">
-            <a:extLst>
-              <a:ext uri="{28A0092B-C50C-407E-A947-70E740481C1C}">
-                <a14:useLocalDpi xmlns:a14="http://schemas.microsoft.com/office/drawing/2010/main" val="0"/>
-              </a:ext>
-            </a:extLst>
-          </a:blip>
-          <a:srcRect/>
-          <a:stretch/>
-        </p:blipFill>
-        <p:spPr bwMode="auto">
-          <a:xfrm>
-            <a:off x="251520" y="1124744"/>
-            <a:ext cx="5019675" cy="1552576"/>
-          </a:xfrm>
-          <a:prstGeom prst="rect">
-            <a:avLst/>
-          </a:prstGeom>
-          <a:noFill/>
-          <a:ln>
-            <a:noFill/>
-          </a:ln>
-          <a:extLst>
-            <a:ext uri="{909E8E84-426E-40DD-AFC4-6F175D3DCCD1}">
-              <a14:hiddenFill xmlns:a14="http://schemas.microsoft.com/office/drawing/2010/main">
-                <a:solidFill>
-                  <a:schemeClr val="accent1"/>
-                </a:solidFill>
-              </a14:hiddenFill>
-            </a:ext>
-            <a:ext uri="{91240B29-F687-4F45-9708-019B960494DF}">
-              <a14:hiddenLine xmlns:a14="http://schemas.microsoft.com/office/drawing/2010/main" w="9525">
-                <a:solidFill>
-                  <a:schemeClr val="tx1"/>
-                </a:solidFill>
-                <a:miter lim="800000"/>
-                <a:headEnd/>
-                <a:tailEnd/>
-              </a14:hiddenLine>
-            </a:ext>
-          </a:extLst>
-        </p:spPr>
-      </p:pic>
-    </p:spTree>
-    <p:extLst>
-      <p:ext uri="{BB962C8B-B14F-4D97-AF65-F5344CB8AC3E}">
-        <p14:creationId xmlns:p14="http://schemas.microsoft.com/office/powerpoint/2010/main" val="3878686198"/>
       </p:ext>
     </p:extLst>
   </p:cSld>
@@ -5791,8 +6199,8 @@
           <a:lstStyle/>
           <a:p>
             <a:r>
-              <a:rPr kumimoji="1" lang="en-US" altLang="ja-JP" dirty="0" err="1" smtClean="0"/>
-              <a:t>NextedRecords</a:t>
+              <a:rPr kumimoji="1" lang="en-US" altLang="ja-JP" dirty="0" err="1"/>
+              <a:t>HorizontalRecords</a:t>
             </a:r>
             <a:endParaRPr kumimoji="1" lang="ja-JP" altLang="en-US" dirty="0"/>
           </a:p>
@@ -5800,7 +6208,7 @@
       </p:sp>
       <p:pic>
         <p:nvPicPr>
-          <p:cNvPr id="1026" name="Picture 2"/>
+          <p:cNvPr id="4099" name="Picture 3"/>
           <p:cNvPicPr>
             <a:picLocks noChangeAspect="1" noChangeArrowheads="1"/>
           </p:cNvPicPr>
@@ -5819,8 +6227,8 @@
         </p:blipFill>
         <p:spPr bwMode="auto">
           <a:xfrm>
-            <a:off x="395536" y="1268760"/>
-            <a:ext cx="5133975" cy="3981450"/>
+            <a:off x="251520" y="1196752"/>
+            <a:ext cx="3867150" cy="2847975"/>
           </a:xfrm>
           <a:prstGeom prst="rect">
             <a:avLst/>
@@ -5850,10 +6258,62 @@
           </a:extLst>
         </p:spPr>
       </p:pic>
+      <p:pic>
+        <p:nvPicPr>
+          <p:cNvPr id="1026" name="Picture 2"/>
+          <p:cNvPicPr>
+            <a:picLocks noChangeAspect="1" noChangeArrowheads="1"/>
+          </p:cNvPicPr>
+          <p:nvPr/>
+        </p:nvPicPr>
+        <p:blipFill rotWithShape="1">
+          <a:blip r:embed="rId3" cstate="print">
+            <a:extLst>
+              <a:ext uri="{28A0092B-C50C-407E-A947-70E740481C1C}">
+                <a14:useLocalDpi xmlns:a14="http://schemas.microsoft.com/office/drawing/2010/main" val="0"/>
+              </a:ext>
+            </a:extLst>
+          </a:blip>
+          <a:srcRect/>
+          <a:stretch/>
+        </p:blipFill>
+        <p:spPr bwMode="auto">
+          <a:xfrm>
+            <a:off x="539552" y="4374827"/>
+            <a:ext cx="4724400" cy="1990725"/>
+          </a:xfrm>
+          <a:prstGeom prst="rect">
+            <a:avLst/>
+          </a:prstGeom>
+          <a:noFill/>
+          <a:ln>
+            <a:noFill/>
+          </a:ln>
+          <a:extLst>
+            <a:ext uri="{909E8E84-426E-40DD-AFC4-6F175D3DCCD1}">
+              <a14:hiddenFill xmlns:a14="http://schemas.microsoft.com/office/drawing/2010/main">
+                <a:solidFill>
+                  <a:schemeClr val="accent1"/>
+                </a:solidFill>
+              </a14:hiddenFill>
+            </a:ext>
+            <a:ext uri="{91240B29-F687-4F45-9708-019B960494DF}">
+              <a14:hiddenLine xmlns:a14="http://schemas.microsoft.com/office/drawing/2010/main" w="9525">
+                <a:solidFill>
+                  <a:schemeClr val="tx1"/>
+                </a:solidFill>
+                <a:miter lim="800000"/>
+                <a:headEnd/>
+                <a:tailEnd/>
+              </a14:hiddenLine>
+            </a:ext>
+          </a:extLst>
+        </p:spPr>
+      </p:pic>
     </p:spTree>
     <p:extLst>
       <p:ext uri="{BB962C8B-B14F-4D97-AF65-F5344CB8AC3E}">
-        <p14:creationId xmlns:p14="http://schemas.microsoft.com/office/powerpoint/2010/main" val="3736747187"/>
+        <p14:creationId xmlns:p14="http://schemas.microsoft.com/office/powerpoint/2010/main" val="3159689483"/>
       </p:ext>
     </p:extLst>
   </p:cSld>

--- a/src/site/sphinx/memo/images.pptx
+++ b/src/site/sphinx/memo/images.pptx
@@ -16,13 +16,15 @@
     <p:sldId id="266" r:id="rId10"/>
     <p:sldId id="259" r:id="rId11"/>
     <p:sldId id="261" r:id="rId12"/>
-    <p:sldId id="268" r:id="rId13"/>
-    <p:sldId id="269" r:id="rId14"/>
-    <p:sldId id="262" r:id="rId15"/>
-    <p:sldId id="265" r:id="rId16"/>
-    <p:sldId id="263" r:id="rId17"/>
-    <p:sldId id="264" r:id="rId18"/>
-    <p:sldId id="270" r:id="rId19"/>
+    <p:sldId id="274" r:id="rId13"/>
+    <p:sldId id="268" r:id="rId14"/>
+    <p:sldId id="269" r:id="rId15"/>
+    <p:sldId id="262" r:id="rId16"/>
+    <p:sldId id="265" r:id="rId17"/>
+    <p:sldId id="263" r:id="rId18"/>
+    <p:sldId id="275" r:id="rId19"/>
+    <p:sldId id="264" r:id="rId20"/>
+    <p:sldId id="270" r:id="rId21"/>
   </p:sldIdLst>
   <p:sldSz cx="9144000" cy="6858000" type="screen4x3"/>
   <p:notesSz cx="6858000" cy="9144000"/>
@@ -323,7 +325,7 @@
           <a:p>
             <a:fld id="{E90ED720-0104-4369-84BC-D37694168613}" type="datetimeFigureOut">
               <a:rPr kumimoji="1" lang="ja-JP" altLang="en-US" smtClean="0"/>
-              <a:t>2017/12/2</a:t>
+              <a:t>2017/12/10</a:t>
             </a:fld>
             <a:endParaRPr kumimoji="1" lang="ja-JP" altLang="en-US"/>
           </a:p>
@@ -518,7 +520,7 @@
           <a:p>
             <a:fld id="{E90ED720-0104-4369-84BC-D37694168613}" type="datetimeFigureOut">
               <a:rPr kumimoji="1" lang="ja-JP" altLang="en-US" smtClean="0"/>
-              <a:t>2017/12/2</a:t>
+              <a:t>2017/12/10</a:t>
             </a:fld>
             <a:endParaRPr kumimoji="1" lang="ja-JP" altLang="en-US"/>
           </a:p>
@@ -723,7 +725,7 @@
           <a:p>
             <a:fld id="{E90ED720-0104-4369-84BC-D37694168613}" type="datetimeFigureOut">
               <a:rPr kumimoji="1" lang="ja-JP" altLang="en-US" smtClean="0"/>
-              <a:t>2017/12/2</a:t>
+              <a:t>2017/12/10</a:t>
             </a:fld>
             <a:endParaRPr kumimoji="1" lang="ja-JP" altLang="en-US"/>
           </a:p>
@@ -918,7 +920,7 @@
           <a:p>
             <a:fld id="{E90ED720-0104-4369-84BC-D37694168613}" type="datetimeFigureOut">
               <a:rPr kumimoji="1" lang="ja-JP" altLang="en-US" smtClean="0"/>
-              <a:t>2017/12/2</a:t>
+              <a:t>2017/12/10</a:t>
             </a:fld>
             <a:endParaRPr kumimoji="1" lang="ja-JP" altLang="en-US"/>
           </a:p>
@@ -1158,7 +1160,7 @@
           <a:p>
             <a:fld id="{E90ED720-0104-4369-84BC-D37694168613}" type="datetimeFigureOut">
               <a:rPr kumimoji="1" lang="ja-JP" altLang="en-US" smtClean="0"/>
-              <a:t>2017/12/2</a:t>
+              <a:t>2017/12/10</a:t>
             </a:fld>
             <a:endParaRPr kumimoji="1" lang="ja-JP" altLang="en-US"/>
           </a:p>
@@ -1502,7 +1504,7 @@
           <a:p>
             <a:fld id="{E90ED720-0104-4369-84BC-D37694168613}" type="datetimeFigureOut">
               <a:rPr kumimoji="1" lang="ja-JP" altLang="en-US" smtClean="0"/>
-              <a:t>2017/12/2</a:t>
+              <a:t>2017/12/10</a:t>
             </a:fld>
             <a:endParaRPr kumimoji="1" lang="ja-JP" altLang="en-US"/>
           </a:p>
@@ -1980,7 +1982,7 @@
           <a:p>
             <a:fld id="{E90ED720-0104-4369-84BC-D37694168613}" type="datetimeFigureOut">
               <a:rPr kumimoji="1" lang="ja-JP" altLang="en-US" smtClean="0"/>
-              <a:t>2017/12/2</a:t>
+              <a:t>2017/12/10</a:t>
             </a:fld>
             <a:endParaRPr kumimoji="1" lang="ja-JP" altLang="en-US"/>
           </a:p>
@@ -2092,7 +2094,7 @@
           <a:p>
             <a:fld id="{E90ED720-0104-4369-84BC-D37694168613}" type="datetimeFigureOut">
               <a:rPr kumimoji="1" lang="ja-JP" altLang="en-US" smtClean="0"/>
-              <a:t>2017/12/2</a:t>
+              <a:t>2017/12/10</a:t>
             </a:fld>
             <a:endParaRPr kumimoji="1" lang="ja-JP" altLang="en-US"/>
           </a:p>
@@ -2182,7 +2184,7 @@
           <a:p>
             <a:fld id="{E90ED720-0104-4369-84BC-D37694168613}" type="datetimeFigureOut">
               <a:rPr kumimoji="1" lang="ja-JP" altLang="en-US" smtClean="0"/>
-              <a:t>2017/12/2</a:t>
+              <a:t>2017/12/10</a:t>
             </a:fld>
             <a:endParaRPr kumimoji="1" lang="ja-JP" altLang="en-US"/>
           </a:p>
@@ -2484,7 +2486,7 @@
           <a:p>
             <a:fld id="{E90ED720-0104-4369-84BC-D37694168613}" type="datetimeFigureOut">
               <a:rPr kumimoji="1" lang="ja-JP" altLang="en-US" smtClean="0"/>
-              <a:t>2017/12/2</a:t>
+              <a:t>2017/12/10</a:t>
             </a:fld>
             <a:endParaRPr kumimoji="1" lang="ja-JP" altLang="en-US"/>
           </a:p>
@@ -2731,7 +2733,7 @@
           <a:p>
             <a:fld id="{E90ED720-0104-4369-84BC-D37694168613}" type="datetimeFigureOut">
               <a:rPr kumimoji="1" lang="ja-JP" altLang="en-US" smtClean="0"/>
-              <a:t>2017/12/2</a:t>
+              <a:t>2017/12/10</a:t>
             </a:fld>
             <a:endParaRPr kumimoji="1" lang="ja-JP" altLang="en-US"/>
           </a:p>
@@ -2969,7 +2971,7 @@
           <a:p>
             <a:fld id="{E90ED720-0104-4369-84BC-D37694168613}" type="datetimeFigureOut">
               <a:rPr kumimoji="1" lang="ja-JP" altLang="en-US" smtClean="0"/>
-              <a:t>2017/12/2</a:t>
+              <a:t>2017/12/10</a:t>
             </a:fld>
             <a:endParaRPr kumimoji="1" lang="ja-JP" altLang="en-US"/>
           </a:p>
@@ -3552,16 +3554,23 @@
             <p:ph type="title"/>
           </p:nvPr>
         </p:nvSpPr>
-        <p:spPr/>
-        <p:txBody>
-          <a:bodyPr/>
+        <p:spPr>
+          <a:xfrm>
+            <a:off x="457200" y="274638"/>
+            <a:ext cx="6635080" cy="562074"/>
+          </a:xfrm>
+        </p:spPr>
+        <p:txBody>
+          <a:bodyPr>
+            <a:noAutofit/>
+          </a:bodyPr>
           <a:lstStyle/>
           <a:p>
             <a:r>
-              <a:rPr lang="en-US" altLang="ja-JP" dirty="0" err="1"/>
+              <a:rPr lang="en-US" altLang="ja-JP" sz="2800" dirty="0" err="1"/>
               <a:t>XlsColumn</a:t>
             </a:r>
-            <a:endParaRPr kumimoji="1" lang="ja-JP" altLang="en-US" dirty="0"/>
+            <a:endParaRPr kumimoji="1" lang="ja-JP" altLang="en-US" sz="2800" dirty="0"/>
           </a:p>
         </p:txBody>
       </p:sp>
@@ -3761,16 +3770,23 @@
             <p:ph type="title"/>
           </p:nvPr>
         </p:nvSpPr>
-        <p:spPr/>
-        <p:txBody>
-          <a:bodyPr/>
+        <p:spPr>
+          <a:xfrm>
+            <a:off x="457200" y="274638"/>
+            <a:ext cx="7571184" cy="490066"/>
+          </a:xfrm>
+        </p:spPr>
+        <p:txBody>
+          <a:bodyPr>
+            <a:normAutofit fontScale="90000"/>
+          </a:bodyPr>
           <a:lstStyle/>
           <a:p>
             <a:r>
-              <a:rPr kumimoji="1" lang="en-US" altLang="ja-JP" dirty="0" err="1"/>
+              <a:rPr kumimoji="1" lang="en-US" altLang="ja-JP" sz="2800" dirty="0" err="1"/>
               <a:t>XlsMapColumns</a:t>
             </a:r>
-            <a:endParaRPr kumimoji="1" lang="ja-JP" altLang="en-US" dirty="0"/>
+            <a:endParaRPr kumimoji="1" lang="ja-JP" altLang="en-US" sz="2800" dirty="0"/>
           </a:p>
         </p:txBody>
       </p:sp>
@@ -4014,7 +4030,13 @@
       </p:grpSpPr>
       <p:sp>
         <p:nvSpPr>
-          <p:cNvPr id="2" name="タイトル 1"/>
+          <p:cNvPr id="2" name="タイトル 1">
+            <a:extLst>
+              <a:ext uri="{FF2B5EF4-FFF2-40B4-BE49-F238E27FC236}">
+                <a16:creationId xmlns:a16="http://schemas.microsoft.com/office/drawing/2014/main" id="{6A2751C2-B3ED-4941-B4D3-420C4D9B636A}"/>
+              </a:ext>
+            </a:extLst>
+          </p:cNvPr>
           <p:cNvSpPr>
             <a:spLocks noGrp="1"/>
           </p:cNvSpPr>
@@ -4022,75 +4044,120 @@
             <p:ph type="title"/>
           </p:nvPr>
         </p:nvSpPr>
-        <p:spPr/>
-        <p:txBody>
-          <a:bodyPr/>
+        <p:spPr>
+          <a:xfrm>
+            <a:off x="457200" y="274638"/>
+            <a:ext cx="7139136" cy="457199"/>
+          </a:xfrm>
+        </p:spPr>
+        <p:txBody>
+          <a:bodyPr>
+            <a:normAutofit fontScale="90000"/>
+          </a:bodyPr>
           <a:lstStyle/>
           <a:p>
             <a:r>
-              <a:rPr kumimoji="1" lang="en-US" altLang="ja-JP" dirty="0" err="1"/>
-              <a:t>NextedRecords</a:t>
-            </a:r>
-            <a:endParaRPr kumimoji="1" lang="ja-JP" altLang="en-US" dirty="0"/>
+              <a:rPr kumimoji="1" lang="en-US" altLang="ja-JP" sz="2400" dirty="0" err="1"/>
+              <a:t>XlsArrayColumns</a:t>
+            </a:r>
+            <a:endParaRPr kumimoji="1" lang="ja-JP" altLang="en-US" sz="2400" dirty="0"/>
           </a:p>
         </p:txBody>
       </p:sp>
       <p:pic>
         <p:nvPicPr>
-          <p:cNvPr id="1026" name="Picture 2"/>
+          <p:cNvPr id="4" name="図 3">
+            <a:extLst>
+              <a:ext uri="{FF2B5EF4-FFF2-40B4-BE49-F238E27FC236}">
+                <a16:creationId xmlns:a16="http://schemas.microsoft.com/office/drawing/2014/main" id="{FFF908E9-6F0B-4715-9A1B-E59DCB018D51}"/>
+              </a:ext>
+            </a:extLst>
+          </p:cNvPr>
           <p:cNvPicPr>
-            <a:picLocks noChangeAspect="1" noChangeArrowheads="1"/>
+            <a:picLocks noChangeAspect="1"/>
           </p:cNvPicPr>
           <p:nvPr/>
         </p:nvPicPr>
-        <p:blipFill rotWithShape="1">
-          <a:blip r:embed="rId2" cstate="print">
-            <a:extLst>
-              <a:ext uri="{28A0092B-C50C-407E-A947-70E740481C1C}">
-                <a14:useLocalDpi xmlns:a14="http://schemas.microsoft.com/office/drawing/2010/main" val="0"/>
-              </a:ext>
-            </a:extLst>
-          </a:blip>
-          <a:srcRect/>
-          <a:stretch/>
+        <p:blipFill>
+          <a:blip r:embed="rId2"/>
+          <a:stretch>
+            <a:fillRect/>
+          </a:stretch>
         </p:blipFill>
-        <p:spPr bwMode="auto">
-          <a:xfrm>
-            <a:off x="395536" y="1268760"/>
-            <a:ext cx="5133975" cy="3981450"/>
+        <p:spPr>
+          <a:xfrm>
+            <a:off x="179512" y="908720"/>
+            <a:ext cx="4666667" cy="1419048"/>
           </a:xfrm>
           <a:prstGeom prst="rect">
             <a:avLst/>
           </a:prstGeom>
-          <a:noFill/>
-          <a:ln>
-            <a:noFill/>
-          </a:ln>
-          <a:extLst>
-            <a:ext uri="{909E8E84-426E-40DD-AFC4-6F175D3DCCD1}">
-              <a14:hiddenFill xmlns:a14="http://schemas.microsoft.com/office/drawing/2010/main">
-                <a:solidFill>
-                  <a:schemeClr val="accent1"/>
-                </a:solidFill>
-              </a14:hiddenFill>
-            </a:ext>
-            <a:ext uri="{91240B29-F687-4F45-9708-019B960494DF}">
-              <a14:hiddenLine xmlns:a14="http://schemas.microsoft.com/office/drawing/2010/main" w="9525">
-                <a:solidFill>
-                  <a:schemeClr val="tx1"/>
-                </a:solidFill>
-                <a:miter lim="800000"/>
-                <a:headEnd/>
-                <a:tailEnd/>
-              </a14:hiddenLine>
-            </a:ext>
-          </a:extLst>
+        </p:spPr>
+      </p:pic>
+      <p:pic>
+        <p:nvPicPr>
+          <p:cNvPr id="6" name="図 5">
+            <a:extLst>
+              <a:ext uri="{FF2B5EF4-FFF2-40B4-BE49-F238E27FC236}">
+                <a16:creationId xmlns:a16="http://schemas.microsoft.com/office/drawing/2014/main" id="{A83F66CA-B19E-4A8D-B465-1B3F94C50092}"/>
+              </a:ext>
+            </a:extLst>
+          </p:cNvPr>
+          <p:cNvPicPr>
+            <a:picLocks noChangeAspect="1"/>
+          </p:cNvPicPr>
+          <p:nvPr/>
+        </p:nvPicPr>
+        <p:blipFill>
+          <a:blip r:embed="rId3"/>
+          <a:stretch>
+            <a:fillRect/>
+          </a:stretch>
+        </p:blipFill>
+        <p:spPr>
+          <a:xfrm>
+            <a:off x="152847" y="2636912"/>
+            <a:ext cx="6323809" cy="1485714"/>
+          </a:xfrm>
+          <a:prstGeom prst="rect">
+            <a:avLst/>
+          </a:prstGeom>
+        </p:spPr>
+      </p:pic>
+      <p:pic>
+        <p:nvPicPr>
+          <p:cNvPr id="7" name="図 6">
+            <a:extLst>
+              <a:ext uri="{FF2B5EF4-FFF2-40B4-BE49-F238E27FC236}">
+                <a16:creationId xmlns:a16="http://schemas.microsoft.com/office/drawing/2014/main" id="{A743DD37-14BB-4C07-A261-2CDCCFDC890A}"/>
+              </a:ext>
+            </a:extLst>
+          </p:cNvPr>
+          <p:cNvPicPr>
+            <a:picLocks noChangeAspect="1"/>
+          </p:cNvPicPr>
+          <p:nvPr/>
+        </p:nvPicPr>
+        <p:blipFill>
+          <a:blip r:embed="rId4"/>
+          <a:stretch>
+            <a:fillRect/>
+          </a:stretch>
+        </p:blipFill>
+        <p:spPr>
+          <a:xfrm>
+            <a:off x="226793" y="4581128"/>
+            <a:ext cx="5419048" cy="1733333"/>
+          </a:xfrm>
+          <a:prstGeom prst="rect">
+            <a:avLst/>
+          </a:prstGeom>
         </p:spPr>
       </p:pic>
     </p:spTree>
     <p:extLst>
       <p:ext uri="{BB962C8B-B14F-4D97-AF65-F5344CB8AC3E}">
-        <p14:creationId xmlns:p14="http://schemas.microsoft.com/office/powerpoint/2010/main" val="3736747187"/>
+        <p14:creationId xmlns:p14="http://schemas.microsoft.com/office/powerpoint/2010/main" val="876270094"/>
       </p:ext>
     </p:extLst>
   </p:cSld>
@@ -4134,7 +4201,7 @@
           <a:p>
             <a:r>
               <a:rPr kumimoji="1" lang="en-US" altLang="ja-JP" dirty="0" err="1"/>
-              <a:t>NestedRecords</a:t>
+              <a:t>NextedRecords</a:t>
             </a:r>
             <a:endParaRPr kumimoji="1" lang="ja-JP" altLang="en-US" dirty="0"/>
           </a:p>
@@ -4142,7 +4209,7 @@
       </p:sp>
       <p:pic>
         <p:nvPicPr>
-          <p:cNvPr id="2050" name="Picture 2"/>
+          <p:cNvPr id="1026" name="Picture 2"/>
           <p:cNvPicPr>
             <a:picLocks noChangeAspect="1" noChangeArrowheads="1"/>
           </p:cNvPicPr>
@@ -4161,8 +4228,8 @@
         </p:blipFill>
         <p:spPr bwMode="auto">
           <a:xfrm>
-            <a:off x="611560" y="1700808"/>
-            <a:ext cx="4029075" cy="2981326"/>
+            <a:off x="395536" y="1268760"/>
+            <a:ext cx="5133975" cy="3981450"/>
           </a:xfrm>
           <a:prstGeom prst="rect">
             <a:avLst/>
@@ -4195,7 +4262,7 @@
     </p:spTree>
     <p:extLst>
       <p:ext uri="{BB962C8B-B14F-4D97-AF65-F5344CB8AC3E}">
-        <p14:creationId xmlns:p14="http://schemas.microsoft.com/office/powerpoint/2010/main" val="480720534"/>
+        <p14:creationId xmlns:p14="http://schemas.microsoft.com/office/powerpoint/2010/main" val="3736747187"/>
       </p:ext>
     </p:extLst>
   </p:cSld>
@@ -4238,8 +4305,8 @@
           <a:lstStyle/>
           <a:p>
             <a:r>
-              <a:rPr lang="en-US" altLang="ja-JP" dirty="0" err="1"/>
-              <a:t>VerticalRecords</a:t>
+              <a:rPr kumimoji="1" lang="en-US" altLang="ja-JP" dirty="0" err="1"/>
+              <a:t>NestedRecords</a:t>
             </a:r>
             <a:endParaRPr kumimoji="1" lang="ja-JP" altLang="en-US" dirty="0"/>
           </a:p>
@@ -4247,7 +4314,7 @@
       </p:sp>
       <p:pic>
         <p:nvPicPr>
-          <p:cNvPr id="6154" name="Picture 10"/>
+          <p:cNvPr id="2050" name="Picture 2"/>
           <p:cNvPicPr>
             <a:picLocks noChangeAspect="1" noChangeArrowheads="1"/>
           </p:cNvPicPr>
@@ -4266,8 +4333,8 @@
         </p:blipFill>
         <p:spPr bwMode="auto">
           <a:xfrm>
-            <a:off x="107504" y="1196752"/>
-            <a:ext cx="4705350" cy="1485900"/>
+            <a:off x="611560" y="1700808"/>
+            <a:ext cx="4029075" cy="2981326"/>
           </a:xfrm>
           <a:prstGeom prst="rect">
             <a:avLst/>
@@ -4297,114 +4364,10 @@
           </a:extLst>
         </p:spPr>
       </p:pic>
-      <p:pic>
-        <p:nvPicPr>
-          <p:cNvPr id="6155" name="Picture 11"/>
-          <p:cNvPicPr>
-            <a:picLocks noChangeAspect="1" noChangeArrowheads="1"/>
-          </p:cNvPicPr>
-          <p:nvPr/>
-        </p:nvPicPr>
-        <p:blipFill rotWithShape="1">
-          <a:blip r:embed="rId3" cstate="print">
-            <a:extLst>
-              <a:ext uri="{28A0092B-C50C-407E-A947-70E740481C1C}">
-                <a14:useLocalDpi xmlns:a14="http://schemas.microsoft.com/office/drawing/2010/main" val="0"/>
-              </a:ext>
-            </a:extLst>
-          </a:blip>
-          <a:srcRect/>
-          <a:stretch/>
-        </p:blipFill>
-        <p:spPr bwMode="auto">
-          <a:xfrm>
-            <a:off x="14511" y="3356992"/>
-            <a:ext cx="3276600" cy="1209675"/>
-          </a:xfrm>
-          <a:prstGeom prst="rect">
-            <a:avLst/>
-          </a:prstGeom>
-          <a:noFill/>
-          <a:ln>
-            <a:noFill/>
-          </a:ln>
-          <a:extLst>
-            <a:ext uri="{909E8E84-426E-40DD-AFC4-6F175D3DCCD1}">
-              <a14:hiddenFill xmlns:a14="http://schemas.microsoft.com/office/drawing/2010/main">
-                <a:solidFill>
-                  <a:schemeClr val="accent1"/>
-                </a:solidFill>
-              </a14:hiddenFill>
-            </a:ext>
-            <a:ext uri="{91240B29-F687-4F45-9708-019B960494DF}">
-              <a14:hiddenLine xmlns:a14="http://schemas.microsoft.com/office/drawing/2010/main" w="9525">
-                <a:solidFill>
-                  <a:schemeClr val="tx1"/>
-                </a:solidFill>
-                <a:miter lim="800000"/>
-                <a:headEnd/>
-                <a:tailEnd/>
-              </a14:hiddenLine>
-            </a:ext>
-          </a:extLst>
-        </p:spPr>
-      </p:pic>
-      <p:pic>
-        <p:nvPicPr>
-          <p:cNvPr id="6157" name="Picture 13"/>
-          <p:cNvPicPr>
-            <a:picLocks noChangeAspect="1" noChangeArrowheads="1"/>
-          </p:cNvPicPr>
-          <p:nvPr/>
-        </p:nvPicPr>
-        <p:blipFill rotWithShape="1">
-          <a:blip r:embed="rId4" cstate="print">
-            <a:extLst>
-              <a:ext uri="{28A0092B-C50C-407E-A947-70E740481C1C}">
-                <a14:useLocalDpi xmlns:a14="http://schemas.microsoft.com/office/drawing/2010/main" val="0"/>
-              </a:ext>
-            </a:extLst>
-          </a:blip>
-          <a:srcRect/>
-          <a:stretch/>
-        </p:blipFill>
-        <p:spPr bwMode="auto">
-          <a:xfrm>
-            <a:off x="3635896" y="3356992"/>
-            <a:ext cx="5207000" cy="2076451"/>
-          </a:xfrm>
-          <a:prstGeom prst="rect">
-            <a:avLst/>
-          </a:prstGeom>
-          <a:noFill/>
-          <a:ln>
-            <a:noFill/>
-          </a:ln>
-          <a:extLst>
-            <a:ext uri="{909E8E84-426E-40DD-AFC4-6F175D3DCCD1}">
-              <a14:hiddenFill xmlns:a14="http://schemas.microsoft.com/office/drawing/2010/main">
-                <a:solidFill>
-                  <a:schemeClr val="accent1"/>
-                </a:solidFill>
-              </a14:hiddenFill>
-            </a:ext>
-            <a:ext uri="{91240B29-F687-4F45-9708-019B960494DF}">
-              <a14:hiddenLine xmlns:a14="http://schemas.microsoft.com/office/drawing/2010/main" w="9525">
-                <a:solidFill>
-                  <a:schemeClr val="tx1"/>
-                </a:solidFill>
-                <a:miter lim="800000"/>
-                <a:headEnd/>
-                <a:tailEnd/>
-              </a14:hiddenLine>
-            </a:ext>
-          </a:extLst>
-        </p:spPr>
-      </p:pic>
     </p:spTree>
     <p:extLst>
       <p:ext uri="{BB962C8B-B14F-4D97-AF65-F5344CB8AC3E}">
-        <p14:creationId xmlns:p14="http://schemas.microsoft.com/office/powerpoint/2010/main" val="1102042093"/>
+        <p14:creationId xmlns:p14="http://schemas.microsoft.com/office/powerpoint/2010/main" val="480720534"/>
       </p:ext>
     </p:extLst>
   </p:cSld>
@@ -4447,7 +4410,7 @@
           <a:lstStyle/>
           <a:p>
             <a:r>
-              <a:rPr kumimoji="1" lang="en-US" altLang="ja-JP" dirty="0" err="1"/>
+              <a:rPr lang="en-US" altLang="ja-JP" dirty="0" err="1"/>
               <a:t>VerticalRecords</a:t>
             </a:r>
             <a:endParaRPr kumimoji="1" lang="ja-JP" altLang="en-US" dirty="0"/>
@@ -4456,7 +4419,7 @@
       </p:sp>
       <p:pic>
         <p:nvPicPr>
-          <p:cNvPr id="3077" name="Picture 5"/>
+          <p:cNvPr id="6154" name="Picture 10"/>
           <p:cNvPicPr>
             <a:picLocks noChangeAspect="1" noChangeArrowheads="1"/>
           </p:cNvPicPr>
@@ -4475,8 +4438,8 @@
         </p:blipFill>
         <p:spPr bwMode="auto">
           <a:xfrm>
-            <a:off x="323528" y="1340768"/>
-            <a:ext cx="4438650" cy="2867025"/>
+            <a:off x="107504" y="1196752"/>
+            <a:ext cx="4705350" cy="1485900"/>
           </a:xfrm>
           <a:prstGeom prst="rect">
             <a:avLst/>
@@ -4506,10 +4469,114 @@
           </a:extLst>
         </p:spPr>
       </p:pic>
+      <p:pic>
+        <p:nvPicPr>
+          <p:cNvPr id="6155" name="Picture 11"/>
+          <p:cNvPicPr>
+            <a:picLocks noChangeAspect="1" noChangeArrowheads="1"/>
+          </p:cNvPicPr>
+          <p:nvPr/>
+        </p:nvPicPr>
+        <p:blipFill rotWithShape="1">
+          <a:blip r:embed="rId3" cstate="print">
+            <a:extLst>
+              <a:ext uri="{28A0092B-C50C-407E-A947-70E740481C1C}">
+                <a14:useLocalDpi xmlns:a14="http://schemas.microsoft.com/office/drawing/2010/main" val="0"/>
+              </a:ext>
+            </a:extLst>
+          </a:blip>
+          <a:srcRect/>
+          <a:stretch/>
+        </p:blipFill>
+        <p:spPr bwMode="auto">
+          <a:xfrm>
+            <a:off x="14511" y="3356992"/>
+            <a:ext cx="3276600" cy="1209675"/>
+          </a:xfrm>
+          <a:prstGeom prst="rect">
+            <a:avLst/>
+          </a:prstGeom>
+          <a:noFill/>
+          <a:ln>
+            <a:noFill/>
+          </a:ln>
+          <a:extLst>
+            <a:ext uri="{909E8E84-426E-40DD-AFC4-6F175D3DCCD1}">
+              <a14:hiddenFill xmlns:a14="http://schemas.microsoft.com/office/drawing/2010/main">
+                <a:solidFill>
+                  <a:schemeClr val="accent1"/>
+                </a:solidFill>
+              </a14:hiddenFill>
+            </a:ext>
+            <a:ext uri="{91240B29-F687-4F45-9708-019B960494DF}">
+              <a14:hiddenLine xmlns:a14="http://schemas.microsoft.com/office/drawing/2010/main" w="9525">
+                <a:solidFill>
+                  <a:schemeClr val="tx1"/>
+                </a:solidFill>
+                <a:miter lim="800000"/>
+                <a:headEnd/>
+                <a:tailEnd/>
+              </a14:hiddenLine>
+            </a:ext>
+          </a:extLst>
+        </p:spPr>
+      </p:pic>
+      <p:pic>
+        <p:nvPicPr>
+          <p:cNvPr id="6157" name="Picture 13"/>
+          <p:cNvPicPr>
+            <a:picLocks noChangeAspect="1" noChangeArrowheads="1"/>
+          </p:cNvPicPr>
+          <p:nvPr/>
+        </p:nvPicPr>
+        <p:blipFill rotWithShape="1">
+          <a:blip r:embed="rId4" cstate="print">
+            <a:extLst>
+              <a:ext uri="{28A0092B-C50C-407E-A947-70E740481C1C}">
+                <a14:useLocalDpi xmlns:a14="http://schemas.microsoft.com/office/drawing/2010/main" val="0"/>
+              </a:ext>
+            </a:extLst>
+          </a:blip>
+          <a:srcRect/>
+          <a:stretch/>
+        </p:blipFill>
+        <p:spPr bwMode="auto">
+          <a:xfrm>
+            <a:off x="3635896" y="3356992"/>
+            <a:ext cx="5207000" cy="2076451"/>
+          </a:xfrm>
+          <a:prstGeom prst="rect">
+            <a:avLst/>
+          </a:prstGeom>
+          <a:noFill/>
+          <a:ln>
+            <a:noFill/>
+          </a:ln>
+          <a:extLst>
+            <a:ext uri="{909E8E84-426E-40DD-AFC4-6F175D3DCCD1}">
+              <a14:hiddenFill xmlns:a14="http://schemas.microsoft.com/office/drawing/2010/main">
+                <a:solidFill>
+                  <a:schemeClr val="accent1"/>
+                </a:solidFill>
+              </a14:hiddenFill>
+            </a:ext>
+            <a:ext uri="{91240B29-F687-4F45-9708-019B960494DF}">
+              <a14:hiddenLine xmlns:a14="http://schemas.microsoft.com/office/drawing/2010/main" w="9525">
+                <a:solidFill>
+                  <a:schemeClr val="tx1"/>
+                </a:solidFill>
+                <a:miter lim="800000"/>
+                <a:headEnd/>
+                <a:tailEnd/>
+              </a14:hiddenLine>
+            </a:ext>
+          </a:extLst>
+        </p:spPr>
+      </p:pic>
     </p:spTree>
     <p:extLst>
       <p:ext uri="{BB962C8B-B14F-4D97-AF65-F5344CB8AC3E}">
-        <p14:creationId xmlns:p14="http://schemas.microsoft.com/office/powerpoint/2010/main" val="720279345"/>
+        <p14:creationId xmlns:p14="http://schemas.microsoft.com/office/powerpoint/2010/main" val="1102042093"/>
       </p:ext>
     </p:extLst>
   </p:cSld>
@@ -4552,12 +4619,8 @@
           <a:lstStyle/>
           <a:p>
             <a:r>
-              <a:rPr lang="en-US" altLang="ja-JP" dirty="0" err="1"/>
-              <a:t>I</a:t>
-            </a:r>
-            <a:r>
               <a:rPr kumimoji="1" lang="en-US" altLang="ja-JP" dirty="0" err="1"/>
-              <a:t>terateTables</a:t>
+              <a:t>VerticalRecords</a:t>
             </a:r>
             <a:endParaRPr kumimoji="1" lang="ja-JP" altLang="en-US" dirty="0"/>
           </a:p>
@@ -4565,7 +4628,7 @@
       </p:sp>
       <p:pic>
         <p:nvPicPr>
-          <p:cNvPr id="2054" name="Picture 6"/>
+          <p:cNvPr id="3077" name="Picture 5"/>
           <p:cNvPicPr>
             <a:picLocks noChangeAspect="1" noChangeArrowheads="1"/>
           </p:cNvPicPr>
@@ -4584,8 +4647,8 @@
         </p:blipFill>
         <p:spPr bwMode="auto">
           <a:xfrm>
-            <a:off x="395536" y="1268760"/>
-            <a:ext cx="7086600" cy="2286001"/>
+            <a:off x="323528" y="1340768"/>
+            <a:ext cx="4438650" cy="2867025"/>
           </a:xfrm>
           <a:prstGeom prst="rect">
             <a:avLst/>
@@ -4618,7 +4681,7 @@
     </p:spTree>
     <p:extLst>
       <p:ext uri="{BB962C8B-B14F-4D97-AF65-F5344CB8AC3E}">
-        <p14:creationId xmlns:p14="http://schemas.microsoft.com/office/powerpoint/2010/main" val="2514548196"/>
+        <p14:creationId xmlns:p14="http://schemas.microsoft.com/office/powerpoint/2010/main" val="720279345"/>
       </p:ext>
     </p:extLst>
   </p:cSld>
@@ -4661,8 +4724,12 @@
           <a:lstStyle/>
           <a:p>
             <a:r>
-              <a:rPr lang="en-US" altLang="ja-JP" dirty="0"/>
-              <a:t>Converter</a:t>
+              <a:rPr lang="en-US" altLang="ja-JP" dirty="0" err="1"/>
+              <a:t>I</a:t>
+            </a:r>
+            <a:r>
+              <a:rPr kumimoji="1" lang="en-US" altLang="ja-JP" dirty="0" err="1"/>
+              <a:t>terateTables</a:t>
             </a:r>
             <a:endParaRPr kumimoji="1" lang="ja-JP" altLang="en-US" dirty="0"/>
           </a:p>
@@ -4670,14 +4737,14 @@
       </p:sp>
       <p:pic>
         <p:nvPicPr>
-          <p:cNvPr id="1026" name="Picture 2"/>
+          <p:cNvPr id="2054" name="Picture 6"/>
           <p:cNvPicPr>
             <a:picLocks noChangeAspect="1" noChangeArrowheads="1"/>
           </p:cNvPicPr>
           <p:nvPr/>
         </p:nvPicPr>
-        <p:blipFill>
-          <a:blip r:embed="rId2">
+        <p:blipFill rotWithShape="1">
+          <a:blip r:embed="rId2" cstate="print">
             <a:extLst>
               <a:ext uri="{28A0092B-C50C-407E-A947-70E740481C1C}">
                 <a14:useLocalDpi xmlns:a14="http://schemas.microsoft.com/office/drawing/2010/main" val="0"/>
@@ -4685,14 +4752,12 @@
             </a:extLst>
           </a:blip>
           <a:srcRect/>
-          <a:stretch>
-            <a:fillRect/>
-          </a:stretch>
+          <a:stretch/>
         </p:blipFill>
         <p:spPr bwMode="auto">
           <a:xfrm>
-            <a:off x="683568" y="1412776"/>
-            <a:ext cx="5172075" cy="4200525"/>
+            <a:off x="395536" y="1268760"/>
+            <a:ext cx="7086600" cy="2286001"/>
           </a:xfrm>
           <a:prstGeom prst="rect">
             <a:avLst/>
@@ -4725,7 +4790,7 @@
     </p:spTree>
     <p:extLst>
       <p:ext uri="{BB962C8B-B14F-4D97-AF65-F5344CB8AC3E}">
-        <p14:creationId xmlns:p14="http://schemas.microsoft.com/office/powerpoint/2010/main" val="1516922418"/>
+        <p14:creationId xmlns:p14="http://schemas.microsoft.com/office/powerpoint/2010/main" val="2514548196"/>
       </p:ext>
     </p:extLst>
   </p:cSld>
@@ -4754,6 +4819,132 @@
       </p:grpSpPr>
       <p:sp>
         <p:nvSpPr>
+          <p:cNvPr id="2" name="タイトル 1">
+            <a:extLst>
+              <a:ext uri="{FF2B5EF4-FFF2-40B4-BE49-F238E27FC236}">
+                <a16:creationId xmlns:a16="http://schemas.microsoft.com/office/drawing/2014/main" id="{FCC515D3-96D4-4852-9FF9-D26C487D3211}"/>
+              </a:ext>
+            </a:extLst>
+          </p:cNvPr>
+          <p:cNvSpPr>
+            <a:spLocks noGrp="1"/>
+          </p:cNvSpPr>
+          <p:nvPr>
+            <p:ph type="title"/>
+          </p:nvPr>
+        </p:nvSpPr>
+        <p:spPr>
+          <a:xfrm>
+            <a:off x="457200" y="188640"/>
+            <a:ext cx="7427168" cy="720080"/>
+          </a:xfrm>
+        </p:spPr>
+        <p:txBody>
+          <a:bodyPr>
+            <a:normAutofit/>
+          </a:bodyPr>
+          <a:lstStyle/>
+          <a:p>
+            <a:r>
+              <a:rPr kumimoji="1" lang="en-US" altLang="ja-JP" sz="2400" dirty="0" err="1"/>
+              <a:t>ArrayOption</a:t>
+            </a:r>
+            <a:endParaRPr kumimoji="1" lang="ja-JP" altLang="en-US" sz="2400" dirty="0"/>
+          </a:p>
+        </p:txBody>
+      </p:sp>
+      <p:pic>
+        <p:nvPicPr>
+          <p:cNvPr id="7" name="図 6">
+            <a:extLst>
+              <a:ext uri="{FF2B5EF4-FFF2-40B4-BE49-F238E27FC236}">
+                <a16:creationId xmlns:a16="http://schemas.microsoft.com/office/drawing/2014/main" id="{A20E4631-A543-4A3B-83D6-BFAAE52ABAF9}"/>
+              </a:ext>
+            </a:extLst>
+          </p:cNvPr>
+          <p:cNvPicPr>
+            <a:picLocks noChangeAspect="1"/>
+          </p:cNvPicPr>
+          <p:nvPr/>
+        </p:nvPicPr>
+        <p:blipFill>
+          <a:blip r:embed="rId2"/>
+          <a:stretch>
+            <a:fillRect/>
+          </a:stretch>
+        </p:blipFill>
+        <p:spPr>
+          <a:xfrm>
+            <a:off x="323528" y="921296"/>
+            <a:ext cx="5666667" cy="1419048"/>
+          </a:xfrm>
+          <a:prstGeom prst="rect">
+            <a:avLst/>
+          </a:prstGeom>
+        </p:spPr>
+      </p:pic>
+      <p:pic>
+        <p:nvPicPr>
+          <p:cNvPr id="8" name="図 7">
+            <a:extLst>
+              <a:ext uri="{FF2B5EF4-FFF2-40B4-BE49-F238E27FC236}">
+                <a16:creationId xmlns:a16="http://schemas.microsoft.com/office/drawing/2014/main" id="{2765B5C1-C0C0-4BEB-BEBE-E6DB8D11D78C}"/>
+              </a:ext>
+            </a:extLst>
+          </p:cNvPr>
+          <p:cNvPicPr>
+            <a:picLocks noChangeAspect="1"/>
+          </p:cNvPicPr>
+          <p:nvPr/>
+        </p:nvPicPr>
+        <p:blipFill>
+          <a:blip r:embed="rId3"/>
+          <a:stretch>
+            <a:fillRect/>
+          </a:stretch>
+        </p:blipFill>
+        <p:spPr>
+          <a:xfrm>
+            <a:off x="611560" y="2564904"/>
+            <a:ext cx="5695238" cy="1380952"/>
+          </a:xfrm>
+          <a:prstGeom prst="rect">
+            <a:avLst/>
+          </a:prstGeom>
+        </p:spPr>
+      </p:pic>
+    </p:spTree>
+    <p:extLst>
+      <p:ext uri="{BB962C8B-B14F-4D97-AF65-F5344CB8AC3E}">
+        <p14:creationId xmlns:p14="http://schemas.microsoft.com/office/powerpoint/2010/main" val="1259639796"/>
+      </p:ext>
+    </p:extLst>
+  </p:cSld>
+  <p:clrMapOvr>
+    <a:masterClrMapping/>
+  </p:clrMapOvr>
+</p:sld>
+</file>
+
+<file path=ppt/slides/slide19.xml><?xml version="1.0" encoding="utf-8"?>
+<p:sld xmlns:a="http://schemas.openxmlformats.org/drawingml/2006/main" xmlns:r="http://schemas.openxmlformats.org/officeDocument/2006/relationships" xmlns:p="http://schemas.openxmlformats.org/presentationml/2006/main">
+  <p:cSld>
+    <p:spTree>
+      <p:nvGrpSpPr>
+        <p:cNvPr id="1" name=""/>
+        <p:cNvGrpSpPr/>
+        <p:nvPr/>
+      </p:nvGrpSpPr>
+      <p:grpSpPr>
+        <a:xfrm>
+          <a:off x="0" y="0"/>
+          <a:ext cx="0" cy="0"/>
+          <a:chOff x="0" y="0"/>
+          <a:chExt cx="0" cy="0"/>
+        </a:xfrm>
+      </p:grpSpPr>
+      <p:sp>
+        <p:nvSpPr>
           <p:cNvPr id="2" name="タイトル 1"/>
           <p:cNvSpPr>
             <a:spLocks noGrp="1"/>
@@ -4768,8 +4959,8 @@
           <a:lstStyle/>
           <a:p>
             <a:r>
-              <a:rPr kumimoji="1" lang="en-US" altLang="ja-JP" dirty="0" err="1"/>
-              <a:t>XlsFormula</a:t>
+              <a:rPr lang="en-US" altLang="ja-JP" dirty="0"/>
+              <a:t>Converter</a:t>
             </a:r>
             <a:endParaRPr kumimoji="1" lang="ja-JP" altLang="en-US" dirty="0"/>
           </a:p>
@@ -4783,8 +4974,8 @@
           </p:cNvPicPr>
           <p:nvPr/>
         </p:nvPicPr>
-        <p:blipFill rotWithShape="1">
-          <a:blip r:embed="rId2" cstate="print">
+        <p:blipFill>
+          <a:blip r:embed="rId2">
             <a:extLst>
               <a:ext uri="{28A0092B-C50C-407E-A947-70E740481C1C}">
                 <a14:useLocalDpi xmlns:a14="http://schemas.microsoft.com/office/drawing/2010/main" val="0"/>
@@ -4792,12 +4983,14 @@
             </a:extLst>
           </a:blip>
           <a:srcRect/>
-          <a:stretch/>
+          <a:stretch>
+            <a:fillRect/>
+          </a:stretch>
         </p:blipFill>
         <p:spPr bwMode="auto">
           <a:xfrm>
-            <a:off x="467544" y="1484784"/>
-            <a:ext cx="5844877" cy="1914525"/>
+            <a:off x="683568" y="1412776"/>
+            <a:ext cx="5172075" cy="4200525"/>
           </a:xfrm>
           <a:prstGeom prst="rect">
             <a:avLst/>
@@ -4830,7 +5023,7 @@
     </p:spTree>
     <p:extLst>
       <p:ext uri="{BB962C8B-B14F-4D97-AF65-F5344CB8AC3E}">
-        <p14:creationId xmlns:p14="http://schemas.microsoft.com/office/powerpoint/2010/main" val="3099117497"/>
+        <p14:creationId xmlns:p14="http://schemas.microsoft.com/office/powerpoint/2010/main" val="1516922418"/>
       </p:ext>
     </p:extLst>
   </p:cSld>
@@ -4952,6 +5145,111 @@
 </p:sld>
 </file>
 
+<file path=ppt/slides/slide20.xml><?xml version="1.0" encoding="utf-8"?>
+<p:sld xmlns:a="http://schemas.openxmlformats.org/drawingml/2006/main" xmlns:r="http://schemas.openxmlformats.org/officeDocument/2006/relationships" xmlns:p="http://schemas.openxmlformats.org/presentationml/2006/main">
+  <p:cSld>
+    <p:spTree>
+      <p:nvGrpSpPr>
+        <p:cNvPr id="1" name=""/>
+        <p:cNvGrpSpPr/>
+        <p:nvPr/>
+      </p:nvGrpSpPr>
+      <p:grpSpPr>
+        <a:xfrm>
+          <a:off x="0" y="0"/>
+          <a:ext cx="0" cy="0"/>
+          <a:chOff x="0" y="0"/>
+          <a:chExt cx="0" cy="0"/>
+        </a:xfrm>
+      </p:grpSpPr>
+      <p:sp>
+        <p:nvSpPr>
+          <p:cNvPr id="2" name="タイトル 1"/>
+          <p:cNvSpPr>
+            <a:spLocks noGrp="1"/>
+          </p:cNvSpPr>
+          <p:nvPr>
+            <p:ph type="title"/>
+          </p:nvPr>
+        </p:nvSpPr>
+        <p:spPr/>
+        <p:txBody>
+          <a:bodyPr/>
+          <a:lstStyle/>
+          <a:p>
+            <a:r>
+              <a:rPr kumimoji="1" lang="en-US" altLang="ja-JP" dirty="0" err="1"/>
+              <a:t>XlsFormula</a:t>
+            </a:r>
+            <a:endParaRPr kumimoji="1" lang="ja-JP" altLang="en-US" dirty="0"/>
+          </a:p>
+        </p:txBody>
+      </p:sp>
+      <p:pic>
+        <p:nvPicPr>
+          <p:cNvPr id="1026" name="Picture 2"/>
+          <p:cNvPicPr>
+            <a:picLocks noChangeAspect="1" noChangeArrowheads="1"/>
+          </p:cNvPicPr>
+          <p:nvPr/>
+        </p:nvPicPr>
+        <p:blipFill rotWithShape="1">
+          <a:blip r:embed="rId2" cstate="print">
+            <a:extLst>
+              <a:ext uri="{28A0092B-C50C-407E-A947-70E740481C1C}">
+                <a14:useLocalDpi xmlns:a14="http://schemas.microsoft.com/office/drawing/2010/main" val="0"/>
+              </a:ext>
+            </a:extLst>
+          </a:blip>
+          <a:srcRect/>
+          <a:stretch/>
+        </p:blipFill>
+        <p:spPr bwMode="auto">
+          <a:xfrm>
+            <a:off x="467544" y="1484784"/>
+            <a:ext cx="5844877" cy="1914525"/>
+          </a:xfrm>
+          <a:prstGeom prst="rect">
+            <a:avLst/>
+          </a:prstGeom>
+          <a:noFill/>
+          <a:ln>
+            <a:noFill/>
+          </a:ln>
+          <a:extLst>
+            <a:ext uri="{909E8E84-426E-40DD-AFC4-6F175D3DCCD1}">
+              <a14:hiddenFill xmlns:a14="http://schemas.microsoft.com/office/drawing/2010/main">
+                <a:solidFill>
+                  <a:schemeClr val="accent1"/>
+                </a:solidFill>
+              </a14:hiddenFill>
+            </a:ext>
+            <a:ext uri="{91240B29-F687-4F45-9708-019B960494DF}">
+              <a14:hiddenLine xmlns:a14="http://schemas.microsoft.com/office/drawing/2010/main" w="9525">
+                <a:solidFill>
+                  <a:schemeClr val="tx1"/>
+                </a:solidFill>
+                <a:miter lim="800000"/>
+                <a:headEnd/>
+                <a:tailEnd/>
+              </a14:hiddenLine>
+            </a:ext>
+          </a:extLst>
+        </p:spPr>
+      </p:pic>
+    </p:spTree>
+    <p:extLst>
+      <p:ext uri="{BB962C8B-B14F-4D97-AF65-F5344CB8AC3E}">
+        <p14:creationId xmlns:p14="http://schemas.microsoft.com/office/powerpoint/2010/main" val="3099117497"/>
+      </p:ext>
+    </p:extLst>
+  </p:cSld>
+  <p:clrMapOvr>
+    <a:masterClrMapping/>
+  </p:clrMapOvr>
+</p:sld>
+</file>
+
 <file path=ppt/slides/slide3.xml><?xml version="1.0" encoding="utf-8"?>
 <p:sld xmlns:a="http://schemas.openxmlformats.org/drawingml/2006/main" xmlns:r="http://schemas.openxmlformats.org/officeDocument/2006/relationships" xmlns:p="http://schemas.openxmlformats.org/presentationml/2006/main">
   <p:cSld>
@@ -5259,7 +5557,7 @@
         </p:blipFill>
         <p:spPr>
           <a:xfrm>
-            <a:off x="3563888" y="3499231"/>
+            <a:off x="827584" y="2843285"/>
             <a:ext cx="2876190" cy="1171429"/>
           </a:xfrm>
           <a:prstGeom prst="rect">
@@ -5321,6 +5619,36 @@
           <a:xfrm>
             <a:off x="3995936" y="1164721"/>
             <a:ext cx="3466667" cy="895238"/>
+          </a:xfrm>
+          <a:prstGeom prst="rect">
+            <a:avLst/>
+          </a:prstGeom>
+        </p:spPr>
+      </p:pic>
+      <p:pic>
+        <p:nvPicPr>
+          <p:cNvPr id="3" name="図 2">
+            <a:extLst>
+              <a:ext uri="{FF2B5EF4-FFF2-40B4-BE49-F238E27FC236}">
+                <a16:creationId xmlns:a16="http://schemas.microsoft.com/office/drawing/2014/main" id="{A167F6C2-F6A6-49C1-9EC9-0F4D1F7989A8}"/>
+              </a:ext>
+            </a:extLst>
+          </p:cNvPr>
+          <p:cNvPicPr>
+            <a:picLocks noChangeAspect="1"/>
+          </p:cNvPicPr>
+          <p:nvPr/>
+        </p:nvPicPr>
+        <p:blipFill>
+          <a:blip r:embed="rId5"/>
+          <a:stretch>
+            <a:fillRect/>
+          </a:stretch>
+        </p:blipFill>
+        <p:spPr>
+          <a:xfrm>
+            <a:off x="4283968" y="2843285"/>
+            <a:ext cx="3704762" cy="1847619"/>
           </a:xfrm>
           <a:prstGeom prst="rect">
             <a:avLst/>
@@ -5661,8 +5989,38 @@
         </p:blipFill>
         <p:spPr>
           <a:xfrm>
-            <a:off x="251520" y="3941266"/>
+            <a:off x="54049" y="3829633"/>
             <a:ext cx="5371429" cy="1009524"/>
+          </a:xfrm>
+          <a:prstGeom prst="rect">
+            <a:avLst/>
+          </a:prstGeom>
+        </p:spPr>
+      </p:pic>
+      <p:pic>
+        <p:nvPicPr>
+          <p:cNvPr id="4" name="図 3">
+            <a:extLst>
+              <a:ext uri="{FF2B5EF4-FFF2-40B4-BE49-F238E27FC236}">
+                <a16:creationId xmlns:a16="http://schemas.microsoft.com/office/drawing/2014/main" id="{9680C3ED-87C8-41C6-B8C4-AC14E3F35FB6}"/>
+              </a:ext>
+            </a:extLst>
+          </p:cNvPr>
+          <p:cNvPicPr>
+            <a:picLocks noChangeAspect="1"/>
+          </p:cNvPicPr>
+          <p:nvPr/>
+        </p:nvPicPr>
+        <p:blipFill>
+          <a:blip r:embed="rId5"/>
+          <a:stretch>
+            <a:fillRect/>
+          </a:stretch>
+        </p:blipFill>
+        <p:spPr>
+          <a:xfrm>
+            <a:off x="4355976" y="4992860"/>
+            <a:ext cx="4447619" cy="1857143"/>
           </a:xfrm>
           <a:prstGeom prst="rect">
             <a:avLst/>

--- a/src/site/sphinx/memo/images.pptx
+++ b/src/site/sphinx/memo/images.pptx
@@ -21,10 +21,11 @@
     <p:sldId id="269" r:id="rId15"/>
     <p:sldId id="262" r:id="rId16"/>
     <p:sldId id="265" r:id="rId17"/>
-    <p:sldId id="263" r:id="rId18"/>
-    <p:sldId id="275" r:id="rId19"/>
-    <p:sldId id="264" r:id="rId20"/>
-    <p:sldId id="270" r:id="rId21"/>
+    <p:sldId id="276" r:id="rId18"/>
+    <p:sldId id="263" r:id="rId19"/>
+    <p:sldId id="275" r:id="rId20"/>
+    <p:sldId id="264" r:id="rId21"/>
+    <p:sldId id="270" r:id="rId22"/>
   </p:sldIdLst>
   <p:sldSz cx="9144000" cy="6858000" type="screen4x3"/>
   <p:notesSz cx="6858000" cy="9144000"/>
@@ -325,7 +326,7 @@
           <a:p>
             <a:fld id="{E90ED720-0104-4369-84BC-D37694168613}" type="datetimeFigureOut">
               <a:rPr kumimoji="1" lang="ja-JP" altLang="en-US" smtClean="0"/>
-              <a:t>2017/12/10</a:t>
+              <a:t>2017/12/18</a:t>
             </a:fld>
             <a:endParaRPr kumimoji="1" lang="ja-JP" altLang="en-US"/>
           </a:p>
@@ -520,7 +521,7 @@
           <a:p>
             <a:fld id="{E90ED720-0104-4369-84BC-D37694168613}" type="datetimeFigureOut">
               <a:rPr kumimoji="1" lang="ja-JP" altLang="en-US" smtClean="0"/>
-              <a:t>2017/12/10</a:t>
+              <a:t>2017/12/18</a:t>
             </a:fld>
             <a:endParaRPr kumimoji="1" lang="ja-JP" altLang="en-US"/>
           </a:p>
@@ -725,7 +726,7 @@
           <a:p>
             <a:fld id="{E90ED720-0104-4369-84BC-D37694168613}" type="datetimeFigureOut">
               <a:rPr kumimoji="1" lang="ja-JP" altLang="en-US" smtClean="0"/>
-              <a:t>2017/12/10</a:t>
+              <a:t>2017/12/18</a:t>
             </a:fld>
             <a:endParaRPr kumimoji="1" lang="ja-JP" altLang="en-US"/>
           </a:p>
@@ -920,7 +921,7 @@
           <a:p>
             <a:fld id="{E90ED720-0104-4369-84BC-D37694168613}" type="datetimeFigureOut">
               <a:rPr kumimoji="1" lang="ja-JP" altLang="en-US" smtClean="0"/>
-              <a:t>2017/12/10</a:t>
+              <a:t>2017/12/18</a:t>
             </a:fld>
             <a:endParaRPr kumimoji="1" lang="ja-JP" altLang="en-US"/>
           </a:p>
@@ -1160,7 +1161,7 @@
           <a:p>
             <a:fld id="{E90ED720-0104-4369-84BC-D37694168613}" type="datetimeFigureOut">
               <a:rPr kumimoji="1" lang="ja-JP" altLang="en-US" smtClean="0"/>
-              <a:t>2017/12/10</a:t>
+              <a:t>2017/12/18</a:t>
             </a:fld>
             <a:endParaRPr kumimoji="1" lang="ja-JP" altLang="en-US"/>
           </a:p>
@@ -1504,7 +1505,7 @@
           <a:p>
             <a:fld id="{E90ED720-0104-4369-84BC-D37694168613}" type="datetimeFigureOut">
               <a:rPr kumimoji="1" lang="ja-JP" altLang="en-US" smtClean="0"/>
-              <a:t>2017/12/10</a:t>
+              <a:t>2017/12/18</a:t>
             </a:fld>
             <a:endParaRPr kumimoji="1" lang="ja-JP" altLang="en-US"/>
           </a:p>
@@ -1982,7 +1983,7 @@
           <a:p>
             <a:fld id="{E90ED720-0104-4369-84BC-D37694168613}" type="datetimeFigureOut">
               <a:rPr kumimoji="1" lang="ja-JP" altLang="en-US" smtClean="0"/>
-              <a:t>2017/12/10</a:t>
+              <a:t>2017/12/18</a:t>
             </a:fld>
             <a:endParaRPr kumimoji="1" lang="ja-JP" altLang="en-US"/>
           </a:p>
@@ -2094,7 +2095,7 @@
           <a:p>
             <a:fld id="{E90ED720-0104-4369-84BC-D37694168613}" type="datetimeFigureOut">
               <a:rPr kumimoji="1" lang="ja-JP" altLang="en-US" smtClean="0"/>
-              <a:t>2017/12/10</a:t>
+              <a:t>2017/12/18</a:t>
             </a:fld>
             <a:endParaRPr kumimoji="1" lang="ja-JP" altLang="en-US"/>
           </a:p>
@@ -2184,7 +2185,7 @@
           <a:p>
             <a:fld id="{E90ED720-0104-4369-84BC-D37694168613}" type="datetimeFigureOut">
               <a:rPr kumimoji="1" lang="ja-JP" altLang="en-US" smtClean="0"/>
-              <a:t>2017/12/10</a:t>
+              <a:t>2017/12/18</a:t>
             </a:fld>
             <a:endParaRPr kumimoji="1" lang="ja-JP" altLang="en-US"/>
           </a:p>
@@ -2486,7 +2487,7 @@
           <a:p>
             <a:fld id="{E90ED720-0104-4369-84BC-D37694168613}" type="datetimeFigureOut">
               <a:rPr kumimoji="1" lang="ja-JP" altLang="en-US" smtClean="0"/>
-              <a:t>2017/12/10</a:t>
+              <a:t>2017/12/18</a:t>
             </a:fld>
             <a:endParaRPr kumimoji="1" lang="ja-JP" altLang="en-US"/>
           </a:p>
@@ -2733,7 +2734,7 @@
           <a:p>
             <a:fld id="{E90ED720-0104-4369-84BC-D37694168613}" type="datetimeFigureOut">
               <a:rPr kumimoji="1" lang="ja-JP" altLang="en-US" smtClean="0"/>
-              <a:t>2017/12/10</a:t>
+              <a:t>2017/12/18</a:t>
             </a:fld>
             <a:endParaRPr kumimoji="1" lang="ja-JP" altLang="en-US"/>
           </a:p>
@@ -2971,7 +2972,7 @@
           <a:p>
             <a:fld id="{E90ED720-0104-4369-84BC-D37694168613}" type="datetimeFigureOut">
               <a:rPr kumimoji="1" lang="ja-JP" altLang="en-US" smtClean="0"/>
-              <a:t>2017/12/10</a:t>
+              <a:t>2017/12/18</a:t>
             </a:fld>
             <a:endParaRPr kumimoji="1" lang="ja-JP" altLang="en-US"/>
           </a:p>
@@ -4678,6 +4679,36 @@
           </a:extLst>
         </p:spPr>
       </p:pic>
+      <p:pic>
+        <p:nvPicPr>
+          <p:cNvPr id="3" name="図 2">
+            <a:extLst>
+              <a:ext uri="{FF2B5EF4-FFF2-40B4-BE49-F238E27FC236}">
+                <a16:creationId xmlns:a16="http://schemas.microsoft.com/office/drawing/2014/main" id="{3265F608-687E-49CB-BE38-0E6F8102E002}"/>
+              </a:ext>
+            </a:extLst>
+          </p:cNvPr>
+          <p:cNvPicPr>
+            <a:picLocks noChangeAspect="1"/>
+          </p:cNvPicPr>
+          <p:nvPr/>
+        </p:nvPicPr>
+        <p:blipFill>
+          <a:blip r:embed="rId3"/>
+          <a:stretch>
+            <a:fillRect/>
+          </a:stretch>
+        </p:blipFill>
+        <p:spPr>
+          <a:xfrm>
+            <a:off x="3779912" y="4240957"/>
+            <a:ext cx="5085714" cy="2657143"/>
+          </a:xfrm>
+          <a:prstGeom prst="rect">
+            <a:avLst/>
+          </a:prstGeom>
+        </p:spPr>
+      </p:pic>
     </p:spTree>
     <p:extLst>
       <p:ext uri="{BB962C8B-B14F-4D97-AF65-F5344CB8AC3E}">
@@ -4710,7 +4741,13 @@
       </p:grpSpPr>
       <p:sp>
         <p:nvSpPr>
-          <p:cNvPr id="2" name="タイトル 1"/>
+          <p:cNvPr id="2" name="タイトル 1">
+            <a:extLst>
+              <a:ext uri="{FF2B5EF4-FFF2-40B4-BE49-F238E27FC236}">
+                <a16:creationId xmlns:a16="http://schemas.microsoft.com/office/drawing/2014/main" id="{EE6F9078-3612-4009-AEC5-0DE52B375762}"/>
+              </a:ext>
+            </a:extLst>
+          </p:cNvPr>
           <p:cNvSpPr>
             <a:spLocks noGrp="1"/>
           </p:cNvSpPr>
@@ -4718,79 +4755,90 @@
             <p:ph type="title"/>
           </p:nvPr>
         </p:nvSpPr>
-        <p:spPr/>
-        <p:txBody>
-          <a:bodyPr/>
+        <p:spPr>
+          <a:xfrm>
+            <a:off x="251520" y="116632"/>
+            <a:ext cx="6707088" cy="490066"/>
+          </a:xfrm>
+        </p:spPr>
+        <p:txBody>
+          <a:bodyPr>
+            <a:noAutofit/>
+          </a:bodyPr>
           <a:lstStyle/>
           <a:p>
             <a:r>
-              <a:rPr lang="en-US" altLang="ja-JP" dirty="0" err="1"/>
-              <a:t>I</a:t>
-            </a:r>
-            <a:r>
-              <a:rPr kumimoji="1" lang="en-US" altLang="ja-JP" dirty="0" err="1"/>
-              <a:t>terateTables</a:t>
-            </a:r>
-            <a:endParaRPr kumimoji="1" lang="ja-JP" altLang="en-US" dirty="0"/>
+              <a:rPr kumimoji="1" lang="en-US" altLang="ja-JP" sz="2400" dirty="0" err="1"/>
+              <a:t>RecordOption</a:t>
+            </a:r>
+            <a:endParaRPr kumimoji="1" lang="ja-JP" altLang="en-US" sz="2400" dirty="0"/>
           </a:p>
         </p:txBody>
       </p:sp>
       <p:pic>
         <p:nvPicPr>
-          <p:cNvPr id="2054" name="Picture 6"/>
+          <p:cNvPr id="4" name="図 3">
+            <a:extLst>
+              <a:ext uri="{FF2B5EF4-FFF2-40B4-BE49-F238E27FC236}">
+                <a16:creationId xmlns:a16="http://schemas.microsoft.com/office/drawing/2014/main" id="{C94FDC1C-C58E-44CE-96B5-46520D3E6A79}"/>
+              </a:ext>
+            </a:extLst>
+          </p:cNvPr>
           <p:cNvPicPr>
-            <a:picLocks noChangeAspect="1" noChangeArrowheads="1"/>
+            <a:picLocks noChangeAspect="1"/>
           </p:cNvPicPr>
           <p:nvPr/>
         </p:nvPicPr>
-        <p:blipFill rotWithShape="1">
-          <a:blip r:embed="rId2" cstate="print">
-            <a:extLst>
-              <a:ext uri="{28A0092B-C50C-407E-A947-70E740481C1C}">
-                <a14:useLocalDpi xmlns:a14="http://schemas.microsoft.com/office/drawing/2010/main" val="0"/>
-              </a:ext>
-            </a:extLst>
-          </a:blip>
-          <a:srcRect/>
-          <a:stretch/>
+        <p:blipFill>
+          <a:blip r:embed="rId2"/>
+          <a:stretch>
+            <a:fillRect/>
+          </a:stretch>
         </p:blipFill>
-        <p:spPr bwMode="auto">
-          <a:xfrm>
-            <a:off x="395536" y="1268760"/>
-            <a:ext cx="7086600" cy="2286001"/>
+        <p:spPr>
+          <a:xfrm>
+            <a:off x="384101" y="652629"/>
+            <a:ext cx="5161905" cy="3295238"/>
           </a:xfrm>
           <a:prstGeom prst="rect">
             <a:avLst/>
           </a:prstGeom>
-          <a:noFill/>
-          <a:ln>
-            <a:noFill/>
-          </a:ln>
-          <a:extLst>
-            <a:ext uri="{909E8E84-426E-40DD-AFC4-6F175D3DCCD1}">
-              <a14:hiddenFill xmlns:a14="http://schemas.microsoft.com/office/drawing/2010/main">
-                <a:solidFill>
-                  <a:schemeClr val="accent1"/>
-                </a:solidFill>
-              </a14:hiddenFill>
-            </a:ext>
-            <a:ext uri="{91240B29-F687-4F45-9708-019B960494DF}">
-              <a14:hiddenLine xmlns:a14="http://schemas.microsoft.com/office/drawing/2010/main" w="9525">
-                <a:solidFill>
-                  <a:schemeClr val="tx1"/>
-                </a:solidFill>
-                <a:miter lim="800000"/>
-                <a:headEnd/>
-                <a:tailEnd/>
-              </a14:hiddenLine>
-            </a:ext>
-          </a:extLst>
+        </p:spPr>
+      </p:pic>
+      <p:pic>
+        <p:nvPicPr>
+          <p:cNvPr id="5" name="図 4">
+            <a:extLst>
+              <a:ext uri="{FF2B5EF4-FFF2-40B4-BE49-F238E27FC236}">
+                <a16:creationId xmlns:a16="http://schemas.microsoft.com/office/drawing/2014/main" id="{D1E6E782-2889-4612-B188-98F69CDAB393}"/>
+              </a:ext>
+            </a:extLst>
+          </p:cNvPr>
+          <p:cNvPicPr>
+            <a:picLocks noChangeAspect="1"/>
+          </p:cNvPicPr>
+          <p:nvPr/>
+        </p:nvPicPr>
+        <p:blipFill>
+          <a:blip r:embed="rId3"/>
+          <a:stretch>
+            <a:fillRect/>
+          </a:stretch>
+        </p:blipFill>
+        <p:spPr>
+          <a:xfrm>
+            <a:off x="6012160" y="1268760"/>
+            <a:ext cx="5104762" cy="3219048"/>
+          </a:xfrm>
+          <a:prstGeom prst="rect">
+            <a:avLst/>
+          </a:prstGeom>
         </p:spPr>
       </p:pic>
     </p:spTree>
     <p:extLst>
       <p:ext uri="{BB962C8B-B14F-4D97-AF65-F5344CB8AC3E}">
-        <p14:creationId xmlns:p14="http://schemas.microsoft.com/office/powerpoint/2010/main" val="2514548196"/>
+        <p14:creationId xmlns:p14="http://schemas.microsoft.com/office/powerpoint/2010/main" val="1892689787"/>
       </p:ext>
     </p:extLst>
   </p:cSld>
@@ -4819,13 +4867,7 @@
       </p:grpSpPr>
       <p:sp>
         <p:nvSpPr>
-          <p:cNvPr id="2" name="タイトル 1">
-            <a:extLst>
-              <a:ext uri="{FF2B5EF4-FFF2-40B4-BE49-F238E27FC236}">
-                <a16:creationId xmlns:a16="http://schemas.microsoft.com/office/drawing/2014/main" id="{FCC515D3-96D4-4852-9FF9-D26C487D3211}"/>
-              </a:ext>
-            </a:extLst>
-          </p:cNvPr>
+          <p:cNvPr id="2" name="タイトル 1"/>
           <p:cNvSpPr>
             <a:spLocks noGrp="1"/>
           </p:cNvSpPr>
@@ -4833,90 +4875,79 @@
             <p:ph type="title"/>
           </p:nvPr>
         </p:nvSpPr>
-        <p:spPr>
-          <a:xfrm>
-            <a:off x="457200" y="188640"/>
-            <a:ext cx="7427168" cy="720080"/>
-          </a:xfrm>
-        </p:spPr>
-        <p:txBody>
-          <a:bodyPr>
-            <a:normAutofit/>
-          </a:bodyPr>
+        <p:spPr/>
+        <p:txBody>
+          <a:bodyPr/>
           <a:lstStyle/>
           <a:p>
             <a:r>
-              <a:rPr kumimoji="1" lang="en-US" altLang="ja-JP" sz="2400" dirty="0" err="1"/>
-              <a:t>ArrayOption</a:t>
-            </a:r>
-            <a:endParaRPr kumimoji="1" lang="ja-JP" altLang="en-US" sz="2400" dirty="0"/>
+              <a:rPr lang="en-US" altLang="ja-JP" dirty="0" err="1"/>
+              <a:t>I</a:t>
+            </a:r>
+            <a:r>
+              <a:rPr kumimoji="1" lang="en-US" altLang="ja-JP" dirty="0" err="1"/>
+              <a:t>terateTables</a:t>
+            </a:r>
+            <a:endParaRPr kumimoji="1" lang="ja-JP" altLang="en-US" dirty="0"/>
           </a:p>
         </p:txBody>
       </p:sp>
       <p:pic>
         <p:nvPicPr>
-          <p:cNvPr id="7" name="図 6">
-            <a:extLst>
-              <a:ext uri="{FF2B5EF4-FFF2-40B4-BE49-F238E27FC236}">
-                <a16:creationId xmlns:a16="http://schemas.microsoft.com/office/drawing/2014/main" id="{A20E4631-A543-4A3B-83D6-BFAAE52ABAF9}"/>
-              </a:ext>
-            </a:extLst>
-          </p:cNvPr>
+          <p:cNvPr id="2054" name="Picture 6"/>
           <p:cNvPicPr>
-            <a:picLocks noChangeAspect="1"/>
+            <a:picLocks noChangeAspect="1" noChangeArrowheads="1"/>
           </p:cNvPicPr>
           <p:nvPr/>
         </p:nvPicPr>
-        <p:blipFill>
-          <a:blip r:embed="rId2"/>
-          <a:stretch>
-            <a:fillRect/>
-          </a:stretch>
+        <p:blipFill rotWithShape="1">
+          <a:blip r:embed="rId2" cstate="print">
+            <a:extLst>
+              <a:ext uri="{28A0092B-C50C-407E-A947-70E740481C1C}">
+                <a14:useLocalDpi xmlns:a14="http://schemas.microsoft.com/office/drawing/2010/main" val="0"/>
+              </a:ext>
+            </a:extLst>
+          </a:blip>
+          <a:srcRect/>
+          <a:stretch/>
         </p:blipFill>
-        <p:spPr>
-          <a:xfrm>
-            <a:off x="323528" y="921296"/>
-            <a:ext cx="5666667" cy="1419048"/>
+        <p:spPr bwMode="auto">
+          <a:xfrm>
+            <a:off x="395536" y="1268760"/>
+            <a:ext cx="7086600" cy="2286001"/>
           </a:xfrm>
           <a:prstGeom prst="rect">
             <a:avLst/>
           </a:prstGeom>
-        </p:spPr>
-      </p:pic>
-      <p:pic>
-        <p:nvPicPr>
-          <p:cNvPr id="8" name="図 7">
-            <a:extLst>
-              <a:ext uri="{FF2B5EF4-FFF2-40B4-BE49-F238E27FC236}">
-                <a16:creationId xmlns:a16="http://schemas.microsoft.com/office/drawing/2014/main" id="{2765B5C1-C0C0-4BEB-BEBE-E6DB8D11D78C}"/>
-              </a:ext>
-            </a:extLst>
-          </p:cNvPr>
-          <p:cNvPicPr>
-            <a:picLocks noChangeAspect="1"/>
-          </p:cNvPicPr>
-          <p:nvPr/>
-        </p:nvPicPr>
-        <p:blipFill>
-          <a:blip r:embed="rId3"/>
-          <a:stretch>
-            <a:fillRect/>
-          </a:stretch>
-        </p:blipFill>
-        <p:spPr>
-          <a:xfrm>
-            <a:off x="611560" y="2564904"/>
-            <a:ext cx="5695238" cy="1380952"/>
-          </a:xfrm>
-          <a:prstGeom prst="rect">
-            <a:avLst/>
-          </a:prstGeom>
+          <a:noFill/>
+          <a:ln>
+            <a:noFill/>
+          </a:ln>
+          <a:extLst>
+            <a:ext uri="{909E8E84-426E-40DD-AFC4-6F175D3DCCD1}">
+              <a14:hiddenFill xmlns:a14="http://schemas.microsoft.com/office/drawing/2010/main">
+                <a:solidFill>
+                  <a:schemeClr val="accent1"/>
+                </a:solidFill>
+              </a14:hiddenFill>
+            </a:ext>
+            <a:ext uri="{91240B29-F687-4F45-9708-019B960494DF}">
+              <a14:hiddenLine xmlns:a14="http://schemas.microsoft.com/office/drawing/2010/main" w="9525">
+                <a:solidFill>
+                  <a:schemeClr val="tx1"/>
+                </a:solidFill>
+                <a:miter lim="800000"/>
+                <a:headEnd/>
+                <a:tailEnd/>
+              </a14:hiddenLine>
+            </a:ext>
+          </a:extLst>
         </p:spPr>
       </p:pic>
     </p:spTree>
     <p:extLst>
       <p:ext uri="{BB962C8B-B14F-4D97-AF65-F5344CB8AC3E}">
-        <p14:creationId xmlns:p14="http://schemas.microsoft.com/office/powerpoint/2010/main" val="1259639796"/>
+        <p14:creationId xmlns:p14="http://schemas.microsoft.com/office/powerpoint/2010/main" val="2514548196"/>
       </p:ext>
     </p:extLst>
   </p:cSld>
@@ -4945,7 +4976,13 @@
       </p:grpSpPr>
       <p:sp>
         <p:nvSpPr>
-          <p:cNvPr id="2" name="タイトル 1"/>
+          <p:cNvPr id="2" name="タイトル 1">
+            <a:extLst>
+              <a:ext uri="{FF2B5EF4-FFF2-40B4-BE49-F238E27FC236}">
+                <a16:creationId xmlns:a16="http://schemas.microsoft.com/office/drawing/2014/main" id="{FCC515D3-96D4-4852-9FF9-D26C487D3211}"/>
+              </a:ext>
+            </a:extLst>
+          </p:cNvPr>
           <p:cNvSpPr>
             <a:spLocks noGrp="1"/>
           </p:cNvSpPr>
@@ -4953,77 +4990,90 @@
             <p:ph type="title"/>
           </p:nvPr>
         </p:nvSpPr>
-        <p:spPr/>
-        <p:txBody>
-          <a:bodyPr/>
+        <p:spPr>
+          <a:xfrm>
+            <a:off x="457200" y="188640"/>
+            <a:ext cx="7427168" cy="720080"/>
+          </a:xfrm>
+        </p:spPr>
+        <p:txBody>
+          <a:bodyPr>
+            <a:normAutofit/>
+          </a:bodyPr>
           <a:lstStyle/>
           <a:p>
             <a:r>
-              <a:rPr lang="en-US" altLang="ja-JP" dirty="0"/>
-              <a:t>Converter</a:t>
-            </a:r>
-            <a:endParaRPr kumimoji="1" lang="ja-JP" altLang="en-US" dirty="0"/>
+              <a:rPr kumimoji="1" lang="en-US" altLang="ja-JP" sz="2400" dirty="0" err="1"/>
+              <a:t>ArrayOption</a:t>
+            </a:r>
+            <a:endParaRPr kumimoji="1" lang="ja-JP" altLang="en-US" sz="2400" dirty="0"/>
           </a:p>
         </p:txBody>
       </p:sp>
       <p:pic>
         <p:nvPicPr>
-          <p:cNvPr id="1026" name="Picture 2"/>
+          <p:cNvPr id="7" name="図 6">
+            <a:extLst>
+              <a:ext uri="{FF2B5EF4-FFF2-40B4-BE49-F238E27FC236}">
+                <a16:creationId xmlns:a16="http://schemas.microsoft.com/office/drawing/2014/main" id="{A20E4631-A543-4A3B-83D6-BFAAE52ABAF9}"/>
+              </a:ext>
+            </a:extLst>
+          </p:cNvPr>
           <p:cNvPicPr>
-            <a:picLocks noChangeAspect="1" noChangeArrowheads="1"/>
+            <a:picLocks noChangeAspect="1"/>
           </p:cNvPicPr>
           <p:nvPr/>
         </p:nvPicPr>
         <p:blipFill>
-          <a:blip r:embed="rId2">
-            <a:extLst>
-              <a:ext uri="{28A0092B-C50C-407E-A947-70E740481C1C}">
-                <a14:useLocalDpi xmlns:a14="http://schemas.microsoft.com/office/drawing/2010/main" val="0"/>
-              </a:ext>
-            </a:extLst>
-          </a:blip>
-          <a:srcRect/>
+          <a:blip r:embed="rId2"/>
           <a:stretch>
             <a:fillRect/>
           </a:stretch>
         </p:blipFill>
-        <p:spPr bwMode="auto">
-          <a:xfrm>
-            <a:off x="683568" y="1412776"/>
-            <a:ext cx="5172075" cy="4200525"/>
+        <p:spPr>
+          <a:xfrm>
+            <a:off x="323528" y="921296"/>
+            <a:ext cx="5666667" cy="1419048"/>
           </a:xfrm>
           <a:prstGeom prst="rect">
             <a:avLst/>
           </a:prstGeom>
-          <a:noFill/>
-          <a:ln>
-            <a:noFill/>
-          </a:ln>
-          <a:extLst>
-            <a:ext uri="{909E8E84-426E-40DD-AFC4-6F175D3DCCD1}">
-              <a14:hiddenFill xmlns:a14="http://schemas.microsoft.com/office/drawing/2010/main">
-                <a:solidFill>
-                  <a:schemeClr val="accent1"/>
-                </a:solidFill>
-              </a14:hiddenFill>
-            </a:ext>
-            <a:ext uri="{91240B29-F687-4F45-9708-019B960494DF}">
-              <a14:hiddenLine xmlns:a14="http://schemas.microsoft.com/office/drawing/2010/main" w="9525">
-                <a:solidFill>
-                  <a:schemeClr val="tx1"/>
-                </a:solidFill>
-                <a:miter lim="800000"/>
-                <a:headEnd/>
-                <a:tailEnd/>
-              </a14:hiddenLine>
-            </a:ext>
-          </a:extLst>
+        </p:spPr>
+      </p:pic>
+      <p:pic>
+        <p:nvPicPr>
+          <p:cNvPr id="8" name="図 7">
+            <a:extLst>
+              <a:ext uri="{FF2B5EF4-FFF2-40B4-BE49-F238E27FC236}">
+                <a16:creationId xmlns:a16="http://schemas.microsoft.com/office/drawing/2014/main" id="{2765B5C1-C0C0-4BEB-BEBE-E6DB8D11D78C}"/>
+              </a:ext>
+            </a:extLst>
+          </p:cNvPr>
+          <p:cNvPicPr>
+            <a:picLocks noChangeAspect="1"/>
+          </p:cNvPicPr>
+          <p:nvPr/>
+        </p:nvPicPr>
+        <p:blipFill>
+          <a:blip r:embed="rId3"/>
+          <a:stretch>
+            <a:fillRect/>
+          </a:stretch>
+        </p:blipFill>
+        <p:spPr>
+          <a:xfrm>
+            <a:off x="611560" y="2564904"/>
+            <a:ext cx="5695238" cy="1380952"/>
+          </a:xfrm>
+          <a:prstGeom prst="rect">
+            <a:avLst/>
+          </a:prstGeom>
         </p:spPr>
       </p:pic>
     </p:spTree>
     <p:extLst>
       <p:ext uri="{BB962C8B-B14F-4D97-AF65-F5344CB8AC3E}">
-        <p14:creationId xmlns:p14="http://schemas.microsoft.com/office/powerpoint/2010/main" val="1516922418"/>
+        <p14:creationId xmlns:p14="http://schemas.microsoft.com/office/powerpoint/2010/main" val="1259639796"/>
       </p:ext>
     </p:extLst>
   </p:cSld>
@@ -5146,6 +5196,113 @@
 </file>
 
 <file path=ppt/slides/slide20.xml><?xml version="1.0" encoding="utf-8"?>
+<p:sld xmlns:a="http://schemas.openxmlformats.org/drawingml/2006/main" xmlns:r="http://schemas.openxmlformats.org/officeDocument/2006/relationships" xmlns:p="http://schemas.openxmlformats.org/presentationml/2006/main">
+  <p:cSld>
+    <p:spTree>
+      <p:nvGrpSpPr>
+        <p:cNvPr id="1" name=""/>
+        <p:cNvGrpSpPr/>
+        <p:nvPr/>
+      </p:nvGrpSpPr>
+      <p:grpSpPr>
+        <a:xfrm>
+          <a:off x="0" y="0"/>
+          <a:ext cx="0" cy="0"/>
+          <a:chOff x="0" y="0"/>
+          <a:chExt cx="0" cy="0"/>
+        </a:xfrm>
+      </p:grpSpPr>
+      <p:sp>
+        <p:nvSpPr>
+          <p:cNvPr id="2" name="タイトル 1"/>
+          <p:cNvSpPr>
+            <a:spLocks noGrp="1"/>
+          </p:cNvSpPr>
+          <p:nvPr>
+            <p:ph type="title"/>
+          </p:nvPr>
+        </p:nvSpPr>
+        <p:spPr/>
+        <p:txBody>
+          <a:bodyPr/>
+          <a:lstStyle/>
+          <a:p>
+            <a:r>
+              <a:rPr lang="en-US" altLang="ja-JP" dirty="0"/>
+              <a:t>Converter</a:t>
+            </a:r>
+            <a:endParaRPr kumimoji="1" lang="ja-JP" altLang="en-US" dirty="0"/>
+          </a:p>
+        </p:txBody>
+      </p:sp>
+      <p:pic>
+        <p:nvPicPr>
+          <p:cNvPr id="1026" name="Picture 2"/>
+          <p:cNvPicPr>
+            <a:picLocks noChangeAspect="1" noChangeArrowheads="1"/>
+          </p:cNvPicPr>
+          <p:nvPr/>
+        </p:nvPicPr>
+        <p:blipFill>
+          <a:blip r:embed="rId2">
+            <a:extLst>
+              <a:ext uri="{28A0092B-C50C-407E-A947-70E740481C1C}">
+                <a14:useLocalDpi xmlns:a14="http://schemas.microsoft.com/office/drawing/2010/main" val="0"/>
+              </a:ext>
+            </a:extLst>
+          </a:blip>
+          <a:srcRect/>
+          <a:stretch>
+            <a:fillRect/>
+          </a:stretch>
+        </p:blipFill>
+        <p:spPr bwMode="auto">
+          <a:xfrm>
+            <a:off x="683568" y="1412776"/>
+            <a:ext cx="5172075" cy="4200525"/>
+          </a:xfrm>
+          <a:prstGeom prst="rect">
+            <a:avLst/>
+          </a:prstGeom>
+          <a:noFill/>
+          <a:ln>
+            <a:noFill/>
+          </a:ln>
+          <a:extLst>
+            <a:ext uri="{909E8E84-426E-40DD-AFC4-6F175D3DCCD1}">
+              <a14:hiddenFill xmlns:a14="http://schemas.microsoft.com/office/drawing/2010/main">
+                <a:solidFill>
+                  <a:schemeClr val="accent1"/>
+                </a:solidFill>
+              </a14:hiddenFill>
+            </a:ext>
+            <a:ext uri="{91240B29-F687-4F45-9708-019B960494DF}">
+              <a14:hiddenLine xmlns:a14="http://schemas.microsoft.com/office/drawing/2010/main" w="9525">
+                <a:solidFill>
+                  <a:schemeClr val="tx1"/>
+                </a:solidFill>
+                <a:miter lim="800000"/>
+                <a:headEnd/>
+                <a:tailEnd/>
+              </a14:hiddenLine>
+            </a:ext>
+          </a:extLst>
+        </p:spPr>
+      </p:pic>
+    </p:spTree>
+    <p:extLst>
+      <p:ext uri="{BB962C8B-B14F-4D97-AF65-F5344CB8AC3E}">
+        <p14:creationId xmlns:p14="http://schemas.microsoft.com/office/powerpoint/2010/main" val="1516922418"/>
+      </p:ext>
+    </p:extLst>
+  </p:cSld>
+  <p:clrMapOvr>
+    <a:masterClrMapping/>
+  </p:clrMapOvr>
+</p:sld>
+</file>
+
+<file path=ppt/slides/slide21.xml><?xml version="1.0" encoding="utf-8"?>
 <p:sld xmlns:a="http://schemas.openxmlformats.org/drawingml/2006/main" xmlns:r="http://schemas.openxmlformats.org/officeDocument/2006/relationships" xmlns:p="http://schemas.openxmlformats.org/presentationml/2006/main">
   <p:cSld>
     <p:spTree>
@@ -6327,7 +6484,7 @@
       </p:grpSpPr>
       <p:pic>
         <p:nvPicPr>
-          <p:cNvPr id="3074" name="Picture 2"/>
+          <p:cNvPr id="3075" name="Picture 3"/>
           <p:cNvPicPr>
             <a:picLocks noChangeAspect="1" noChangeArrowheads="1"/>
           </p:cNvPicPr>
@@ -6346,8 +6503,8 @@
         </p:blipFill>
         <p:spPr bwMode="auto">
           <a:xfrm>
-            <a:off x="323528" y="1844824"/>
-            <a:ext cx="5038726" cy="2209800"/>
+            <a:off x="336697" y="4437112"/>
+            <a:ext cx="4752975" cy="1162051"/>
           </a:xfrm>
           <a:prstGeom prst="rect">
             <a:avLst/>
@@ -6377,9 +6534,39 @@
           </a:extLst>
         </p:spPr>
       </p:pic>
+      <p:sp>
+        <p:nvSpPr>
+          <p:cNvPr id="6" name="テキスト ボックス 5"/>
+          <p:cNvSpPr txBox="1"/>
+          <p:nvPr/>
+        </p:nvSpPr>
+        <p:spPr>
+          <a:xfrm>
+            <a:off x="4067944" y="253187"/>
+            <a:ext cx="2035173" cy="369332"/>
+          </a:xfrm>
+          <a:prstGeom prst="rect">
+            <a:avLst/>
+          </a:prstGeom>
+          <a:noFill/>
+        </p:spPr>
+        <p:txBody>
+          <a:bodyPr wrap="none" rtlCol="0">
+            <a:spAutoFit/>
+          </a:bodyPr>
+          <a:lstStyle/>
+          <a:p>
+            <a:r>
+              <a:rPr kumimoji="1" lang="en-US" altLang="ja-JP" dirty="0" err="1"/>
+              <a:t>XlsHorizotalRecords</a:t>
+            </a:r>
+            <a:endParaRPr kumimoji="1" lang="ja-JP" altLang="en-US" dirty="0"/>
+          </a:p>
+        </p:txBody>
+      </p:sp>
       <p:pic>
         <p:nvPicPr>
-          <p:cNvPr id="3075" name="Picture 3"/>
+          <p:cNvPr id="3076" name="Picture 4"/>
           <p:cNvPicPr>
             <a:picLocks noChangeAspect="1" noChangeArrowheads="1"/>
           </p:cNvPicPr>
@@ -6398,8 +6585,8 @@
         </p:blipFill>
         <p:spPr bwMode="auto">
           <a:xfrm>
-            <a:off x="338783" y="4082033"/>
-            <a:ext cx="4752975" cy="1162051"/>
+            <a:off x="336697" y="908720"/>
+            <a:ext cx="5772150" cy="790576"/>
           </a:xfrm>
           <a:prstGeom prst="rect">
             <a:avLst/>
@@ -6429,86 +6616,34 @@
           </a:extLst>
         </p:spPr>
       </p:pic>
-      <p:sp>
-        <p:nvSpPr>
-          <p:cNvPr id="6" name="テキスト ボックス 5"/>
-          <p:cNvSpPr txBox="1"/>
+      <p:pic>
+        <p:nvPicPr>
+          <p:cNvPr id="2" name="図 1">
+            <a:extLst>
+              <a:ext uri="{FF2B5EF4-FFF2-40B4-BE49-F238E27FC236}">
+                <a16:creationId xmlns:a16="http://schemas.microsoft.com/office/drawing/2014/main" id="{F80D74B5-E379-457B-84E2-D65438A9859F}"/>
+              </a:ext>
+            </a:extLst>
+          </p:cNvPr>
+          <p:cNvPicPr>
+            <a:picLocks noChangeAspect="1"/>
+          </p:cNvPicPr>
           <p:nvPr/>
-        </p:nvSpPr>
+        </p:nvPicPr>
+        <p:blipFill>
+          <a:blip r:embed="rId4"/>
+          <a:stretch>
+            <a:fillRect/>
+          </a:stretch>
+        </p:blipFill>
         <p:spPr>
           <a:xfrm>
-            <a:off x="4067944" y="253187"/>
-            <a:ext cx="2035173" cy="369332"/>
+            <a:off x="336697" y="1984356"/>
+            <a:ext cx="5238095" cy="2352381"/>
           </a:xfrm>
           <a:prstGeom prst="rect">
             <a:avLst/>
           </a:prstGeom>
-          <a:noFill/>
-        </p:spPr>
-        <p:txBody>
-          <a:bodyPr wrap="none" rtlCol="0">
-            <a:spAutoFit/>
-          </a:bodyPr>
-          <a:lstStyle/>
-          <a:p>
-            <a:r>
-              <a:rPr kumimoji="1" lang="en-US" altLang="ja-JP" dirty="0" err="1"/>
-              <a:t>XlsHorizotalRecords</a:t>
-            </a:r>
-            <a:endParaRPr kumimoji="1" lang="ja-JP" altLang="en-US" dirty="0"/>
-          </a:p>
-        </p:txBody>
-      </p:sp>
-      <p:pic>
-        <p:nvPicPr>
-          <p:cNvPr id="3076" name="Picture 4"/>
-          <p:cNvPicPr>
-            <a:picLocks noChangeAspect="1" noChangeArrowheads="1"/>
-          </p:cNvPicPr>
-          <p:nvPr/>
-        </p:nvPicPr>
-        <p:blipFill rotWithShape="1">
-          <a:blip r:embed="rId4" cstate="print">
-            <a:extLst>
-              <a:ext uri="{28A0092B-C50C-407E-A947-70E740481C1C}">
-                <a14:useLocalDpi xmlns:a14="http://schemas.microsoft.com/office/drawing/2010/main" val="0"/>
-              </a:ext>
-            </a:extLst>
-          </a:blip>
-          <a:srcRect/>
-          <a:stretch/>
-        </p:blipFill>
-        <p:spPr bwMode="auto">
-          <a:xfrm>
-            <a:off x="336697" y="908720"/>
-            <a:ext cx="5772150" cy="790576"/>
-          </a:xfrm>
-          <a:prstGeom prst="rect">
-            <a:avLst/>
-          </a:prstGeom>
-          <a:noFill/>
-          <a:ln>
-            <a:noFill/>
-          </a:ln>
-          <a:extLst>
-            <a:ext uri="{909E8E84-426E-40DD-AFC4-6F175D3DCCD1}">
-              <a14:hiddenFill xmlns:a14="http://schemas.microsoft.com/office/drawing/2010/main">
-                <a:solidFill>
-                  <a:schemeClr val="accent1"/>
-                </a:solidFill>
-              </a14:hiddenFill>
-            </a:ext>
-            <a:ext uri="{91240B29-F687-4F45-9708-019B960494DF}">
-              <a14:hiddenLine xmlns:a14="http://schemas.microsoft.com/office/drawing/2010/main" w="9525">
-                <a:solidFill>
-                  <a:schemeClr val="tx1"/>
-                </a:solidFill>
-                <a:miter lim="800000"/>
-                <a:headEnd/>
-                <a:tailEnd/>
-              </a14:hiddenLine>
-            </a:ext>
-          </a:extLst>
         </p:spPr>
       </p:pic>
     </p:spTree>

--- a/src/site/sphinx/memo/images.pptx
+++ b/src/site/sphinx/memo/images.pptx
@@ -21,11 +21,13 @@
     <p:sldId id="269" r:id="rId15"/>
     <p:sldId id="262" r:id="rId16"/>
     <p:sldId id="265" r:id="rId17"/>
-    <p:sldId id="276" r:id="rId18"/>
-    <p:sldId id="263" r:id="rId19"/>
-    <p:sldId id="275" r:id="rId20"/>
-    <p:sldId id="264" r:id="rId21"/>
-    <p:sldId id="270" r:id="rId22"/>
+    <p:sldId id="278" r:id="rId18"/>
+    <p:sldId id="276" r:id="rId19"/>
+    <p:sldId id="277" r:id="rId20"/>
+    <p:sldId id="263" r:id="rId21"/>
+    <p:sldId id="275" r:id="rId22"/>
+    <p:sldId id="264" r:id="rId23"/>
+    <p:sldId id="270" r:id="rId24"/>
   </p:sldIdLst>
   <p:sldSz cx="9144000" cy="6858000" type="screen4x3"/>
   <p:notesSz cx="6858000" cy="9144000"/>
@@ -326,7 +328,7 @@
           <a:p>
             <a:fld id="{E90ED720-0104-4369-84BC-D37694168613}" type="datetimeFigureOut">
               <a:rPr kumimoji="1" lang="ja-JP" altLang="en-US" smtClean="0"/>
-              <a:t>2017/12/18</a:t>
+              <a:t>2018/1/2</a:t>
             </a:fld>
             <a:endParaRPr kumimoji="1" lang="ja-JP" altLang="en-US"/>
           </a:p>
@@ -521,7 +523,7 @@
           <a:p>
             <a:fld id="{E90ED720-0104-4369-84BC-D37694168613}" type="datetimeFigureOut">
               <a:rPr kumimoji="1" lang="ja-JP" altLang="en-US" smtClean="0"/>
-              <a:t>2017/12/18</a:t>
+              <a:t>2018/1/2</a:t>
             </a:fld>
             <a:endParaRPr kumimoji="1" lang="ja-JP" altLang="en-US"/>
           </a:p>
@@ -726,7 +728,7 @@
           <a:p>
             <a:fld id="{E90ED720-0104-4369-84BC-D37694168613}" type="datetimeFigureOut">
               <a:rPr kumimoji="1" lang="ja-JP" altLang="en-US" smtClean="0"/>
-              <a:t>2017/12/18</a:t>
+              <a:t>2018/1/2</a:t>
             </a:fld>
             <a:endParaRPr kumimoji="1" lang="ja-JP" altLang="en-US"/>
           </a:p>
@@ -921,7 +923,7 @@
           <a:p>
             <a:fld id="{E90ED720-0104-4369-84BC-D37694168613}" type="datetimeFigureOut">
               <a:rPr kumimoji="1" lang="ja-JP" altLang="en-US" smtClean="0"/>
-              <a:t>2017/12/18</a:t>
+              <a:t>2018/1/2</a:t>
             </a:fld>
             <a:endParaRPr kumimoji="1" lang="ja-JP" altLang="en-US"/>
           </a:p>
@@ -1161,7 +1163,7 @@
           <a:p>
             <a:fld id="{E90ED720-0104-4369-84BC-D37694168613}" type="datetimeFigureOut">
               <a:rPr kumimoji="1" lang="ja-JP" altLang="en-US" smtClean="0"/>
-              <a:t>2017/12/18</a:t>
+              <a:t>2018/1/2</a:t>
             </a:fld>
             <a:endParaRPr kumimoji="1" lang="ja-JP" altLang="en-US"/>
           </a:p>
@@ -1505,7 +1507,7 @@
           <a:p>
             <a:fld id="{E90ED720-0104-4369-84BC-D37694168613}" type="datetimeFigureOut">
               <a:rPr kumimoji="1" lang="ja-JP" altLang="en-US" smtClean="0"/>
-              <a:t>2017/12/18</a:t>
+              <a:t>2018/1/2</a:t>
             </a:fld>
             <a:endParaRPr kumimoji="1" lang="ja-JP" altLang="en-US"/>
           </a:p>
@@ -1983,7 +1985,7 @@
           <a:p>
             <a:fld id="{E90ED720-0104-4369-84BC-D37694168613}" type="datetimeFigureOut">
               <a:rPr kumimoji="1" lang="ja-JP" altLang="en-US" smtClean="0"/>
-              <a:t>2017/12/18</a:t>
+              <a:t>2018/1/2</a:t>
             </a:fld>
             <a:endParaRPr kumimoji="1" lang="ja-JP" altLang="en-US"/>
           </a:p>
@@ -2095,7 +2097,7 @@
           <a:p>
             <a:fld id="{E90ED720-0104-4369-84BC-D37694168613}" type="datetimeFigureOut">
               <a:rPr kumimoji="1" lang="ja-JP" altLang="en-US" smtClean="0"/>
-              <a:t>2017/12/18</a:t>
+              <a:t>2018/1/2</a:t>
             </a:fld>
             <a:endParaRPr kumimoji="1" lang="ja-JP" altLang="en-US"/>
           </a:p>
@@ -2185,7 +2187,7 @@
           <a:p>
             <a:fld id="{E90ED720-0104-4369-84BC-D37694168613}" type="datetimeFigureOut">
               <a:rPr kumimoji="1" lang="ja-JP" altLang="en-US" smtClean="0"/>
-              <a:t>2017/12/18</a:t>
+              <a:t>2018/1/2</a:t>
             </a:fld>
             <a:endParaRPr kumimoji="1" lang="ja-JP" altLang="en-US"/>
           </a:p>
@@ -2487,7 +2489,7 @@
           <a:p>
             <a:fld id="{E90ED720-0104-4369-84BC-D37694168613}" type="datetimeFigureOut">
               <a:rPr kumimoji="1" lang="ja-JP" altLang="en-US" smtClean="0"/>
-              <a:t>2017/12/18</a:t>
+              <a:t>2018/1/2</a:t>
             </a:fld>
             <a:endParaRPr kumimoji="1" lang="ja-JP" altLang="en-US"/>
           </a:p>
@@ -2734,7 +2736,7 @@
           <a:p>
             <a:fld id="{E90ED720-0104-4369-84BC-D37694168613}" type="datetimeFigureOut">
               <a:rPr kumimoji="1" lang="ja-JP" altLang="en-US" smtClean="0"/>
-              <a:t>2017/12/18</a:t>
+              <a:t>2018/1/2</a:t>
             </a:fld>
             <a:endParaRPr kumimoji="1" lang="ja-JP" altLang="en-US"/>
           </a:p>
@@ -2972,7 +2974,7 @@
           <a:p>
             <a:fld id="{E90ED720-0104-4369-84BC-D37694168613}" type="datetimeFigureOut">
               <a:rPr kumimoji="1" lang="ja-JP" altLang="en-US" smtClean="0"/>
-              <a:t>2017/12/18</a:t>
+              <a:t>2018/1/2</a:t>
             </a:fld>
             <a:endParaRPr kumimoji="1" lang="ja-JP" altLang="en-US"/>
           </a:p>
@@ -4524,54 +4526,62 @@
       </p:pic>
       <p:pic>
         <p:nvPicPr>
-          <p:cNvPr id="6157" name="Picture 13"/>
+          <p:cNvPr id="3" name="図 2">
+            <a:extLst>
+              <a:ext uri="{FF2B5EF4-FFF2-40B4-BE49-F238E27FC236}">
+                <a16:creationId xmlns:a16="http://schemas.microsoft.com/office/drawing/2014/main" id="{1427AA13-5F81-4B09-838F-358714FDF398}"/>
+              </a:ext>
+            </a:extLst>
+          </p:cNvPr>
           <p:cNvPicPr>
-            <a:picLocks noChangeAspect="1" noChangeArrowheads="1"/>
+            <a:picLocks noChangeAspect="1"/>
           </p:cNvPicPr>
           <p:nvPr/>
         </p:nvPicPr>
-        <p:blipFill rotWithShape="1">
-          <a:blip r:embed="rId4" cstate="print">
-            <a:extLst>
-              <a:ext uri="{28A0092B-C50C-407E-A947-70E740481C1C}">
-                <a14:useLocalDpi xmlns:a14="http://schemas.microsoft.com/office/drawing/2010/main" val="0"/>
-              </a:ext>
-            </a:extLst>
-          </a:blip>
-          <a:srcRect/>
-          <a:stretch/>
+        <p:blipFill>
+          <a:blip r:embed="rId4"/>
+          <a:stretch>
+            <a:fillRect/>
+          </a:stretch>
         </p:blipFill>
-        <p:spPr bwMode="auto">
-          <a:xfrm>
-            <a:off x="3635896" y="3356992"/>
-            <a:ext cx="5207000" cy="2076451"/>
+        <p:spPr>
+          <a:xfrm>
+            <a:off x="3923928" y="2780928"/>
+            <a:ext cx="5123809" cy="980952"/>
           </a:xfrm>
           <a:prstGeom prst="rect">
             <a:avLst/>
           </a:prstGeom>
-          <a:noFill/>
-          <a:ln>
-            <a:noFill/>
-          </a:ln>
-          <a:extLst>
-            <a:ext uri="{909E8E84-426E-40DD-AFC4-6F175D3DCCD1}">
-              <a14:hiddenFill xmlns:a14="http://schemas.microsoft.com/office/drawing/2010/main">
-                <a:solidFill>
-                  <a:schemeClr val="accent1"/>
-                </a:solidFill>
-              </a14:hiddenFill>
-            </a:ext>
-            <a:ext uri="{91240B29-F687-4F45-9708-019B960494DF}">
-              <a14:hiddenLine xmlns:a14="http://schemas.microsoft.com/office/drawing/2010/main" w="9525">
-                <a:solidFill>
-                  <a:schemeClr val="tx1"/>
-                </a:solidFill>
-                <a:miter lim="800000"/>
-                <a:headEnd/>
-                <a:tailEnd/>
-              </a14:hiddenLine>
-            </a:ext>
-          </a:extLst>
+        </p:spPr>
+      </p:pic>
+      <p:pic>
+        <p:nvPicPr>
+          <p:cNvPr id="5" name="図 4">
+            <a:extLst>
+              <a:ext uri="{FF2B5EF4-FFF2-40B4-BE49-F238E27FC236}">
+                <a16:creationId xmlns:a16="http://schemas.microsoft.com/office/drawing/2014/main" id="{16E4B367-743D-42DC-88A0-890C4A4CF9E5}"/>
+              </a:ext>
+            </a:extLst>
+          </p:cNvPr>
+          <p:cNvPicPr>
+            <a:picLocks noChangeAspect="1"/>
+          </p:cNvPicPr>
+          <p:nvPr/>
+        </p:nvPicPr>
+        <p:blipFill>
+          <a:blip r:embed="rId5"/>
+          <a:stretch>
+            <a:fillRect/>
+          </a:stretch>
+        </p:blipFill>
+        <p:spPr>
+          <a:xfrm>
+            <a:off x="3923928" y="4282313"/>
+            <a:ext cx="4771429" cy="1685714"/>
+          </a:xfrm>
+          <a:prstGeom prst="rect">
+            <a:avLst/>
+          </a:prstGeom>
         </p:spPr>
       </p:pic>
     </p:spTree>
@@ -4744,7 +4754,7 @@
           <p:cNvPr id="2" name="タイトル 1">
             <a:extLst>
               <a:ext uri="{FF2B5EF4-FFF2-40B4-BE49-F238E27FC236}">
-                <a16:creationId xmlns:a16="http://schemas.microsoft.com/office/drawing/2014/main" id="{EE6F9078-3612-4009-AEC5-0DE52B375762}"/>
+                <a16:creationId xmlns:a16="http://schemas.microsoft.com/office/drawing/2014/main" id="{60BF4629-B5E5-4F2F-B65C-4A927490B8FA}"/>
               </a:ext>
             </a:extLst>
           </p:cNvPr>
@@ -4757,19 +4767,19 @@
         </p:nvSpPr>
         <p:spPr>
           <a:xfrm>
-            <a:off x="251520" y="116632"/>
-            <a:ext cx="6707088" cy="490066"/>
+            <a:off x="457200" y="274638"/>
+            <a:ext cx="7643192" cy="562074"/>
           </a:xfrm>
         </p:spPr>
         <p:txBody>
           <a:bodyPr>
-            <a:noAutofit/>
+            <a:normAutofit/>
           </a:bodyPr>
           <a:lstStyle/>
           <a:p>
             <a:r>
               <a:rPr kumimoji="1" lang="en-US" altLang="ja-JP" sz="2400" dirty="0" err="1"/>
-              <a:t>RecordOption</a:t>
+              <a:t>VerticalRecords</a:t>
             </a:r>
             <a:endParaRPr kumimoji="1" lang="ja-JP" altLang="en-US" sz="2400" dirty="0"/>
           </a:p>
@@ -4777,10 +4787,10 @@
       </p:sp>
       <p:pic>
         <p:nvPicPr>
-          <p:cNvPr id="4" name="図 3">
+          <p:cNvPr id="6" name="図 5">
             <a:extLst>
               <a:ext uri="{FF2B5EF4-FFF2-40B4-BE49-F238E27FC236}">
-                <a16:creationId xmlns:a16="http://schemas.microsoft.com/office/drawing/2014/main" id="{C94FDC1C-C58E-44CE-96B5-46520D3E6A79}"/>
+                <a16:creationId xmlns:a16="http://schemas.microsoft.com/office/drawing/2014/main" id="{542A849C-4D1C-491A-9E3C-3BA8BF5467E1}"/>
               </a:ext>
             </a:extLst>
           </p:cNvPr>
@@ -4797,38 +4807,8 @@
         </p:blipFill>
         <p:spPr>
           <a:xfrm>
-            <a:off x="384101" y="652629"/>
-            <a:ext cx="5161905" cy="3295238"/>
-          </a:xfrm>
-          <a:prstGeom prst="rect">
-            <a:avLst/>
-          </a:prstGeom>
-        </p:spPr>
-      </p:pic>
-      <p:pic>
-        <p:nvPicPr>
-          <p:cNvPr id="5" name="図 4">
-            <a:extLst>
-              <a:ext uri="{FF2B5EF4-FFF2-40B4-BE49-F238E27FC236}">
-                <a16:creationId xmlns:a16="http://schemas.microsoft.com/office/drawing/2014/main" id="{D1E6E782-2889-4612-B188-98F69CDAB393}"/>
-              </a:ext>
-            </a:extLst>
-          </p:cNvPr>
-          <p:cNvPicPr>
-            <a:picLocks noChangeAspect="1"/>
-          </p:cNvPicPr>
-          <p:nvPr/>
-        </p:nvPicPr>
-        <p:blipFill>
-          <a:blip r:embed="rId3"/>
-          <a:stretch>
-            <a:fillRect/>
-          </a:stretch>
-        </p:blipFill>
-        <p:spPr>
-          <a:xfrm>
-            <a:off x="6012160" y="1268760"/>
-            <a:ext cx="5104762" cy="3219048"/>
+            <a:off x="179512" y="1124744"/>
+            <a:ext cx="6609524" cy="1619048"/>
           </a:xfrm>
           <a:prstGeom prst="rect">
             <a:avLst/>
@@ -4838,7 +4818,7 @@
     </p:spTree>
     <p:extLst>
       <p:ext uri="{BB962C8B-B14F-4D97-AF65-F5344CB8AC3E}">
-        <p14:creationId xmlns:p14="http://schemas.microsoft.com/office/powerpoint/2010/main" val="1892689787"/>
+        <p14:creationId xmlns:p14="http://schemas.microsoft.com/office/powerpoint/2010/main" val="4067780557"/>
       </p:ext>
     </p:extLst>
   </p:cSld>
@@ -4867,7 +4847,13 @@
       </p:grpSpPr>
       <p:sp>
         <p:nvSpPr>
-          <p:cNvPr id="2" name="タイトル 1"/>
+          <p:cNvPr id="2" name="タイトル 1">
+            <a:extLst>
+              <a:ext uri="{FF2B5EF4-FFF2-40B4-BE49-F238E27FC236}">
+                <a16:creationId xmlns:a16="http://schemas.microsoft.com/office/drawing/2014/main" id="{EE6F9078-3612-4009-AEC5-0DE52B375762}"/>
+              </a:ext>
+            </a:extLst>
+          </p:cNvPr>
           <p:cNvSpPr>
             <a:spLocks noGrp="1"/>
           </p:cNvSpPr>
@@ -4875,79 +4861,90 @@
             <p:ph type="title"/>
           </p:nvPr>
         </p:nvSpPr>
-        <p:spPr/>
-        <p:txBody>
-          <a:bodyPr/>
+        <p:spPr>
+          <a:xfrm>
+            <a:off x="251520" y="116632"/>
+            <a:ext cx="6707088" cy="490066"/>
+          </a:xfrm>
+        </p:spPr>
+        <p:txBody>
+          <a:bodyPr>
+            <a:noAutofit/>
+          </a:bodyPr>
           <a:lstStyle/>
           <a:p>
             <a:r>
-              <a:rPr lang="en-US" altLang="ja-JP" dirty="0" err="1"/>
-              <a:t>I</a:t>
-            </a:r>
-            <a:r>
-              <a:rPr kumimoji="1" lang="en-US" altLang="ja-JP" dirty="0" err="1"/>
-              <a:t>terateTables</a:t>
-            </a:r>
-            <a:endParaRPr kumimoji="1" lang="ja-JP" altLang="en-US" dirty="0"/>
+              <a:rPr kumimoji="1" lang="en-US" altLang="ja-JP" sz="2400" dirty="0" err="1"/>
+              <a:t>RecordOption</a:t>
+            </a:r>
+            <a:endParaRPr kumimoji="1" lang="ja-JP" altLang="en-US" sz="2400" dirty="0"/>
           </a:p>
         </p:txBody>
       </p:sp>
       <p:pic>
         <p:nvPicPr>
-          <p:cNvPr id="2054" name="Picture 6"/>
+          <p:cNvPr id="4" name="図 3">
+            <a:extLst>
+              <a:ext uri="{FF2B5EF4-FFF2-40B4-BE49-F238E27FC236}">
+                <a16:creationId xmlns:a16="http://schemas.microsoft.com/office/drawing/2014/main" id="{C94FDC1C-C58E-44CE-96B5-46520D3E6A79}"/>
+              </a:ext>
+            </a:extLst>
+          </p:cNvPr>
           <p:cNvPicPr>
-            <a:picLocks noChangeAspect="1" noChangeArrowheads="1"/>
+            <a:picLocks noChangeAspect="1"/>
           </p:cNvPicPr>
           <p:nvPr/>
         </p:nvPicPr>
-        <p:blipFill rotWithShape="1">
-          <a:blip r:embed="rId2" cstate="print">
-            <a:extLst>
-              <a:ext uri="{28A0092B-C50C-407E-A947-70E740481C1C}">
-                <a14:useLocalDpi xmlns:a14="http://schemas.microsoft.com/office/drawing/2010/main" val="0"/>
-              </a:ext>
-            </a:extLst>
-          </a:blip>
-          <a:srcRect/>
-          <a:stretch/>
+        <p:blipFill>
+          <a:blip r:embed="rId2"/>
+          <a:stretch>
+            <a:fillRect/>
+          </a:stretch>
         </p:blipFill>
-        <p:spPr bwMode="auto">
-          <a:xfrm>
-            <a:off x="395536" y="1268760"/>
-            <a:ext cx="7086600" cy="2286001"/>
+        <p:spPr>
+          <a:xfrm>
+            <a:off x="384101" y="652629"/>
+            <a:ext cx="5161905" cy="3295238"/>
           </a:xfrm>
           <a:prstGeom prst="rect">
             <a:avLst/>
           </a:prstGeom>
-          <a:noFill/>
-          <a:ln>
-            <a:noFill/>
-          </a:ln>
-          <a:extLst>
-            <a:ext uri="{909E8E84-426E-40DD-AFC4-6F175D3DCCD1}">
-              <a14:hiddenFill xmlns:a14="http://schemas.microsoft.com/office/drawing/2010/main">
-                <a:solidFill>
-                  <a:schemeClr val="accent1"/>
-                </a:solidFill>
-              </a14:hiddenFill>
-            </a:ext>
-            <a:ext uri="{91240B29-F687-4F45-9708-019B960494DF}">
-              <a14:hiddenLine xmlns:a14="http://schemas.microsoft.com/office/drawing/2010/main" w="9525">
-                <a:solidFill>
-                  <a:schemeClr val="tx1"/>
-                </a:solidFill>
-                <a:miter lim="800000"/>
-                <a:headEnd/>
-                <a:tailEnd/>
-              </a14:hiddenLine>
-            </a:ext>
-          </a:extLst>
+        </p:spPr>
+      </p:pic>
+      <p:pic>
+        <p:nvPicPr>
+          <p:cNvPr id="5" name="図 4">
+            <a:extLst>
+              <a:ext uri="{FF2B5EF4-FFF2-40B4-BE49-F238E27FC236}">
+                <a16:creationId xmlns:a16="http://schemas.microsoft.com/office/drawing/2014/main" id="{D1E6E782-2889-4612-B188-98F69CDAB393}"/>
+              </a:ext>
+            </a:extLst>
+          </p:cNvPr>
+          <p:cNvPicPr>
+            <a:picLocks noChangeAspect="1"/>
+          </p:cNvPicPr>
+          <p:nvPr/>
+        </p:nvPicPr>
+        <p:blipFill>
+          <a:blip r:embed="rId3"/>
+          <a:stretch>
+            <a:fillRect/>
+          </a:stretch>
+        </p:blipFill>
+        <p:spPr>
+          <a:xfrm>
+            <a:off x="3923928" y="3955879"/>
+            <a:ext cx="5104762" cy="3219048"/>
+          </a:xfrm>
+          <a:prstGeom prst="rect">
+            <a:avLst/>
+          </a:prstGeom>
         </p:spPr>
       </p:pic>
     </p:spTree>
     <p:extLst>
       <p:ext uri="{BB962C8B-B14F-4D97-AF65-F5344CB8AC3E}">
-        <p14:creationId xmlns:p14="http://schemas.microsoft.com/office/powerpoint/2010/main" val="2514548196"/>
+        <p14:creationId xmlns:p14="http://schemas.microsoft.com/office/powerpoint/2010/main" val="1892689787"/>
       </p:ext>
     </p:extLst>
   </p:cSld>
@@ -4979,7 +4976,7 @@
           <p:cNvPr id="2" name="タイトル 1">
             <a:extLst>
               <a:ext uri="{FF2B5EF4-FFF2-40B4-BE49-F238E27FC236}">
-                <a16:creationId xmlns:a16="http://schemas.microsoft.com/office/drawing/2014/main" id="{FCC515D3-96D4-4852-9FF9-D26C487D3211}"/>
+                <a16:creationId xmlns:a16="http://schemas.microsoft.com/office/drawing/2014/main" id="{14FC69AF-64DA-4E66-B0D8-56629DD20AA0}"/>
               </a:ext>
             </a:extLst>
           </p:cNvPr>
@@ -4992,19 +4989,19 @@
         </p:nvSpPr>
         <p:spPr>
           <a:xfrm>
-            <a:off x="457200" y="188640"/>
-            <a:ext cx="7427168" cy="720080"/>
+            <a:off x="395536" y="188640"/>
+            <a:ext cx="7499176" cy="457199"/>
           </a:xfrm>
         </p:spPr>
         <p:txBody>
           <a:bodyPr>
-            <a:normAutofit/>
+            <a:normAutofit fontScale="90000"/>
           </a:bodyPr>
           <a:lstStyle/>
           <a:p>
             <a:r>
               <a:rPr kumimoji="1" lang="en-US" altLang="ja-JP" sz="2400" dirty="0" err="1"/>
-              <a:t>ArrayOption</a:t>
+              <a:t>RecordFinder</a:t>
             </a:r>
             <a:endParaRPr kumimoji="1" lang="ja-JP" altLang="en-US" sz="2400" dirty="0"/>
           </a:p>
@@ -5012,10 +5009,10 @@
       </p:sp>
       <p:pic>
         <p:nvPicPr>
-          <p:cNvPr id="7" name="図 6">
+          <p:cNvPr id="4" name="図 3">
             <a:extLst>
               <a:ext uri="{FF2B5EF4-FFF2-40B4-BE49-F238E27FC236}">
-                <a16:creationId xmlns:a16="http://schemas.microsoft.com/office/drawing/2014/main" id="{A20E4631-A543-4A3B-83D6-BFAAE52ABAF9}"/>
+                <a16:creationId xmlns:a16="http://schemas.microsoft.com/office/drawing/2014/main" id="{DFF78E54-9978-4031-AA50-63C2550752CD}"/>
               </a:ext>
             </a:extLst>
           </p:cNvPr>
@@ -5032,38 +5029,8 @@
         </p:blipFill>
         <p:spPr>
           <a:xfrm>
-            <a:off x="323528" y="921296"/>
-            <a:ext cx="5666667" cy="1419048"/>
-          </a:xfrm>
-          <a:prstGeom prst="rect">
-            <a:avLst/>
-          </a:prstGeom>
-        </p:spPr>
-      </p:pic>
-      <p:pic>
-        <p:nvPicPr>
-          <p:cNvPr id="8" name="図 7">
-            <a:extLst>
-              <a:ext uri="{FF2B5EF4-FFF2-40B4-BE49-F238E27FC236}">
-                <a16:creationId xmlns:a16="http://schemas.microsoft.com/office/drawing/2014/main" id="{2765B5C1-C0C0-4BEB-BEBE-E6DB8D11D78C}"/>
-              </a:ext>
-            </a:extLst>
-          </p:cNvPr>
-          <p:cNvPicPr>
-            <a:picLocks noChangeAspect="1"/>
-          </p:cNvPicPr>
-          <p:nvPr/>
-        </p:nvPicPr>
-        <p:blipFill>
-          <a:blip r:embed="rId3"/>
-          <a:stretch>
-            <a:fillRect/>
-          </a:stretch>
-        </p:blipFill>
-        <p:spPr>
-          <a:xfrm>
-            <a:off x="611560" y="2564904"/>
-            <a:ext cx="5695238" cy="1380952"/>
+            <a:off x="539552" y="1052736"/>
+            <a:ext cx="7857143" cy="4390476"/>
           </a:xfrm>
           <a:prstGeom prst="rect">
             <a:avLst/>
@@ -5073,7 +5040,7 @@
     </p:spTree>
     <p:extLst>
       <p:ext uri="{BB962C8B-B14F-4D97-AF65-F5344CB8AC3E}">
-        <p14:creationId xmlns:p14="http://schemas.microsoft.com/office/powerpoint/2010/main" val="1259639796"/>
+        <p14:creationId xmlns:p14="http://schemas.microsoft.com/office/powerpoint/2010/main" val="3496206347"/>
       </p:ext>
     </p:extLst>
   </p:cSld>
@@ -5228,6 +5195,241 @@
           <a:lstStyle/>
           <a:p>
             <a:r>
+              <a:rPr lang="en-US" altLang="ja-JP" dirty="0" err="1"/>
+              <a:t>I</a:t>
+            </a:r>
+            <a:r>
+              <a:rPr kumimoji="1" lang="en-US" altLang="ja-JP" dirty="0" err="1"/>
+              <a:t>terateTables</a:t>
+            </a:r>
+            <a:endParaRPr kumimoji="1" lang="ja-JP" altLang="en-US" dirty="0"/>
+          </a:p>
+        </p:txBody>
+      </p:sp>
+      <p:pic>
+        <p:nvPicPr>
+          <p:cNvPr id="2054" name="Picture 6"/>
+          <p:cNvPicPr>
+            <a:picLocks noChangeAspect="1" noChangeArrowheads="1"/>
+          </p:cNvPicPr>
+          <p:nvPr/>
+        </p:nvPicPr>
+        <p:blipFill rotWithShape="1">
+          <a:blip r:embed="rId2" cstate="print">
+            <a:extLst>
+              <a:ext uri="{28A0092B-C50C-407E-A947-70E740481C1C}">
+                <a14:useLocalDpi xmlns:a14="http://schemas.microsoft.com/office/drawing/2010/main" val="0"/>
+              </a:ext>
+            </a:extLst>
+          </a:blip>
+          <a:srcRect/>
+          <a:stretch/>
+        </p:blipFill>
+        <p:spPr bwMode="auto">
+          <a:xfrm>
+            <a:off x="395536" y="1268760"/>
+            <a:ext cx="7086600" cy="2286001"/>
+          </a:xfrm>
+          <a:prstGeom prst="rect">
+            <a:avLst/>
+          </a:prstGeom>
+          <a:noFill/>
+          <a:ln>
+            <a:noFill/>
+          </a:ln>
+          <a:extLst>
+            <a:ext uri="{909E8E84-426E-40DD-AFC4-6F175D3DCCD1}">
+              <a14:hiddenFill xmlns:a14="http://schemas.microsoft.com/office/drawing/2010/main">
+                <a:solidFill>
+                  <a:schemeClr val="accent1"/>
+                </a:solidFill>
+              </a14:hiddenFill>
+            </a:ext>
+            <a:ext uri="{91240B29-F687-4F45-9708-019B960494DF}">
+              <a14:hiddenLine xmlns:a14="http://schemas.microsoft.com/office/drawing/2010/main" w="9525">
+                <a:solidFill>
+                  <a:schemeClr val="tx1"/>
+                </a:solidFill>
+                <a:miter lim="800000"/>
+                <a:headEnd/>
+                <a:tailEnd/>
+              </a14:hiddenLine>
+            </a:ext>
+          </a:extLst>
+        </p:spPr>
+      </p:pic>
+    </p:spTree>
+    <p:extLst>
+      <p:ext uri="{BB962C8B-B14F-4D97-AF65-F5344CB8AC3E}">
+        <p14:creationId xmlns:p14="http://schemas.microsoft.com/office/powerpoint/2010/main" val="2514548196"/>
+      </p:ext>
+    </p:extLst>
+  </p:cSld>
+  <p:clrMapOvr>
+    <a:masterClrMapping/>
+  </p:clrMapOvr>
+</p:sld>
+</file>
+
+<file path=ppt/slides/slide21.xml><?xml version="1.0" encoding="utf-8"?>
+<p:sld xmlns:a="http://schemas.openxmlformats.org/drawingml/2006/main" xmlns:r="http://schemas.openxmlformats.org/officeDocument/2006/relationships" xmlns:p="http://schemas.openxmlformats.org/presentationml/2006/main">
+  <p:cSld>
+    <p:spTree>
+      <p:nvGrpSpPr>
+        <p:cNvPr id="1" name=""/>
+        <p:cNvGrpSpPr/>
+        <p:nvPr/>
+      </p:nvGrpSpPr>
+      <p:grpSpPr>
+        <a:xfrm>
+          <a:off x="0" y="0"/>
+          <a:ext cx="0" cy="0"/>
+          <a:chOff x="0" y="0"/>
+          <a:chExt cx="0" cy="0"/>
+        </a:xfrm>
+      </p:grpSpPr>
+      <p:sp>
+        <p:nvSpPr>
+          <p:cNvPr id="2" name="タイトル 1">
+            <a:extLst>
+              <a:ext uri="{FF2B5EF4-FFF2-40B4-BE49-F238E27FC236}">
+                <a16:creationId xmlns:a16="http://schemas.microsoft.com/office/drawing/2014/main" id="{FCC515D3-96D4-4852-9FF9-D26C487D3211}"/>
+              </a:ext>
+            </a:extLst>
+          </p:cNvPr>
+          <p:cNvSpPr>
+            <a:spLocks noGrp="1"/>
+          </p:cNvSpPr>
+          <p:nvPr>
+            <p:ph type="title"/>
+          </p:nvPr>
+        </p:nvSpPr>
+        <p:spPr>
+          <a:xfrm>
+            <a:off x="457200" y="188640"/>
+            <a:ext cx="7427168" cy="720080"/>
+          </a:xfrm>
+        </p:spPr>
+        <p:txBody>
+          <a:bodyPr>
+            <a:normAutofit/>
+          </a:bodyPr>
+          <a:lstStyle/>
+          <a:p>
+            <a:r>
+              <a:rPr kumimoji="1" lang="en-US" altLang="ja-JP" sz="2400" dirty="0" err="1"/>
+              <a:t>ArrayOption</a:t>
+            </a:r>
+            <a:endParaRPr kumimoji="1" lang="ja-JP" altLang="en-US" sz="2400" dirty="0"/>
+          </a:p>
+        </p:txBody>
+      </p:sp>
+      <p:pic>
+        <p:nvPicPr>
+          <p:cNvPr id="7" name="図 6">
+            <a:extLst>
+              <a:ext uri="{FF2B5EF4-FFF2-40B4-BE49-F238E27FC236}">
+                <a16:creationId xmlns:a16="http://schemas.microsoft.com/office/drawing/2014/main" id="{A20E4631-A543-4A3B-83D6-BFAAE52ABAF9}"/>
+              </a:ext>
+            </a:extLst>
+          </p:cNvPr>
+          <p:cNvPicPr>
+            <a:picLocks noChangeAspect="1"/>
+          </p:cNvPicPr>
+          <p:nvPr/>
+        </p:nvPicPr>
+        <p:blipFill>
+          <a:blip r:embed="rId2"/>
+          <a:stretch>
+            <a:fillRect/>
+          </a:stretch>
+        </p:blipFill>
+        <p:spPr>
+          <a:xfrm>
+            <a:off x="323528" y="921296"/>
+            <a:ext cx="5666667" cy="1419048"/>
+          </a:xfrm>
+          <a:prstGeom prst="rect">
+            <a:avLst/>
+          </a:prstGeom>
+        </p:spPr>
+      </p:pic>
+      <p:pic>
+        <p:nvPicPr>
+          <p:cNvPr id="8" name="図 7">
+            <a:extLst>
+              <a:ext uri="{FF2B5EF4-FFF2-40B4-BE49-F238E27FC236}">
+                <a16:creationId xmlns:a16="http://schemas.microsoft.com/office/drawing/2014/main" id="{2765B5C1-C0C0-4BEB-BEBE-E6DB8D11D78C}"/>
+              </a:ext>
+            </a:extLst>
+          </p:cNvPr>
+          <p:cNvPicPr>
+            <a:picLocks noChangeAspect="1"/>
+          </p:cNvPicPr>
+          <p:nvPr/>
+        </p:nvPicPr>
+        <p:blipFill>
+          <a:blip r:embed="rId3"/>
+          <a:stretch>
+            <a:fillRect/>
+          </a:stretch>
+        </p:blipFill>
+        <p:spPr>
+          <a:xfrm>
+            <a:off x="611560" y="2564904"/>
+            <a:ext cx="5695238" cy="1380952"/>
+          </a:xfrm>
+          <a:prstGeom prst="rect">
+            <a:avLst/>
+          </a:prstGeom>
+        </p:spPr>
+      </p:pic>
+    </p:spTree>
+    <p:extLst>
+      <p:ext uri="{BB962C8B-B14F-4D97-AF65-F5344CB8AC3E}">
+        <p14:creationId xmlns:p14="http://schemas.microsoft.com/office/powerpoint/2010/main" val="1259639796"/>
+      </p:ext>
+    </p:extLst>
+  </p:cSld>
+  <p:clrMapOvr>
+    <a:masterClrMapping/>
+  </p:clrMapOvr>
+</p:sld>
+</file>
+
+<file path=ppt/slides/slide22.xml><?xml version="1.0" encoding="utf-8"?>
+<p:sld xmlns:a="http://schemas.openxmlformats.org/drawingml/2006/main" xmlns:r="http://schemas.openxmlformats.org/officeDocument/2006/relationships" xmlns:p="http://schemas.openxmlformats.org/presentationml/2006/main">
+  <p:cSld>
+    <p:spTree>
+      <p:nvGrpSpPr>
+        <p:cNvPr id="1" name=""/>
+        <p:cNvGrpSpPr/>
+        <p:nvPr/>
+      </p:nvGrpSpPr>
+      <p:grpSpPr>
+        <a:xfrm>
+          <a:off x="0" y="0"/>
+          <a:ext cx="0" cy="0"/>
+          <a:chOff x="0" y="0"/>
+          <a:chExt cx="0" cy="0"/>
+        </a:xfrm>
+      </p:grpSpPr>
+      <p:sp>
+        <p:nvSpPr>
+          <p:cNvPr id="2" name="タイトル 1"/>
+          <p:cNvSpPr>
+            <a:spLocks noGrp="1"/>
+          </p:cNvSpPr>
+          <p:nvPr>
+            <p:ph type="title"/>
+          </p:nvPr>
+        </p:nvSpPr>
+        <p:spPr/>
+        <p:txBody>
+          <a:bodyPr/>
+          <a:lstStyle/>
+          <a:p>
+            <a:r>
               <a:rPr lang="en-US" altLang="ja-JP" dirty="0"/>
               <a:t>Converter</a:t>
             </a:r>
@@ -5302,7 +5504,7 @@
 </p:sld>
 </file>
 
-<file path=ppt/slides/slide21.xml><?xml version="1.0" encoding="utf-8"?>
+<file path=ppt/slides/slide23.xml><?xml version="1.0" encoding="utf-8"?>
 <p:sld xmlns:a="http://schemas.openxmlformats.org/drawingml/2006/main" xmlns:r="http://schemas.openxmlformats.org/officeDocument/2006/relationships" xmlns:p="http://schemas.openxmlformats.org/presentationml/2006/main">
   <p:cSld>
     <p:spTree>
@@ -6772,7 +6974,7 @@
         </p:blipFill>
         <p:spPr bwMode="auto">
           <a:xfrm>
-            <a:off x="539552" y="4374827"/>
+            <a:off x="4431060" y="1631900"/>
             <a:ext cx="4724400" cy="1990725"/>
           </a:xfrm>
           <a:prstGeom prst="rect">
@@ -6801,6 +7003,36 @@
               </a14:hiddenLine>
             </a:ext>
           </a:extLst>
+        </p:spPr>
+      </p:pic>
+      <p:pic>
+        <p:nvPicPr>
+          <p:cNvPr id="3" name="図 2">
+            <a:extLst>
+              <a:ext uri="{FF2B5EF4-FFF2-40B4-BE49-F238E27FC236}">
+                <a16:creationId xmlns:a16="http://schemas.microsoft.com/office/drawing/2014/main" id="{74EFAE1E-B57A-4C39-9391-295BE381DAAA}"/>
+              </a:ext>
+            </a:extLst>
+          </p:cNvPr>
+          <p:cNvPicPr>
+            <a:picLocks noChangeAspect="1"/>
+          </p:cNvPicPr>
+          <p:nvPr/>
+        </p:nvPicPr>
+        <p:blipFill>
+          <a:blip r:embed="rId4"/>
+          <a:stretch>
+            <a:fillRect/>
+          </a:stretch>
+        </p:blipFill>
+        <p:spPr>
+          <a:xfrm>
+            <a:off x="323528" y="4582616"/>
+            <a:ext cx="6533333" cy="1980952"/>
+          </a:xfrm>
+          <a:prstGeom prst="rect">
+            <a:avLst/>
+          </a:prstGeom>
         </p:spPr>
       </p:pic>
     </p:spTree>

--- a/src/site/sphinx/memo/images.pptx
+++ b/src/site/sphinx/memo/images.pptx
@@ -328,7 +328,7 @@
           <a:p>
             <a:fld id="{E90ED720-0104-4369-84BC-D37694168613}" type="datetimeFigureOut">
               <a:rPr kumimoji="1" lang="ja-JP" altLang="en-US" smtClean="0"/>
-              <a:t>2018/1/2</a:t>
+              <a:t>2018/1/6</a:t>
             </a:fld>
             <a:endParaRPr kumimoji="1" lang="ja-JP" altLang="en-US"/>
           </a:p>
@@ -523,7 +523,7 @@
           <a:p>
             <a:fld id="{E90ED720-0104-4369-84BC-D37694168613}" type="datetimeFigureOut">
               <a:rPr kumimoji="1" lang="ja-JP" altLang="en-US" smtClean="0"/>
-              <a:t>2018/1/2</a:t>
+              <a:t>2018/1/6</a:t>
             </a:fld>
             <a:endParaRPr kumimoji="1" lang="ja-JP" altLang="en-US"/>
           </a:p>
@@ -728,7 +728,7 @@
           <a:p>
             <a:fld id="{E90ED720-0104-4369-84BC-D37694168613}" type="datetimeFigureOut">
               <a:rPr kumimoji="1" lang="ja-JP" altLang="en-US" smtClean="0"/>
-              <a:t>2018/1/2</a:t>
+              <a:t>2018/1/6</a:t>
             </a:fld>
             <a:endParaRPr kumimoji="1" lang="ja-JP" altLang="en-US"/>
           </a:p>
@@ -923,7 +923,7 @@
           <a:p>
             <a:fld id="{E90ED720-0104-4369-84BC-D37694168613}" type="datetimeFigureOut">
               <a:rPr kumimoji="1" lang="ja-JP" altLang="en-US" smtClean="0"/>
-              <a:t>2018/1/2</a:t>
+              <a:t>2018/1/6</a:t>
             </a:fld>
             <a:endParaRPr kumimoji="1" lang="ja-JP" altLang="en-US"/>
           </a:p>
@@ -1163,7 +1163,7 @@
           <a:p>
             <a:fld id="{E90ED720-0104-4369-84BC-D37694168613}" type="datetimeFigureOut">
               <a:rPr kumimoji="1" lang="ja-JP" altLang="en-US" smtClean="0"/>
-              <a:t>2018/1/2</a:t>
+              <a:t>2018/1/6</a:t>
             </a:fld>
             <a:endParaRPr kumimoji="1" lang="ja-JP" altLang="en-US"/>
           </a:p>
@@ -1507,7 +1507,7 @@
           <a:p>
             <a:fld id="{E90ED720-0104-4369-84BC-D37694168613}" type="datetimeFigureOut">
               <a:rPr kumimoji="1" lang="ja-JP" altLang="en-US" smtClean="0"/>
-              <a:t>2018/1/2</a:t>
+              <a:t>2018/1/6</a:t>
             </a:fld>
             <a:endParaRPr kumimoji="1" lang="ja-JP" altLang="en-US"/>
           </a:p>
@@ -1985,7 +1985,7 @@
           <a:p>
             <a:fld id="{E90ED720-0104-4369-84BC-D37694168613}" type="datetimeFigureOut">
               <a:rPr kumimoji="1" lang="ja-JP" altLang="en-US" smtClean="0"/>
-              <a:t>2018/1/2</a:t>
+              <a:t>2018/1/6</a:t>
             </a:fld>
             <a:endParaRPr kumimoji="1" lang="ja-JP" altLang="en-US"/>
           </a:p>
@@ -2097,7 +2097,7 @@
           <a:p>
             <a:fld id="{E90ED720-0104-4369-84BC-D37694168613}" type="datetimeFigureOut">
               <a:rPr kumimoji="1" lang="ja-JP" altLang="en-US" smtClean="0"/>
-              <a:t>2018/1/2</a:t>
+              <a:t>2018/1/6</a:t>
             </a:fld>
             <a:endParaRPr kumimoji="1" lang="ja-JP" altLang="en-US"/>
           </a:p>
@@ -2187,7 +2187,7 @@
           <a:p>
             <a:fld id="{E90ED720-0104-4369-84BC-D37694168613}" type="datetimeFigureOut">
               <a:rPr kumimoji="1" lang="ja-JP" altLang="en-US" smtClean="0"/>
-              <a:t>2018/1/2</a:t>
+              <a:t>2018/1/6</a:t>
             </a:fld>
             <a:endParaRPr kumimoji="1" lang="ja-JP" altLang="en-US"/>
           </a:p>
@@ -2489,7 +2489,7 @@
           <a:p>
             <a:fld id="{E90ED720-0104-4369-84BC-D37694168613}" type="datetimeFigureOut">
               <a:rPr kumimoji="1" lang="ja-JP" altLang="en-US" smtClean="0"/>
-              <a:t>2018/1/2</a:t>
+              <a:t>2018/1/6</a:t>
             </a:fld>
             <a:endParaRPr kumimoji="1" lang="ja-JP" altLang="en-US"/>
           </a:p>
@@ -2736,7 +2736,7 @@
           <a:p>
             <a:fld id="{E90ED720-0104-4369-84BC-D37694168613}" type="datetimeFigureOut">
               <a:rPr kumimoji="1" lang="ja-JP" altLang="en-US" smtClean="0"/>
-              <a:t>2018/1/2</a:t>
+              <a:t>2018/1/6</a:t>
             </a:fld>
             <a:endParaRPr kumimoji="1" lang="ja-JP" altLang="en-US"/>
           </a:p>
@@ -2974,7 +2974,7 @@
           <a:p>
             <a:fld id="{E90ED720-0104-4369-84BC-D37694168613}" type="datetimeFigureOut">
               <a:rPr kumimoji="1" lang="ja-JP" altLang="en-US" smtClean="0"/>
-              <a:t>2018/1/2</a:t>
+              <a:t>2018/1/6</a:t>
             </a:fld>
             <a:endParaRPr kumimoji="1" lang="ja-JP" altLang="en-US"/>
           </a:p>
@@ -5256,6 +5256,36 @@
               </a14:hiddenLine>
             </a:ext>
           </a:extLst>
+        </p:spPr>
+      </p:pic>
+      <p:pic>
+        <p:nvPicPr>
+          <p:cNvPr id="4" name="図 3">
+            <a:extLst>
+              <a:ext uri="{FF2B5EF4-FFF2-40B4-BE49-F238E27FC236}">
+                <a16:creationId xmlns:a16="http://schemas.microsoft.com/office/drawing/2014/main" id="{772256BB-5D50-4B0B-B7EB-54DF9CCB7A53}"/>
+              </a:ext>
+            </a:extLst>
+          </p:cNvPr>
+          <p:cNvPicPr>
+            <a:picLocks noChangeAspect="1"/>
+          </p:cNvPicPr>
+          <p:nvPr/>
+        </p:nvPicPr>
+        <p:blipFill>
+          <a:blip r:embed="rId3"/>
+          <a:stretch>
+            <a:fillRect/>
+          </a:stretch>
+        </p:blipFill>
+        <p:spPr>
+          <a:xfrm>
+            <a:off x="1475656" y="3717032"/>
+            <a:ext cx="5704762" cy="2952381"/>
+          </a:xfrm>
+          <a:prstGeom prst="rect">
+            <a:avLst/>
+          </a:prstGeom>
         </p:spPr>
       </p:pic>
     </p:spTree>

--- a/src/site/sphinx/memo/images.pptx
+++ b/src/site/sphinx/memo/images.pptx
@@ -145,10 +145,6 @@
 </p:presentation>
 </file>
 
-<file path=ppt/revisionInfo.xml><?xml version="1.0" encoding="utf-8"?>
-<p1510:revInfo xmlns:a="http://schemas.openxmlformats.org/drawingml/2006/main" xmlns:r="http://schemas.openxmlformats.org/officeDocument/2006/relationships" xmlns:p1510="http://schemas.microsoft.com/office/powerpoint/2015/10/main"/>
-</file>
-
 <file path=ppt/slideLayouts/slideLayout1.xml><?xml version="1.0" encoding="utf-8"?>
 <p:sldLayout xmlns:a="http://schemas.openxmlformats.org/drawingml/2006/main" xmlns:r="http://schemas.openxmlformats.org/officeDocument/2006/relationships" xmlns:p="http://schemas.openxmlformats.org/presentationml/2006/main" type="title" preserve="1">
   <p:cSld name="タイトル スライド">
@@ -328,7 +324,7 @@
           <a:p>
             <a:fld id="{E90ED720-0104-4369-84BC-D37694168613}" type="datetimeFigureOut">
               <a:rPr kumimoji="1" lang="ja-JP" altLang="en-US" smtClean="0"/>
-              <a:t>2018/1/6</a:t>
+              <a:t>2018/3/31</a:t>
             </a:fld>
             <a:endParaRPr kumimoji="1" lang="ja-JP" altLang="en-US"/>
           </a:p>
@@ -523,7 +519,7 @@
           <a:p>
             <a:fld id="{E90ED720-0104-4369-84BC-D37694168613}" type="datetimeFigureOut">
               <a:rPr kumimoji="1" lang="ja-JP" altLang="en-US" smtClean="0"/>
-              <a:t>2018/1/6</a:t>
+              <a:t>2018/3/31</a:t>
             </a:fld>
             <a:endParaRPr kumimoji="1" lang="ja-JP" altLang="en-US"/>
           </a:p>
@@ -728,7 +724,7 @@
           <a:p>
             <a:fld id="{E90ED720-0104-4369-84BC-D37694168613}" type="datetimeFigureOut">
               <a:rPr kumimoji="1" lang="ja-JP" altLang="en-US" smtClean="0"/>
-              <a:t>2018/1/6</a:t>
+              <a:t>2018/3/31</a:t>
             </a:fld>
             <a:endParaRPr kumimoji="1" lang="ja-JP" altLang="en-US"/>
           </a:p>
@@ -923,7 +919,7 @@
           <a:p>
             <a:fld id="{E90ED720-0104-4369-84BC-D37694168613}" type="datetimeFigureOut">
               <a:rPr kumimoji="1" lang="ja-JP" altLang="en-US" smtClean="0"/>
-              <a:t>2018/1/6</a:t>
+              <a:t>2018/3/31</a:t>
             </a:fld>
             <a:endParaRPr kumimoji="1" lang="ja-JP" altLang="en-US"/>
           </a:p>
@@ -1163,7 +1159,7 @@
           <a:p>
             <a:fld id="{E90ED720-0104-4369-84BC-D37694168613}" type="datetimeFigureOut">
               <a:rPr kumimoji="1" lang="ja-JP" altLang="en-US" smtClean="0"/>
-              <a:t>2018/1/6</a:t>
+              <a:t>2018/3/31</a:t>
             </a:fld>
             <a:endParaRPr kumimoji="1" lang="ja-JP" altLang="en-US"/>
           </a:p>
@@ -1507,7 +1503,7 @@
           <a:p>
             <a:fld id="{E90ED720-0104-4369-84BC-D37694168613}" type="datetimeFigureOut">
               <a:rPr kumimoji="1" lang="ja-JP" altLang="en-US" smtClean="0"/>
-              <a:t>2018/1/6</a:t>
+              <a:t>2018/3/31</a:t>
             </a:fld>
             <a:endParaRPr kumimoji="1" lang="ja-JP" altLang="en-US"/>
           </a:p>
@@ -1985,7 +1981,7 @@
           <a:p>
             <a:fld id="{E90ED720-0104-4369-84BC-D37694168613}" type="datetimeFigureOut">
               <a:rPr kumimoji="1" lang="ja-JP" altLang="en-US" smtClean="0"/>
-              <a:t>2018/1/6</a:t>
+              <a:t>2018/3/31</a:t>
             </a:fld>
             <a:endParaRPr kumimoji="1" lang="ja-JP" altLang="en-US"/>
           </a:p>
@@ -2097,7 +2093,7 @@
           <a:p>
             <a:fld id="{E90ED720-0104-4369-84BC-D37694168613}" type="datetimeFigureOut">
               <a:rPr kumimoji="1" lang="ja-JP" altLang="en-US" smtClean="0"/>
-              <a:t>2018/1/6</a:t>
+              <a:t>2018/3/31</a:t>
             </a:fld>
             <a:endParaRPr kumimoji="1" lang="ja-JP" altLang="en-US"/>
           </a:p>
@@ -2187,7 +2183,7 @@
           <a:p>
             <a:fld id="{E90ED720-0104-4369-84BC-D37694168613}" type="datetimeFigureOut">
               <a:rPr kumimoji="1" lang="ja-JP" altLang="en-US" smtClean="0"/>
-              <a:t>2018/1/6</a:t>
+              <a:t>2018/3/31</a:t>
             </a:fld>
             <a:endParaRPr kumimoji="1" lang="ja-JP" altLang="en-US"/>
           </a:p>
@@ -2489,7 +2485,7 @@
           <a:p>
             <a:fld id="{E90ED720-0104-4369-84BC-D37694168613}" type="datetimeFigureOut">
               <a:rPr kumimoji="1" lang="ja-JP" altLang="en-US" smtClean="0"/>
-              <a:t>2018/1/6</a:t>
+              <a:t>2018/3/31</a:t>
             </a:fld>
             <a:endParaRPr kumimoji="1" lang="ja-JP" altLang="en-US"/>
           </a:p>
@@ -2736,7 +2732,7 @@
           <a:p>
             <a:fld id="{E90ED720-0104-4369-84BC-D37694168613}" type="datetimeFigureOut">
               <a:rPr kumimoji="1" lang="ja-JP" altLang="en-US" smtClean="0"/>
-              <a:t>2018/1/6</a:t>
+              <a:t>2018/3/31</a:t>
             </a:fld>
             <a:endParaRPr kumimoji="1" lang="ja-JP" altLang="en-US"/>
           </a:p>
@@ -2974,7 +2970,7 @@
           <a:p>
             <a:fld id="{E90ED720-0104-4369-84BC-D37694168613}" type="datetimeFigureOut">
               <a:rPr kumimoji="1" lang="ja-JP" altLang="en-US" smtClean="0"/>
-              <a:t>2018/1/6</a:t>
+              <a:t>2018/3/31</a:t>
             </a:fld>
             <a:endParaRPr kumimoji="1" lang="ja-JP" altLang="en-US"/>
           </a:p>
@@ -4049,7 +4045,7 @@
         </p:nvSpPr>
         <p:spPr>
           <a:xfrm>
-            <a:off x="457200" y="274638"/>
+            <a:off x="467544" y="85246"/>
             <a:ext cx="7139136" cy="457199"/>
           </a:xfrm>
         </p:spPr>
@@ -4089,7 +4085,7 @@
         </p:blipFill>
         <p:spPr>
           <a:xfrm>
-            <a:off x="179512" y="908720"/>
+            <a:off x="153244" y="542445"/>
             <a:ext cx="4666667" cy="1419048"/>
           </a:xfrm>
           <a:prstGeom prst="rect">
@@ -4119,7 +4115,7 @@
         </p:blipFill>
         <p:spPr>
           <a:xfrm>
-            <a:off x="152847" y="2636912"/>
+            <a:off x="153244" y="3377066"/>
             <a:ext cx="6323809" cy="1485714"/>
           </a:xfrm>
           <a:prstGeom prst="rect">
@@ -4149,8 +4145,38 @@
         </p:blipFill>
         <p:spPr>
           <a:xfrm>
-            <a:off x="226793" y="4581128"/>
+            <a:off x="251520" y="4965450"/>
             <a:ext cx="5419048" cy="1733333"/>
+          </a:xfrm>
+          <a:prstGeom prst="rect">
+            <a:avLst/>
+          </a:prstGeom>
+        </p:spPr>
+      </p:pic>
+      <p:pic>
+        <p:nvPicPr>
+          <p:cNvPr id="5" name="図 4">
+            <a:extLst>
+              <a:ext uri="{FF2B5EF4-FFF2-40B4-BE49-F238E27FC236}">
+                <a16:creationId xmlns:a16="http://schemas.microsoft.com/office/drawing/2014/main" id="{F684141A-6528-48A8-B6BA-E998F101CBD7}"/>
+              </a:ext>
+            </a:extLst>
+          </p:cNvPr>
+          <p:cNvPicPr>
+            <a:picLocks noChangeAspect="1"/>
+          </p:cNvPicPr>
+          <p:nvPr/>
+        </p:nvPicPr>
+        <p:blipFill>
+          <a:blip r:embed="rId5"/>
+          <a:stretch>
+            <a:fillRect/>
+          </a:stretch>
+        </p:blipFill>
+        <p:spPr>
+          <a:xfrm>
+            <a:off x="4524672" y="1728216"/>
+            <a:ext cx="3904762" cy="1380952"/>
           </a:xfrm>
           <a:prstGeom prst="rect">
             <a:avLst/>
@@ -6044,6 +6070,36 @@
           </a:prstGeom>
         </p:spPr>
       </p:pic>
+      <p:pic>
+        <p:nvPicPr>
+          <p:cNvPr id="7" name="図 6">
+            <a:extLst>
+              <a:ext uri="{FF2B5EF4-FFF2-40B4-BE49-F238E27FC236}">
+                <a16:creationId xmlns:a16="http://schemas.microsoft.com/office/drawing/2014/main" id="{814B4BCE-7702-4029-BD3A-D3DC1462C5E9}"/>
+              </a:ext>
+            </a:extLst>
+          </p:cNvPr>
+          <p:cNvPicPr>
+            <a:picLocks noChangeAspect="1"/>
+          </p:cNvPicPr>
+          <p:nvPr/>
+        </p:nvPicPr>
+        <p:blipFill>
+          <a:blip r:embed="rId6"/>
+          <a:stretch>
+            <a:fillRect/>
+          </a:stretch>
+        </p:blipFill>
+        <p:spPr>
+          <a:xfrm>
+            <a:off x="969997" y="4581128"/>
+            <a:ext cx="2857143" cy="1009524"/>
+          </a:xfrm>
+          <a:prstGeom prst="rect">
+            <a:avLst/>
+          </a:prstGeom>
+        </p:spPr>
+      </p:pic>
     </p:spTree>
     <p:extLst>
       <p:ext uri="{BB962C8B-B14F-4D97-AF65-F5344CB8AC3E}">
@@ -6224,6 +6280,36 @@
           <a:xfrm>
             <a:off x="5364088" y="4082793"/>
             <a:ext cx="2857143" cy="2276190"/>
+          </a:xfrm>
+          <a:prstGeom prst="rect">
+            <a:avLst/>
+          </a:prstGeom>
+        </p:spPr>
+      </p:pic>
+      <p:pic>
+        <p:nvPicPr>
+          <p:cNvPr id="3" name="図 2">
+            <a:extLst>
+              <a:ext uri="{FF2B5EF4-FFF2-40B4-BE49-F238E27FC236}">
+                <a16:creationId xmlns:a16="http://schemas.microsoft.com/office/drawing/2014/main" id="{C8B4D035-3565-4872-8BE0-A9AD872AA62A}"/>
+              </a:ext>
+            </a:extLst>
+          </p:cNvPr>
+          <p:cNvPicPr>
+            <a:picLocks noChangeAspect="1"/>
+          </p:cNvPicPr>
+          <p:nvPr/>
+        </p:nvPicPr>
+        <p:blipFill>
+          <a:blip r:embed="rId6"/>
+          <a:stretch>
+            <a:fillRect/>
+          </a:stretch>
+        </p:blipFill>
+        <p:spPr>
+          <a:xfrm>
+            <a:off x="351349" y="5517232"/>
+            <a:ext cx="3400000" cy="1028571"/>
           </a:xfrm>
           <a:prstGeom prst="rect">
             <a:avLst/>

--- a/src/site/sphinx/memo/images.pptx
+++ b/src/site/sphinx/memo/images.pptx
@@ -28,6 +28,8 @@
     <p:sldId id="275" r:id="rId22"/>
     <p:sldId id="264" r:id="rId23"/>
     <p:sldId id="270" r:id="rId24"/>
+    <p:sldId id="279" r:id="rId25"/>
+    <p:sldId id="280" r:id="rId26"/>
   </p:sldIdLst>
   <p:sldSz cx="9144000" cy="6858000" type="screen4x3"/>
   <p:notesSz cx="6858000" cy="9144000"/>
@@ -324,7 +326,7 @@
           <a:p>
             <a:fld id="{E90ED720-0104-4369-84BC-D37694168613}" type="datetimeFigureOut">
               <a:rPr kumimoji="1" lang="ja-JP" altLang="en-US" smtClean="0"/>
-              <a:t>2018/3/31</a:t>
+              <a:t>2019/6/16</a:t>
             </a:fld>
             <a:endParaRPr kumimoji="1" lang="ja-JP" altLang="en-US"/>
           </a:p>
@@ -519,7 +521,7 @@
           <a:p>
             <a:fld id="{E90ED720-0104-4369-84BC-D37694168613}" type="datetimeFigureOut">
               <a:rPr kumimoji="1" lang="ja-JP" altLang="en-US" smtClean="0"/>
-              <a:t>2018/3/31</a:t>
+              <a:t>2019/6/16</a:t>
             </a:fld>
             <a:endParaRPr kumimoji="1" lang="ja-JP" altLang="en-US"/>
           </a:p>
@@ -724,7 +726,7 @@
           <a:p>
             <a:fld id="{E90ED720-0104-4369-84BC-D37694168613}" type="datetimeFigureOut">
               <a:rPr kumimoji="1" lang="ja-JP" altLang="en-US" smtClean="0"/>
-              <a:t>2018/3/31</a:t>
+              <a:t>2019/6/16</a:t>
             </a:fld>
             <a:endParaRPr kumimoji="1" lang="ja-JP" altLang="en-US"/>
           </a:p>
@@ -919,7 +921,7 @@
           <a:p>
             <a:fld id="{E90ED720-0104-4369-84BC-D37694168613}" type="datetimeFigureOut">
               <a:rPr kumimoji="1" lang="ja-JP" altLang="en-US" smtClean="0"/>
-              <a:t>2018/3/31</a:t>
+              <a:t>2019/6/16</a:t>
             </a:fld>
             <a:endParaRPr kumimoji="1" lang="ja-JP" altLang="en-US"/>
           </a:p>
@@ -1159,7 +1161,7 @@
           <a:p>
             <a:fld id="{E90ED720-0104-4369-84BC-D37694168613}" type="datetimeFigureOut">
               <a:rPr kumimoji="1" lang="ja-JP" altLang="en-US" smtClean="0"/>
-              <a:t>2018/3/31</a:t>
+              <a:t>2019/6/16</a:t>
             </a:fld>
             <a:endParaRPr kumimoji="1" lang="ja-JP" altLang="en-US"/>
           </a:p>
@@ -1503,7 +1505,7 @@
           <a:p>
             <a:fld id="{E90ED720-0104-4369-84BC-D37694168613}" type="datetimeFigureOut">
               <a:rPr kumimoji="1" lang="ja-JP" altLang="en-US" smtClean="0"/>
-              <a:t>2018/3/31</a:t>
+              <a:t>2019/6/16</a:t>
             </a:fld>
             <a:endParaRPr kumimoji="1" lang="ja-JP" altLang="en-US"/>
           </a:p>
@@ -1981,7 +1983,7 @@
           <a:p>
             <a:fld id="{E90ED720-0104-4369-84BC-D37694168613}" type="datetimeFigureOut">
               <a:rPr kumimoji="1" lang="ja-JP" altLang="en-US" smtClean="0"/>
-              <a:t>2018/3/31</a:t>
+              <a:t>2019/6/16</a:t>
             </a:fld>
             <a:endParaRPr kumimoji="1" lang="ja-JP" altLang="en-US"/>
           </a:p>
@@ -2093,7 +2095,7 @@
           <a:p>
             <a:fld id="{E90ED720-0104-4369-84BC-D37694168613}" type="datetimeFigureOut">
               <a:rPr kumimoji="1" lang="ja-JP" altLang="en-US" smtClean="0"/>
-              <a:t>2018/3/31</a:t>
+              <a:t>2019/6/16</a:t>
             </a:fld>
             <a:endParaRPr kumimoji="1" lang="ja-JP" altLang="en-US"/>
           </a:p>
@@ -2183,7 +2185,7 @@
           <a:p>
             <a:fld id="{E90ED720-0104-4369-84BC-D37694168613}" type="datetimeFigureOut">
               <a:rPr kumimoji="1" lang="ja-JP" altLang="en-US" smtClean="0"/>
-              <a:t>2018/3/31</a:t>
+              <a:t>2019/6/16</a:t>
             </a:fld>
             <a:endParaRPr kumimoji="1" lang="ja-JP" altLang="en-US"/>
           </a:p>
@@ -2485,7 +2487,7 @@
           <a:p>
             <a:fld id="{E90ED720-0104-4369-84BC-D37694168613}" type="datetimeFigureOut">
               <a:rPr kumimoji="1" lang="ja-JP" altLang="en-US" smtClean="0"/>
-              <a:t>2018/3/31</a:t>
+              <a:t>2019/6/16</a:t>
             </a:fld>
             <a:endParaRPr kumimoji="1" lang="ja-JP" altLang="en-US"/>
           </a:p>
@@ -2732,7 +2734,7 @@
           <a:p>
             <a:fld id="{E90ED720-0104-4369-84BC-D37694168613}" type="datetimeFigureOut">
               <a:rPr kumimoji="1" lang="ja-JP" altLang="en-US" smtClean="0"/>
-              <a:t>2018/3/31</a:t>
+              <a:t>2019/6/16</a:t>
             </a:fld>
             <a:endParaRPr kumimoji="1" lang="ja-JP" altLang="en-US"/>
           </a:p>
@@ -2970,7 +2972,7 @@
           <a:p>
             <a:fld id="{E90ED720-0104-4369-84BC-D37694168613}" type="datetimeFigureOut">
               <a:rPr kumimoji="1" lang="ja-JP" altLang="en-US" smtClean="0"/>
-              <a:t>2018/3/31</a:t>
+              <a:t>2019/6/16</a:t>
             </a:fld>
             <a:endParaRPr kumimoji="1" lang="ja-JP" altLang="en-US"/>
           </a:p>
@@ -3791,7 +3793,7 @@
       </p:sp>
       <p:pic>
         <p:nvPicPr>
-          <p:cNvPr id="1027" name="Picture 3"/>
+          <p:cNvPr id="1026" name="Picture 2"/>
           <p:cNvPicPr>
             <a:picLocks noChangeAspect="1" noChangeArrowheads="1"/>
           </p:cNvPicPr>
@@ -3810,8 +3812,8 @@
         </p:blipFill>
         <p:spPr bwMode="auto">
           <a:xfrm>
-            <a:off x="395536" y="2780928"/>
-            <a:ext cx="4133850" cy="1038226"/>
+            <a:off x="4529386" y="5286374"/>
+            <a:ext cx="4619625" cy="1571626"/>
           </a:xfrm>
           <a:prstGeom prst="rect">
             <a:avLst/>
@@ -3843,7 +3845,7 @@
       </p:pic>
       <p:pic>
         <p:nvPicPr>
-          <p:cNvPr id="1026" name="Picture 2"/>
+          <p:cNvPr id="4" name="Picture 2"/>
           <p:cNvPicPr>
             <a:picLocks noChangeAspect="1" noChangeArrowheads="1"/>
           </p:cNvPicPr>
@@ -3862,8 +3864,8 @@
         </p:blipFill>
         <p:spPr bwMode="auto">
           <a:xfrm>
-            <a:off x="4529386" y="5286374"/>
-            <a:ext cx="4619625" cy="1571626"/>
+            <a:off x="168622" y="4400549"/>
+            <a:ext cx="5495925" cy="1771650"/>
           </a:xfrm>
           <a:prstGeom prst="rect">
             <a:avLst/>
@@ -3895,7 +3897,7 @@
       </p:pic>
       <p:pic>
         <p:nvPicPr>
-          <p:cNvPr id="4" name="Picture 2"/>
+          <p:cNvPr id="5" name="Picture 2"/>
           <p:cNvPicPr>
             <a:picLocks noChangeAspect="1" noChangeArrowheads="1"/>
           </p:cNvPicPr>
@@ -3914,8 +3916,8 @@
         </p:blipFill>
         <p:spPr bwMode="auto">
           <a:xfrm>
-            <a:off x="168622" y="4400549"/>
-            <a:ext cx="5495925" cy="1771650"/>
+            <a:off x="251520" y="1124744"/>
+            <a:ext cx="5019675" cy="1552576"/>
           </a:xfrm>
           <a:prstGeom prst="rect">
             <a:avLst/>
@@ -3947,54 +3949,32 @@
       </p:pic>
       <p:pic>
         <p:nvPicPr>
-          <p:cNvPr id="5" name="Picture 2"/>
+          <p:cNvPr id="6" name="図 5">
+            <a:extLst>
+              <a:ext uri="{FF2B5EF4-FFF2-40B4-BE49-F238E27FC236}">
+                <a16:creationId xmlns:a16="http://schemas.microsoft.com/office/drawing/2014/main" id="{31A2BA0B-7ECD-4A93-A825-867B72D1C1A7}"/>
+              </a:ext>
+            </a:extLst>
+          </p:cNvPr>
           <p:cNvPicPr>
-            <a:picLocks noChangeAspect="1" noChangeArrowheads="1"/>
+            <a:picLocks noChangeAspect="1"/>
           </p:cNvPicPr>
           <p:nvPr/>
         </p:nvPicPr>
-        <p:blipFill rotWithShape="1">
-          <a:blip r:embed="rId5" cstate="print">
-            <a:extLst>
-              <a:ext uri="{28A0092B-C50C-407E-A947-70E740481C1C}">
-                <a14:useLocalDpi xmlns:a14="http://schemas.microsoft.com/office/drawing/2010/main" val="0"/>
-              </a:ext>
-            </a:extLst>
-          </a:blip>
-          <a:srcRect/>
-          <a:stretch/>
+        <p:blipFill>
+          <a:blip r:embed="rId5"/>
+          <a:stretch>
+            <a:fillRect/>
+          </a:stretch>
         </p:blipFill>
-        <p:spPr bwMode="auto">
-          <a:xfrm>
-            <a:off x="251520" y="1124744"/>
-            <a:ext cx="5019675" cy="1552576"/>
+        <p:spPr>
+          <a:xfrm>
+            <a:off x="251520" y="2890778"/>
+            <a:ext cx="5142857" cy="1114286"/>
           </a:xfrm>
           <a:prstGeom prst="rect">
             <a:avLst/>
           </a:prstGeom>
-          <a:noFill/>
-          <a:ln>
-            <a:noFill/>
-          </a:ln>
-          <a:extLst>
-            <a:ext uri="{909E8E84-426E-40DD-AFC4-6F175D3DCCD1}">
-              <a14:hiddenFill xmlns:a14="http://schemas.microsoft.com/office/drawing/2010/main">
-                <a:solidFill>
-                  <a:schemeClr val="accent1"/>
-                </a:solidFill>
-              </a14:hiddenFill>
-            </a:ext>
-            <a:ext uri="{91240B29-F687-4F45-9708-019B960494DF}">
-              <a14:hiddenLine xmlns:a14="http://schemas.microsoft.com/office/drawing/2010/main" w="9525">
-                <a:solidFill>
-                  <a:schemeClr val="tx1"/>
-                </a:solidFill>
-                <a:miter lim="800000"/>
-                <a:headEnd/>
-                <a:tailEnd/>
-              </a14:hiddenLine>
-            </a:ext>
-          </a:extLst>
         </p:spPr>
       </p:pic>
     </p:spTree>
@@ -4115,7 +4095,7 @@
         </p:blipFill>
         <p:spPr>
           <a:xfrm>
-            <a:off x="153244" y="3377066"/>
+            <a:off x="153244" y="3532270"/>
             <a:ext cx="6323809" cy="1485714"/>
           </a:xfrm>
           <a:prstGeom prst="rect">
@@ -4145,7 +4125,7 @@
         </p:blipFill>
         <p:spPr>
           <a:xfrm>
-            <a:off x="251520" y="4965450"/>
+            <a:off x="251520" y="5039421"/>
             <a:ext cx="5419048" cy="1733333"/>
           </a:xfrm>
           <a:prstGeom prst="rect">
@@ -4155,10 +4135,10 @@
       </p:pic>
       <p:pic>
         <p:nvPicPr>
-          <p:cNvPr id="5" name="図 4">
+          <p:cNvPr id="3" name="図 2">
             <a:extLst>
               <a:ext uri="{FF2B5EF4-FFF2-40B4-BE49-F238E27FC236}">
-                <a16:creationId xmlns:a16="http://schemas.microsoft.com/office/drawing/2014/main" id="{F684141A-6528-48A8-B6BA-E998F101CBD7}"/>
+                <a16:creationId xmlns:a16="http://schemas.microsoft.com/office/drawing/2014/main" id="{B51DDF89-C5F0-4B1D-B701-CB38507EBB0E}"/>
               </a:ext>
             </a:extLst>
           </p:cNvPr>
@@ -4175,8 +4155,8 @@
         </p:blipFill>
         <p:spPr>
           <a:xfrm>
-            <a:off x="4524672" y="1728216"/>
-            <a:ext cx="3904762" cy="1380952"/>
+            <a:off x="4291702" y="1749655"/>
+            <a:ext cx="4723809" cy="1666667"/>
           </a:xfrm>
           <a:prstGeom prst="rect">
             <a:avLst/>
@@ -5656,6 +5636,214 @@
     <p:extLst>
       <p:ext uri="{BB962C8B-B14F-4D97-AF65-F5344CB8AC3E}">
         <p14:creationId xmlns:p14="http://schemas.microsoft.com/office/powerpoint/2010/main" val="3099117497"/>
+      </p:ext>
+    </p:extLst>
+  </p:cSld>
+  <p:clrMapOvr>
+    <a:masterClrMapping/>
+  </p:clrMapOvr>
+</p:sld>
+</file>
+
+<file path=ppt/slides/slide24.xml><?xml version="1.0" encoding="utf-8"?>
+<p:sld xmlns:a="http://schemas.openxmlformats.org/drawingml/2006/main" xmlns:r="http://schemas.openxmlformats.org/officeDocument/2006/relationships" xmlns:p="http://schemas.openxmlformats.org/presentationml/2006/main">
+  <p:cSld>
+    <p:spTree>
+      <p:nvGrpSpPr>
+        <p:cNvPr id="1" name=""/>
+        <p:cNvGrpSpPr/>
+        <p:nvPr/>
+      </p:nvGrpSpPr>
+      <p:grpSpPr>
+        <a:xfrm>
+          <a:off x="0" y="0"/>
+          <a:ext cx="0" cy="0"/>
+          <a:chOff x="0" y="0"/>
+          <a:chExt cx="0" cy="0"/>
+        </a:xfrm>
+      </p:grpSpPr>
+      <p:sp>
+        <p:nvSpPr>
+          <p:cNvPr id="2" name="タイトル 1">
+            <a:extLst>
+              <a:ext uri="{FF2B5EF4-FFF2-40B4-BE49-F238E27FC236}">
+                <a16:creationId xmlns:a16="http://schemas.microsoft.com/office/drawing/2014/main" id="{6A5F27D3-48ED-4070-BBF2-EB5CD1F949E0}"/>
+              </a:ext>
+            </a:extLst>
+          </p:cNvPr>
+          <p:cNvSpPr>
+            <a:spLocks noGrp="1"/>
+          </p:cNvSpPr>
+          <p:nvPr>
+            <p:ph type="title"/>
+          </p:nvPr>
+        </p:nvSpPr>
+        <p:spPr/>
+        <p:txBody>
+          <a:bodyPr/>
+          <a:lstStyle/>
+          <a:p>
+            <a:r>
+              <a:rPr kumimoji="1" lang="en-US" altLang="ja-JP" dirty="0" err="1"/>
+              <a:t>XlsComment</a:t>
+            </a:r>
+            <a:endParaRPr kumimoji="1" lang="ja-JP" altLang="en-US" dirty="0"/>
+          </a:p>
+        </p:txBody>
+      </p:sp>
+      <p:pic>
+        <p:nvPicPr>
+          <p:cNvPr id="4" name="図 3">
+            <a:extLst>
+              <a:ext uri="{FF2B5EF4-FFF2-40B4-BE49-F238E27FC236}">
+                <a16:creationId xmlns:a16="http://schemas.microsoft.com/office/drawing/2014/main" id="{7333219C-2F8E-4563-93AA-24E91E209ACD}"/>
+              </a:ext>
+            </a:extLst>
+          </p:cNvPr>
+          <p:cNvPicPr>
+            <a:picLocks noChangeAspect="1"/>
+          </p:cNvPicPr>
+          <p:nvPr/>
+        </p:nvPicPr>
+        <p:blipFill>
+          <a:blip r:embed="rId2"/>
+          <a:stretch>
+            <a:fillRect/>
+          </a:stretch>
+        </p:blipFill>
+        <p:spPr>
+          <a:xfrm>
+            <a:off x="755576" y="1556792"/>
+            <a:ext cx="3342857" cy="1485714"/>
+          </a:xfrm>
+          <a:prstGeom prst="rect">
+            <a:avLst/>
+          </a:prstGeom>
+        </p:spPr>
+      </p:pic>
+    </p:spTree>
+    <p:extLst>
+      <p:ext uri="{BB962C8B-B14F-4D97-AF65-F5344CB8AC3E}">
+        <p14:creationId xmlns:p14="http://schemas.microsoft.com/office/powerpoint/2010/main" val="3080918023"/>
+      </p:ext>
+    </p:extLst>
+  </p:cSld>
+  <p:clrMapOvr>
+    <a:masterClrMapping/>
+  </p:clrMapOvr>
+</p:sld>
+</file>
+
+<file path=ppt/slides/slide25.xml><?xml version="1.0" encoding="utf-8"?>
+<p:sld xmlns:a="http://schemas.openxmlformats.org/drawingml/2006/main" xmlns:r="http://schemas.openxmlformats.org/officeDocument/2006/relationships" xmlns:p="http://schemas.openxmlformats.org/presentationml/2006/main">
+  <p:cSld>
+    <p:spTree>
+      <p:nvGrpSpPr>
+        <p:cNvPr id="1" name=""/>
+        <p:cNvGrpSpPr/>
+        <p:nvPr/>
+      </p:nvGrpSpPr>
+      <p:grpSpPr>
+        <a:xfrm>
+          <a:off x="0" y="0"/>
+          <a:ext cx="0" cy="0"/>
+          <a:chOff x="0" y="0"/>
+          <a:chExt cx="0" cy="0"/>
+        </a:xfrm>
+      </p:grpSpPr>
+      <p:sp>
+        <p:nvSpPr>
+          <p:cNvPr id="2" name="タイトル 1">
+            <a:extLst>
+              <a:ext uri="{FF2B5EF4-FFF2-40B4-BE49-F238E27FC236}">
+                <a16:creationId xmlns:a16="http://schemas.microsoft.com/office/drawing/2014/main" id="{1D414F04-663A-4910-A245-C0881C145680}"/>
+              </a:ext>
+            </a:extLst>
+          </p:cNvPr>
+          <p:cNvSpPr>
+            <a:spLocks noGrp="1"/>
+          </p:cNvSpPr>
+          <p:nvPr>
+            <p:ph type="title"/>
+          </p:nvPr>
+        </p:nvSpPr>
+        <p:spPr/>
+        <p:txBody>
+          <a:bodyPr/>
+          <a:lstStyle/>
+          <a:p>
+            <a:r>
+              <a:rPr kumimoji="1" lang="en-US" altLang="ja-JP" dirty="0" err="1"/>
+              <a:t>LabelledComment</a:t>
+            </a:r>
+            <a:endParaRPr kumimoji="1" lang="ja-JP" altLang="en-US" dirty="0"/>
+          </a:p>
+        </p:txBody>
+      </p:sp>
+      <p:pic>
+        <p:nvPicPr>
+          <p:cNvPr id="4" name="図 3">
+            <a:extLst>
+              <a:ext uri="{FF2B5EF4-FFF2-40B4-BE49-F238E27FC236}">
+                <a16:creationId xmlns:a16="http://schemas.microsoft.com/office/drawing/2014/main" id="{5635CE80-F3B2-452A-A87E-5928A2388D94}"/>
+              </a:ext>
+            </a:extLst>
+          </p:cNvPr>
+          <p:cNvPicPr>
+            <a:picLocks noChangeAspect="1"/>
+          </p:cNvPicPr>
+          <p:nvPr/>
+        </p:nvPicPr>
+        <p:blipFill>
+          <a:blip r:embed="rId2"/>
+          <a:stretch>
+            <a:fillRect/>
+          </a:stretch>
+        </p:blipFill>
+        <p:spPr>
+          <a:xfrm>
+            <a:off x="323528" y="1417638"/>
+            <a:ext cx="3038095" cy="1057143"/>
+          </a:xfrm>
+          <a:prstGeom prst="rect">
+            <a:avLst/>
+          </a:prstGeom>
+        </p:spPr>
+      </p:pic>
+      <p:pic>
+        <p:nvPicPr>
+          <p:cNvPr id="6" name="図 5">
+            <a:extLst>
+              <a:ext uri="{FF2B5EF4-FFF2-40B4-BE49-F238E27FC236}">
+                <a16:creationId xmlns:a16="http://schemas.microsoft.com/office/drawing/2014/main" id="{4B27FBF6-3A97-450C-8685-24F589AF81F4}"/>
+              </a:ext>
+            </a:extLst>
+          </p:cNvPr>
+          <p:cNvPicPr>
+            <a:picLocks noChangeAspect="1"/>
+          </p:cNvPicPr>
+          <p:nvPr/>
+        </p:nvPicPr>
+        <p:blipFill>
+          <a:blip r:embed="rId3"/>
+          <a:stretch>
+            <a:fillRect/>
+          </a:stretch>
+        </p:blipFill>
+        <p:spPr>
+          <a:xfrm>
+            <a:off x="480467" y="2708920"/>
+            <a:ext cx="4733333" cy="2352381"/>
+          </a:xfrm>
+          <a:prstGeom prst="rect">
+            <a:avLst/>
+          </a:prstGeom>
+        </p:spPr>
+      </p:pic>
+    </p:spTree>
+    <p:extLst>
+      <p:ext uri="{BB962C8B-B14F-4D97-AF65-F5344CB8AC3E}">
+        <p14:creationId xmlns:p14="http://schemas.microsoft.com/office/powerpoint/2010/main" val="960545896"/>
       </p:ext>
     </p:extLst>
   </p:cSld>

--- a/src/site/sphinx/memo/images.pptx
+++ b/src/site/sphinx/memo/images.pptx
@@ -30,6 +30,7 @@
     <p:sldId id="270" r:id="rId24"/>
     <p:sldId id="279" r:id="rId25"/>
     <p:sldId id="280" r:id="rId26"/>
+    <p:sldId id="281" r:id="rId27"/>
   </p:sldIdLst>
   <p:sldSz cx="9144000" cy="6858000" type="screen4x3"/>
   <p:notesSz cx="6858000" cy="9144000"/>
@@ -5832,7 +5833,7 @@
         </p:blipFill>
         <p:spPr>
           <a:xfrm>
-            <a:off x="480467" y="2708920"/>
+            <a:off x="467544" y="2708920"/>
             <a:ext cx="4733333" cy="2352381"/>
           </a:xfrm>
           <a:prstGeom prst="rect">
@@ -5844,6 +5845,125 @@
     <p:extLst>
       <p:ext uri="{BB962C8B-B14F-4D97-AF65-F5344CB8AC3E}">
         <p14:creationId xmlns:p14="http://schemas.microsoft.com/office/powerpoint/2010/main" val="960545896"/>
+      </p:ext>
+    </p:extLst>
+  </p:cSld>
+  <p:clrMapOvr>
+    <a:masterClrMapping/>
+  </p:clrMapOvr>
+</p:sld>
+</file>
+
+<file path=ppt/slides/slide26.xml><?xml version="1.0" encoding="utf-8"?>
+<p:sld xmlns:a="http://schemas.openxmlformats.org/drawingml/2006/main" xmlns:r="http://schemas.openxmlformats.org/officeDocument/2006/relationships" xmlns:p="http://schemas.openxmlformats.org/presentationml/2006/main">
+  <p:cSld>
+    <p:spTree>
+      <p:nvGrpSpPr>
+        <p:cNvPr id="1" name=""/>
+        <p:cNvGrpSpPr/>
+        <p:nvPr/>
+      </p:nvGrpSpPr>
+      <p:grpSpPr>
+        <a:xfrm>
+          <a:off x="0" y="0"/>
+          <a:ext cx="0" cy="0"/>
+          <a:chOff x="0" y="0"/>
+          <a:chExt cx="0" cy="0"/>
+        </a:xfrm>
+      </p:grpSpPr>
+      <p:sp>
+        <p:nvSpPr>
+          <p:cNvPr id="2" name="タイトル 1">
+            <a:extLst>
+              <a:ext uri="{FF2B5EF4-FFF2-40B4-BE49-F238E27FC236}">
+                <a16:creationId xmlns:a16="http://schemas.microsoft.com/office/drawing/2014/main" id="{88BDF22E-966E-43BE-B0E9-24D9BF9DA728}"/>
+              </a:ext>
+            </a:extLst>
+          </p:cNvPr>
+          <p:cNvSpPr>
+            <a:spLocks noGrp="1"/>
+          </p:cNvSpPr>
+          <p:nvPr>
+            <p:ph type="title"/>
+          </p:nvPr>
+        </p:nvSpPr>
+        <p:spPr/>
+        <p:txBody>
+          <a:bodyPr/>
+          <a:lstStyle/>
+          <a:p>
+            <a:r>
+              <a:rPr kumimoji="1" lang="en-US" altLang="ja-JP" dirty="0" err="1"/>
+              <a:t>CommentOption</a:t>
+            </a:r>
+            <a:endParaRPr kumimoji="1" lang="ja-JP" altLang="en-US" dirty="0"/>
+          </a:p>
+        </p:txBody>
+      </p:sp>
+      <p:pic>
+        <p:nvPicPr>
+          <p:cNvPr id="4" name="図 3">
+            <a:extLst>
+              <a:ext uri="{FF2B5EF4-FFF2-40B4-BE49-F238E27FC236}">
+                <a16:creationId xmlns:a16="http://schemas.microsoft.com/office/drawing/2014/main" id="{0B3E89D8-9459-41CF-8DDF-036E209A40F5}"/>
+              </a:ext>
+            </a:extLst>
+          </p:cNvPr>
+          <p:cNvPicPr>
+            <a:picLocks noChangeAspect="1"/>
+          </p:cNvPicPr>
+          <p:nvPr/>
+        </p:nvPicPr>
+        <p:blipFill>
+          <a:blip r:embed="rId2"/>
+          <a:stretch>
+            <a:fillRect/>
+          </a:stretch>
+        </p:blipFill>
+        <p:spPr>
+          <a:xfrm>
+            <a:off x="552952" y="2204864"/>
+            <a:ext cx="4019048" cy="1685714"/>
+          </a:xfrm>
+          <a:prstGeom prst="rect">
+            <a:avLst/>
+          </a:prstGeom>
+        </p:spPr>
+      </p:pic>
+      <p:pic>
+        <p:nvPicPr>
+          <p:cNvPr id="5" name="図 4">
+            <a:extLst>
+              <a:ext uri="{FF2B5EF4-FFF2-40B4-BE49-F238E27FC236}">
+                <a16:creationId xmlns:a16="http://schemas.microsoft.com/office/drawing/2014/main" id="{99889F40-2F0B-43B6-B6E8-F0E3D5418C9D}"/>
+              </a:ext>
+            </a:extLst>
+          </p:cNvPr>
+          <p:cNvPicPr>
+            <a:picLocks noChangeAspect="1"/>
+          </p:cNvPicPr>
+          <p:nvPr/>
+        </p:nvPicPr>
+        <p:blipFill>
+          <a:blip r:embed="rId3"/>
+          <a:stretch>
+            <a:fillRect/>
+          </a:stretch>
+        </p:blipFill>
+        <p:spPr>
+          <a:xfrm>
+            <a:off x="457200" y="1444278"/>
+            <a:ext cx="3961905" cy="485714"/>
+          </a:xfrm>
+          <a:prstGeom prst="rect">
+            <a:avLst/>
+          </a:prstGeom>
+        </p:spPr>
+      </p:pic>
+    </p:spTree>
+    <p:extLst>
+      <p:ext uri="{BB962C8B-B14F-4D97-AF65-F5344CB8AC3E}">
+        <p14:creationId xmlns:p14="http://schemas.microsoft.com/office/powerpoint/2010/main" val="1805050033"/>
       </p:ext>
     </p:extLst>
   </p:cSld>
